--- a/graphql-spring-node.pptx
+++ b/graphql-spring-node.pptx
@@ -7,14 +7,16 @@
   <p:sldIdLst>
     <p:sldId id="256" r:id="rId2"/>
     <p:sldId id="257" r:id="rId3"/>
-    <p:sldId id="265" r:id="rId4"/>
-    <p:sldId id="266" r:id="rId5"/>
-    <p:sldId id="258" r:id="rId6"/>
-    <p:sldId id="264" r:id="rId7"/>
-    <p:sldId id="259" r:id="rId8"/>
-    <p:sldId id="260" r:id="rId9"/>
-    <p:sldId id="262" r:id="rId10"/>
-    <p:sldId id="261" r:id="rId11"/>
+    <p:sldId id="267" r:id="rId4"/>
+    <p:sldId id="265" r:id="rId5"/>
+    <p:sldId id="266" r:id="rId6"/>
+    <p:sldId id="258" r:id="rId7"/>
+    <p:sldId id="264" r:id="rId8"/>
+    <p:sldId id="259" r:id="rId9"/>
+    <p:sldId id="260" r:id="rId10"/>
+    <p:sldId id="262" r:id="rId11"/>
+    <p:sldId id="261" r:id="rId12"/>
+    <p:sldId id="268" r:id="rId13"/>
   </p:sldIdLst>
   <p:sldSz cx="12192000" cy="6858000"/>
   <p:notesSz cx="6858000" cy="9144000"/>
@@ -252,7 +254,7 @@
           <a:p>
             <a:fld id="{30AEA17C-015C-4CF1-9764-B7DB070202A1}" type="datetimeFigureOut">
               <a:rPr lang="ru-RU" smtClean="0"/>
-              <a:t>19.12.2018</a:t>
+              <a:t>20.12.2018</a:t>
             </a:fld>
             <a:endParaRPr lang="ru-RU"/>
           </a:p>
@@ -422,7 +424,7 @@
           <a:p>
             <a:fld id="{30AEA17C-015C-4CF1-9764-B7DB070202A1}" type="datetimeFigureOut">
               <a:rPr lang="ru-RU" smtClean="0"/>
-              <a:t>19.12.2018</a:t>
+              <a:t>20.12.2018</a:t>
             </a:fld>
             <a:endParaRPr lang="ru-RU"/>
           </a:p>
@@ -602,7 +604,7 @@
           <a:p>
             <a:fld id="{30AEA17C-015C-4CF1-9764-B7DB070202A1}" type="datetimeFigureOut">
               <a:rPr lang="ru-RU" smtClean="0"/>
-              <a:t>19.12.2018</a:t>
+              <a:t>20.12.2018</a:t>
             </a:fld>
             <a:endParaRPr lang="ru-RU"/>
           </a:p>
@@ -772,7 +774,7 @@
           <a:p>
             <a:fld id="{30AEA17C-015C-4CF1-9764-B7DB070202A1}" type="datetimeFigureOut">
               <a:rPr lang="ru-RU" smtClean="0"/>
-              <a:t>19.12.2018</a:t>
+              <a:t>20.12.2018</a:t>
             </a:fld>
             <a:endParaRPr lang="ru-RU"/>
           </a:p>
@@ -1018,7 +1020,7 @@
           <a:p>
             <a:fld id="{30AEA17C-015C-4CF1-9764-B7DB070202A1}" type="datetimeFigureOut">
               <a:rPr lang="ru-RU" smtClean="0"/>
-              <a:t>19.12.2018</a:t>
+              <a:t>20.12.2018</a:t>
             </a:fld>
             <a:endParaRPr lang="ru-RU"/>
           </a:p>
@@ -1250,7 +1252,7 @@
           <a:p>
             <a:fld id="{30AEA17C-015C-4CF1-9764-B7DB070202A1}" type="datetimeFigureOut">
               <a:rPr lang="ru-RU" smtClean="0"/>
-              <a:t>19.12.2018</a:t>
+              <a:t>20.12.2018</a:t>
             </a:fld>
             <a:endParaRPr lang="ru-RU"/>
           </a:p>
@@ -1617,7 +1619,7 @@
           <a:p>
             <a:fld id="{30AEA17C-015C-4CF1-9764-B7DB070202A1}" type="datetimeFigureOut">
               <a:rPr lang="ru-RU" smtClean="0"/>
-              <a:t>19.12.2018</a:t>
+              <a:t>20.12.2018</a:t>
             </a:fld>
             <a:endParaRPr lang="ru-RU"/>
           </a:p>
@@ -1735,7 +1737,7 @@
           <a:p>
             <a:fld id="{30AEA17C-015C-4CF1-9764-B7DB070202A1}" type="datetimeFigureOut">
               <a:rPr lang="ru-RU" smtClean="0"/>
-              <a:t>19.12.2018</a:t>
+              <a:t>20.12.2018</a:t>
             </a:fld>
             <a:endParaRPr lang="ru-RU"/>
           </a:p>
@@ -1830,7 +1832,7 @@
           <a:p>
             <a:fld id="{30AEA17C-015C-4CF1-9764-B7DB070202A1}" type="datetimeFigureOut">
               <a:rPr lang="ru-RU" smtClean="0"/>
-              <a:t>19.12.2018</a:t>
+              <a:t>20.12.2018</a:t>
             </a:fld>
             <a:endParaRPr lang="ru-RU"/>
           </a:p>
@@ -2107,7 +2109,7 @@
           <a:p>
             <a:fld id="{30AEA17C-015C-4CF1-9764-B7DB070202A1}" type="datetimeFigureOut">
               <a:rPr lang="ru-RU" smtClean="0"/>
-              <a:t>19.12.2018</a:t>
+              <a:t>20.12.2018</a:t>
             </a:fld>
             <a:endParaRPr lang="ru-RU"/>
           </a:p>
@@ -2360,7 +2362,7 @@
           <a:p>
             <a:fld id="{30AEA17C-015C-4CF1-9764-B7DB070202A1}" type="datetimeFigureOut">
               <a:rPr lang="ru-RU" smtClean="0"/>
-              <a:t>19.12.2018</a:t>
+              <a:t>20.12.2018</a:t>
             </a:fld>
             <a:endParaRPr lang="ru-RU"/>
           </a:p>
@@ -2573,7 +2575,7 @@
           <a:p>
             <a:fld id="{30AEA17C-015C-4CF1-9764-B7DB070202A1}" type="datetimeFigureOut">
               <a:rPr lang="ru-RU" smtClean="0"/>
-              <a:t>19.12.2018</a:t>
+              <a:t>20.12.2018</a:t>
             </a:fld>
             <a:endParaRPr lang="ru-RU"/>
           </a:p>
@@ -3248,6 +3250,114 @@
           </a:p>
         </p:txBody>
       </p:sp>
+      <p:pic>
+        <p:nvPicPr>
+          <p:cNvPr id="2050" name="Picture 2" descr="ÐÐ¾Ñ+Ð¾Ð¶ÐµÐµ Ð¸Ð·Ð¾Ð±ÑÐ°Ð¶ÐµÐ½Ð¸Ðµ"/>
+          <p:cNvPicPr>
+            <a:picLocks noChangeAspect="1" noChangeArrowheads="1"/>
+          </p:cNvPicPr>
+          <p:nvPr/>
+        </p:nvPicPr>
+        <p:blipFill>
+          <a:blip r:embed="rId2">
+            <a:extLst>
+              <a:ext uri="{28A0092B-C50C-407E-A947-70E740481C1C}">
+                <a14:useLocalDpi xmlns:a14="http://schemas.microsoft.com/office/drawing/2010/main" val="0"/>
+              </a:ext>
+            </a:extLst>
+          </a:blip>
+          <a:srcRect/>
+          <a:stretch>
+            <a:fillRect/>
+          </a:stretch>
+        </p:blipFill>
+        <p:spPr bwMode="auto">
+          <a:xfrm>
+            <a:off x="640078" y="1682496"/>
+            <a:ext cx="10945370" cy="4142232"/>
+          </a:xfrm>
+          <a:prstGeom prst="rect">
+            <a:avLst/>
+          </a:prstGeom>
+          <a:noFill/>
+          <a:extLst>
+            <a:ext uri="{909E8E84-426E-40DD-AFC4-6F175D3DCCD1}">
+              <a14:hiddenFill xmlns:a14="http://schemas.microsoft.com/office/drawing/2010/main">
+                <a:solidFill>
+                  <a:srgbClr val="FFFFFF"/>
+                </a:solidFill>
+              </a14:hiddenFill>
+            </a:ext>
+          </a:extLst>
+        </p:spPr>
+      </p:pic>
+    </p:spTree>
+    <p:extLst>
+      <p:ext uri="{BB962C8B-B14F-4D97-AF65-F5344CB8AC3E}">
+        <p14:creationId xmlns:p14="http://schemas.microsoft.com/office/powerpoint/2010/main" val="3606356856"/>
+      </p:ext>
+    </p:extLst>
+  </p:cSld>
+  <p:clrMapOvr>
+    <a:masterClrMapping/>
+  </p:clrMapOvr>
+</p:sld>
+</file>
+
+<file path=ppt/slides/slide11.xml><?xml version="1.0" encoding="utf-8"?>
+<p:sld xmlns:a="http://schemas.openxmlformats.org/drawingml/2006/main" xmlns:r="http://schemas.openxmlformats.org/officeDocument/2006/relationships" xmlns:p="http://schemas.openxmlformats.org/presentationml/2006/main">
+  <p:cSld>
+    <p:spTree>
+      <p:nvGrpSpPr>
+        <p:cNvPr id="1" name=""/>
+        <p:cNvGrpSpPr/>
+        <p:nvPr/>
+      </p:nvGrpSpPr>
+      <p:grpSpPr>
+        <a:xfrm>
+          <a:off x="0" y="0"/>
+          <a:ext cx="0" cy="0"/>
+          <a:chOff x="0" y="0"/>
+          <a:chExt cx="0" cy="0"/>
+        </a:xfrm>
+      </p:grpSpPr>
+      <p:sp>
+        <p:nvSpPr>
+          <p:cNvPr id="2" name="Заголовок 1"/>
+          <p:cNvSpPr>
+            <a:spLocks noGrp="1"/>
+          </p:cNvSpPr>
+          <p:nvPr>
+            <p:ph type="title"/>
+          </p:nvPr>
+        </p:nvSpPr>
+        <p:spPr>
+          <a:xfrm>
+            <a:off x="640078" y="365125"/>
+            <a:ext cx="10945370" cy="713867"/>
+          </a:xfrm>
+        </p:spPr>
+        <p:txBody>
+          <a:bodyPr/>
+          <a:lstStyle/>
+          <a:p>
+            <a:r>
+              <a:rPr lang="en-US" u="sng" dirty="0" err="1" smtClean="0"/>
+              <a:t>Compillers</a:t>
+            </a:r>
+            <a:r>
+              <a:rPr lang="en-US" u="sng" dirty="0" smtClean="0"/>
+              <a:t> \ </a:t>
+            </a:r>
+            <a:r>
+              <a:rPr lang="en-US" u="sng" dirty="0" err="1" smtClean="0"/>
+              <a:t>Transpilers</a:t>
+            </a:r>
+            <a:endParaRPr lang="ru-RU" u="sng" dirty="0"/>
+          </a:p>
+        </p:txBody>
+      </p:sp>
       <p:graphicFrame>
         <p:nvGraphicFramePr>
           <p:cNvPr id="6" name="Таблица 5"/>
@@ -3257,7 +3367,7 @@
           <p:nvPr>
             <p:extLst>
               <p:ext uri="{D42A27DB-BD31-4B8C-83A1-F6EECF244321}">
-                <p14:modId xmlns:p14="http://schemas.microsoft.com/office/powerpoint/2010/main" val="4172956597"/>
+                <p14:modId xmlns:p14="http://schemas.microsoft.com/office/powerpoint/2010/main" val="245974906"/>
               </p:ext>
             </p:extLst>
           </p:nvPr>
@@ -3404,12 +3514,28 @@
                         <a:buChar char="•"/>
                       </a:pPr>
                       <a:r>
+                        <a:rPr lang="en-US" b="0" baseline="0" dirty="0" smtClean="0">
+                          <a:solidFill>
+                            <a:schemeClr val="tx1"/>
+                          </a:solidFill>
+                        </a:rPr>
+                        <a:t>go       </a:t>
+                      </a:r>
+                      <a:r>
+                        <a:rPr lang="en-US" b="0" baseline="0" dirty="0" smtClean="0">
+                          <a:solidFill>
+                            <a:schemeClr val="tx1"/>
+                          </a:solidFill>
+                        </a:rPr>
+                        <a:t>-&gt; c -&gt; </a:t>
+                      </a:r>
+                      <a:r>
                         <a:rPr lang="en-US" b="0" baseline="0" dirty="0" err="1" smtClean="0">
                           <a:solidFill>
                             <a:schemeClr val="tx1"/>
                           </a:solidFill>
                         </a:rPr>
-                        <a:t>cpp</a:t>
+                        <a:t>asm</a:t>
                       </a:r>
                       <a:r>
                         <a:rPr lang="en-US" b="0" baseline="0" dirty="0" smtClean="0">
@@ -3417,31 +3543,7 @@
                             <a:schemeClr val="tx1"/>
                           </a:solidFill>
                         </a:rPr>
-                        <a:t>     -&gt; c -&gt; </a:t>
-                      </a:r>
-                      <a:r>
-                        <a:rPr lang="en-US" b="0" baseline="0" dirty="0" err="1" smtClean="0">
-                          <a:solidFill>
-                            <a:schemeClr val="tx1"/>
-                          </a:solidFill>
-                        </a:rPr>
-                        <a:t>asm</a:t>
-                      </a:r>
-                      <a:r>
-                        <a:rPr lang="en-US" b="0" baseline="0" dirty="0" smtClean="0">
-                          <a:solidFill>
-                            <a:schemeClr val="tx1"/>
-                          </a:solidFill>
-                        </a:rPr>
-                        <a:t>    -&gt;</a:t>
-                      </a:r>
-                      <a:r>
-                        <a:rPr lang="en-US" baseline="0" dirty="0" smtClean="0">
-                          <a:solidFill>
-                            <a:schemeClr val="tx1"/>
-                          </a:solidFill>
-                        </a:rPr>
-                        <a:t> </a:t>
+                        <a:t>    -&gt; </a:t>
                       </a:r>
                       <a:r>
                         <a:rPr lang="en-US" b="0" baseline="0" dirty="0" smtClean="0">
@@ -3463,39 +3565,9 @@
                             <a:schemeClr val="tx1"/>
                           </a:solidFill>
                         </a:rPr>
-                        <a:t>go       -&gt; c -&gt; </a:t>
-                      </a:r>
-                      <a:r>
-                        <a:rPr lang="en-US" b="0" baseline="0" dirty="0" err="1" smtClean="0">
-                          <a:solidFill>
-                            <a:schemeClr val="tx1"/>
-                          </a:solidFill>
-                        </a:rPr>
-                        <a:t>asm</a:t>
-                      </a:r>
-                      <a:r>
-                        <a:rPr lang="en-US" b="0" baseline="0" dirty="0" smtClean="0">
-                          <a:solidFill>
-                            <a:schemeClr val="tx1"/>
-                          </a:solidFill>
-                        </a:rPr>
-                        <a:t>    -&gt; bytecode</a:t>
-                      </a:r>
-                    </a:p>
-                    <a:p>
-                      <a:pPr marL="742950" lvl="1" indent="-285750">
-                        <a:buFont typeface="Arial" panose="020B0604020202020204" pitchFamily="34" charset="0"/>
-                        <a:buChar char="•"/>
-                      </a:pPr>
-                      <a:r>
-                        <a:rPr lang="en-US" b="0" baseline="0" dirty="0" smtClean="0">
-                          <a:solidFill>
-                            <a:schemeClr val="tx1"/>
-                          </a:solidFill>
-                        </a:rPr>
-                        <a:t>. . .</a:t>
-                      </a:r>
-                      <a:endParaRPr lang="en-US" baseline="0" dirty="0" smtClean="0">
+                        <a:t>LLVM -&gt;                     -&gt; bytecode   </a:t>
+                      </a:r>
+                      <a:endParaRPr lang="en-US" b="0" baseline="0" dirty="0" smtClean="0">
                         <a:solidFill>
                           <a:schemeClr val="tx1"/>
                         </a:solidFill>
@@ -3523,6 +3595,45 @@
                             <a:schemeClr val="tx1"/>
                           </a:solidFill>
                         </a:rPr>
+                        <a:t>For LLVM</a:t>
+                      </a:r>
+                    </a:p>
+                    <a:p>
+                      <a:pPr marL="742950" lvl="1" indent="-285750">
+                        <a:buFont typeface="Arial" panose="020B0604020202020204" pitchFamily="34" charset="0"/>
+                        <a:buChar char="•"/>
+                      </a:pPr>
+                      <a:r>
+                        <a:rPr lang="en-US" b="0" baseline="0" dirty="0" smtClean="0">
+                          <a:solidFill>
+                            <a:schemeClr val="tx1"/>
+                          </a:solidFill>
+                        </a:rPr>
+                        <a:t>clang - &gt; LLVM</a:t>
+                      </a:r>
+                    </a:p>
+                    <a:p>
+                      <a:pPr marL="742950" lvl="1" indent="-285750">
+                        <a:buFont typeface="Arial" panose="020B0604020202020204" pitchFamily="34" charset="0"/>
+                        <a:buChar char="•"/>
+                      </a:pPr>
+                      <a:endParaRPr lang="en-US" sz="800" b="0" baseline="0" dirty="0" smtClean="0">
+                        <a:solidFill>
+                          <a:schemeClr val="tx1"/>
+                        </a:solidFill>
+                      </a:endParaRPr>
+                    </a:p>
+                    <a:p>
+                      <a:pPr marL="285750" indent="-285750">
+                        <a:buFont typeface="Arial" panose="020B0604020202020204" pitchFamily="34" charset="0"/>
+                        <a:buChar char="•"/>
+                      </a:pPr>
+                      <a:r>
+                        <a:rPr lang="en-US" b="1" baseline="0" dirty="0" smtClean="0">
+                          <a:solidFill>
+                            <a:schemeClr val="tx1"/>
+                          </a:solidFill>
+                        </a:rPr>
                         <a:t>For </a:t>
                       </a:r>
                       <a:r>
@@ -3566,29 +3677,36 @@
                             <a:schemeClr val="tx1"/>
                           </a:solidFill>
                         </a:rPr>
-                        <a:t> Runtime</a:t>
+                        <a:t> </a:t>
+                      </a:r>
+                      <a:r>
+                        <a:rPr lang="en-US" b="0" baseline="0" dirty="0" smtClean="0">
+                          <a:solidFill>
+                            <a:schemeClr val="tx1"/>
+                          </a:solidFill>
+                        </a:rPr>
+                        <a:t>Runtime</a:t>
                       </a:r>
                     </a:p>
                     <a:p>
-                      <a:pPr marL="742950" lvl="1" indent="-285750">
+                      <a:pPr marL="742950" marR="0" lvl="1" indent="-285750" algn="l" defTabSz="914400" rtl="0" eaLnBrk="1" fontAlgn="auto" latinLnBrk="0" hangingPunct="1">
+                        <a:lnSpc>
+                          <a:spcPct val="100000"/>
+                        </a:lnSpc>
+                        <a:spcBef>
+                          <a:spcPts val="0"/>
+                        </a:spcBef>
+                        <a:spcAft>
+                          <a:spcPts val="0"/>
+                        </a:spcAft>
+                        <a:buClrTx/>
+                        <a:buSzTx/>
                         <a:buFont typeface="Arial" panose="020B0604020202020204" pitchFamily="34" charset="0"/>
                         <a:buChar char="•"/>
+                        <a:tabLst/>
+                        <a:defRPr/>
                       </a:pPr>
-                      <a:r>
-                        <a:rPr lang="en-US" b="0" baseline="0" dirty="0" smtClean="0">
-                          <a:solidFill>
-                            <a:schemeClr val="tx1"/>
-                          </a:solidFill>
-                        </a:rPr>
-                        <a:t>. . .</a:t>
-                      </a:r>
-                    </a:p>
-                    <a:p>
-                      <a:pPr marL="285750" indent="-285750">
-                        <a:buFont typeface="Arial" panose="020B0604020202020204" pitchFamily="34" charset="0"/>
-                        <a:buChar char="•"/>
-                      </a:pPr>
-                      <a:endParaRPr lang="ru-RU" b="1" baseline="0" dirty="0" smtClean="0">
+                      <a:endParaRPr lang="en-US" sz="800" b="0" baseline="0" dirty="0" smtClean="0">
                         <a:solidFill>
                           <a:schemeClr val="tx1"/>
                         </a:solidFill>
@@ -3619,7 +3737,15 @@
                             <a:schemeClr val="tx1"/>
                           </a:solidFill>
                         </a:rPr>
-                        <a:t>Java - &gt; JVM </a:t>
+                        <a:t>Java </a:t>
+                      </a:r>
+                      <a:r>
+                        <a:rPr lang="en-US" b="0" baseline="0" dirty="0" smtClean="0">
+                          <a:solidFill>
+                            <a:schemeClr val="tx1"/>
+                          </a:solidFill>
+                        </a:rPr>
+                        <a:t>- &gt; JVM </a:t>
                       </a:r>
                     </a:p>
                     <a:p>
@@ -3656,20 +3782,6 @@
                           </a:solidFill>
                         </a:rPr>
                         <a:t>Scala -&gt; JVM</a:t>
-                      </a:r>
-                    </a:p>
-                    <a:p>
-                      <a:pPr marL="742950" lvl="1" indent="-285750">
-                        <a:buFont typeface="Arial" panose="020B0604020202020204" pitchFamily="34" charset="0"/>
-                        <a:buChar char="•"/>
-                      </a:pPr>
-                      <a:r>
-                        <a:rPr lang="en-US" b="0" baseline="0" dirty="0" smtClean="0">
-                          <a:solidFill>
-                            <a:schemeClr val="tx1"/>
-                          </a:solidFill>
-                        </a:rPr>
-                        <a:t>. . .</a:t>
                       </a:r>
                     </a:p>
                     <a:p>
@@ -3882,17 +3994,17 @@
                             <a:schemeClr val="tx1"/>
                           </a:solidFill>
                         </a:rPr>
-                        <a:t>C++ -&gt; C,</a:t>
-                      </a:r>
-                      <a:r>
-                        <a:rPr lang="en-US" b="0" baseline="0" dirty="0" smtClean="0">
-                          <a:solidFill>
-                            <a:schemeClr val="tx1"/>
-                          </a:solidFill>
-                        </a:rPr>
-                        <a:t> Pascal -&gt; C</a:t>
-                      </a:r>
-                      <a:endParaRPr lang="en-US" b="0" dirty="0" smtClean="0">
+                        <a:t>C++ -&gt; </a:t>
+                      </a:r>
+                      <a:r>
+                        <a:rPr lang="en-US" b="0" dirty="0" smtClean="0">
+                          <a:solidFill>
+                            <a:schemeClr val="tx1"/>
+                          </a:solidFill>
+                        </a:rPr>
+                        <a:t>C</a:t>
+                      </a:r>
+                      <a:endParaRPr lang="ru-RU" b="0" dirty="0" smtClean="0">
                         <a:solidFill>
                           <a:schemeClr val="tx1"/>
                         </a:solidFill>
@@ -3922,7 +4034,15 @@
                             <a:schemeClr val="tx1"/>
                           </a:solidFill>
                         </a:rPr>
-                        <a:t>GWT: Java -&gt; JavaScript</a:t>
+                        <a:t>GWT</a:t>
+                      </a:r>
+                      <a:r>
+                        <a:rPr lang="en-US" b="0" dirty="0" smtClean="0">
+                          <a:solidFill>
+                            <a:schemeClr val="tx1"/>
+                          </a:solidFill>
+                        </a:rPr>
+                        <a:t>: Java -&gt; JavaScript</a:t>
                       </a:r>
                     </a:p>
                     <a:p>
@@ -4224,6 +4344,269 @@
 </p:sld>
 </file>
 
+<file path=ppt/slides/slide12.xml><?xml version="1.0" encoding="utf-8"?>
+<p:sld xmlns:a="http://schemas.openxmlformats.org/drawingml/2006/main" xmlns:r="http://schemas.openxmlformats.org/officeDocument/2006/relationships" xmlns:p="http://schemas.openxmlformats.org/presentationml/2006/main">
+  <p:cSld>
+    <p:spTree>
+      <p:nvGrpSpPr>
+        <p:cNvPr id="1" name=""/>
+        <p:cNvGrpSpPr/>
+        <p:nvPr/>
+      </p:nvGrpSpPr>
+      <p:grpSpPr>
+        <a:xfrm>
+          <a:off x="0" y="0"/>
+          <a:ext cx="0" cy="0"/>
+          <a:chOff x="0" y="0"/>
+          <a:chExt cx="0" cy="0"/>
+        </a:xfrm>
+      </p:grpSpPr>
+      <p:sp>
+        <p:nvSpPr>
+          <p:cNvPr id="2" name="Заголовок 1"/>
+          <p:cNvSpPr>
+            <a:spLocks noGrp="1"/>
+          </p:cNvSpPr>
+          <p:nvPr>
+            <p:ph type="title"/>
+          </p:nvPr>
+        </p:nvSpPr>
+        <p:spPr>
+          <a:xfrm>
+            <a:off x="640078" y="365125"/>
+            <a:ext cx="10945370" cy="713867"/>
+          </a:xfrm>
+        </p:spPr>
+        <p:txBody>
+          <a:bodyPr/>
+          <a:lstStyle/>
+          <a:p>
+            <a:r>
+              <a:rPr lang="en-US" u="sng" dirty="0" smtClean="0"/>
+              <a:t>Oracle </a:t>
+            </a:r>
+            <a:r>
+              <a:rPr lang="en-US" u="sng" dirty="0" err="1" smtClean="0"/>
+              <a:t>GrallVM</a:t>
+            </a:r>
+            <a:endParaRPr lang="ru-RU" u="sng" dirty="0"/>
+          </a:p>
+        </p:txBody>
+      </p:sp>
+      <p:pic>
+        <p:nvPicPr>
+          <p:cNvPr id="3" name="Рисунок 2"/>
+          <p:cNvPicPr>
+            <a:picLocks noChangeAspect="1"/>
+          </p:cNvPicPr>
+          <p:nvPr/>
+        </p:nvPicPr>
+        <p:blipFill>
+          <a:blip r:embed="rId2"/>
+          <a:stretch>
+            <a:fillRect/>
+          </a:stretch>
+        </p:blipFill>
+        <p:spPr>
+          <a:xfrm>
+            <a:off x="640079" y="1058324"/>
+            <a:ext cx="6651971" cy="2817497"/>
+          </a:xfrm>
+          <a:prstGeom prst="rect">
+            <a:avLst/>
+          </a:prstGeom>
+        </p:spPr>
+      </p:pic>
+      <p:pic>
+        <p:nvPicPr>
+          <p:cNvPr id="1028" name="Picture 4" descr="https://pbs.twimg.com/media/Dd0_1_fVAAAQ5J-.jpg"/>
+          <p:cNvPicPr>
+            <a:picLocks noChangeAspect="1" noChangeArrowheads="1"/>
+          </p:cNvPicPr>
+          <p:nvPr/>
+        </p:nvPicPr>
+        <p:blipFill>
+          <a:blip r:embed="rId3" cstate="print">
+            <a:extLst>
+              <a:ext uri="{28A0092B-C50C-407E-A947-70E740481C1C}">
+                <a14:useLocalDpi xmlns:a14="http://schemas.microsoft.com/office/drawing/2010/main" val="0"/>
+              </a:ext>
+            </a:extLst>
+          </a:blip>
+          <a:srcRect/>
+          <a:stretch>
+            <a:fillRect/>
+          </a:stretch>
+        </p:blipFill>
+        <p:spPr bwMode="auto">
+          <a:xfrm>
+            <a:off x="7567150" y="3276621"/>
+            <a:ext cx="4018297" cy="3171106"/>
+          </a:xfrm>
+          <a:prstGeom prst="rect">
+            <a:avLst/>
+          </a:prstGeom>
+          <a:noFill/>
+          <a:extLst>
+            <a:ext uri="{909E8E84-426E-40DD-AFC4-6F175D3DCCD1}">
+              <a14:hiddenFill xmlns:a14="http://schemas.microsoft.com/office/drawing/2010/main">
+                <a:solidFill>
+                  <a:srgbClr val="FFFFFF"/>
+                </a:solidFill>
+              </a14:hiddenFill>
+            </a:ext>
+          </a:extLst>
+        </p:spPr>
+      </p:pic>
+      <p:pic>
+        <p:nvPicPr>
+          <p:cNvPr id="1030" name="Picture 6" descr="https://www.javacodegeeks.com/wp-content/uploads/2018/09/GraalVsHotSpot.png"/>
+          <p:cNvPicPr>
+            <a:picLocks noChangeAspect="1" noChangeArrowheads="1"/>
+          </p:cNvPicPr>
+          <p:nvPr/>
+        </p:nvPicPr>
+        <p:blipFill>
+          <a:blip r:embed="rId4" cstate="print">
+            <a:extLst>
+              <a:ext uri="{28A0092B-C50C-407E-A947-70E740481C1C}">
+                <a14:useLocalDpi xmlns:a14="http://schemas.microsoft.com/office/drawing/2010/main" val="0"/>
+              </a:ext>
+            </a:extLst>
+          </a:blip>
+          <a:srcRect/>
+          <a:stretch>
+            <a:fillRect/>
+          </a:stretch>
+        </p:blipFill>
+        <p:spPr bwMode="auto">
+          <a:xfrm>
+            <a:off x="7534431" y="611459"/>
+            <a:ext cx="4083733" cy="2523747"/>
+          </a:xfrm>
+          <a:prstGeom prst="rect">
+            <a:avLst/>
+          </a:prstGeom>
+          <a:noFill/>
+          <a:extLst>
+            <a:ext uri="{909E8E84-426E-40DD-AFC4-6F175D3DCCD1}">
+              <a14:hiddenFill xmlns:a14="http://schemas.microsoft.com/office/drawing/2010/main">
+                <a:solidFill>
+                  <a:srgbClr val="FFFFFF"/>
+                </a:solidFill>
+              </a14:hiddenFill>
+            </a:ext>
+          </a:extLst>
+        </p:spPr>
+      </p:pic>
+      <p:sp>
+        <p:nvSpPr>
+          <p:cNvPr id="4" name="TextBox 3"/>
+          <p:cNvSpPr txBox="1"/>
+          <p:nvPr/>
+        </p:nvSpPr>
+        <p:spPr>
+          <a:xfrm>
+            <a:off x="640077" y="4062709"/>
+            <a:ext cx="6651973" cy="2308324"/>
+          </a:xfrm>
+          <a:prstGeom prst="rect">
+            <a:avLst/>
+          </a:prstGeom>
+          <a:noFill/>
+        </p:spPr>
+        <p:txBody>
+          <a:bodyPr wrap="square" rtlCol="0">
+            <a:spAutoFit/>
+          </a:bodyPr>
+          <a:lstStyle/>
+          <a:p>
+            <a:pPr marL="285750" indent="-285750">
+              <a:buFont typeface="Arial" panose="020B0604020202020204" pitchFamily="34" charset="0"/>
+              <a:buChar char="•"/>
+            </a:pPr>
+            <a:r>
+              <a:rPr lang="en-US" dirty="0" err="1"/>
+              <a:t>GraalVM</a:t>
+            </a:r>
+            <a:r>
+              <a:rPr lang="en-US" dirty="0"/>
+              <a:t> is a </a:t>
+            </a:r>
+            <a:r>
+              <a:rPr lang="en-US" b="1" dirty="0"/>
+              <a:t>universal virtual machine </a:t>
+            </a:r>
+            <a:r>
+              <a:rPr lang="en-US" dirty="0"/>
+              <a:t>for running applications written in JavaScript, Python, Ruby, R, JVM-based languages like Java, Scala, </a:t>
+            </a:r>
+            <a:r>
+              <a:rPr lang="en-US" dirty="0" err="1"/>
+              <a:t>Kotlin</a:t>
+            </a:r>
+            <a:r>
+              <a:rPr lang="en-US" dirty="0"/>
+              <a:t>, </a:t>
+            </a:r>
+            <a:r>
+              <a:rPr lang="en-US" dirty="0" err="1"/>
+              <a:t>Clojure</a:t>
+            </a:r>
+            <a:r>
+              <a:rPr lang="en-US" dirty="0"/>
+              <a:t>, and LLVM-based languages such as C and C</a:t>
+            </a:r>
+            <a:r>
+              <a:rPr lang="en-US" dirty="0" smtClean="0"/>
+              <a:t>++</a:t>
+            </a:r>
+          </a:p>
+          <a:p>
+            <a:pPr marL="285750" indent="-285750">
+              <a:buFont typeface="Arial" panose="020B0604020202020204" pitchFamily="34" charset="0"/>
+              <a:buChar char="•"/>
+            </a:pPr>
+            <a:endParaRPr lang="ru-RU" dirty="0" smtClean="0"/>
+          </a:p>
+          <a:p>
+            <a:pPr marL="285750" indent="-285750">
+              <a:buFont typeface="Arial" panose="020B0604020202020204" pitchFamily="34" charset="0"/>
+              <a:buChar char="•"/>
+            </a:pPr>
+            <a:r>
+              <a:rPr lang="en-US" b="1" dirty="0"/>
+              <a:t>Native images </a:t>
+            </a:r>
+            <a:r>
+              <a:rPr lang="en-US" dirty="0"/>
+              <a:t>compiled with </a:t>
+            </a:r>
+            <a:r>
+              <a:rPr lang="en-US" dirty="0" err="1"/>
+              <a:t>GraalVM</a:t>
+            </a:r>
+            <a:r>
+              <a:rPr lang="en-US" dirty="0"/>
+              <a:t> ahead-of-time improve the startup time and reduce the memory footprint of JVM-based applications.</a:t>
+            </a:r>
+            <a:endParaRPr lang="ru-RU" dirty="0"/>
+          </a:p>
+        </p:txBody>
+      </p:sp>
+    </p:spTree>
+    <p:extLst>
+      <p:ext uri="{BB962C8B-B14F-4D97-AF65-F5344CB8AC3E}">
+        <p14:creationId xmlns:p14="http://schemas.microsoft.com/office/powerpoint/2010/main" val="3091595268"/>
+      </p:ext>
+    </p:extLst>
+  </p:cSld>
+  <p:clrMapOvr>
+    <a:masterClrMapping/>
+  </p:clrMapOvr>
+</p:sld>
+</file>
+
 <file path=ppt/slides/slide2.xml><?xml version="1.0" encoding="utf-8"?>
 <p:sld xmlns:a="http://schemas.openxmlformats.org/drawingml/2006/main" xmlns:r="http://schemas.openxmlformats.org/officeDocument/2006/relationships" xmlns:p="http://schemas.openxmlformats.org/presentationml/2006/main">
   <p:cSld>
@@ -4398,72 +4781,30 @@
                   <a:srgbClr val="00B050"/>
                 </a:solidFill>
               </a:rPr>
-              <a:t>Модульная архитектура, библиотеки для разных </a:t>
-            </a:r>
+              <a:t>Модульная архитектура, библиотеки для разных технологий</a:t>
+            </a:r>
+            <a:r>
+              <a:rPr lang="en-US" dirty="0" smtClean="0">
+                <a:solidFill>
+                  <a:srgbClr val="00B050"/>
+                </a:solidFill>
+              </a:rPr>
+              <a:t> (frameworks)</a:t>
+            </a:r>
+          </a:p>
+          <a:p>
+            <a:pPr marL="800100" lvl="1" indent="-342900">
+              <a:buFont typeface="Arial" panose="020B0604020202020204" pitchFamily="34" charset="0"/>
+              <a:buChar char="•"/>
+            </a:pPr>
             <a:r>
               <a:rPr lang="ru-RU" dirty="0" smtClean="0">
                 <a:solidFill>
                   <a:srgbClr val="00B050"/>
                 </a:solidFill>
               </a:rPr>
-              <a:t>технологий</a:t>
-            </a:r>
-            <a:r>
-              <a:rPr lang="en-US" dirty="0" smtClean="0">
-                <a:solidFill>
-                  <a:srgbClr val="00B050"/>
-                </a:solidFill>
-              </a:rPr>
-              <a:t> (</a:t>
-            </a:r>
-            <a:r>
-              <a:rPr lang="en-US" dirty="0" smtClean="0">
-                <a:solidFill>
-                  <a:srgbClr val="00B050"/>
-                </a:solidFill>
-              </a:rPr>
-              <a:t>frameworks</a:t>
-            </a:r>
-            <a:r>
-              <a:rPr lang="en-US" dirty="0" smtClean="0">
-                <a:solidFill>
-                  <a:srgbClr val="00B050"/>
-                </a:solidFill>
-              </a:rPr>
-              <a:t>)</a:t>
-            </a:r>
-            <a:endParaRPr lang="en-US" dirty="0" smtClean="0">
-              <a:solidFill>
-                <a:srgbClr val="00B050"/>
-              </a:solidFill>
-            </a:endParaRPr>
-          </a:p>
-          <a:p>
-            <a:pPr marL="800100" lvl="1" indent="-342900">
-              <a:buFont typeface="Arial" panose="020B0604020202020204" pitchFamily="34" charset="0"/>
-              <a:buChar char="•"/>
-            </a:pPr>
-            <a:r>
-              <a:rPr lang="ru-RU" dirty="0" smtClean="0">
-                <a:solidFill>
-                  <a:srgbClr val="00B050"/>
-                </a:solidFill>
-              </a:rPr>
-              <a:t>Менеджеры пакетов и средства сборки </a:t>
-            </a:r>
-            <a:r>
-              <a:rPr lang="ru-RU" dirty="0" smtClean="0">
-                <a:solidFill>
-                  <a:srgbClr val="00B050"/>
-                </a:solidFill>
-              </a:rPr>
-              <a:t>приложений</a:t>
-            </a:r>
-            <a:endParaRPr lang="ru-RU" dirty="0" smtClean="0">
-              <a:solidFill>
-                <a:srgbClr val="00B050"/>
-              </a:solidFill>
-            </a:endParaRPr>
+              <a:t>Менеджеры пакетов и средства сборки приложений</a:t>
+            </a:r>
           </a:p>
           <a:p>
             <a:pPr marL="800100" lvl="1" indent="-342900">
@@ -4728,6 +5069,437 @@
         </p:nvSpPr>
         <p:spPr>
           <a:xfrm>
+            <a:off x="838200" y="365125"/>
+            <a:ext cx="10515600" cy="713867"/>
+          </a:xfrm>
+        </p:spPr>
+        <p:txBody>
+          <a:bodyPr/>
+          <a:lstStyle/>
+          <a:p>
+            <a:r>
+              <a:rPr lang="ru-RU" u="sng" dirty="0" smtClean="0"/>
+              <a:t>О чем буду рассказывать   (часть </a:t>
+            </a:r>
+            <a:r>
+              <a:rPr lang="en-US" u="sng" dirty="0" smtClean="0"/>
+              <a:t>2</a:t>
+            </a:r>
+            <a:r>
+              <a:rPr lang="ru-RU" u="sng" dirty="0" smtClean="0"/>
+              <a:t>)</a:t>
+            </a:r>
+            <a:endParaRPr lang="ru-RU" u="sng" dirty="0"/>
+          </a:p>
+        </p:txBody>
+      </p:sp>
+      <p:sp>
+        <p:nvSpPr>
+          <p:cNvPr id="3" name="TextBox 2"/>
+          <p:cNvSpPr txBox="1"/>
+          <p:nvPr/>
+        </p:nvSpPr>
+        <p:spPr>
+          <a:xfrm>
+            <a:off x="640080" y="1207008"/>
+            <a:ext cx="10945368" cy="4370427"/>
+          </a:xfrm>
+          <a:prstGeom prst="rect">
+            <a:avLst/>
+          </a:prstGeom>
+          <a:noFill/>
+        </p:spPr>
+        <p:txBody>
+          <a:bodyPr wrap="square" rtlCol="0">
+            <a:spAutoFit/>
+          </a:bodyPr>
+          <a:lstStyle/>
+          <a:p>
+            <a:pPr marL="342900" indent="-342900">
+              <a:buFont typeface="+mj-lt"/>
+              <a:buAutoNum type="arabicPeriod"/>
+            </a:pPr>
+            <a:r>
+              <a:rPr lang="en-US" sz="2000" b="1" dirty="0" smtClean="0"/>
+              <a:t>JavaScript </a:t>
+            </a:r>
+            <a:r>
+              <a:rPr lang="ru-RU" sz="2000" b="1" dirty="0" smtClean="0"/>
+              <a:t>в 2018 году</a:t>
+            </a:r>
+            <a:r>
+              <a:rPr lang="en-US" sz="2000" b="1" dirty="0" smtClean="0"/>
+              <a:t>: </a:t>
+            </a:r>
+            <a:endParaRPr lang="en-US" sz="2000" b="1" dirty="0" smtClean="0"/>
+          </a:p>
+          <a:p>
+            <a:pPr marL="800100" lvl="1" indent="-342900">
+              <a:buFont typeface="Arial" panose="020B0604020202020204" pitchFamily="34" charset="0"/>
+              <a:buChar char="•"/>
+            </a:pPr>
+            <a:r>
+              <a:rPr lang="ru-RU" dirty="0" smtClean="0"/>
+              <a:t>История </a:t>
+            </a:r>
+            <a:r>
+              <a:rPr lang="en-US" dirty="0" smtClean="0"/>
+              <a:t>JavaScript </a:t>
+            </a:r>
+            <a:r>
+              <a:rPr lang="ru-RU" dirty="0" smtClean="0"/>
+              <a:t>или почему я его не любил</a:t>
+            </a:r>
+            <a:r>
+              <a:rPr lang="en-US" dirty="0" smtClean="0"/>
+              <a:t> (… </a:t>
+            </a:r>
+            <a:r>
+              <a:rPr lang="ru-RU" dirty="0" smtClean="0"/>
+              <a:t>потому, что у меня ружья не было…</a:t>
+            </a:r>
+            <a:r>
+              <a:rPr lang="en-US" dirty="0" smtClean="0"/>
+              <a:t>)</a:t>
+            </a:r>
+          </a:p>
+          <a:p>
+            <a:pPr marL="800100" lvl="1" indent="-342900">
+              <a:buFont typeface="Arial" panose="020B0604020202020204" pitchFamily="34" charset="0"/>
+              <a:buChar char="•"/>
+            </a:pPr>
+            <a:r>
+              <a:rPr lang="en-US" dirty="0" smtClean="0"/>
+              <a:t>JavaScript </a:t>
+            </a:r>
+            <a:r>
+              <a:rPr lang="ru-RU" dirty="0" smtClean="0"/>
+              <a:t>стандарты</a:t>
+            </a:r>
+            <a:r>
+              <a:rPr lang="en-US" dirty="0" smtClean="0"/>
+              <a:t> </a:t>
+            </a:r>
+            <a:r>
+              <a:rPr lang="en-US" dirty="0" smtClean="0"/>
+              <a:t>ECMAScript (ES</a:t>
+            </a:r>
+            <a:r>
+              <a:rPr lang="ru-RU" dirty="0" smtClean="0"/>
+              <a:t>5\6\7</a:t>
+            </a:r>
+            <a:r>
+              <a:rPr lang="en-US" dirty="0" smtClean="0"/>
+              <a:t>)</a:t>
+            </a:r>
+          </a:p>
+          <a:p>
+            <a:pPr marL="800100" lvl="1" indent="-342900">
+              <a:buFont typeface="Arial" panose="020B0604020202020204" pitchFamily="34" charset="0"/>
+              <a:buChar char="•"/>
+            </a:pPr>
+            <a:r>
+              <a:rPr lang="ru-RU" dirty="0" smtClean="0"/>
+              <a:t>Новые языки на базе </a:t>
+            </a:r>
+            <a:r>
+              <a:rPr lang="en-US" dirty="0" smtClean="0"/>
+              <a:t>JavaScript: </a:t>
+            </a:r>
+            <a:r>
+              <a:rPr lang="en-US" dirty="0" err="1" smtClean="0"/>
+              <a:t>TypeScript</a:t>
+            </a:r>
+            <a:r>
+              <a:rPr lang="en-US" dirty="0" smtClean="0"/>
+              <a:t>, </a:t>
+            </a:r>
+            <a:r>
+              <a:rPr lang="en-US" dirty="0" err="1" smtClean="0"/>
+              <a:t>CoffeeScript</a:t>
+            </a:r>
+            <a:r>
+              <a:rPr lang="en-US" dirty="0" smtClean="0"/>
+              <a:t>, Dart, …</a:t>
+            </a:r>
+          </a:p>
+          <a:p>
+            <a:pPr marL="800100" lvl="1" indent="-342900">
+              <a:buFont typeface="Arial" panose="020B0604020202020204" pitchFamily="34" charset="0"/>
+              <a:buChar char="•"/>
+            </a:pPr>
+            <a:r>
+              <a:rPr lang="ru-RU" dirty="0" smtClean="0"/>
+              <a:t>Наконец то в </a:t>
+            </a:r>
+            <a:r>
+              <a:rPr lang="en-US" dirty="0" smtClean="0"/>
+              <a:t>JavaScript </a:t>
+            </a:r>
+            <a:r>
+              <a:rPr lang="ru-RU" dirty="0" smtClean="0"/>
+              <a:t>есть статическая типизация с </a:t>
+            </a:r>
+            <a:r>
+              <a:rPr lang="en-US" dirty="0" err="1" smtClean="0"/>
+              <a:t>TypeScript</a:t>
+            </a:r>
+            <a:endParaRPr lang="en-US" dirty="0" smtClean="0"/>
+          </a:p>
+          <a:p>
+            <a:pPr marL="800100" lvl="1" indent="-342900">
+              <a:buFont typeface="Arial" panose="020B0604020202020204" pitchFamily="34" charset="0"/>
+              <a:buChar char="•"/>
+            </a:pPr>
+            <a:r>
+              <a:rPr lang="ru-RU" dirty="0" smtClean="0"/>
+              <a:t>Инструментарий</a:t>
+            </a:r>
+            <a:r>
+              <a:rPr lang="en-US" dirty="0" smtClean="0"/>
+              <a:t>:</a:t>
+            </a:r>
+            <a:r>
+              <a:rPr lang="ru-RU" dirty="0" smtClean="0"/>
+              <a:t>  </a:t>
+            </a:r>
+            <a:r>
+              <a:rPr lang="en-US" dirty="0" err="1" smtClean="0"/>
+              <a:t>transpillers</a:t>
+            </a:r>
+            <a:r>
+              <a:rPr lang="ru-RU" dirty="0" smtClean="0"/>
+              <a:t>, системы сборки, </a:t>
+            </a:r>
+            <a:r>
+              <a:rPr lang="en-US" dirty="0" smtClean="0"/>
+              <a:t>linters</a:t>
+            </a:r>
+            <a:r>
+              <a:rPr lang="ru-RU" dirty="0" smtClean="0"/>
+              <a:t> </a:t>
+            </a:r>
+            <a:r>
+              <a:rPr lang="en-US" dirty="0" smtClean="0"/>
+              <a:t>  </a:t>
+            </a:r>
+            <a:endParaRPr lang="en-US" dirty="0"/>
+          </a:p>
+          <a:p>
+            <a:pPr marL="800100" lvl="1" indent="-342900">
+              <a:buFont typeface="Arial" panose="020B0604020202020204" pitchFamily="34" charset="0"/>
+              <a:buChar char="•"/>
+            </a:pPr>
+            <a:endParaRPr lang="ru-RU" b="1" dirty="0" smtClean="0"/>
+          </a:p>
+          <a:p>
+            <a:pPr marL="342900" indent="-342900">
+              <a:buFont typeface="+mj-lt"/>
+              <a:buAutoNum type="arabicPeriod"/>
+            </a:pPr>
+            <a:r>
+              <a:rPr lang="en-US" sz="2000" b="1" dirty="0" err="1" smtClean="0"/>
+              <a:t>NodeJS</a:t>
+            </a:r>
+            <a:r>
+              <a:rPr lang="en-US" sz="2000" b="1" dirty="0" smtClean="0"/>
+              <a:t> </a:t>
+            </a:r>
+            <a:r>
+              <a:rPr lang="ru-RU" sz="2000" b="1" dirty="0" smtClean="0"/>
+              <a:t>сервер</a:t>
+            </a:r>
+            <a:endParaRPr lang="ru-RU" dirty="0" smtClean="0"/>
+          </a:p>
+          <a:p>
+            <a:pPr marL="742950" lvl="1" indent="-285750">
+              <a:buFont typeface="Arial" panose="020B0604020202020204" pitchFamily="34" charset="0"/>
+              <a:buChar char="•"/>
+            </a:pPr>
+            <a:endParaRPr lang="ru-RU" dirty="0" smtClean="0"/>
+          </a:p>
+          <a:p>
+            <a:pPr marL="342900" indent="-342900">
+              <a:buFont typeface="+mj-lt"/>
+              <a:buAutoNum type="arabicPeriod"/>
+            </a:pPr>
+            <a:r>
+              <a:rPr lang="ru-RU" sz="2000" b="1" dirty="0" smtClean="0"/>
+              <a:t>Реализация </a:t>
+            </a:r>
+            <a:r>
+              <a:rPr lang="en-US" sz="2000" b="1" dirty="0" err="1" smtClean="0"/>
+              <a:t>GraphQL</a:t>
+            </a:r>
+            <a:r>
+              <a:rPr lang="en-US" sz="2000" b="1" dirty="0" smtClean="0"/>
+              <a:t> </a:t>
+            </a:r>
+            <a:r>
+              <a:rPr lang="ru-RU" sz="2000" b="1" dirty="0" smtClean="0"/>
+              <a:t>сервера на </a:t>
+            </a:r>
+            <a:r>
+              <a:rPr lang="en-US" sz="2000" b="1" dirty="0" err="1" smtClean="0"/>
+              <a:t>NodeJS</a:t>
+            </a:r>
+            <a:endParaRPr lang="ru-RU" sz="2000" b="1" dirty="0" smtClean="0"/>
+          </a:p>
+          <a:p>
+            <a:pPr marL="800100" lvl="1" indent="-342900">
+              <a:buFont typeface="Arial" panose="020B0604020202020204" pitchFamily="34" charset="0"/>
+              <a:buChar char="•"/>
+            </a:pPr>
+            <a:r>
+              <a:rPr lang="en-US" dirty="0" err="1" smtClean="0"/>
+              <a:t>NodeJS</a:t>
+            </a:r>
+            <a:r>
+              <a:rPr lang="en-US" dirty="0" smtClean="0"/>
+              <a:t> + </a:t>
+            </a:r>
+            <a:r>
+              <a:rPr lang="en-US" dirty="0" err="1" smtClean="0"/>
+              <a:t>ApolloServer</a:t>
+            </a:r>
+            <a:r>
+              <a:rPr lang="ru-RU" dirty="0" smtClean="0"/>
+              <a:t> </a:t>
+            </a:r>
+            <a:r>
+              <a:rPr lang="ru-RU" dirty="0"/>
+              <a:t>+ </a:t>
+            </a:r>
+            <a:r>
+              <a:rPr lang="en-US" dirty="0" smtClean="0"/>
+              <a:t>Express + DB ORM (</a:t>
+            </a:r>
+            <a:r>
+              <a:rPr lang="ru-RU" dirty="0"/>
+              <a:t>S</a:t>
+            </a:r>
+            <a:r>
+              <a:rPr lang="en-US" dirty="0"/>
+              <a:t>e</a:t>
+            </a:r>
+            <a:r>
+              <a:rPr lang="ru-RU" dirty="0" err="1"/>
+              <a:t>qu</a:t>
+            </a:r>
+            <a:r>
+              <a:rPr lang="en-US" dirty="0"/>
+              <a:t>e</a:t>
+            </a:r>
+            <a:r>
+              <a:rPr lang="ru-RU" dirty="0" err="1"/>
+              <a:t>lize</a:t>
+            </a:r>
+            <a:r>
+              <a:rPr lang="en-US" dirty="0" smtClean="0"/>
+              <a:t>)</a:t>
+            </a:r>
+            <a:r>
+              <a:rPr lang="ru-RU" dirty="0" smtClean="0"/>
+              <a:t> </a:t>
+            </a:r>
+            <a:r>
+              <a:rPr lang="ru-RU" dirty="0"/>
+              <a:t>+ </a:t>
+            </a:r>
+            <a:r>
+              <a:rPr lang="en-US" dirty="0" err="1"/>
+              <a:t>jwt</a:t>
+            </a:r>
+            <a:r>
+              <a:rPr lang="ru-RU" dirty="0"/>
+              <a:t> + </a:t>
+            </a:r>
+            <a:r>
+              <a:rPr lang="en-US" dirty="0" err="1" smtClean="0"/>
+              <a:t>DataLoader</a:t>
+            </a:r>
+            <a:endParaRPr lang="ru-RU" dirty="0" smtClean="0"/>
+          </a:p>
+          <a:p>
+            <a:pPr marL="800100" lvl="1" indent="-342900">
+              <a:buFont typeface="Arial" panose="020B0604020202020204" pitchFamily="34" charset="0"/>
+              <a:buChar char="•"/>
+            </a:pPr>
+            <a:endParaRPr lang="ru-RU" dirty="0"/>
+          </a:p>
+          <a:p>
+            <a:pPr marL="342900" indent="-342900">
+              <a:buFont typeface="+mj-lt"/>
+              <a:buAutoNum type="arabicPeriod"/>
+            </a:pPr>
+            <a:r>
+              <a:rPr lang="ru-RU" b="1" dirty="0" smtClean="0"/>
+              <a:t>Бонус</a:t>
+            </a:r>
+            <a:r>
+              <a:rPr lang="en-US" b="1" dirty="0" smtClean="0"/>
+              <a:t>: Oracle </a:t>
+            </a:r>
+            <a:r>
+              <a:rPr lang="en-US" b="1" dirty="0" err="1" smtClean="0"/>
+              <a:t>GlaalVM</a:t>
+            </a:r>
+            <a:endParaRPr lang="ru-RU" b="1" dirty="0"/>
+          </a:p>
+          <a:p>
+            <a:endParaRPr lang="en-US" dirty="0" smtClean="0"/>
+          </a:p>
+          <a:p>
+            <a:pPr marL="800100" lvl="1" indent="-342900">
+              <a:buFont typeface="Arial" panose="020B0604020202020204" pitchFamily="34" charset="0"/>
+              <a:buChar char="•"/>
+            </a:pPr>
+            <a:endParaRPr lang="ru-RU" dirty="0"/>
+          </a:p>
+        </p:txBody>
+      </p:sp>
+    </p:spTree>
+    <p:extLst>
+      <p:ext uri="{BB962C8B-B14F-4D97-AF65-F5344CB8AC3E}">
+        <p14:creationId xmlns:p14="http://schemas.microsoft.com/office/powerpoint/2010/main" val="1883819094"/>
+      </p:ext>
+    </p:extLst>
+  </p:cSld>
+  <p:clrMapOvr>
+    <a:masterClrMapping/>
+  </p:clrMapOvr>
+</p:sld>
+</file>
+
+<file path=ppt/slides/slide4.xml><?xml version="1.0" encoding="utf-8"?>
+<p:sld xmlns:a="http://schemas.openxmlformats.org/drawingml/2006/main" xmlns:r="http://schemas.openxmlformats.org/officeDocument/2006/relationships" xmlns:p="http://schemas.openxmlformats.org/presentationml/2006/main">
+  <p:cSld>
+    <p:spTree>
+      <p:nvGrpSpPr>
+        <p:cNvPr id="1" name=""/>
+        <p:cNvGrpSpPr/>
+        <p:nvPr/>
+      </p:nvGrpSpPr>
+      <p:grpSpPr>
+        <a:xfrm>
+          <a:off x="0" y="0"/>
+          <a:ext cx="0" cy="0"/>
+          <a:chOff x="0" y="0"/>
+          <a:chExt cx="0" cy="0"/>
+        </a:xfrm>
+      </p:grpSpPr>
+      <p:sp>
+        <p:nvSpPr>
+          <p:cNvPr id="2" name="Заголовок 1"/>
+          <p:cNvSpPr>
+            <a:spLocks noGrp="1"/>
+          </p:cNvSpPr>
+          <p:nvPr>
+            <p:ph type="title"/>
+          </p:nvPr>
+        </p:nvSpPr>
+        <p:spPr>
+          <a:xfrm>
             <a:off x="640080" y="365125"/>
             <a:ext cx="10945368" cy="713867"/>
           </a:xfrm>
@@ -4740,11 +5512,7 @@
           <a:p>
             <a:r>
               <a:rPr lang="ru-RU" u="sng" dirty="0" smtClean="0"/>
-              <a:t>Менеджеры </a:t>
-            </a:r>
-            <a:r>
-              <a:rPr lang="ru-RU" u="sng" dirty="0" smtClean="0"/>
-              <a:t>пакетов</a:t>
+              <a:t>Менеджеры пакетов</a:t>
             </a:r>
             <a:endParaRPr lang="ru-RU" u="sng" dirty="0"/>
           </a:p>
@@ -4778,23 +5546,7 @@
             </a:pPr>
             <a:r>
               <a:rPr lang="ru-RU" b="1" dirty="0" smtClean="0"/>
-              <a:t>Настройка кеширования </a:t>
-            </a:r>
-            <a:r>
-              <a:rPr lang="ru-RU" b="1" dirty="0" smtClean="0"/>
-              <a:t>для </a:t>
-            </a:r>
-            <a:r>
-              <a:rPr lang="ru-RU" b="1" dirty="0" smtClean="0"/>
-              <a:t>ускорения </a:t>
-            </a:r>
-            <a:r>
-              <a:rPr lang="ru-RU" b="1" dirty="0" smtClean="0"/>
-              <a:t>получения </a:t>
-            </a:r>
-            <a:r>
-              <a:rPr lang="ru-RU" b="1" dirty="0" smtClean="0"/>
-              <a:t>пакетов</a:t>
+              <a:t>Настройка кеширования для ускорения получения пакетов</a:t>
             </a:r>
             <a:r>
               <a:rPr lang="en-US" b="1" dirty="0" smtClean="0"/>
@@ -4808,7 +5560,6 @@
               <a:rPr lang="en-US" b="1" dirty="0" smtClean="0"/>
               <a:t>):</a:t>
             </a:r>
-            <a:endParaRPr lang="en-US" b="1" dirty="0" smtClean="0"/>
           </a:p>
           <a:p>
             <a:pPr marL="742950" lvl="1" indent="-285750">
@@ -4876,11 +5627,7 @@
             </a:r>
             <a:r>
               <a:rPr lang="en-US" dirty="0" smtClean="0"/>
-              <a:t>SET </a:t>
-            </a:r>
-            <a:r>
-              <a:rPr lang="en-US" dirty="0" smtClean="0"/>
-              <a:t>GRADLE_USER_HOME=C:\DEV\gradle.repo</a:t>
+              <a:t>SET GRADLE_USER_HOME=C:\DEV\gradle.repo</a:t>
             </a:r>
           </a:p>
           <a:p>
@@ -4910,11 +5657,7 @@
             </a:r>
             <a:r>
               <a:rPr lang="en-US" dirty="0" smtClean="0"/>
-              <a:t> --global set cache "C:\DEV\node.npmcache</a:t>
-            </a:r>
-            <a:r>
-              <a:rPr lang="en-US" dirty="0" smtClean="0"/>
-              <a:t>“</a:t>
+              <a:t> --global set cache "C:\DEV\node.npmcache“</a:t>
             </a:r>
             <a:endParaRPr lang="ru-RU" dirty="0"/>
           </a:p>
@@ -5161,7 +5904,7 @@
 </p:sld>
 </file>
 
-<file path=ppt/slides/slide4.xml><?xml version="1.0" encoding="utf-8"?>
+<file path=ppt/slides/slide5.xml><?xml version="1.0" encoding="utf-8"?>
 <p:sld xmlns:a="http://schemas.openxmlformats.org/drawingml/2006/main" xmlns:r="http://schemas.openxmlformats.org/officeDocument/2006/relationships" xmlns:p="http://schemas.openxmlformats.org/presentationml/2006/main">
   <p:cSld>
     <p:spTree>
@@ -5554,7 +6297,7 @@
 </p:sld>
 </file>
 
-<file path=ppt/slides/slide5.xml><?xml version="1.0" encoding="utf-8"?>
+<file path=ppt/slides/slide6.xml><?xml version="1.0" encoding="utf-8"?>
 <p:sld xmlns:a="http://schemas.openxmlformats.org/drawingml/2006/main" xmlns:r="http://schemas.openxmlformats.org/officeDocument/2006/relationships" xmlns:p="http://schemas.openxmlformats.org/presentationml/2006/main">
   <p:cSld>
     <p:spTree>
@@ -5877,7 +6620,7 @@
 </p:sld>
 </file>
 
-<file path=ppt/slides/slide6.xml><?xml version="1.0" encoding="utf-8"?>
+<file path=ppt/slides/slide7.xml><?xml version="1.0" encoding="utf-8"?>
 <p:sld xmlns:a="http://schemas.openxmlformats.org/drawingml/2006/main" xmlns:r="http://schemas.openxmlformats.org/officeDocument/2006/relationships" xmlns:p="http://schemas.openxmlformats.org/presentationml/2006/main">
   <p:cSld>
     <p:spTree>
@@ -6287,7 +7030,7 @@
 </p:sld>
 </file>
 
-<file path=ppt/slides/slide7.xml><?xml version="1.0" encoding="utf-8"?>
+<file path=ppt/slides/slide8.xml><?xml version="1.0" encoding="utf-8"?>
 <p:sld xmlns:a="http://schemas.openxmlformats.org/drawingml/2006/main" xmlns:r="http://schemas.openxmlformats.org/officeDocument/2006/relationships" xmlns:p="http://schemas.openxmlformats.org/presentationml/2006/main">
   <p:cSld>
     <p:spTree>
@@ -7058,7 +7801,7 @@
 </p:sld>
 </file>
 
-<file path=ppt/slides/slide8.xml><?xml version="1.0" encoding="utf-8"?>
+<file path=ppt/slides/slide9.xml><?xml version="1.0" encoding="utf-8"?>
 <p:sld xmlns:a="http://schemas.openxmlformats.org/drawingml/2006/main" xmlns:r="http://schemas.openxmlformats.org/officeDocument/2006/relationships" xmlns:p="http://schemas.openxmlformats.org/presentationml/2006/main">
   <p:cSld>
     <p:spTree>
@@ -7235,114 +7978,6 @@
     <p:extLst>
       <p:ext uri="{BB962C8B-B14F-4D97-AF65-F5344CB8AC3E}">
         <p14:creationId xmlns:p14="http://schemas.microsoft.com/office/powerpoint/2010/main" val="2712017805"/>
-      </p:ext>
-    </p:extLst>
-  </p:cSld>
-  <p:clrMapOvr>
-    <a:masterClrMapping/>
-  </p:clrMapOvr>
-</p:sld>
-</file>
-
-<file path=ppt/slides/slide9.xml><?xml version="1.0" encoding="utf-8"?>
-<p:sld xmlns:a="http://schemas.openxmlformats.org/drawingml/2006/main" xmlns:r="http://schemas.openxmlformats.org/officeDocument/2006/relationships" xmlns:p="http://schemas.openxmlformats.org/presentationml/2006/main">
-  <p:cSld>
-    <p:spTree>
-      <p:nvGrpSpPr>
-        <p:cNvPr id="1" name=""/>
-        <p:cNvGrpSpPr/>
-        <p:nvPr/>
-      </p:nvGrpSpPr>
-      <p:grpSpPr>
-        <a:xfrm>
-          <a:off x="0" y="0"/>
-          <a:ext cx="0" cy="0"/>
-          <a:chOff x="0" y="0"/>
-          <a:chExt cx="0" cy="0"/>
-        </a:xfrm>
-      </p:grpSpPr>
-      <p:sp>
-        <p:nvSpPr>
-          <p:cNvPr id="2" name="Заголовок 1"/>
-          <p:cNvSpPr>
-            <a:spLocks noGrp="1"/>
-          </p:cNvSpPr>
-          <p:nvPr>
-            <p:ph type="title"/>
-          </p:nvPr>
-        </p:nvSpPr>
-        <p:spPr>
-          <a:xfrm>
-            <a:off x="640078" y="365125"/>
-            <a:ext cx="10945370" cy="713867"/>
-          </a:xfrm>
-        </p:spPr>
-        <p:txBody>
-          <a:bodyPr/>
-          <a:lstStyle/>
-          <a:p>
-            <a:r>
-              <a:rPr lang="en-US" u="sng" dirty="0" err="1" smtClean="0"/>
-              <a:t>Compillers</a:t>
-            </a:r>
-            <a:r>
-              <a:rPr lang="en-US" u="sng" dirty="0" smtClean="0"/>
-              <a:t> \ </a:t>
-            </a:r>
-            <a:r>
-              <a:rPr lang="en-US" u="sng" dirty="0" err="1" smtClean="0"/>
-              <a:t>Transpilers</a:t>
-            </a:r>
-            <a:endParaRPr lang="ru-RU" u="sng" dirty="0"/>
-          </a:p>
-        </p:txBody>
-      </p:sp>
-      <p:pic>
-        <p:nvPicPr>
-          <p:cNvPr id="2050" name="Picture 2" descr="ÐÐ¾Ñ-Ð¾Ð¶ÐµÐµ Ð¸Ð·Ð¾Ð±ÑÐ°Ð¶ÐµÐ½Ð¸Ðµ"/>
-          <p:cNvPicPr>
-            <a:picLocks noChangeAspect="1" noChangeArrowheads="1"/>
-          </p:cNvPicPr>
-          <p:nvPr/>
-        </p:nvPicPr>
-        <p:blipFill>
-          <a:blip r:embed="rId2">
-            <a:extLst>
-              <a:ext uri="{28A0092B-C50C-407E-A947-70E740481C1C}">
-                <a14:useLocalDpi xmlns:a14="http://schemas.microsoft.com/office/drawing/2010/main" val="0"/>
-              </a:ext>
-            </a:extLst>
-          </a:blip>
-          <a:srcRect/>
-          <a:stretch>
-            <a:fillRect/>
-          </a:stretch>
-        </p:blipFill>
-        <p:spPr bwMode="auto">
-          <a:xfrm>
-            <a:off x="640078" y="1682496"/>
-            <a:ext cx="10945370" cy="4142232"/>
-          </a:xfrm>
-          <a:prstGeom prst="rect">
-            <a:avLst/>
-          </a:prstGeom>
-          <a:noFill/>
-          <a:extLst>
-            <a:ext uri="{909E8E84-426E-40DD-AFC4-6F175D3DCCD1}">
-              <a14:hiddenFill xmlns:a14="http://schemas.microsoft.com/office/drawing/2010/main">
-                <a:solidFill>
-                  <a:srgbClr val="FFFFFF"/>
-                </a:solidFill>
-              </a14:hiddenFill>
-            </a:ext>
-          </a:extLst>
-        </p:spPr>
-      </p:pic>
-    </p:spTree>
-    <p:extLst>
-      <p:ext uri="{BB962C8B-B14F-4D97-AF65-F5344CB8AC3E}">
-        <p14:creationId xmlns:p14="http://schemas.microsoft.com/office/powerpoint/2010/main" val="3606356856"/>
       </p:ext>
     </p:extLst>
   </p:cSld>

--- a/graphql-spring-node.pptx
+++ b/graphql-spring-node.pptx
@@ -8,15 +8,19 @@
     <p:sldId id="256" r:id="rId2"/>
     <p:sldId id="257" r:id="rId3"/>
     <p:sldId id="267" r:id="rId4"/>
-    <p:sldId id="265" r:id="rId5"/>
-    <p:sldId id="266" r:id="rId6"/>
-    <p:sldId id="258" r:id="rId7"/>
-    <p:sldId id="264" r:id="rId8"/>
-    <p:sldId id="259" r:id="rId9"/>
-    <p:sldId id="260" r:id="rId10"/>
-    <p:sldId id="262" r:id="rId11"/>
-    <p:sldId id="261" r:id="rId12"/>
-    <p:sldId id="268" r:id="rId13"/>
+    <p:sldId id="272" r:id="rId5"/>
+    <p:sldId id="265" r:id="rId6"/>
+    <p:sldId id="269" r:id="rId7"/>
+    <p:sldId id="266" r:id="rId8"/>
+    <p:sldId id="258" r:id="rId9"/>
+    <p:sldId id="264" r:id="rId10"/>
+    <p:sldId id="270" r:id="rId11"/>
+    <p:sldId id="259" r:id="rId12"/>
+    <p:sldId id="260" r:id="rId13"/>
+    <p:sldId id="262" r:id="rId14"/>
+    <p:sldId id="261" r:id="rId15"/>
+    <p:sldId id="271" r:id="rId16"/>
+    <p:sldId id="268" r:id="rId17"/>
   </p:sldIdLst>
   <p:sldSz cx="12192000" cy="6858000"/>
   <p:notesSz cx="6858000" cy="9144000"/>
@@ -3235,6 +3239,1081 @@
           <a:lstStyle/>
           <a:p>
             <a:r>
+              <a:rPr lang="en-US" u="sng" dirty="0"/>
+              <a:t>JavaScript </a:t>
+            </a:r>
+            <a:r>
+              <a:rPr lang="ru-RU" u="sng" dirty="0" smtClean="0"/>
+              <a:t>сегодня</a:t>
+            </a:r>
+            <a:r>
+              <a:rPr lang="en-US" u="sng" dirty="0" smtClean="0"/>
+              <a:t>:</a:t>
+            </a:r>
+            <a:r>
+              <a:rPr lang="ru-RU" u="sng" dirty="0" smtClean="0"/>
+              <a:t> Белый лебедь.</a:t>
+            </a:r>
+            <a:endParaRPr lang="ru-RU" u="sng" dirty="0"/>
+          </a:p>
+        </p:txBody>
+      </p:sp>
+      <p:pic>
+        <p:nvPicPr>
+          <p:cNvPr id="3" name="Рисунок 2"/>
+          <p:cNvPicPr>
+            <a:picLocks noChangeAspect="1"/>
+          </p:cNvPicPr>
+          <p:nvPr/>
+        </p:nvPicPr>
+        <p:blipFill>
+          <a:blip r:embed="rId2"/>
+          <a:stretch>
+            <a:fillRect/>
+          </a:stretch>
+        </p:blipFill>
+        <p:spPr>
+          <a:xfrm>
+            <a:off x="640078" y="1414659"/>
+            <a:ext cx="5269952" cy="4361110"/>
+          </a:xfrm>
+          <a:prstGeom prst="rect">
+            <a:avLst/>
+          </a:prstGeom>
+        </p:spPr>
+      </p:pic>
+      <p:pic>
+        <p:nvPicPr>
+          <p:cNvPr id="4" name="Рисунок 3"/>
+          <p:cNvPicPr>
+            <a:picLocks noChangeAspect="1"/>
+          </p:cNvPicPr>
+          <p:nvPr/>
+        </p:nvPicPr>
+        <p:blipFill>
+          <a:blip r:embed="rId3"/>
+          <a:stretch>
+            <a:fillRect/>
+          </a:stretch>
+        </p:blipFill>
+        <p:spPr>
+          <a:xfrm>
+            <a:off x="6056426" y="1414659"/>
+            <a:ext cx="5529022" cy="4361110"/>
+          </a:xfrm>
+          <a:prstGeom prst="rect">
+            <a:avLst/>
+          </a:prstGeom>
+        </p:spPr>
+      </p:pic>
+    </p:spTree>
+    <p:extLst>
+      <p:ext uri="{BB962C8B-B14F-4D97-AF65-F5344CB8AC3E}">
+        <p14:creationId xmlns:p14="http://schemas.microsoft.com/office/powerpoint/2010/main" val="1033456977"/>
+      </p:ext>
+    </p:extLst>
+  </p:cSld>
+  <p:clrMapOvr>
+    <a:masterClrMapping/>
+  </p:clrMapOvr>
+</p:sld>
+</file>
+
+<file path=ppt/slides/slide11.xml><?xml version="1.0" encoding="utf-8"?>
+<p:sld xmlns:a="http://schemas.openxmlformats.org/drawingml/2006/main" xmlns:r="http://schemas.openxmlformats.org/officeDocument/2006/relationships" xmlns:p="http://schemas.openxmlformats.org/presentationml/2006/main">
+  <p:cSld>
+    <p:spTree>
+      <p:nvGrpSpPr>
+        <p:cNvPr id="1" name=""/>
+        <p:cNvGrpSpPr/>
+        <p:nvPr/>
+      </p:nvGrpSpPr>
+      <p:grpSpPr>
+        <a:xfrm>
+          <a:off x="0" y="0"/>
+          <a:ext cx="0" cy="0"/>
+          <a:chOff x="0" y="0"/>
+          <a:chExt cx="0" cy="0"/>
+        </a:xfrm>
+      </p:grpSpPr>
+      <p:sp>
+        <p:nvSpPr>
+          <p:cNvPr id="2" name="Заголовок 1"/>
+          <p:cNvSpPr>
+            <a:spLocks noGrp="1"/>
+          </p:cNvSpPr>
+          <p:nvPr>
+            <p:ph type="title"/>
+          </p:nvPr>
+        </p:nvSpPr>
+        <p:spPr>
+          <a:xfrm>
+            <a:off x="640078" y="365125"/>
+            <a:ext cx="10945370" cy="713867"/>
+          </a:xfrm>
+        </p:spPr>
+        <p:txBody>
+          <a:bodyPr/>
+          <a:lstStyle/>
+          <a:p>
+            <a:r>
+              <a:rPr lang="ru-RU" u="sng" dirty="0" smtClean="0"/>
+              <a:t>Стандарты языка </a:t>
+            </a:r>
+            <a:r>
+              <a:rPr lang="en-US" u="sng" dirty="0" smtClean="0"/>
+              <a:t>JavaScript</a:t>
+            </a:r>
+            <a:endParaRPr lang="ru-RU" u="sng" dirty="0"/>
+          </a:p>
+        </p:txBody>
+      </p:sp>
+      <p:pic>
+        <p:nvPicPr>
+          <p:cNvPr id="4" name="Рисунок 3"/>
+          <p:cNvPicPr>
+            <a:picLocks noChangeAspect="1"/>
+          </p:cNvPicPr>
+          <p:nvPr/>
+        </p:nvPicPr>
+        <p:blipFill>
+          <a:blip r:embed="rId2"/>
+          <a:stretch>
+            <a:fillRect/>
+          </a:stretch>
+        </p:blipFill>
+        <p:spPr>
+          <a:xfrm>
+            <a:off x="640078" y="4342078"/>
+            <a:ext cx="8658225" cy="2019300"/>
+          </a:xfrm>
+          <a:prstGeom prst="rect">
+            <a:avLst/>
+          </a:prstGeom>
+        </p:spPr>
+      </p:pic>
+      <p:graphicFrame>
+        <p:nvGraphicFramePr>
+          <p:cNvPr id="5" name="Таблица 4"/>
+          <p:cNvGraphicFramePr>
+            <a:graphicFrameLocks noGrp="1"/>
+          </p:cNvGraphicFramePr>
+          <p:nvPr>
+            <p:extLst>
+              <p:ext uri="{D42A27DB-BD31-4B8C-83A1-F6EECF244321}">
+                <p14:modId xmlns:p14="http://schemas.microsoft.com/office/powerpoint/2010/main" val="101050326"/>
+              </p:ext>
+            </p:extLst>
+          </p:nvPr>
+        </p:nvGraphicFramePr>
+        <p:xfrm>
+          <a:off x="640078" y="1078992"/>
+          <a:ext cx="10945370" cy="3108960"/>
+        </p:xfrm>
+        <a:graphic>
+          <a:graphicData uri="http://schemas.openxmlformats.org/drawingml/2006/table">
+            <a:tbl>
+              <a:tblPr firstRow="1" bandRow="1">
+                <a:tableStyleId>{5C22544A-7EE6-4342-B048-85BDC9FD1C3A}</a:tableStyleId>
+              </a:tblPr>
+              <a:tblGrid>
+                <a:gridCol w="4553714">
+                  <a:extLst>
+                    <a:ext uri="{9D8B030D-6E8A-4147-A177-3AD203B41FA5}">
+                      <a16:colId xmlns:a16="http://schemas.microsoft.com/office/drawing/2014/main" val="255323170"/>
+                    </a:ext>
+                  </a:extLst>
+                </a:gridCol>
+                <a:gridCol w="6391656">
+                  <a:extLst>
+                    <a:ext uri="{9D8B030D-6E8A-4147-A177-3AD203B41FA5}">
+                      <a16:colId xmlns:a16="http://schemas.microsoft.com/office/drawing/2014/main" val="2782776366"/>
+                    </a:ext>
+                  </a:extLst>
+                </a:gridCol>
+              </a:tblGrid>
+              <a:tr h="2825496">
+                <a:tc>
+                  <a:txBody>
+                    <a:bodyPr/>
+                    <a:lstStyle/>
+                    <a:p>
+                      <a:pPr marL="0" marR="0" lvl="0" indent="0" algn="l" defTabSz="914400" rtl="0" eaLnBrk="1" fontAlgn="auto" latinLnBrk="0" hangingPunct="1">
+                        <a:lnSpc>
+                          <a:spcPct val="100000"/>
+                        </a:lnSpc>
+                        <a:spcBef>
+                          <a:spcPts val="0"/>
+                        </a:spcBef>
+                        <a:spcAft>
+                          <a:spcPts val="0"/>
+                        </a:spcAft>
+                        <a:buClrTx/>
+                        <a:buSzTx/>
+                        <a:buFont typeface="Arial" panose="020B0604020202020204" pitchFamily="34" charset="0"/>
+                        <a:buNone/>
+                        <a:tabLst/>
+                        <a:defRPr/>
+                      </a:pPr>
+                      <a:r>
+                        <a:rPr lang="ru-RU" b="1" dirty="0" smtClean="0">
+                          <a:solidFill>
+                            <a:srgbClr val="0070C0"/>
+                          </a:solidFill>
+                        </a:rPr>
+                        <a:t>Спецификации языка </a:t>
+                      </a:r>
+                      <a:r>
+                        <a:rPr lang="en-US" b="1" dirty="0" smtClean="0">
+                          <a:solidFill>
+                            <a:srgbClr val="0070C0"/>
+                          </a:solidFill>
+                        </a:rPr>
+                        <a:t>JavaScript</a:t>
+                      </a:r>
+                      <a:endParaRPr lang="ru-RU" b="1" dirty="0" smtClean="0">
+                        <a:solidFill>
+                          <a:srgbClr val="0070C0"/>
+                        </a:solidFill>
+                      </a:endParaRPr>
+                    </a:p>
+                    <a:p>
+                      <a:pPr marL="0" marR="0" lvl="0" indent="0" algn="l" defTabSz="914400" rtl="0" eaLnBrk="1" fontAlgn="auto" latinLnBrk="0" hangingPunct="1">
+                        <a:lnSpc>
+                          <a:spcPct val="100000"/>
+                        </a:lnSpc>
+                        <a:spcBef>
+                          <a:spcPts val="0"/>
+                        </a:spcBef>
+                        <a:spcAft>
+                          <a:spcPts val="0"/>
+                        </a:spcAft>
+                        <a:buClrTx/>
+                        <a:buSzTx/>
+                        <a:buFont typeface="Arial" panose="020B0604020202020204" pitchFamily="34" charset="0"/>
+                        <a:buNone/>
+                        <a:tabLst/>
+                        <a:defRPr/>
+                      </a:pPr>
+                      <a:r>
+                        <a:rPr lang="en-US" b="0" dirty="0" smtClean="0">
+                          <a:solidFill>
+                            <a:schemeClr val="tx1"/>
+                          </a:solidFill>
+                        </a:rPr>
+                        <a:t>https://en.wikipedia.org/wiki/ECMAScript</a:t>
+                      </a:r>
+                    </a:p>
+                    <a:p>
+                      <a:pPr marL="285750" marR="0" lvl="0" indent="-285750" algn="l" defTabSz="914400" rtl="0" eaLnBrk="1" fontAlgn="auto" latinLnBrk="0" hangingPunct="1">
+                        <a:lnSpc>
+                          <a:spcPct val="100000"/>
+                        </a:lnSpc>
+                        <a:spcBef>
+                          <a:spcPts val="0"/>
+                        </a:spcBef>
+                        <a:spcAft>
+                          <a:spcPts val="0"/>
+                        </a:spcAft>
+                        <a:buClrTx/>
+                        <a:buSzTx/>
+                        <a:buFont typeface="Arial" panose="020B0604020202020204" pitchFamily="34" charset="0"/>
+                        <a:buChar char="•"/>
+                        <a:tabLst/>
+                        <a:defRPr/>
+                      </a:pPr>
+                      <a:r>
+                        <a:rPr lang="en-US" b="0" dirty="0" smtClean="0">
+                          <a:solidFill>
+                            <a:srgbClr val="00B050"/>
+                          </a:solidFill>
+                        </a:rPr>
+                        <a:t>ES5    \ </a:t>
+                      </a:r>
+                      <a:r>
+                        <a:rPr lang="en-US" sz="1800" b="0" i="0" kern="1200" dirty="0" smtClean="0">
+                          <a:solidFill>
+                            <a:srgbClr val="00B050"/>
+                          </a:solidFill>
+                          <a:effectLst/>
+                          <a:latin typeface="+mn-lt"/>
+                          <a:ea typeface="+mn-ea"/>
+                          <a:cs typeface="+mn-cs"/>
+                        </a:rPr>
+                        <a:t>ECMAScript v5 (2009)</a:t>
+                      </a:r>
+                      <a:endParaRPr lang="en-US" b="0" dirty="0" smtClean="0">
+                        <a:solidFill>
+                          <a:srgbClr val="00B050"/>
+                        </a:solidFill>
+                      </a:endParaRPr>
+                    </a:p>
+                    <a:p>
+                      <a:pPr marL="285750" marR="0" lvl="0" indent="-285750" algn="l" defTabSz="914400" rtl="0" eaLnBrk="1" fontAlgn="auto" latinLnBrk="0" hangingPunct="1">
+                        <a:lnSpc>
+                          <a:spcPct val="100000"/>
+                        </a:lnSpc>
+                        <a:spcBef>
+                          <a:spcPts val="0"/>
+                        </a:spcBef>
+                        <a:spcAft>
+                          <a:spcPts val="0"/>
+                        </a:spcAft>
+                        <a:buClrTx/>
+                        <a:buSzTx/>
+                        <a:buFont typeface="Arial" panose="020B0604020202020204" pitchFamily="34" charset="0"/>
+                        <a:buChar char="•"/>
+                        <a:tabLst/>
+                        <a:defRPr/>
+                      </a:pPr>
+                      <a:r>
+                        <a:rPr lang="en-US" b="0" dirty="0" smtClean="0">
+                          <a:solidFill>
+                            <a:schemeClr val="tx1"/>
+                          </a:solidFill>
+                        </a:rPr>
+                        <a:t>ES5.1 \ </a:t>
+                      </a:r>
+                      <a:r>
+                        <a:rPr lang="en-US" sz="1800" b="0" i="0" kern="1200" dirty="0" smtClean="0">
+                          <a:solidFill>
+                            <a:schemeClr val="tx1"/>
+                          </a:solidFill>
+                          <a:effectLst/>
+                          <a:latin typeface="+mn-lt"/>
+                          <a:ea typeface="+mn-ea"/>
+                          <a:cs typeface="+mn-cs"/>
+                        </a:rPr>
+                        <a:t>ECMAScript v5.1 (2011)</a:t>
+                      </a:r>
+                      <a:endParaRPr lang="en-US" b="0" dirty="0" smtClean="0">
+                        <a:solidFill>
+                          <a:schemeClr val="tx1"/>
+                        </a:solidFill>
+                      </a:endParaRPr>
+                    </a:p>
+                    <a:p>
+                      <a:pPr marL="285750" lvl="0" indent="-285750">
+                        <a:buFont typeface="Arial" panose="020B0604020202020204" pitchFamily="34" charset="0"/>
+                        <a:buChar char="•"/>
+                      </a:pPr>
+                      <a:r>
+                        <a:rPr lang="en-US" b="0" dirty="0" smtClean="0">
+                          <a:solidFill>
+                            <a:schemeClr val="tx1"/>
+                          </a:solidFill>
+                        </a:rPr>
+                        <a:t>ES6    \ ECMAScript 2015</a:t>
+                      </a:r>
+                    </a:p>
+                    <a:p>
+                      <a:pPr marL="285750" lvl="0" indent="-285750">
+                        <a:buFont typeface="Arial" panose="020B0604020202020204" pitchFamily="34" charset="0"/>
+                        <a:buChar char="•"/>
+                      </a:pPr>
+                      <a:r>
+                        <a:rPr lang="en-US" b="0" dirty="0" smtClean="0">
+                          <a:solidFill>
+                            <a:schemeClr val="tx1"/>
+                          </a:solidFill>
+                        </a:rPr>
+                        <a:t>ES7    \ ECMAScript 2016</a:t>
+                      </a:r>
+                    </a:p>
+                    <a:p>
+                      <a:pPr marL="285750" lvl="0" indent="-285750">
+                        <a:buFont typeface="Arial" panose="020B0604020202020204" pitchFamily="34" charset="0"/>
+                        <a:buChar char="•"/>
+                      </a:pPr>
+                      <a:r>
+                        <a:rPr lang="en-US" b="0" dirty="0" smtClean="0">
+                          <a:solidFill>
+                            <a:schemeClr val="tx1"/>
+                          </a:solidFill>
+                        </a:rPr>
+                        <a:t>ES8    \ ECMAScript 2017</a:t>
+                      </a:r>
+                      <a:br>
+                        <a:rPr lang="en-US" b="0" dirty="0" smtClean="0">
+                          <a:solidFill>
+                            <a:schemeClr val="tx1"/>
+                          </a:solidFill>
+                        </a:rPr>
+                      </a:br>
+                      <a:endParaRPr lang="en-US" b="0" dirty="0" smtClean="0">
+                        <a:solidFill>
+                          <a:schemeClr val="tx1"/>
+                        </a:solidFill>
+                      </a:endParaRPr>
+                    </a:p>
+                    <a:p>
+                      <a:pPr marL="0" lvl="0" indent="0">
+                        <a:buFont typeface="Arial" panose="020B0604020202020204" pitchFamily="34" charset="0"/>
+                        <a:buNone/>
+                      </a:pPr>
+                      <a:r>
+                        <a:rPr lang="ru-RU" b="1" dirty="0" smtClean="0">
+                          <a:solidFill>
+                            <a:srgbClr val="0070C0"/>
+                          </a:solidFill>
+                        </a:rPr>
+                        <a:t>Расширения языка </a:t>
+                      </a:r>
+                      <a:r>
+                        <a:rPr lang="en-US" b="1" dirty="0" smtClean="0">
+                          <a:solidFill>
+                            <a:srgbClr val="0070C0"/>
+                          </a:solidFill>
+                        </a:rPr>
+                        <a:t>JavaScript</a:t>
+                      </a:r>
+                      <a:endParaRPr lang="en-US" b="0" dirty="0" smtClean="0">
+                        <a:solidFill>
+                          <a:srgbClr val="0070C0"/>
+                        </a:solidFill>
+                      </a:endParaRPr>
+                    </a:p>
+                    <a:p>
+                      <a:pPr marL="0" marR="0" lvl="0" indent="0" algn="l" defTabSz="914400" rtl="0" eaLnBrk="1" fontAlgn="auto" latinLnBrk="0" hangingPunct="1">
+                        <a:lnSpc>
+                          <a:spcPct val="100000"/>
+                        </a:lnSpc>
+                        <a:spcBef>
+                          <a:spcPts val="0"/>
+                        </a:spcBef>
+                        <a:spcAft>
+                          <a:spcPts val="0"/>
+                        </a:spcAft>
+                        <a:buClrTx/>
+                        <a:buSzTx/>
+                        <a:buFont typeface="Arial" panose="020B0604020202020204" pitchFamily="34" charset="0"/>
+                        <a:buNone/>
+                        <a:tabLst/>
+                        <a:defRPr/>
+                      </a:pPr>
+                      <a:r>
+                        <a:rPr lang="en-US" sz="1800" b="0" kern="1200" dirty="0" smtClean="0">
+                          <a:solidFill>
+                            <a:schemeClr val="tx1"/>
+                          </a:solidFill>
+                          <a:latin typeface="+mn-lt"/>
+                          <a:ea typeface="+mn-ea"/>
+                          <a:cs typeface="+mn-cs"/>
+                        </a:rPr>
+                        <a:t>ECMAScript proposal process</a:t>
+                      </a:r>
+                      <a:endParaRPr lang="ru-RU" sz="1800" b="0" kern="1200" dirty="0">
+                        <a:solidFill>
+                          <a:schemeClr val="tx1"/>
+                        </a:solidFill>
+                        <a:latin typeface="+mn-lt"/>
+                        <a:ea typeface="+mn-ea"/>
+                        <a:cs typeface="+mn-cs"/>
+                      </a:endParaRPr>
+                    </a:p>
+                  </a:txBody>
+                  <a:tcPr>
+                    <a:solidFill>
+                      <a:schemeClr val="bg1"/>
+                    </a:solidFill>
+                  </a:tcPr>
+                </a:tc>
+                <a:tc>
+                  <a:txBody>
+                    <a:bodyPr/>
+                    <a:lstStyle/>
+                    <a:p>
+                      <a:pPr marL="0" indent="0">
+                        <a:buFont typeface="Arial" panose="020B0604020202020204" pitchFamily="34" charset="0"/>
+                        <a:buNone/>
+                      </a:pPr>
+                      <a:r>
+                        <a:rPr lang="ru-RU" b="1" dirty="0" smtClean="0">
+                          <a:solidFill>
+                            <a:srgbClr val="0070C0"/>
+                          </a:solidFill>
+                        </a:rPr>
+                        <a:t>Среды исполнения </a:t>
+                      </a:r>
+                      <a:r>
+                        <a:rPr lang="en-US" b="1" dirty="0" smtClean="0">
+                          <a:solidFill>
+                            <a:srgbClr val="0070C0"/>
+                          </a:solidFill>
+                        </a:rPr>
+                        <a:t>JavaScript</a:t>
+                      </a:r>
+                    </a:p>
+                    <a:p>
+                      <a:pPr marL="342900" marR="0" lvl="0" indent="-342900" algn="l" defTabSz="914400" rtl="0" eaLnBrk="1" fontAlgn="auto" latinLnBrk="0" hangingPunct="1">
+                        <a:lnSpc>
+                          <a:spcPct val="100000"/>
+                        </a:lnSpc>
+                        <a:spcBef>
+                          <a:spcPts val="0"/>
+                        </a:spcBef>
+                        <a:spcAft>
+                          <a:spcPts val="0"/>
+                        </a:spcAft>
+                        <a:buClrTx/>
+                        <a:buSzTx/>
+                        <a:buFont typeface="Arial" panose="020B0604020202020204" pitchFamily="34" charset="0"/>
+                        <a:buChar char="•"/>
+                        <a:tabLst/>
+                        <a:defRPr/>
+                      </a:pPr>
+                      <a:r>
+                        <a:rPr lang="ru-RU" b="0" dirty="0" smtClean="0">
+                          <a:solidFill>
+                            <a:schemeClr val="tx1"/>
+                          </a:solidFill>
+                        </a:rPr>
+                        <a:t>Браузеры</a:t>
+                      </a:r>
+                      <a:r>
+                        <a:rPr lang="en-US" b="0" dirty="0" smtClean="0">
+                          <a:solidFill>
+                            <a:schemeClr val="tx1"/>
+                          </a:solidFill>
+                        </a:rPr>
+                        <a:t>: Chrome, Opera, Firefox, IE, Safari, …</a:t>
+                      </a:r>
+                      <a:endParaRPr lang="ru-RU" b="0" dirty="0" smtClean="0">
+                        <a:solidFill>
+                          <a:schemeClr val="tx1"/>
+                        </a:solidFill>
+                      </a:endParaRPr>
+                    </a:p>
+                    <a:p>
+                      <a:pPr marL="342900" lvl="0" indent="-342900">
+                        <a:buFont typeface="Arial" panose="020B0604020202020204" pitchFamily="34" charset="0"/>
+                        <a:buChar char="•"/>
+                      </a:pPr>
+                      <a:r>
+                        <a:rPr lang="en-US" b="0" dirty="0" err="1" smtClean="0">
+                          <a:solidFill>
+                            <a:schemeClr val="tx1"/>
+                          </a:solidFill>
+                        </a:rPr>
+                        <a:t>NodeJS</a:t>
+                      </a:r>
+                      <a:r>
+                        <a:rPr lang="en-US" b="0" dirty="0" smtClean="0">
+                          <a:solidFill>
+                            <a:schemeClr val="tx1"/>
+                          </a:solidFill>
+                        </a:rPr>
+                        <a:t> runtime (based</a:t>
+                      </a:r>
+                      <a:r>
+                        <a:rPr lang="en-US" b="0" baseline="0" dirty="0" smtClean="0">
+                          <a:solidFill>
+                            <a:schemeClr val="tx1"/>
+                          </a:solidFill>
+                        </a:rPr>
+                        <a:t> on Chrome's V8 JavaScript engine</a:t>
+                      </a:r>
+                      <a:r>
+                        <a:rPr lang="en-US" b="0" dirty="0" smtClean="0">
+                          <a:solidFill>
+                            <a:schemeClr val="tx1"/>
+                          </a:solidFill>
+                        </a:rPr>
+                        <a:t>)</a:t>
+                      </a:r>
+                      <a:endParaRPr lang="ru-RU" b="0" dirty="0" smtClean="0">
+                        <a:solidFill>
+                          <a:schemeClr val="tx1"/>
+                        </a:solidFill>
+                      </a:endParaRPr>
+                    </a:p>
+                    <a:p>
+                      <a:pPr marL="342900" lvl="0" indent="-342900">
+                        <a:buFont typeface="Arial" panose="020B0604020202020204" pitchFamily="34" charset="0"/>
+                        <a:buChar char="•"/>
+                      </a:pPr>
+                      <a:r>
+                        <a:rPr lang="ru-RU" b="0" dirty="0" smtClean="0">
+                          <a:solidFill>
+                            <a:schemeClr val="tx1"/>
+                          </a:solidFill>
+                        </a:rPr>
+                        <a:t>Экзотика</a:t>
+                      </a:r>
+                      <a:r>
+                        <a:rPr lang="en-US" b="0" dirty="0" smtClean="0">
+                          <a:solidFill>
+                            <a:schemeClr val="tx1"/>
+                          </a:solidFill>
+                        </a:rPr>
+                        <a:t>:</a:t>
+                      </a:r>
+                    </a:p>
+                    <a:p>
+                      <a:pPr marL="800100" lvl="1" indent="-342900">
+                        <a:buFont typeface="Arial" panose="020B0604020202020204" pitchFamily="34" charset="0"/>
+                        <a:buChar char="•"/>
+                      </a:pPr>
+                      <a:r>
+                        <a:rPr lang="ru-RU" b="0" dirty="0" smtClean="0">
+                          <a:solidFill>
+                            <a:schemeClr val="tx1"/>
+                          </a:solidFill>
+                        </a:rPr>
+                        <a:t>Внутри </a:t>
+                      </a:r>
+                      <a:r>
+                        <a:rPr lang="en-US" b="0" dirty="0" smtClean="0">
+                          <a:solidFill>
+                            <a:schemeClr val="tx1"/>
+                          </a:solidFill>
+                        </a:rPr>
+                        <a:t>JVM: Mozilla Rhino, Oracle </a:t>
+                      </a:r>
+                      <a:r>
+                        <a:rPr lang="en-US" b="0" dirty="0" err="1" smtClean="0">
+                          <a:solidFill>
+                            <a:schemeClr val="tx1"/>
+                          </a:solidFill>
+                        </a:rPr>
+                        <a:t>Nashorn</a:t>
+                      </a:r>
+                      <a:r>
+                        <a:rPr lang="en-US" b="0" dirty="0" smtClean="0">
+                          <a:solidFill>
+                            <a:schemeClr val="tx1"/>
+                          </a:solidFill>
+                        </a:rPr>
+                        <a:t> engine (based on Mozilla Rhino)</a:t>
+                      </a:r>
+                    </a:p>
+                    <a:p>
+                      <a:pPr marL="800100" lvl="1" indent="-342900">
+                        <a:buFont typeface="Arial" panose="020B0604020202020204" pitchFamily="34" charset="0"/>
+                        <a:buChar char="•"/>
+                      </a:pPr>
+                      <a:r>
+                        <a:rPr lang="ru-RU" b="0" dirty="0" smtClean="0">
+                          <a:solidFill>
+                            <a:schemeClr val="tx1"/>
+                          </a:solidFill>
+                        </a:rPr>
+                        <a:t>Внутри </a:t>
+                      </a:r>
+                      <a:r>
+                        <a:rPr lang="en-US" b="0" dirty="0" err="1" smtClean="0">
+                          <a:solidFill>
+                            <a:schemeClr val="tx1"/>
+                          </a:solidFill>
+                        </a:rPr>
+                        <a:t>CouchDB</a:t>
+                      </a:r>
+                      <a:r>
+                        <a:rPr lang="ru-RU" b="0" dirty="0" smtClean="0">
+                          <a:solidFill>
+                            <a:schemeClr val="tx1"/>
+                          </a:solidFill>
+                        </a:rPr>
+                        <a:t> (как</a:t>
+                      </a:r>
+                      <a:r>
+                        <a:rPr lang="ru-RU" b="0" baseline="0" dirty="0" smtClean="0">
+                          <a:solidFill>
+                            <a:schemeClr val="tx1"/>
+                          </a:solidFill>
+                        </a:rPr>
+                        <a:t> </a:t>
+                      </a:r>
+                      <a:r>
+                        <a:rPr lang="en-US" b="0" dirty="0" smtClean="0">
+                          <a:solidFill>
+                            <a:schemeClr val="tx1"/>
+                          </a:solidFill>
+                        </a:rPr>
+                        <a:t>JVM</a:t>
+                      </a:r>
+                      <a:r>
+                        <a:rPr lang="en-US" b="0" baseline="0" dirty="0" smtClean="0">
+                          <a:solidFill>
+                            <a:schemeClr val="tx1"/>
+                          </a:solidFill>
+                        </a:rPr>
+                        <a:t> </a:t>
+                      </a:r>
+                      <a:r>
+                        <a:rPr lang="ru-RU" b="0" baseline="0" dirty="0" smtClean="0">
+                          <a:solidFill>
+                            <a:schemeClr val="tx1"/>
+                          </a:solidFill>
+                        </a:rPr>
+                        <a:t>в </a:t>
+                      </a:r>
+                      <a:r>
+                        <a:rPr lang="en-US" b="0" baseline="0" dirty="0" smtClean="0">
+                          <a:solidFill>
+                            <a:schemeClr val="tx1"/>
+                          </a:solidFill>
+                        </a:rPr>
+                        <a:t>Oracle DB</a:t>
+                      </a:r>
+                      <a:r>
+                        <a:rPr lang="ru-RU" b="0" dirty="0" smtClean="0">
+                          <a:solidFill>
+                            <a:schemeClr val="tx1"/>
+                          </a:solidFill>
+                        </a:rPr>
+                        <a:t>)</a:t>
+                      </a:r>
+                      <a:endParaRPr lang="en-US" b="0" dirty="0" smtClean="0">
+                        <a:solidFill>
+                          <a:schemeClr val="tx1"/>
+                        </a:solidFill>
+                      </a:endParaRPr>
+                    </a:p>
+                    <a:p>
+                      <a:pPr marL="0" indent="0">
+                        <a:buFont typeface="Arial" panose="020B0604020202020204" pitchFamily="34" charset="0"/>
+                        <a:buNone/>
+                      </a:pPr>
+                      <a:r>
+                        <a:rPr lang="en-US" b="1" dirty="0" smtClean="0">
+                          <a:solidFill>
+                            <a:schemeClr val="tx1"/>
+                          </a:solidFill>
+                        </a:rPr>
+                        <a:t/>
+                      </a:r>
+                      <a:br>
+                        <a:rPr lang="en-US" b="1" dirty="0" smtClean="0">
+                          <a:solidFill>
+                            <a:schemeClr val="tx1"/>
+                          </a:solidFill>
+                        </a:rPr>
+                      </a:br>
+                      <a:r>
+                        <a:rPr lang="ru-RU" b="1" dirty="0" smtClean="0">
+                          <a:solidFill>
+                            <a:srgbClr val="0070C0"/>
+                          </a:solidFill>
+                        </a:rPr>
+                        <a:t>Поддержка стандарта\расширений в средах</a:t>
+                      </a:r>
+                      <a:r>
+                        <a:rPr lang="ru-RU" b="1" baseline="0" dirty="0" smtClean="0">
+                          <a:solidFill>
+                            <a:srgbClr val="0070C0"/>
+                          </a:solidFill>
+                        </a:rPr>
+                        <a:t> исполнения</a:t>
+                      </a:r>
+                      <a:endParaRPr lang="en-US" b="1" dirty="0" smtClean="0">
+                        <a:solidFill>
+                          <a:srgbClr val="0070C0"/>
+                        </a:solidFill>
+                      </a:endParaRPr>
+                    </a:p>
+                    <a:p>
+                      <a:pPr marL="0" marR="0" lvl="0" indent="0" algn="l" defTabSz="914400" rtl="0" eaLnBrk="1" fontAlgn="auto" latinLnBrk="0" hangingPunct="1">
+                        <a:lnSpc>
+                          <a:spcPct val="100000"/>
+                        </a:lnSpc>
+                        <a:spcBef>
+                          <a:spcPts val="0"/>
+                        </a:spcBef>
+                        <a:spcAft>
+                          <a:spcPts val="0"/>
+                        </a:spcAft>
+                        <a:buClrTx/>
+                        <a:buSzTx/>
+                        <a:buFont typeface="Arial" panose="020B0604020202020204" pitchFamily="34" charset="0"/>
+                        <a:buNone/>
+                        <a:tabLst/>
+                        <a:defRPr/>
+                      </a:pPr>
+                      <a:r>
+                        <a:rPr lang="en-US" b="0" dirty="0" smtClean="0">
+                          <a:solidFill>
+                            <a:schemeClr val="tx1"/>
+                          </a:solidFill>
+                          <a:hlinkClick r:id="rId3"/>
+                        </a:rPr>
+                        <a:t>https://github.com/kangax/compat-table</a:t>
+                      </a:r>
+                      <a:r>
+                        <a:rPr lang="ru-RU" b="0" dirty="0" smtClean="0">
+                          <a:solidFill>
+                            <a:schemeClr val="tx1"/>
+                          </a:solidFill>
+                        </a:rPr>
+                        <a:t/>
+                      </a:r>
+                      <a:br>
+                        <a:rPr lang="ru-RU" b="0" dirty="0" smtClean="0">
+                          <a:solidFill>
+                            <a:schemeClr val="tx1"/>
+                          </a:solidFill>
+                        </a:rPr>
+                      </a:br>
+                      <a:endParaRPr lang="ru-RU" dirty="0">
+                        <a:solidFill>
+                          <a:schemeClr val="tx1"/>
+                        </a:solidFill>
+                      </a:endParaRPr>
+                    </a:p>
+                  </a:txBody>
+                  <a:tcPr>
+                    <a:solidFill>
+                      <a:schemeClr val="bg1"/>
+                    </a:solidFill>
+                  </a:tcPr>
+                </a:tc>
+                <a:extLst>
+                  <a:ext uri="{0D108BD9-81ED-4DB2-BD59-A6C34878D82A}">
+                    <a16:rowId xmlns:a16="http://schemas.microsoft.com/office/drawing/2014/main" val="731750577"/>
+                  </a:ext>
+                </a:extLst>
+              </a:tr>
+            </a:tbl>
+          </a:graphicData>
+        </a:graphic>
+      </p:graphicFrame>
+    </p:spTree>
+    <p:extLst>
+      <p:ext uri="{BB962C8B-B14F-4D97-AF65-F5344CB8AC3E}">
+        <p14:creationId xmlns:p14="http://schemas.microsoft.com/office/powerpoint/2010/main" val="433171971"/>
+      </p:ext>
+    </p:extLst>
+  </p:cSld>
+  <p:clrMapOvr>
+    <a:masterClrMapping/>
+  </p:clrMapOvr>
+</p:sld>
+</file>
+
+<file path=ppt/slides/slide12.xml><?xml version="1.0" encoding="utf-8"?>
+<p:sld xmlns:a="http://schemas.openxmlformats.org/drawingml/2006/main" xmlns:r="http://schemas.openxmlformats.org/officeDocument/2006/relationships" xmlns:p="http://schemas.openxmlformats.org/presentationml/2006/main">
+  <p:cSld>
+    <p:spTree>
+      <p:nvGrpSpPr>
+        <p:cNvPr id="1" name=""/>
+        <p:cNvGrpSpPr/>
+        <p:nvPr/>
+      </p:nvGrpSpPr>
+      <p:grpSpPr>
+        <a:xfrm>
+          <a:off x="0" y="0"/>
+          <a:ext cx="0" cy="0"/>
+          <a:chOff x="0" y="0"/>
+          <a:chExt cx="0" cy="0"/>
+        </a:xfrm>
+      </p:grpSpPr>
+      <p:sp>
+        <p:nvSpPr>
+          <p:cNvPr id="2" name="Заголовок 1"/>
+          <p:cNvSpPr>
+            <a:spLocks noGrp="1"/>
+          </p:cNvSpPr>
+          <p:nvPr>
+            <p:ph type="title"/>
+          </p:nvPr>
+        </p:nvSpPr>
+        <p:spPr>
+          <a:xfrm>
+            <a:off x="640078" y="365125"/>
+            <a:ext cx="10945370" cy="713867"/>
+          </a:xfrm>
+        </p:spPr>
+        <p:txBody>
+          <a:bodyPr/>
+          <a:lstStyle/>
+          <a:p>
+            <a:r>
+              <a:rPr lang="ru-RU" u="sng" dirty="0" smtClean="0"/>
+              <a:t>Возможности сред исполнения </a:t>
+            </a:r>
+            <a:r>
+              <a:rPr lang="en-US" u="sng" dirty="0" smtClean="0"/>
+              <a:t>JS</a:t>
+            </a:r>
+            <a:endParaRPr lang="ru-RU" u="sng" dirty="0"/>
+          </a:p>
+        </p:txBody>
+      </p:sp>
+      <p:pic>
+        <p:nvPicPr>
+          <p:cNvPr id="6" name="Рисунок 5"/>
+          <p:cNvPicPr>
+            <a:picLocks noChangeAspect="1"/>
+          </p:cNvPicPr>
+          <p:nvPr/>
+        </p:nvPicPr>
+        <p:blipFill>
+          <a:blip r:embed="rId2"/>
+          <a:stretch>
+            <a:fillRect/>
+          </a:stretch>
+        </p:blipFill>
+        <p:spPr>
+          <a:xfrm>
+            <a:off x="640077" y="1534478"/>
+            <a:ext cx="10945371" cy="1467802"/>
+          </a:xfrm>
+          <a:prstGeom prst="rect">
+            <a:avLst/>
+          </a:prstGeom>
+        </p:spPr>
+      </p:pic>
+      <p:sp>
+        <p:nvSpPr>
+          <p:cNvPr id="7" name="Прямоугольник 6"/>
+          <p:cNvSpPr/>
+          <p:nvPr/>
+        </p:nvSpPr>
+        <p:spPr>
+          <a:xfrm>
+            <a:off x="640077" y="1078992"/>
+            <a:ext cx="4287584" cy="369332"/>
+          </a:xfrm>
+          <a:prstGeom prst="rect">
+            <a:avLst/>
+          </a:prstGeom>
+        </p:spPr>
+        <p:txBody>
+          <a:bodyPr wrap="none">
+            <a:spAutoFit/>
+          </a:bodyPr>
+          <a:lstStyle/>
+          <a:p>
+            <a:r>
+              <a:rPr lang="en-US" b="0" dirty="0" smtClean="0">
+                <a:solidFill>
+                  <a:schemeClr val="tx1"/>
+                </a:solidFill>
+                <a:hlinkClick r:id="rId3"/>
+              </a:rPr>
+              <a:t>https://kangax.github.io/compat-table/es5/</a:t>
+            </a:r>
+            <a:endParaRPr lang="ru-RU" b="0" dirty="0" smtClean="0">
+              <a:solidFill>
+                <a:schemeClr val="tx1"/>
+              </a:solidFill>
+            </a:endParaRPr>
+          </a:p>
+        </p:txBody>
+      </p:sp>
+      <p:sp>
+        <p:nvSpPr>
+          <p:cNvPr id="8" name="Прямоугольник 7"/>
+          <p:cNvSpPr/>
+          <p:nvPr/>
+        </p:nvSpPr>
+        <p:spPr>
+          <a:xfrm>
+            <a:off x="640077" y="3083672"/>
+            <a:ext cx="4287584" cy="369332"/>
+          </a:xfrm>
+          <a:prstGeom prst="rect">
+            <a:avLst/>
+          </a:prstGeom>
+        </p:spPr>
+        <p:txBody>
+          <a:bodyPr wrap="none">
+            <a:spAutoFit/>
+          </a:bodyPr>
+          <a:lstStyle/>
+          <a:p>
+            <a:r>
+              <a:rPr lang="en-US" b="0" dirty="0" smtClean="0">
+                <a:solidFill>
+                  <a:schemeClr val="tx1"/>
+                </a:solidFill>
+                <a:hlinkClick r:id="rId4"/>
+              </a:rPr>
+              <a:t>https://kangax.github.io/compat-table/es6/</a:t>
+            </a:r>
+            <a:endParaRPr lang="ru-RU" b="0" dirty="0" smtClean="0">
+              <a:solidFill>
+                <a:schemeClr val="tx1"/>
+              </a:solidFill>
+            </a:endParaRPr>
+          </a:p>
+        </p:txBody>
+      </p:sp>
+      <p:pic>
+        <p:nvPicPr>
+          <p:cNvPr id="10" name="Рисунок 9"/>
+          <p:cNvPicPr>
+            <a:picLocks noChangeAspect="1"/>
+          </p:cNvPicPr>
+          <p:nvPr/>
+        </p:nvPicPr>
+        <p:blipFill>
+          <a:blip r:embed="rId5"/>
+          <a:stretch>
+            <a:fillRect/>
+          </a:stretch>
+        </p:blipFill>
+        <p:spPr>
+          <a:xfrm>
+            <a:off x="640077" y="3534397"/>
+            <a:ext cx="10945371" cy="2256804"/>
+          </a:xfrm>
+          <a:prstGeom prst="rect">
+            <a:avLst/>
+          </a:prstGeom>
+        </p:spPr>
+      </p:pic>
+    </p:spTree>
+    <p:extLst>
+      <p:ext uri="{BB962C8B-B14F-4D97-AF65-F5344CB8AC3E}">
+        <p14:creationId xmlns:p14="http://schemas.microsoft.com/office/powerpoint/2010/main" val="2712017805"/>
+      </p:ext>
+    </p:extLst>
+  </p:cSld>
+  <p:clrMapOvr>
+    <a:masterClrMapping/>
+  </p:clrMapOvr>
+</p:sld>
+</file>
+
+<file path=ppt/slides/slide13.xml><?xml version="1.0" encoding="utf-8"?>
+<p:sld xmlns:a="http://schemas.openxmlformats.org/drawingml/2006/main" xmlns:r="http://schemas.openxmlformats.org/officeDocument/2006/relationships" xmlns:p="http://schemas.openxmlformats.org/presentationml/2006/main">
+  <p:cSld>
+    <p:spTree>
+      <p:nvGrpSpPr>
+        <p:cNvPr id="1" name=""/>
+        <p:cNvGrpSpPr/>
+        <p:nvPr/>
+      </p:nvGrpSpPr>
+      <p:grpSpPr>
+        <a:xfrm>
+          <a:off x="0" y="0"/>
+          <a:ext cx="0" cy="0"/>
+          <a:chOff x="0" y="0"/>
+          <a:chExt cx="0" cy="0"/>
+        </a:xfrm>
+      </p:grpSpPr>
+      <p:sp>
+        <p:nvSpPr>
+          <p:cNvPr id="2" name="Заголовок 1"/>
+          <p:cNvSpPr>
+            <a:spLocks noGrp="1"/>
+          </p:cNvSpPr>
+          <p:nvPr>
+            <p:ph type="title"/>
+          </p:nvPr>
+        </p:nvSpPr>
+        <p:spPr>
+          <a:xfrm>
+            <a:off x="640078" y="365125"/>
+            <a:ext cx="10945370" cy="713867"/>
+          </a:xfrm>
+        </p:spPr>
+        <p:txBody>
+          <a:bodyPr/>
+          <a:lstStyle/>
+          <a:p>
+            <a:r>
               <a:rPr lang="en-US" u="sng" dirty="0" err="1" smtClean="0"/>
               <a:t>Compillers</a:t>
             </a:r>
@@ -3305,7 +4384,7 @@
 </p:sld>
 </file>
 
-<file path=ppt/slides/slide11.xml><?xml version="1.0" encoding="utf-8"?>
+<file path=ppt/slides/slide14.xml><?xml version="1.0" encoding="utf-8"?>
 <p:sld xmlns:a="http://schemas.openxmlformats.org/drawingml/2006/main" xmlns:r="http://schemas.openxmlformats.org/officeDocument/2006/relationships" xmlns:p="http://schemas.openxmlformats.org/presentationml/2006/main">
   <p:cSld>
     <p:spTree>
@@ -4344,7 +5423,93 @@
 </p:sld>
 </file>
 
-<file path=ppt/slides/slide12.xml><?xml version="1.0" encoding="utf-8"?>
+<file path=ppt/slides/slide15.xml><?xml version="1.0" encoding="utf-8"?>
+<p:sld xmlns:a="http://schemas.openxmlformats.org/drawingml/2006/main" xmlns:r="http://schemas.openxmlformats.org/officeDocument/2006/relationships" xmlns:p="http://schemas.openxmlformats.org/presentationml/2006/main">
+  <p:cSld>
+    <p:spTree>
+      <p:nvGrpSpPr>
+        <p:cNvPr id="1" name=""/>
+        <p:cNvGrpSpPr/>
+        <p:nvPr/>
+      </p:nvGrpSpPr>
+      <p:grpSpPr>
+        <a:xfrm>
+          <a:off x="0" y="0"/>
+          <a:ext cx="0" cy="0"/>
+          <a:chOff x="0" y="0"/>
+          <a:chExt cx="0" cy="0"/>
+        </a:xfrm>
+      </p:grpSpPr>
+      <p:sp>
+        <p:nvSpPr>
+          <p:cNvPr id="2" name="Заголовок 1"/>
+          <p:cNvSpPr>
+            <a:spLocks noGrp="1"/>
+          </p:cNvSpPr>
+          <p:nvPr>
+            <p:ph type="title"/>
+          </p:nvPr>
+        </p:nvSpPr>
+        <p:spPr>
+          <a:xfrm>
+            <a:off x="640078" y="365125"/>
+            <a:ext cx="10945370" cy="713867"/>
+          </a:xfrm>
+        </p:spPr>
+        <p:txBody>
+          <a:bodyPr/>
+          <a:lstStyle/>
+          <a:p>
+            <a:r>
+              <a:rPr lang="ru-RU" u="sng" dirty="0" smtClean="0"/>
+              <a:t>Инструментария </a:t>
+            </a:r>
+            <a:r>
+              <a:rPr lang="en-US" u="sng" dirty="0" smtClean="0"/>
+              <a:t>JavaScript</a:t>
+            </a:r>
+            <a:endParaRPr lang="ru-RU" u="sng" dirty="0"/>
+          </a:p>
+        </p:txBody>
+      </p:sp>
+      <p:pic>
+        <p:nvPicPr>
+          <p:cNvPr id="4" name="Рисунок 3"/>
+          <p:cNvPicPr>
+            <a:picLocks noChangeAspect="1"/>
+          </p:cNvPicPr>
+          <p:nvPr/>
+        </p:nvPicPr>
+        <p:blipFill>
+          <a:blip r:embed="rId2"/>
+          <a:stretch>
+            <a:fillRect/>
+          </a:stretch>
+        </p:blipFill>
+        <p:spPr>
+          <a:xfrm>
+            <a:off x="640077" y="1078993"/>
+            <a:ext cx="8237705" cy="5328764"/>
+          </a:xfrm>
+          <a:prstGeom prst="rect">
+            <a:avLst/>
+          </a:prstGeom>
+        </p:spPr>
+      </p:pic>
+    </p:spTree>
+    <p:extLst>
+      <p:ext uri="{BB962C8B-B14F-4D97-AF65-F5344CB8AC3E}">
+        <p14:creationId xmlns:p14="http://schemas.microsoft.com/office/powerpoint/2010/main" val="376605649"/>
+      </p:ext>
+    </p:extLst>
+  </p:cSld>
+  <p:clrMapOvr>
+    <a:masterClrMapping/>
+  </p:clrMapOvr>
+</p:sld>
+</file>
+
+<file path=ppt/slides/slide16.xml><?xml version="1.0" encoding="utf-8"?>
 <p:sld xmlns:a="http://schemas.openxmlformats.org/drawingml/2006/main" xmlns:r="http://schemas.openxmlformats.org/officeDocument/2006/relationships" xmlns:p="http://schemas.openxmlformats.org/presentationml/2006/main">
   <p:cSld>
     <p:spTree>
@@ -4727,17 +5892,7 @@
             </a:r>
             <a:r>
               <a:rPr lang="en-US" dirty="0" smtClean="0"/>
-              <a:t>: Java, JavaScript, Go, PHP, C#</a:t>
-            </a:r>
-            <a:r>
-              <a:rPr lang="en-US" dirty="0" smtClean="0">
-                <a:solidFill>
-                  <a:schemeClr val="bg1">
-                    <a:lumMod val="65000"/>
-                  </a:schemeClr>
-                </a:solidFill>
-              </a:rPr>
-              <a:t>, </a:t>
+              <a:t>: Java, JavaScript, Go, PHP, C#, </a:t>
             </a:r>
             <a:r>
               <a:rPr lang="ru-RU" dirty="0" smtClean="0"/>
@@ -4776,19 +5931,11 @@
               <a:buChar char="•"/>
             </a:pPr>
             <a:r>
-              <a:rPr lang="ru-RU" dirty="0" smtClean="0">
-                <a:solidFill>
-                  <a:srgbClr val="00B050"/>
-                </a:solidFill>
-              </a:rPr>
+              <a:rPr lang="ru-RU" dirty="0" smtClean="0"/>
               <a:t>Модульная архитектура, библиотеки для разных технологий</a:t>
             </a:r>
             <a:r>
-              <a:rPr lang="en-US" dirty="0" smtClean="0">
-                <a:solidFill>
-                  <a:srgbClr val="00B050"/>
-                </a:solidFill>
-              </a:rPr>
+              <a:rPr lang="en-US" dirty="0" smtClean="0"/>
               <a:t> (frameworks)</a:t>
             </a:r>
           </a:p>
@@ -4798,11 +5945,7 @@
               <a:buChar char="•"/>
             </a:pPr>
             <a:r>
-              <a:rPr lang="ru-RU" dirty="0" smtClean="0">
-                <a:solidFill>
-                  <a:srgbClr val="00B050"/>
-                </a:solidFill>
-              </a:rPr>
+              <a:rPr lang="ru-RU" dirty="0" smtClean="0"/>
               <a:t>Менеджеры пакетов и средства сборки приложений</a:t>
             </a:r>
           </a:p>
@@ -4823,50 +5966,26 @@
               <a:buChar char="•"/>
             </a:pPr>
             <a:r>
-              <a:rPr lang="ru-RU" dirty="0" smtClean="0">
-                <a:solidFill>
-                  <a:srgbClr val="00B050"/>
-                </a:solidFill>
-              </a:rPr>
+              <a:rPr lang="ru-RU" dirty="0" smtClean="0"/>
               <a:t>Сервера</a:t>
             </a:r>
             <a:r>
-              <a:rPr lang="en-US" dirty="0" smtClean="0">
-                <a:solidFill>
-                  <a:srgbClr val="00B050"/>
-                </a:solidFill>
-              </a:rPr>
+              <a:rPr lang="en-US" dirty="0" smtClean="0"/>
               <a:t>: MySQL\PostgreSQL\Mongo, Apache\Nginx, </a:t>
             </a:r>
             <a:r>
-              <a:rPr lang="en-US" dirty="0" err="1" smtClean="0">
-                <a:solidFill>
-                  <a:srgbClr val="00B050"/>
-                </a:solidFill>
-              </a:rPr>
+              <a:rPr lang="en-US" dirty="0" err="1" smtClean="0"/>
               <a:t>Memcached</a:t>
             </a:r>
             <a:r>
-              <a:rPr lang="en-US" dirty="0" smtClean="0">
-                <a:solidFill>
-                  <a:srgbClr val="00B050"/>
-                </a:solidFill>
-              </a:rPr>
+              <a:rPr lang="en-US" dirty="0" smtClean="0"/>
               <a:t>\</a:t>
             </a:r>
             <a:r>
-              <a:rPr lang="en-US" dirty="0" err="1" smtClean="0">
-                <a:solidFill>
-                  <a:srgbClr val="00B050"/>
-                </a:solidFill>
-              </a:rPr>
+              <a:rPr lang="en-US" dirty="0" err="1" smtClean="0"/>
               <a:t>Redis</a:t>
             </a:r>
-            <a:endParaRPr lang="en-US" dirty="0" smtClean="0">
-              <a:solidFill>
-                <a:srgbClr val="00B050"/>
-              </a:solidFill>
-            </a:endParaRPr>
+            <a:endParaRPr lang="en-US" dirty="0" smtClean="0"/>
           </a:p>
           <a:p>
             <a:pPr marL="342900" indent="-342900">
@@ -5472,6 +6591,367 @@
 </file>
 
 <file path=ppt/slides/slide4.xml><?xml version="1.0" encoding="utf-8"?>
+<p:sld xmlns:a="http://schemas.openxmlformats.org/drawingml/2006/main" xmlns:r="http://schemas.openxmlformats.org/officeDocument/2006/relationships" xmlns:p="http://schemas.openxmlformats.org/presentationml/2006/main">
+  <p:cSld>
+    <p:spTree>
+      <p:nvGrpSpPr>
+        <p:cNvPr id="1" name=""/>
+        <p:cNvGrpSpPr/>
+        <p:nvPr/>
+      </p:nvGrpSpPr>
+      <p:grpSpPr>
+        <a:xfrm>
+          <a:off x="0" y="0"/>
+          <a:ext cx="0" cy="0"/>
+          <a:chOff x="0" y="0"/>
+          <a:chExt cx="0" cy="0"/>
+        </a:xfrm>
+      </p:grpSpPr>
+      <p:sp>
+        <p:nvSpPr>
+          <p:cNvPr id="2" name="Заголовок 1"/>
+          <p:cNvSpPr>
+            <a:spLocks noGrp="1"/>
+          </p:cNvSpPr>
+          <p:nvPr>
+            <p:ph type="title"/>
+          </p:nvPr>
+        </p:nvSpPr>
+        <p:spPr>
+          <a:xfrm>
+            <a:off x="640078" y="365125"/>
+            <a:ext cx="10945370" cy="713867"/>
+          </a:xfrm>
+        </p:spPr>
+        <p:txBody>
+          <a:bodyPr/>
+          <a:lstStyle/>
+          <a:p>
+            <a:r>
+              <a:rPr lang="ru-RU" u="sng" dirty="0" smtClean="0"/>
+              <a:t>Языки программирования</a:t>
+            </a:r>
+            <a:endParaRPr lang="ru-RU" u="sng" dirty="0"/>
+          </a:p>
+        </p:txBody>
+      </p:sp>
+      <p:pic>
+        <p:nvPicPr>
+          <p:cNvPr id="3" name="Рисунок 2"/>
+          <p:cNvPicPr>
+            <a:picLocks noChangeAspect="1"/>
+          </p:cNvPicPr>
+          <p:nvPr/>
+        </p:nvPicPr>
+        <p:blipFill>
+          <a:blip r:embed="rId2"/>
+          <a:stretch>
+            <a:fillRect/>
+          </a:stretch>
+        </p:blipFill>
+        <p:spPr>
+          <a:xfrm>
+            <a:off x="640078" y="1414659"/>
+            <a:ext cx="5269952" cy="4361110"/>
+          </a:xfrm>
+          <a:prstGeom prst="rect">
+            <a:avLst/>
+          </a:prstGeom>
+        </p:spPr>
+      </p:pic>
+      <p:pic>
+        <p:nvPicPr>
+          <p:cNvPr id="4" name="Рисунок 3"/>
+          <p:cNvPicPr>
+            <a:picLocks noChangeAspect="1"/>
+          </p:cNvPicPr>
+          <p:nvPr/>
+        </p:nvPicPr>
+        <p:blipFill>
+          <a:blip r:embed="rId3"/>
+          <a:stretch>
+            <a:fillRect/>
+          </a:stretch>
+        </p:blipFill>
+        <p:spPr>
+          <a:xfrm>
+            <a:off x="6056426" y="1414659"/>
+            <a:ext cx="5529022" cy="4361110"/>
+          </a:xfrm>
+          <a:prstGeom prst="rect">
+            <a:avLst/>
+          </a:prstGeom>
+        </p:spPr>
+      </p:pic>
+    </p:spTree>
+    <p:extLst>
+      <p:ext uri="{BB962C8B-B14F-4D97-AF65-F5344CB8AC3E}">
+        <p14:creationId xmlns:p14="http://schemas.microsoft.com/office/powerpoint/2010/main" val="411027424"/>
+      </p:ext>
+    </p:extLst>
+  </p:cSld>
+  <p:clrMapOvr>
+    <a:masterClrMapping/>
+  </p:clrMapOvr>
+</p:sld>
+</file>
+
+<file path=ppt/slides/slide5.xml><?xml version="1.0" encoding="utf-8"?>
+<p:sld xmlns:a="http://schemas.openxmlformats.org/drawingml/2006/main" xmlns:r="http://schemas.openxmlformats.org/officeDocument/2006/relationships" xmlns:p="http://schemas.openxmlformats.org/presentationml/2006/main">
+  <p:cSld>
+    <p:spTree>
+      <p:nvGrpSpPr>
+        <p:cNvPr id="1" name=""/>
+        <p:cNvGrpSpPr/>
+        <p:nvPr/>
+      </p:nvGrpSpPr>
+      <p:grpSpPr>
+        <a:xfrm>
+          <a:off x="0" y="0"/>
+          <a:ext cx="0" cy="0"/>
+          <a:chOff x="0" y="0"/>
+          <a:chExt cx="0" cy="0"/>
+        </a:xfrm>
+      </p:grpSpPr>
+      <p:sp>
+        <p:nvSpPr>
+          <p:cNvPr id="2" name="Заголовок 1"/>
+          <p:cNvSpPr>
+            <a:spLocks noGrp="1"/>
+          </p:cNvSpPr>
+          <p:nvPr>
+            <p:ph type="title"/>
+          </p:nvPr>
+        </p:nvSpPr>
+        <p:spPr>
+          <a:xfrm>
+            <a:off x="640080" y="365125"/>
+            <a:ext cx="10945368" cy="713867"/>
+          </a:xfrm>
+        </p:spPr>
+        <p:txBody>
+          <a:bodyPr>
+            <a:normAutofit/>
+          </a:bodyPr>
+          <a:lstStyle/>
+          <a:p>
+            <a:r>
+              <a:rPr lang="ru-RU" u="sng" dirty="0" smtClean="0"/>
+              <a:t>Модульность. Библиотеки. </a:t>
+            </a:r>
+            <a:r>
+              <a:rPr lang="en-US" u="sng" dirty="0" smtClean="0"/>
+              <a:t>Frameworks.</a:t>
+            </a:r>
+            <a:endParaRPr lang="ru-RU" u="sng" dirty="0"/>
+          </a:p>
+        </p:txBody>
+      </p:sp>
+      <p:sp>
+        <p:nvSpPr>
+          <p:cNvPr id="3" name="TextBox 2"/>
+          <p:cNvSpPr txBox="1"/>
+          <p:nvPr/>
+        </p:nvSpPr>
+        <p:spPr>
+          <a:xfrm>
+            <a:off x="640080" y="1160017"/>
+            <a:ext cx="10945368" cy="1477328"/>
+          </a:xfrm>
+          <a:prstGeom prst="rect">
+            <a:avLst/>
+          </a:prstGeom>
+          <a:noFill/>
+        </p:spPr>
+        <p:txBody>
+          <a:bodyPr wrap="square" rtlCol="0">
+            <a:spAutoFit/>
+          </a:bodyPr>
+          <a:lstStyle/>
+          <a:p>
+            <a:pPr marL="285750" indent="-285750">
+              <a:buFont typeface="Arial" panose="020B0604020202020204" pitchFamily="34" charset="0"/>
+              <a:buChar char="•"/>
+            </a:pPr>
+            <a:r>
+              <a:rPr lang="ru-RU" b="1" dirty="0" smtClean="0"/>
+              <a:t>Не изобретайте велосипед – </a:t>
+            </a:r>
+            <a:r>
+              <a:rPr lang="ru-RU" dirty="0" smtClean="0"/>
+              <a:t>почти под любые задачи уже есть технологии и реализующие из библиотеки написанные кем то другим, надо только выбрать \ изучить \ использовать</a:t>
+            </a:r>
+            <a:r>
+              <a:rPr lang="ru-RU" b="1" dirty="0" smtClean="0"/>
+              <a:t> </a:t>
+            </a:r>
+          </a:p>
+          <a:p>
+            <a:pPr marL="285750" indent="-285750">
+              <a:buFont typeface="Arial" panose="020B0604020202020204" pitchFamily="34" charset="0"/>
+              <a:buChar char="•"/>
+            </a:pPr>
+            <a:r>
+              <a:rPr lang="ru-RU" b="1" dirty="0" smtClean="0"/>
+              <a:t>Как выбрать правильные технологии</a:t>
+            </a:r>
+            <a:r>
+              <a:rPr lang="en-US" b="1" dirty="0" smtClean="0"/>
+              <a:t> </a:t>
+            </a:r>
+            <a:r>
+              <a:rPr lang="ru-RU" b="1" dirty="0" smtClean="0"/>
+              <a:t>и библиотеки их реализующие – </a:t>
+            </a:r>
+            <a:r>
+              <a:rPr lang="ru-RU" dirty="0" smtClean="0"/>
+              <a:t>мода (тренды), рекомендации лучших собаководов…</a:t>
+            </a:r>
+          </a:p>
+          <a:p>
+            <a:pPr marL="285750" indent="-285750">
+              <a:buFont typeface="Arial" panose="020B0604020202020204" pitchFamily="34" charset="0"/>
+              <a:buChar char="•"/>
+            </a:pPr>
+            <a:endParaRPr lang="ru-RU" dirty="0"/>
+          </a:p>
+        </p:txBody>
+      </p:sp>
+      <p:sp>
+        <p:nvSpPr>
+          <p:cNvPr id="9" name="AutoShape 8" descr="ÐÐ°ÑÑÐ¸Ð½ÐºÐ¸ Ð¿Ð¾ Ð·Ð°Ð¿ÑÐ¾ÑÑ NPM"/>
+          <p:cNvSpPr>
+            <a:spLocks noChangeAspect="1" noChangeArrowheads="1"/>
+          </p:cNvSpPr>
+          <p:nvPr/>
+        </p:nvSpPr>
+        <p:spPr bwMode="auto">
+          <a:xfrm>
+            <a:off x="155575" y="-144463"/>
+            <a:ext cx="304800" cy="304801"/>
+          </a:xfrm>
+          <a:prstGeom prst="rect">
+            <a:avLst/>
+          </a:prstGeom>
+          <a:noFill/>
+          <a:extLst>
+            <a:ext uri="{909E8E84-426E-40DD-AFC4-6F175D3DCCD1}">
+              <a14:hiddenFill xmlns:a14="http://schemas.microsoft.com/office/drawing/2010/main">
+                <a:solidFill>
+                  <a:srgbClr val="FFFFFF"/>
+                </a:solidFill>
+              </a14:hiddenFill>
+            </a:ext>
+          </a:extLst>
+        </p:spPr>
+        <p:txBody>
+          <a:bodyPr vert="horz" wrap="square" lIns="91440" tIns="45720" rIns="91440" bIns="45720" numCol="1" anchor="t" anchorCtr="0" compatLnSpc="1">
+            <a:prstTxWarp prst="textNoShape">
+              <a:avLst/>
+            </a:prstTxWarp>
+          </a:bodyPr>
+          <a:lstStyle/>
+          <a:p>
+            <a:endParaRPr lang="ru-RU"/>
+          </a:p>
+        </p:txBody>
+      </p:sp>
+      <p:pic>
+        <p:nvPicPr>
+          <p:cNvPr id="3076" name="Picture 4" descr="ÐÐ°ÑÑÐ¸Ð½ÐºÐ¸ Ð¿Ð¾ Ð·Ð°Ð¿ÑÐ¾ÑÑ javascript technology"/>
+          <p:cNvPicPr>
+            <a:picLocks noChangeAspect="1" noChangeArrowheads="1"/>
+          </p:cNvPicPr>
+          <p:nvPr/>
+        </p:nvPicPr>
+        <p:blipFill>
+          <a:blip r:embed="rId2">
+            <a:extLst>
+              <a:ext uri="{28A0092B-C50C-407E-A947-70E740481C1C}">
+                <a14:useLocalDpi xmlns:a14="http://schemas.microsoft.com/office/drawing/2010/main" val="0"/>
+              </a:ext>
+            </a:extLst>
+          </a:blip>
+          <a:srcRect/>
+          <a:stretch>
+            <a:fillRect/>
+          </a:stretch>
+        </p:blipFill>
+        <p:spPr bwMode="auto">
+          <a:xfrm>
+            <a:off x="938198" y="2528596"/>
+            <a:ext cx="4621354" cy="3697083"/>
+          </a:xfrm>
+          <a:prstGeom prst="rect">
+            <a:avLst/>
+          </a:prstGeom>
+          <a:noFill/>
+          <a:extLst>
+            <a:ext uri="{909E8E84-426E-40DD-AFC4-6F175D3DCCD1}">
+              <a14:hiddenFill xmlns:a14="http://schemas.microsoft.com/office/drawing/2010/main">
+                <a:solidFill>
+                  <a:srgbClr val="FFFFFF"/>
+                </a:solidFill>
+              </a14:hiddenFill>
+            </a:ext>
+          </a:extLst>
+        </p:spPr>
+      </p:pic>
+      <p:pic>
+        <p:nvPicPr>
+          <p:cNvPr id="3078" name="Picture 6" descr="ÐÐ°ÑÑÐ¸Ð½ÐºÐ¸ Ð¿Ð¾ Ð·Ð°Ð¿ÑÐ¾ÑÑ javascript technology"/>
+          <p:cNvPicPr>
+            <a:picLocks noChangeAspect="1" noChangeArrowheads="1"/>
+          </p:cNvPicPr>
+          <p:nvPr/>
+        </p:nvPicPr>
+        <p:blipFill>
+          <a:blip r:embed="rId3">
+            <a:extLst>
+              <a:ext uri="{28A0092B-C50C-407E-A947-70E740481C1C}">
+                <a14:useLocalDpi xmlns:a14="http://schemas.microsoft.com/office/drawing/2010/main" val="0"/>
+              </a:ext>
+            </a:extLst>
+          </a:blip>
+          <a:srcRect/>
+          <a:stretch>
+            <a:fillRect/>
+          </a:stretch>
+        </p:blipFill>
+        <p:spPr bwMode="auto">
+          <a:xfrm>
+            <a:off x="6067983" y="2340864"/>
+            <a:ext cx="5517466" cy="3924740"/>
+          </a:xfrm>
+          <a:prstGeom prst="rect">
+            <a:avLst/>
+          </a:prstGeom>
+          <a:noFill/>
+          <a:extLst>
+            <a:ext uri="{909E8E84-426E-40DD-AFC4-6F175D3DCCD1}">
+              <a14:hiddenFill xmlns:a14="http://schemas.microsoft.com/office/drawing/2010/main">
+                <a:solidFill>
+                  <a:srgbClr val="FFFFFF"/>
+                </a:solidFill>
+              </a14:hiddenFill>
+            </a:ext>
+          </a:extLst>
+        </p:spPr>
+      </p:pic>
+    </p:spTree>
+    <p:extLst>
+      <p:ext uri="{BB962C8B-B14F-4D97-AF65-F5344CB8AC3E}">
+        <p14:creationId xmlns:p14="http://schemas.microsoft.com/office/powerpoint/2010/main" val="438570568"/>
+      </p:ext>
+    </p:extLst>
+  </p:cSld>
+  <p:clrMapOvr>
+    <a:masterClrMapping/>
+  </p:clrMapOvr>
+</p:sld>
+</file>
+
+<file path=ppt/slides/slide6.xml><?xml version="1.0" encoding="utf-8"?>
 <p:sld xmlns:a="http://schemas.openxmlformats.org/drawingml/2006/main" xmlns:r="http://schemas.openxmlformats.org/officeDocument/2006/relationships" xmlns:p="http://schemas.openxmlformats.org/presentationml/2006/main">
   <p:cSld>
     <p:spTree>
@@ -5894,7 +7374,7 @@
     </p:spTree>
     <p:extLst>
       <p:ext uri="{BB962C8B-B14F-4D97-AF65-F5344CB8AC3E}">
-        <p14:creationId xmlns:p14="http://schemas.microsoft.com/office/powerpoint/2010/main" val="438570568"/>
+        <p14:creationId xmlns:p14="http://schemas.microsoft.com/office/powerpoint/2010/main" val="2044165229"/>
       </p:ext>
     </p:extLst>
   </p:cSld>
@@ -5904,7 +7384,7 @@
 </p:sld>
 </file>
 
-<file path=ppt/slides/slide5.xml><?xml version="1.0" encoding="utf-8"?>
+<file path=ppt/slides/slide7.xml><?xml version="1.0" encoding="utf-8"?>
 <p:sld xmlns:a="http://schemas.openxmlformats.org/drawingml/2006/main" xmlns:r="http://schemas.openxmlformats.org/officeDocument/2006/relationships" xmlns:p="http://schemas.openxmlformats.org/presentationml/2006/main">
   <p:cSld>
     <p:spTree>
@@ -6297,7 +7777,7 @@
 </p:sld>
 </file>
 
-<file path=ppt/slides/slide6.xml><?xml version="1.0" encoding="utf-8"?>
+<file path=ppt/slides/slide8.xml><?xml version="1.0" encoding="utf-8"?>
 <p:sld xmlns:a="http://schemas.openxmlformats.org/drawingml/2006/main" xmlns:r="http://schemas.openxmlformats.org/officeDocument/2006/relationships" xmlns:p="http://schemas.openxmlformats.org/presentationml/2006/main">
   <p:cSld>
     <p:spTree>
@@ -6620,1187 +8100,6 @@
 </p:sld>
 </file>
 
-<file path=ppt/slides/slide7.xml><?xml version="1.0" encoding="utf-8"?>
-<p:sld xmlns:a="http://schemas.openxmlformats.org/drawingml/2006/main" xmlns:r="http://schemas.openxmlformats.org/officeDocument/2006/relationships" xmlns:p="http://schemas.openxmlformats.org/presentationml/2006/main">
-  <p:cSld>
-    <p:spTree>
-      <p:nvGrpSpPr>
-        <p:cNvPr id="1" name=""/>
-        <p:cNvGrpSpPr/>
-        <p:nvPr/>
-      </p:nvGrpSpPr>
-      <p:grpSpPr>
-        <a:xfrm>
-          <a:off x="0" y="0"/>
-          <a:ext cx="0" cy="0"/>
-          <a:chOff x="0" y="0"/>
-          <a:chExt cx="0" cy="0"/>
-        </a:xfrm>
-      </p:grpSpPr>
-      <p:sp>
-        <p:nvSpPr>
-          <p:cNvPr id="2" name="Заголовок 1"/>
-          <p:cNvSpPr>
-            <a:spLocks noGrp="1"/>
-          </p:cNvSpPr>
-          <p:nvPr>
-            <p:ph type="title"/>
-          </p:nvPr>
-        </p:nvSpPr>
-        <p:spPr>
-          <a:xfrm>
-            <a:off x="640080" y="365125"/>
-            <a:ext cx="10713720" cy="713867"/>
-          </a:xfrm>
-        </p:spPr>
-        <p:txBody>
-          <a:bodyPr>
-            <a:normAutofit/>
-          </a:bodyPr>
-          <a:lstStyle/>
-          <a:p>
-            <a:r>
-              <a:rPr lang="en-US" u="sng" dirty="0" smtClean="0"/>
-              <a:t>JavaScript </a:t>
-            </a:r>
-            <a:r>
-              <a:rPr lang="ru-RU" u="sng" dirty="0" smtClean="0"/>
-              <a:t>в прошлом. Гадкий утенок.</a:t>
-            </a:r>
-            <a:endParaRPr lang="ru-RU" u="sng" dirty="0"/>
-          </a:p>
-        </p:txBody>
-      </p:sp>
-      <p:sp>
-        <p:nvSpPr>
-          <p:cNvPr id="3" name="TextBox 2"/>
-          <p:cNvSpPr txBox="1"/>
-          <p:nvPr/>
-        </p:nvSpPr>
-        <p:spPr>
-          <a:xfrm>
-            <a:off x="640080" y="1078992"/>
-            <a:ext cx="10945368" cy="5416868"/>
-          </a:xfrm>
-          <a:prstGeom prst="rect">
-            <a:avLst/>
-          </a:prstGeom>
-          <a:noFill/>
-        </p:spPr>
-        <p:txBody>
-          <a:bodyPr wrap="square" rtlCol="0">
-            <a:spAutoFit/>
-          </a:bodyPr>
-          <a:lstStyle/>
-          <a:p>
-            <a:r>
-              <a:rPr lang="ru-RU" sz="2400" dirty="0" smtClean="0">
-                <a:solidFill>
-                  <a:srgbClr val="0070C0"/>
-                </a:solidFill>
-              </a:rPr>
-              <a:t>История - </a:t>
-            </a:r>
-            <a:r>
-              <a:rPr lang="en-US" sz="2400" dirty="0" smtClean="0">
-                <a:solidFill>
-                  <a:srgbClr val="0070C0"/>
-                </a:solidFill>
-              </a:rPr>
-              <a:t>https://ru.wikipedia.org/wiki/JavaScript</a:t>
-            </a:r>
-            <a:endParaRPr lang="ru-RU" sz="2400" dirty="0" smtClean="0">
-              <a:solidFill>
-                <a:srgbClr val="0070C0"/>
-              </a:solidFill>
-            </a:endParaRPr>
-          </a:p>
-          <a:p>
-            <a:pPr marL="742950" lvl="1" indent="-285750">
-              <a:buFont typeface="Arial" panose="020B0604020202020204" pitchFamily="34" charset="0"/>
-              <a:buChar char="•"/>
-            </a:pPr>
-            <a:r>
-              <a:rPr lang="en-US" dirty="0" smtClean="0"/>
-              <a:t>JavaScript </a:t>
-            </a:r>
-            <a:r>
-              <a:rPr lang="ru-RU" dirty="0" smtClean="0"/>
-              <a:t>берет начало в компании </a:t>
-            </a:r>
-            <a:r>
-              <a:rPr lang="en-US" dirty="0" smtClean="0"/>
-              <a:t>Netscape</a:t>
-            </a:r>
-            <a:r>
-              <a:rPr lang="ru-RU" dirty="0" smtClean="0"/>
-              <a:t> </a:t>
-            </a:r>
-            <a:endParaRPr lang="ru-RU" dirty="0"/>
-          </a:p>
-          <a:p>
-            <a:pPr marL="742950" lvl="1" indent="-285750">
-              <a:buFont typeface="Arial" panose="020B0604020202020204" pitchFamily="34" charset="0"/>
-              <a:buChar char="•"/>
-            </a:pPr>
-            <a:r>
-              <a:rPr lang="ru-RU" dirty="0" smtClean="0"/>
-              <a:t>В 1995 году </a:t>
-            </a:r>
-            <a:r>
-              <a:rPr lang="ru-RU" dirty="0" err="1" smtClean="0"/>
-              <a:t>Netscape</a:t>
-            </a:r>
-            <a:r>
-              <a:rPr lang="ru-RU" dirty="0" smtClean="0"/>
-              <a:t> переименовали свой язык для </a:t>
-            </a:r>
-            <a:r>
-              <a:rPr lang="ru-RU" dirty="0"/>
-              <a:t>браузера </a:t>
-            </a:r>
-            <a:r>
-              <a:rPr lang="en-US" dirty="0"/>
-              <a:t>Netscape Navigator </a:t>
-            </a:r>
-            <a:r>
-              <a:rPr lang="ru-RU" dirty="0" smtClean="0"/>
-              <a:t>в </a:t>
-            </a:r>
-            <a:r>
-              <a:rPr lang="ru-RU" dirty="0" err="1" smtClean="0"/>
-              <a:t>JavaScript</a:t>
-            </a:r>
-            <a:r>
-              <a:rPr lang="ru-RU" dirty="0" smtClean="0"/>
-              <a:t>, получив соответствующую лицензию у </a:t>
-            </a:r>
-            <a:r>
-              <a:rPr lang="ru-RU" dirty="0" err="1" smtClean="0"/>
-              <a:t>Sun</a:t>
-            </a:r>
-            <a:r>
-              <a:rPr lang="ru-RU" dirty="0" smtClean="0"/>
-              <a:t>. </a:t>
-            </a:r>
-          </a:p>
-          <a:p>
-            <a:pPr marL="742950" lvl="1" indent="-285750">
-              <a:buFont typeface="Arial" panose="020B0604020202020204" pitchFamily="34" charset="0"/>
-              <a:buChar char="•"/>
-            </a:pPr>
-            <a:r>
-              <a:rPr lang="ru-RU" dirty="0" smtClean="0"/>
-              <a:t>В 1996 году компания </a:t>
-            </a:r>
-            <a:r>
-              <a:rPr lang="ru-RU" dirty="0" err="1" smtClean="0"/>
-              <a:t>Microsoft</a:t>
-            </a:r>
-            <a:r>
-              <a:rPr lang="ru-RU" dirty="0" smtClean="0"/>
-              <a:t> выпустила аналог языка </a:t>
-            </a:r>
-            <a:r>
-              <a:rPr lang="ru-RU" dirty="0" err="1" smtClean="0"/>
-              <a:t>JavaScript</a:t>
-            </a:r>
-            <a:r>
-              <a:rPr lang="ru-RU" dirty="0" smtClean="0"/>
-              <a:t>, названный </a:t>
-            </a:r>
-            <a:r>
-              <a:rPr lang="ru-RU" dirty="0" err="1" smtClean="0"/>
-              <a:t>JScript</a:t>
-            </a:r>
-            <a:r>
-              <a:rPr lang="ru-RU" dirty="0" smtClean="0"/>
-              <a:t>. Первым браузером, поддерживающим эту реализацию, был </a:t>
-            </a:r>
-            <a:r>
-              <a:rPr lang="ru-RU" dirty="0" err="1" smtClean="0"/>
-              <a:t>Internet</a:t>
-            </a:r>
-            <a:r>
-              <a:rPr lang="ru-RU" dirty="0" smtClean="0"/>
-              <a:t> </a:t>
-            </a:r>
-            <a:r>
-              <a:rPr lang="ru-RU" dirty="0" err="1" smtClean="0"/>
-              <a:t>Explorer</a:t>
-            </a:r>
-            <a:r>
-              <a:rPr lang="ru-RU" dirty="0" smtClean="0"/>
-              <a:t> 3.0.</a:t>
-            </a:r>
-          </a:p>
-          <a:p>
-            <a:pPr marL="742950" lvl="1" indent="-285750">
-              <a:buFont typeface="Arial" panose="020B0604020202020204" pitchFamily="34" charset="0"/>
-              <a:buChar char="•"/>
-            </a:pPr>
-            <a:r>
-              <a:rPr lang="ru-RU" dirty="0" smtClean="0"/>
-              <a:t>По инициативе компании </a:t>
-            </a:r>
-            <a:r>
-              <a:rPr lang="ru-RU" dirty="0" err="1" smtClean="0"/>
-              <a:t>Netscape</a:t>
-            </a:r>
-            <a:r>
-              <a:rPr lang="ru-RU" dirty="0" smtClean="0"/>
-              <a:t> была проведена стандартизация языка ассоциацией ECMA. Стандартизированная версия имеет название </a:t>
-            </a:r>
-            <a:r>
-              <a:rPr lang="ru-RU" dirty="0" err="1" smtClean="0"/>
-              <a:t>ECMAScript</a:t>
-            </a:r>
-            <a:endParaRPr lang="ru-RU" dirty="0" smtClean="0"/>
-          </a:p>
-          <a:p>
-            <a:endParaRPr lang="ru-RU" sz="1600" dirty="0" smtClean="0"/>
-          </a:p>
-          <a:p>
-            <a:r>
-              <a:rPr lang="ru-RU" sz="2400" dirty="0" smtClean="0">
-                <a:solidFill>
-                  <a:srgbClr val="0070C0"/>
-                </a:solidFill>
-              </a:rPr>
-              <a:t>Чем был </a:t>
-            </a:r>
-            <a:r>
-              <a:rPr lang="en-US" sz="2400" dirty="0" smtClean="0">
-                <a:solidFill>
-                  <a:srgbClr val="0070C0"/>
-                </a:solidFill>
-              </a:rPr>
-              <a:t>JavaScript</a:t>
-            </a:r>
-            <a:endParaRPr lang="ru-RU" sz="2400" dirty="0">
-              <a:solidFill>
-                <a:srgbClr val="0070C0"/>
-              </a:solidFill>
-            </a:endParaRPr>
-          </a:p>
-          <a:p>
-            <a:pPr marL="742950" lvl="1" indent="-285750">
-              <a:buFont typeface="Arial" panose="020B0604020202020204" pitchFamily="34" charset="0"/>
-              <a:buChar char="•"/>
-            </a:pPr>
-            <a:r>
-              <a:rPr lang="ru-RU" dirty="0" smtClean="0"/>
-              <a:t>Среда исполнения – веб-браузеры. Изначальная ниша </a:t>
-            </a:r>
-            <a:r>
-              <a:rPr lang="en-US" dirty="0" smtClean="0"/>
-              <a:t>JavaScript - </a:t>
-            </a:r>
-            <a:r>
-              <a:rPr lang="ru-RU" dirty="0" smtClean="0"/>
-              <a:t>реализация </a:t>
-            </a:r>
-            <a:r>
-              <a:rPr lang="ru-RU" dirty="0"/>
-              <a:t>активного содержимого для </a:t>
-            </a:r>
-            <a:r>
-              <a:rPr lang="en-US" dirty="0"/>
-              <a:t>web-</a:t>
-            </a:r>
-            <a:r>
-              <a:rPr lang="ru-RU" dirty="0" smtClean="0"/>
-              <a:t>страниц. </a:t>
-            </a:r>
-          </a:p>
-          <a:p>
-            <a:pPr marL="742950" lvl="1" indent="-285750">
-              <a:buFont typeface="Arial" panose="020B0604020202020204" pitchFamily="34" charset="0"/>
-              <a:buChar char="•"/>
-            </a:pPr>
-            <a:r>
-              <a:rPr lang="ru-RU" dirty="0" smtClean="0"/>
-              <a:t>Функциональный язык с простым синтаксисом. Полное отсутствие типизации.</a:t>
-            </a:r>
-          </a:p>
-          <a:p>
-            <a:pPr marL="742950" lvl="1" indent="-285750">
-              <a:buFont typeface="Arial" panose="020B0604020202020204" pitchFamily="34" charset="0"/>
-              <a:buChar char="•"/>
-            </a:pPr>
-            <a:r>
-              <a:rPr lang="ru-RU" dirty="0" smtClean="0"/>
-              <a:t>Почти полное отсутствие каких-то библиотек</a:t>
-            </a:r>
-            <a:r>
-              <a:rPr lang="en-US" dirty="0" smtClean="0"/>
-              <a:t>….</a:t>
-            </a:r>
-            <a:r>
-              <a:rPr lang="ru-RU" dirty="0" smtClean="0"/>
-              <a:t> Отсутствие средств разработки и отладки.</a:t>
-            </a:r>
-          </a:p>
-          <a:p>
-            <a:pPr marL="742950" lvl="1" indent="-285750">
-              <a:buFont typeface="Arial" panose="020B0604020202020204" pitchFamily="34" charset="0"/>
-              <a:buChar char="•"/>
-            </a:pPr>
-            <a:r>
-              <a:rPr lang="ru-RU" dirty="0" smtClean="0"/>
-              <a:t>Прошло </a:t>
-            </a:r>
-            <a:r>
-              <a:rPr lang="en-US" dirty="0" smtClean="0"/>
-              <a:t>~</a:t>
-            </a:r>
-            <a:r>
-              <a:rPr lang="ru-RU" dirty="0" smtClean="0"/>
-              <a:t>10 лет, прежде чем в 2006 году появилась библиотека </a:t>
-            </a:r>
-            <a:r>
-              <a:rPr lang="en-US" dirty="0" smtClean="0"/>
-              <a:t>jQuery</a:t>
-            </a:r>
-            <a:r>
-              <a:rPr lang="ru-RU" dirty="0" smtClean="0"/>
-              <a:t>, далее пошел лавинообразный рост </a:t>
-            </a:r>
-            <a:r>
-              <a:rPr lang="en-US" dirty="0" smtClean="0"/>
-              <a:t>JavaScript </a:t>
-            </a:r>
-            <a:r>
-              <a:rPr lang="ru-RU" dirty="0" smtClean="0"/>
-              <a:t>библиотек</a:t>
-            </a:r>
-            <a:endParaRPr lang="ru-RU" sz="2400" dirty="0"/>
-          </a:p>
-          <a:p>
-            <a:pPr marL="742950" lvl="1" indent="-285750">
-              <a:buFont typeface="Arial" panose="020B0604020202020204" pitchFamily="34" charset="0"/>
-              <a:buChar char="•"/>
-            </a:pPr>
-            <a:endParaRPr lang="ru-RU" sz="2400" dirty="0" smtClean="0"/>
-          </a:p>
-          <a:p>
-            <a:pPr marL="0" lvl="1"/>
-            <a:r>
-              <a:rPr lang="ru-RU" sz="2400" dirty="0">
-                <a:solidFill>
-                  <a:srgbClr val="0070C0"/>
-                </a:solidFill>
-              </a:rPr>
-              <a:t>Одним словом полная </a:t>
-            </a:r>
-            <a:r>
-              <a:rPr lang="ru-RU" sz="2400" dirty="0" err="1">
-                <a:solidFill>
-                  <a:srgbClr val="0070C0"/>
-                </a:solidFill>
-              </a:rPr>
-              <a:t>негоднота</a:t>
-            </a:r>
-            <a:r>
-              <a:rPr lang="ru-RU" sz="2400" dirty="0" smtClean="0">
-                <a:solidFill>
-                  <a:srgbClr val="0070C0"/>
-                </a:solidFill>
-              </a:rPr>
-              <a:t>…</a:t>
-            </a:r>
-            <a:endParaRPr lang="ru-RU" dirty="0">
-              <a:solidFill>
-                <a:srgbClr val="0070C0"/>
-              </a:solidFill>
-            </a:endParaRPr>
-          </a:p>
-        </p:txBody>
-      </p:sp>
-    </p:spTree>
-    <p:extLst>
-      <p:ext uri="{BB962C8B-B14F-4D97-AF65-F5344CB8AC3E}">
-        <p14:creationId xmlns:p14="http://schemas.microsoft.com/office/powerpoint/2010/main" val="2562833394"/>
-      </p:ext>
-    </p:extLst>
-  </p:cSld>
-  <p:clrMapOvr>
-    <a:masterClrMapping/>
-  </p:clrMapOvr>
-</p:sld>
-</file>
-
-<file path=ppt/slides/slide8.xml><?xml version="1.0" encoding="utf-8"?>
-<p:sld xmlns:a="http://schemas.openxmlformats.org/drawingml/2006/main" xmlns:r="http://schemas.openxmlformats.org/officeDocument/2006/relationships" xmlns:p="http://schemas.openxmlformats.org/presentationml/2006/main">
-  <p:cSld>
-    <p:spTree>
-      <p:nvGrpSpPr>
-        <p:cNvPr id="1" name=""/>
-        <p:cNvGrpSpPr/>
-        <p:nvPr/>
-      </p:nvGrpSpPr>
-      <p:grpSpPr>
-        <a:xfrm>
-          <a:off x="0" y="0"/>
-          <a:ext cx="0" cy="0"/>
-          <a:chOff x="0" y="0"/>
-          <a:chExt cx="0" cy="0"/>
-        </a:xfrm>
-      </p:grpSpPr>
-      <p:sp>
-        <p:nvSpPr>
-          <p:cNvPr id="2" name="Заголовок 1"/>
-          <p:cNvSpPr>
-            <a:spLocks noGrp="1"/>
-          </p:cNvSpPr>
-          <p:nvPr>
-            <p:ph type="title"/>
-          </p:nvPr>
-        </p:nvSpPr>
-        <p:spPr>
-          <a:xfrm>
-            <a:off x="640078" y="365125"/>
-            <a:ext cx="10945370" cy="713867"/>
-          </a:xfrm>
-        </p:spPr>
-        <p:txBody>
-          <a:bodyPr/>
-          <a:lstStyle/>
-          <a:p>
-            <a:r>
-              <a:rPr lang="ru-RU" u="sng" dirty="0" smtClean="0"/>
-              <a:t>Стандарты языка </a:t>
-            </a:r>
-            <a:r>
-              <a:rPr lang="en-US" u="sng" dirty="0" smtClean="0"/>
-              <a:t>JavaScript</a:t>
-            </a:r>
-            <a:endParaRPr lang="ru-RU" u="sng" dirty="0"/>
-          </a:p>
-        </p:txBody>
-      </p:sp>
-      <p:pic>
-        <p:nvPicPr>
-          <p:cNvPr id="4" name="Рисунок 3"/>
-          <p:cNvPicPr>
-            <a:picLocks noChangeAspect="1"/>
-          </p:cNvPicPr>
-          <p:nvPr/>
-        </p:nvPicPr>
-        <p:blipFill>
-          <a:blip r:embed="rId2"/>
-          <a:stretch>
-            <a:fillRect/>
-          </a:stretch>
-        </p:blipFill>
-        <p:spPr>
-          <a:xfrm>
-            <a:off x="640078" y="4342078"/>
-            <a:ext cx="8658225" cy="2019300"/>
-          </a:xfrm>
-          <a:prstGeom prst="rect">
-            <a:avLst/>
-          </a:prstGeom>
-        </p:spPr>
-      </p:pic>
-      <p:graphicFrame>
-        <p:nvGraphicFramePr>
-          <p:cNvPr id="5" name="Таблица 4"/>
-          <p:cNvGraphicFramePr>
-            <a:graphicFrameLocks noGrp="1"/>
-          </p:cNvGraphicFramePr>
-          <p:nvPr>
-            <p:extLst>
-              <p:ext uri="{D42A27DB-BD31-4B8C-83A1-F6EECF244321}">
-                <p14:modId xmlns:p14="http://schemas.microsoft.com/office/powerpoint/2010/main" val="101050326"/>
-              </p:ext>
-            </p:extLst>
-          </p:nvPr>
-        </p:nvGraphicFramePr>
-        <p:xfrm>
-          <a:off x="640078" y="1078992"/>
-          <a:ext cx="10945370" cy="3108960"/>
-        </p:xfrm>
-        <a:graphic>
-          <a:graphicData uri="http://schemas.openxmlformats.org/drawingml/2006/table">
-            <a:tbl>
-              <a:tblPr firstRow="1" bandRow="1">
-                <a:tableStyleId>{5C22544A-7EE6-4342-B048-85BDC9FD1C3A}</a:tableStyleId>
-              </a:tblPr>
-              <a:tblGrid>
-                <a:gridCol w="4553714">
-                  <a:extLst>
-                    <a:ext uri="{9D8B030D-6E8A-4147-A177-3AD203B41FA5}">
-                      <a16:colId xmlns:a16="http://schemas.microsoft.com/office/drawing/2014/main" val="255323170"/>
-                    </a:ext>
-                  </a:extLst>
-                </a:gridCol>
-                <a:gridCol w="6391656">
-                  <a:extLst>
-                    <a:ext uri="{9D8B030D-6E8A-4147-A177-3AD203B41FA5}">
-                      <a16:colId xmlns:a16="http://schemas.microsoft.com/office/drawing/2014/main" val="2782776366"/>
-                    </a:ext>
-                  </a:extLst>
-                </a:gridCol>
-              </a:tblGrid>
-              <a:tr h="2825496">
-                <a:tc>
-                  <a:txBody>
-                    <a:bodyPr/>
-                    <a:lstStyle/>
-                    <a:p>
-                      <a:pPr marL="0" marR="0" lvl="0" indent="0" algn="l" defTabSz="914400" rtl="0" eaLnBrk="1" fontAlgn="auto" latinLnBrk="0" hangingPunct="1">
-                        <a:lnSpc>
-                          <a:spcPct val="100000"/>
-                        </a:lnSpc>
-                        <a:spcBef>
-                          <a:spcPts val="0"/>
-                        </a:spcBef>
-                        <a:spcAft>
-                          <a:spcPts val="0"/>
-                        </a:spcAft>
-                        <a:buClrTx/>
-                        <a:buSzTx/>
-                        <a:buFont typeface="Arial" panose="020B0604020202020204" pitchFamily="34" charset="0"/>
-                        <a:buNone/>
-                        <a:tabLst/>
-                        <a:defRPr/>
-                      </a:pPr>
-                      <a:r>
-                        <a:rPr lang="ru-RU" b="1" dirty="0" smtClean="0">
-                          <a:solidFill>
-                            <a:srgbClr val="0070C0"/>
-                          </a:solidFill>
-                        </a:rPr>
-                        <a:t>Спецификации языка </a:t>
-                      </a:r>
-                      <a:r>
-                        <a:rPr lang="en-US" b="1" dirty="0" smtClean="0">
-                          <a:solidFill>
-                            <a:srgbClr val="0070C0"/>
-                          </a:solidFill>
-                        </a:rPr>
-                        <a:t>JavaScript</a:t>
-                      </a:r>
-                      <a:endParaRPr lang="ru-RU" b="1" dirty="0" smtClean="0">
-                        <a:solidFill>
-                          <a:srgbClr val="0070C0"/>
-                        </a:solidFill>
-                      </a:endParaRPr>
-                    </a:p>
-                    <a:p>
-                      <a:pPr marL="0" marR="0" lvl="0" indent="0" algn="l" defTabSz="914400" rtl="0" eaLnBrk="1" fontAlgn="auto" latinLnBrk="0" hangingPunct="1">
-                        <a:lnSpc>
-                          <a:spcPct val="100000"/>
-                        </a:lnSpc>
-                        <a:spcBef>
-                          <a:spcPts val="0"/>
-                        </a:spcBef>
-                        <a:spcAft>
-                          <a:spcPts val="0"/>
-                        </a:spcAft>
-                        <a:buClrTx/>
-                        <a:buSzTx/>
-                        <a:buFont typeface="Arial" panose="020B0604020202020204" pitchFamily="34" charset="0"/>
-                        <a:buNone/>
-                        <a:tabLst/>
-                        <a:defRPr/>
-                      </a:pPr>
-                      <a:r>
-                        <a:rPr lang="en-US" b="0" dirty="0" smtClean="0">
-                          <a:solidFill>
-                            <a:schemeClr val="tx1"/>
-                          </a:solidFill>
-                        </a:rPr>
-                        <a:t>https://en.wikipedia.org/wiki/ECMAScript</a:t>
-                      </a:r>
-                    </a:p>
-                    <a:p>
-                      <a:pPr marL="285750" marR="0" lvl="0" indent="-285750" algn="l" defTabSz="914400" rtl="0" eaLnBrk="1" fontAlgn="auto" latinLnBrk="0" hangingPunct="1">
-                        <a:lnSpc>
-                          <a:spcPct val="100000"/>
-                        </a:lnSpc>
-                        <a:spcBef>
-                          <a:spcPts val="0"/>
-                        </a:spcBef>
-                        <a:spcAft>
-                          <a:spcPts val="0"/>
-                        </a:spcAft>
-                        <a:buClrTx/>
-                        <a:buSzTx/>
-                        <a:buFont typeface="Arial" panose="020B0604020202020204" pitchFamily="34" charset="0"/>
-                        <a:buChar char="•"/>
-                        <a:tabLst/>
-                        <a:defRPr/>
-                      </a:pPr>
-                      <a:r>
-                        <a:rPr lang="en-US" b="0" dirty="0" smtClean="0">
-                          <a:solidFill>
-                            <a:srgbClr val="00B050"/>
-                          </a:solidFill>
-                        </a:rPr>
-                        <a:t>ES5    \ </a:t>
-                      </a:r>
-                      <a:r>
-                        <a:rPr lang="en-US" sz="1800" b="0" i="0" kern="1200" dirty="0" smtClean="0">
-                          <a:solidFill>
-                            <a:srgbClr val="00B050"/>
-                          </a:solidFill>
-                          <a:effectLst/>
-                          <a:latin typeface="+mn-lt"/>
-                          <a:ea typeface="+mn-ea"/>
-                          <a:cs typeface="+mn-cs"/>
-                        </a:rPr>
-                        <a:t>ECMAScript v5 (2009)</a:t>
-                      </a:r>
-                      <a:endParaRPr lang="en-US" b="0" dirty="0" smtClean="0">
-                        <a:solidFill>
-                          <a:srgbClr val="00B050"/>
-                        </a:solidFill>
-                      </a:endParaRPr>
-                    </a:p>
-                    <a:p>
-                      <a:pPr marL="285750" marR="0" lvl="0" indent="-285750" algn="l" defTabSz="914400" rtl="0" eaLnBrk="1" fontAlgn="auto" latinLnBrk="0" hangingPunct="1">
-                        <a:lnSpc>
-                          <a:spcPct val="100000"/>
-                        </a:lnSpc>
-                        <a:spcBef>
-                          <a:spcPts val="0"/>
-                        </a:spcBef>
-                        <a:spcAft>
-                          <a:spcPts val="0"/>
-                        </a:spcAft>
-                        <a:buClrTx/>
-                        <a:buSzTx/>
-                        <a:buFont typeface="Arial" panose="020B0604020202020204" pitchFamily="34" charset="0"/>
-                        <a:buChar char="•"/>
-                        <a:tabLst/>
-                        <a:defRPr/>
-                      </a:pPr>
-                      <a:r>
-                        <a:rPr lang="en-US" b="0" dirty="0" smtClean="0">
-                          <a:solidFill>
-                            <a:schemeClr val="tx1"/>
-                          </a:solidFill>
-                        </a:rPr>
-                        <a:t>ES5.1 \ </a:t>
-                      </a:r>
-                      <a:r>
-                        <a:rPr lang="en-US" sz="1800" b="0" i="0" kern="1200" dirty="0" smtClean="0">
-                          <a:solidFill>
-                            <a:schemeClr val="tx1"/>
-                          </a:solidFill>
-                          <a:effectLst/>
-                          <a:latin typeface="+mn-lt"/>
-                          <a:ea typeface="+mn-ea"/>
-                          <a:cs typeface="+mn-cs"/>
-                        </a:rPr>
-                        <a:t>ECMAScript v5.1 (2011)</a:t>
-                      </a:r>
-                      <a:endParaRPr lang="en-US" b="0" dirty="0" smtClean="0">
-                        <a:solidFill>
-                          <a:schemeClr val="tx1"/>
-                        </a:solidFill>
-                      </a:endParaRPr>
-                    </a:p>
-                    <a:p>
-                      <a:pPr marL="285750" lvl="0" indent="-285750">
-                        <a:buFont typeface="Arial" panose="020B0604020202020204" pitchFamily="34" charset="0"/>
-                        <a:buChar char="•"/>
-                      </a:pPr>
-                      <a:r>
-                        <a:rPr lang="en-US" b="0" dirty="0" smtClean="0">
-                          <a:solidFill>
-                            <a:schemeClr val="tx1"/>
-                          </a:solidFill>
-                        </a:rPr>
-                        <a:t>ES6    \ ECMAScript 2015</a:t>
-                      </a:r>
-                    </a:p>
-                    <a:p>
-                      <a:pPr marL="285750" lvl="0" indent="-285750">
-                        <a:buFont typeface="Arial" panose="020B0604020202020204" pitchFamily="34" charset="0"/>
-                        <a:buChar char="•"/>
-                      </a:pPr>
-                      <a:r>
-                        <a:rPr lang="en-US" b="0" dirty="0" smtClean="0">
-                          <a:solidFill>
-                            <a:schemeClr val="tx1"/>
-                          </a:solidFill>
-                        </a:rPr>
-                        <a:t>ES7    \ ECMAScript 2016</a:t>
-                      </a:r>
-                    </a:p>
-                    <a:p>
-                      <a:pPr marL="285750" lvl="0" indent="-285750">
-                        <a:buFont typeface="Arial" panose="020B0604020202020204" pitchFamily="34" charset="0"/>
-                        <a:buChar char="•"/>
-                      </a:pPr>
-                      <a:r>
-                        <a:rPr lang="en-US" b="0" dirty="0" smtClean="0">
-                          <a:solidFill>
-                            <a:schemeClr val="tx1"/>
-                          </a:solidFill>
-                        </a:rPr>
-                        <a:t>ES8    \ ECMAScript 2017</a:t>
-                      </a:r>
-                      <a:br>
-                        <a:rPr lang="en-US" b="0" dirty="0" smtClean="0">
-                          <a:solidFill>
-                            <a:schemeClr val="tx1"/>
-                          </a:solidFill>
-                        </a:rPr>
-                      </a:br>
-                      <a:endParaRPr lang="en-US" b="0" dirty="0" smtClean="0">
-                        <a:solidFill>
-                          <a:schemeClr val="tx1"/>
-                        </a:solidFill>
-                      </a:endParaRPr>
-                    </a:p>
-                    <a:p>
-                      <a:pPr marL="0" lvl="0" indent="0">
-                        <a:buFont typeface="Arial" panose="020B0604020202020204" pitchFamily="34" charset="0"/>
-                        <a:buNone/>
-                      </a:pPr>
-                      <a:r>
-                        <a:rPr lang="ru-RU" b="1" dirty="0" smtClean="0">
-                          <a:solidFill>
-                            <a:srgbClr val="0070C0"/>
-                          </a:solidFill>
-                        </a:rPr>
-                        <a:t>Расширения языка </a:t>
-                      </a:r>
-                      <a:r>
-                        <a:rPr lang="en-US" b="1" dirty="0" smtClean="0">
-                          <a:solidFill>
-                            <a:srgbClr val="0070C0"/>
-                          </a:solidFill>
-                        </a:rPr>
-                        <a:t>JavaScript</a:t>
-                      </a:r>
-                      <a:endParaRPr lang="en-US" b="0" dirty="0" smtClean="0">
-                        <a:solidFill>
-                          <a:srgbClr val="0070C0"/>
-                        </a:solidFill>
-                      </a:endParaRPr>
-                    </a:p>
-                    <a:p>
-                      <a:pPr marL="0" marR="0" lvl="0" indent="0" algn="l" defTabSz="914400" rtl="0" eaLnBrk="1" fontAlgn="auto" latinLnBrk="0" hangingPunct="1">
-                        <a:lnSpc>
-                          <a:spcPct val="100000"/>
-                        </a:lnSpc>
-                        <a:spcBef>
-                          <a:spcPts val="0"/>
-                        </a:spcBef>
-                        <a:spcAft>
-                          <a:spcPts val="0"/>
-                        </a:spcAft>
-                        <a:buClrTx/>
-                        <a:buSzTx/>
-                        <a:buFont typeface="Arial" panose="020B0604020202020204" pitchFamily="34" charset="0"/>
-                        <a:buNone/>
-                        <a:tabLst/>
-                        <a:defRPr/>
-                      </a:pPr>
-                      <a:r>
-                        <a:rPr lang="en-US" sz="1800" b="0" kern="1200" dirty="0" smtClean="0">
-                          <a:solidFill>
-                            <a:schemeClr val="tx1"/>
-                          </a:solidFill>
-                          <a:latin typeface="+mn-lt"/>
-                          <a:ea typeface="+mn-ea"/>
-                          <a:cs typeface="+mn-cs"/>
-                        </a:rPr>
-                        <a:t>ECMAScript proposal process</a:t>
-                      </a:r>
-                      <a:endParaRPr lang="ru-RU" sz="1800" b="0" kern="1200" dirty="0">
-                        <a:solidFill>
-                          <a:schemeClr val="tx1"/>
-                        </a:solidFill>
-                        <a:latin typeface="+mn-lt"/>
-                        <a:ea typeface="+mn-ea"/>
-                        <a:cs typeface="+mn-cs"/>
-                      </a:endParaRPr>
-                    </a:p>
-                  </a:txBody>
-                  <a:tcPr>
-                    <a:solidFill>
-                      <a:schemeClr val="bg1"/>
-                    </a:solidFill>
-                  </a:tcPr>
-                </a:tc>
-                <a:tc>
-                  <a:txBody>
-                    <a:bodyPr/>
-                    <a:lstStyle/>
-                    <a:p>
-                      <a:pPr marL="0" indent="0">
-                        <a:buFont typeface="Arial" panose="020B0604020202020204" pitchFamily="34" charset="0"/>
-                        <a:buNone/>
-                      </a:pPr>
-                      <a:r>
-                        <a:rPr lang="ru-RU" b="1" dirty="0" smtClean="0">
-                          <a:solidFill>
-                            <a:srgbClr val="0070C0"/>
-                          </a:solidFill>
-                        </a:rPr>
-                        <a:t>Среды исполнения </a:t>
-                      </a:r>
-                      <a:r>
-                        <a:rPr lang="en-US" b="1" dirty="0" smtClean="0">
-                          <a:solidFill>
-                            <a:srgbClr val="0070C0"/>
-                          </a:solidFill>
-                        </a:rPr>
-                        <a:t>JavaScript</a:t>
-                      </a:r>
-                    </a:p>
-                    <a:p>
-                      <a:pPr marL="342900" marR="0" lvl="0" indent="-342900" algn="l" defTabSz="914400" rtl="0" eaLnBrk="1" fontAlgn="auto" latinLnBrk="0" hangingPunct="1">
-                        <a:lnSpc>
-                          <a:spcPct val="100000"/>
-                        </a:lnSpc>
-                        <a:spcBef>
-                          <a:spcPts val="0"/>
-                        </a:spcBef>
-                        <a:spcAft>
-                          <a:spcPts val="0"/>
-                        </a:spcAft>
-                        <a:buClrTx/>
-                        <a:buSzTx/>
-                        <a:buFont typeface="Arial" panose="020B0604020202020204" pitchFamily="34" charset="0"/>
-                        <a:buChar char="•"/>
-                        <a:tabLst/>
-                        <a:defRPr/>
-                      </a:pPr>
-                      <a:r>
-                        <a:rPr lang="ru-RU" b="0" dirty="0" smtClean="0">
-                          <a:solidFill>
-                            <a:schemeClr val="tx1"/>
-                          </a:solidFill>
-                        </a:rPr>
-                        <a:t>Браузеры</a:t>
-                      </a:r>
-                      <a:r>
-                        <a:rPr lang="en-US" b="0" dirty="0" smtClean="0">
-                          <a:solidFill>
-                            <a:schemeClr val="tx1"/>
-                          </a:solidFill>
-                        </a:rPr>
-                        <a:t>: Chrome, Opera, Firefox, IE, Safari, …</a:t>
-                      </a:r>
-                      <a:endParaRPr lang="ru-RU" b="0" dirty="0" smtClean="0">
-                        <a:solidFill>
-                          <a:schemeClr val="tx1"/>
-                        </a:solidFill>
-                      </a:endParaRPr>
-                    </a:p>
-                    <a:p>
-                      <a:pPr marL="342900" lvl="0" indent="-342900">
-                        <a:buFont typeface="Arial" panose="020B0604020202020204" pitchFamily="34" charset="0"/>
-                        <a:buChar char="•"/>
-                      </a:pPr>
-                      <a:r>
-                        <a:rPr lang="en-US" b="0" dirty="0" err="1" smtClean="0">
-                          <a:solidFill>
-                            <a:schemeClr val="tx1"/>
-                          </a:solidFill>
-                        </a:rPr>
-                        <a:t>NodeJS</a:t>
-                      </a:r>
-                      <a:r>
-                        <a:rPr lang="en-US" b="0" dirty="0" smtClean="0">
-                          <a:solidFill>
-                            <a:schemeClr val="tx1"/>
-                          </a:solidFill>
-                        </a:rPr>
-                        <a:t> runtime (based</a:t>
-                      </a:r>
-                      <a:r>
-                        <a:rPr lang="en-US" b="0" baseline="0" dirty="0" smtClean="0">
-                          <a:solidFill>
-                            <a:schemeClr val="tx1"/>
-                          </a:solidFill>
-                        </a:rPr>
-                        <a:t> on Chrome's V8 JavaScript engine</a:t>
-                      </a:r>
-                      <a:r>
-                        <a:rPr lang="en-US" b="0" dirty="0" smtClean="0">
-                          <a:solidFill>
-                            <a:schemeClr val="tx1"/>
-                          </a:solidFill>
-                        </a:rPr>
-                        <a:t>)</a:t>
-                      </a:r>
-                      <a:endParaRPr lang="ru-RU" b="0" dirty="0" smtClean="0">
-                        <a:solidFill>
-                          <a:schemeClr val="tx1"/>
-                        </a:solidFill>
-                      </a:endParaRPr>
-                    </a:p>
-                    <a:p>
-                      <a:pPr marL="342900" lvl="0" indent="-342900">
-                        <a:buFont typeface="Arial" panose="020B0604020202020204" pitchFamily="34" charset="0"/>
-                        <a:buChar char="•"/>
-                      </a:pPr>
-                      <a:r>
-                        <a:rPr lang="ru-RU" b="0" dirty="0" smtClean="0">
-                          <a:solidFill>
-                            <a:schemeClr val="tx1"/>
-                          </a:solidFill>
-                        </a:rPr>
-                        <a:t>Экзотика</a:t>
-                      </a:r>
-                      <a:r>
-                        <a:rPr lang="en-US" b="0" dirty="0" smtClean="0">
-                          <a:solidFill>
-                            <a:schemeClr val="tx1"/>
-                          </a:solidFill>
-                        </a:rPr>
-                        <a:t>:</a:t>
-                      </a:r>
-                    </a:p>
-                    <a:p>
-                      <a:pPr marL="800100" lvl="1" indent="-342900">
-                        <a:buFont typeface="Arial" panose="020B0604020202020204" pitchFamily="34" charset="0"/>
-                        <a:buChar char="•"/>
-                      </a:pPr>
-                      <a:r>
-                        <a:rPr lang="ru-RU" b="0" dirty="0" smtClean="0">
-                          <a:solidFill>
-                            <a:schemeClr val="tx1"/>
-                          </a:solidFill>
-                        </a:rPr>
-                        <a:t>Внутри </a:t>
-                      </a:r>
-                      <a:r>
-                        <a:rPr lang="en-US" b="0" dirty="0" smtClean="0">
-                          <a:solidFill>
-                            <a:schemeClr val="tx1"/>
-                          </a:solidFill>
-                        </a:rPr>
-                        <a:t>JVM: Mozilla Rhino, Oracle </a:t>
-                      </a:r>
-                      <a:r>
-                        <a:rPr lang="en-US" b="0" dirty="0" err="1" smtClean="0">
-                          <a:solidFill>
-                            <a:schemeClr val="tx1"/>
-                          </a:solidFill>
-                        </a:rPr>
-                        <a:t>Nashorn</a:t>
-                      </a:r>
-                      <a:r>
-                        <a:rPr lang="en-US" b="0" dirty="0" smtClean="0">
-                          <a:solidFill>
-                            <a:schemeClr val="tx1"/>
-                          </a:solidFill>
-                        </a:rPr>
-                        <a:t> engine (based on Mozilla Rhino)</a:t>
-                      </a:r>
-                    </a:p>
-                    <a:p>
-                      <a:pPr marL="800100" lvl="1" indent="-342900">
-                        <a:buFont typeface="Arial" panose="020B0604020202020204" pitchFamily="34" charset="0"/>
-                        <a:buChar char="•"/>
-                      </a:pPr>
-                      <a:r>
-                        <a:rPr lang="ru-RU" b="0" dirty="0" smtClean="0">
-                          <a:solidFill>
-                            <a:schemeClr val="tx1"/>
-                          </a:solidFill>
-                        </a:rPr>
-                        <a:t>Внутри </a:t>
-                      </a:r>
-                      <a:r>
-                        <a:rPr lang="en-US" b="0" dirty="0" err="1" smtClean="0">
-                          <a:solidFill>
-                            <a:schemeClr val="tx1"/>
-                          </a:solidFill>
-                        </a:rPr>
-                        <a:t>CouchDB</a:t>
-                      </a:r>
-                      <a:r>
-                        <a:rPr lang="ru-RU" b="0" dirty="0" smtClean="0">
-                          <a:solidFill>
-                            <a:schemeClr val="tx1"/>
-                          </a:solidFill>
-                        </a:rPr>
-                        <a:t> (как</a:t>
-                      </a:r>
-                      <a:r>
-                        <a:rPr lang="ru-RU" b="0" baseline="0" dirty="0" smtClean="0">
-                          <a:solidFill>
-                            <a:schemeClr val="tx1"/>
-                          </a:solidFill>
-                        </a:rPr>
-                        <a:t> </a:t>
-                      </a:r>
-                      <a:r>
-                        <a:rPr lang="en-US" b="0" dirty="0" smtClean="0">
-                          <a:solidFill>
-                            <a:schemeClr val="tx1"/>
-                          </a:solidFill>
-                        </a:rPr>
-                        <a:t>JVM</a:t>
-                      </a:r>
-                      <a:r>
-                        <a:rPr lang="en-US" b="0" baseline="0" dirty="0" smtClean="0">
-                          <a:solidFill>
-                            <a:schemeClr val="tx1"/>
-                          </a:solidFill>
-                        </a:rPr>
-                        <a:t> </a:t>
-                      </a:r>
-                      <a:r>
-                        <a:rPr lang="ru-RU" b="0" baseline="0" dirty="0" smtClean="0">
-                          <a:solidFill>
-                            <a:schemeClr val="tx1"/>
-                          </a:solidFill>
-                        </a:rPr>
-                        <a:t>в </a:t>
-                      </a:r>
-                      <a:r>
-                        <a:rPr lang="en-US" b="0" baseline="0" dirty="0" smtClean="0">
-                          <a:solidFill>
-                            <a:schemeClr val="tx1"/>
-                          </a:solidFill>
-                        </a:rPr>
-                        <a:t>Oracle DB</a:t>
-                      </a:r>
-                      <a:r>
-                        <a:rPr lang="ru-RU" b="0" dirty="0" smtClean="0">
-                          <a:solidFill>
-                            <a:schemeClr val="tx1"/>
-                          </a:solidFill>
-                        </a:rPr>
-                        <a:t>)</a:t>
-                      </a:r>
-                      <a:endParaRPr lang="en-US" b="0" dirty="0" smtClean="0">
-                        <a:solidFill>
-                          <a:schemeClr val="tx1"/>
-                        </a:solidFill>
-                      </a:endParaRPr>
-                    </a:p>
-                    <a:p>
-                      <a:pPr marL="0" indent="0">
-                        <a:buFont typeface="Arial" panose="020B0604020202020204" pitchFamily="34" charset="0"/>
-                        <a:buNone/>
-                      </a:pPr>
-                      <a:r>
-                        <a:rPr lang="en-US" b="1" dirty="0" smtClean="0">
-                          <a:solidFill>
-                            <a:schemeClr val="tx1"/>
-                          </a:solidFill>
-                        </a:rPr>
-                        <a:t/>
-                      </a:r>
-                      <a:br>
-                        <a:rPr lang="en-US" b="1" dirty="0" smtClean="0">
-                          <a:solidFill>
-                            <a:schemeClr val="tx1"/>
-                          </a:solidFill>
-                        </a:rPr>
-                      </a:br>
-                      <a:r>
-                        <a:rPr lang="ru-RU" b="1" dirty="0" smtClean="0">
-                          <a:solidFill>
-                            <a:srgbClr val="0070C0"/>
-                          </a:solidFill>
-                        </a:rPr>
-                        <a:t>Поддержка стандарта\расширений в средах</a:t>
-                      </a:r>
-                      <a:r>
-                        <a:rPr lang="ru-RU" b="1" baseline="0" dirty="0" smtClean="0">
-                          <a:solidFill>
-                            <a:srgbClr val="0070C0"/>
-                          </a:solidFill>
-                        </a:rPr>
-                        <a:t> исполнения</a:t>
-                      </a:r>
-                      <a:endParaRPr lang="en-US" b="1" dirty="0" smtClean="0">
-                        <a:solidFill>
-                          <a:srgbClr val="0070C0"/>
-                        </a:solidFill>
-                      </a:endParaRPr>
-                    </a:p>
-                    <a:p>
-                      <a:pPr marL="0" marR="0" lvl="0" indent="0" algn="l" defTabSz="914400" rtl="0" eaLnBrk="1" fontAlgn="auto" latinLnBrk="0" hangingPunct="1">
-                        <a:lnSpc>
-                          <a:spcPct val="100000"/>
-                        </a:lnSpc>
-                        <a:spcBef>
-                          <a:spcPts val="0"/>
-                        </a:spcBef>
-                        <a:spcAft>
-                          <a:spcPts val="0"/>
-                        </a:spcAft>
-                        <a:buClrTx/>
-                        <a:buSzTx/>
-                        <a:buFont typeface="Arial" panose="020B0604020202020204" pitchFamily="34" charset="0"/>
-                        <a:buNone/>
-                        <a:tabLst/>
-                        <a:defRPr/>
-                      </a:pPr>
-                      <a:r>
-                        <a:rPr lang="en-US" b="0" dirty="0" smtClean="0">
-                          <a:solidFill>
-                            <a:schemeClr val="tx1"/>
-                          </a:solidFill>
-                          <a:hlinkClick r:id="rId3"/>
-                        </a:rPr>
-                        <a:t>https://github.com/kangax/compat-table</a:t>
-                      </a:r>
-                      <a:r>
-                        <a:rPr lang="ru-RU" b="0" dirty="0" smtClean="0">
-                          <a:solidFill>
-                            <a:schemeClr val="tx1"/>
-                          </a:solidFill>
-                        </a:rPr>
-                        <a:t/>
-                      </a:r>
-                      <a:br>
-                        <a:rPr lang="ru-RU" b="0" dirty="0" smtClean="0">
-                          <a:solidFill>
-                            <a:schemeClr val="tx1"/>
-                          </a:solidFill>
-                        </a:rPr>
-                      </a:br>
-                      <a:endParaRPr lang="ru-RU" dirty="0">
-                        <a:solidFill>
-                          <a:schemeClr val="tx1"/>
-                        </a:solidFill>
-                      </a:endParaRPr>
-                    </a:p>
-                  </a:txBody>
-                  <a:tcPr>
-                    <a:solidFill>
-                      <a:schemeClr val="bg1"/>
-                    </a:solidFill>
-                  </a:tcPr>
-                </a:tc>
-                <a:extLst>
-                  <a:ext uri="{0D108BD9-81ED-4DB2-BD59-A6C34878D82A}">
-                    <a16:rowId xmlns:a16="http://schemas.microsoft.com/office/drawing/2014/main" val="731750577"/>
-                  </a:ext>
-                </a:extLst>
-              </a:tr>
-            </a:tbl>
-          </a:graphicData>
-        </a:graphic>
-      </p:graphicFrame>
-    </p:spTree>
-    <p:extLst>
-      <p:ext uri="{BB962C8B-B14F-4D97-AF65-F5344CB8AC3E}">
-        <p14:creationId xmlns:p14="http://schemas.microsoft.com/office/powerpoint/2010/main" val="433171971"/>
-      </p:ext>
-    </p:extLst>
-  </p:cSld>
-  <p:clrMapOvr>
-    <a:masterClrMapping/>
-  </p:clrMapOvr>
-</p:sld>
-</file>
-
 <file path=ppt/slides/slide9.xml><?xml version="1.0" encoding="utf-8"?>
 <p:sld xmlns:a="http://schemas.openxmlformats.org/drawingml/2006/main" xmlns:r="http://schemas.openxmlformats.org/officeDocument/2006/relationships" xmlns:p="http://schemas.openxmlformats.org/presentationml/2006/main">
   <p:cSld>
@@ -7830,154 +8129,431 @@
         </p:nvSpPr>
         <p:spPr>
           <a:xfrm>
-            <a:off x="640078" y="365125"/>
-            <a:ext cx="10945370" cy="713867"/>
+            <a:off x="640080" y="365125"/>
+            <a:ext cx="10713720" cy="713867"/>
           </a:xfrm>
         </p:spPr>
         <p:txBody>
-          <a:bodyPr/>
+          <a:bodyPr>
+            <a:normAutofit/>
+          </a:bodyPr>
           <a:lstStyle/>
           <a:p>
             <a:r>
+              <a:rPr lang="en-US" u="sng" dirty="0" smtClean="0"/>
+              <a:t>JavaScript </a:t>
+            </a:r>
+            <a:r>
               <a:rPr lang="ru-RU" u="sng" dirty="0" smtClean="0"/>
-              <a:t>Возможности сред исполнения </a:t>
+              <a:t>в </a:t>
+            </a:r>
+            <a:r>
+              <a:rPr lang="ru-RU" u="sng" dirty="0" smtClean="0"/>
+              <a:t>прошлом</a:t>
             </a:r>
             <a:r>
               <a:rPr lang="en-US" u="sng" dirty="0" smtClean="0"/>
-              <a:t>JS</a:t>
+              <a:t>:</a:t>
+            </a:r>
+            <a:r>
+              <a:rPr lang="ru-RU" u="sng" dirty="0" smtClean="0"/>
+              <a:t> </a:t>
+            </a:r>
+            <a:r>
+              <a:rPr lang="ru-RU" u="sng" dirty="0" smtClean="0"/>
+              <a:t>Гадкий утенок.</a:t>
             </a:r>
             <a:endParaRPr lang="ru-RU" u="sng" dirty="0"/>
           </a:p>
         </p:txBody>
       </p:sp>
-      <p:pic>
-        <p:nvPicPr>
-          <p:cNvPr id="6" name="Рисунок 5"/>
-          <p:cNvPicPr>
-            <a:picLocks noChangeAspect="1"/>
-          </p:cNvPicPr>
+      <p:sp>
+        <p:nvSpPr>
+          <p:cNvPr id="3" name="TextBox 2"/>
+          <p:cNvSpPr txBox="1"/>
           <p:nvPr/>
-        </p:nvPicPr>
-        <p:blipFill>
-          <a:blip r:embed="rId2"/>
-          <a:stretch>
-            <a:fillRect/>
-          </a:stretch>
-        </p:blipFill>
+        </p:nvSpPr>
         <p:spPr>
           <a:xfrm>
-            <a:off x="640077" y="1534478"/>
-            <a:ext cx="10945371" cy="1467802"/>
+            <a:off x="640080" y="1078992"/>
+            <a:ext cx="10945368" cy="5478423"/>
           </a:xfrm>
           <a:prstGeom prst="rect">
             <a:avLst/>
           </a:prstGeom>
+          <a:noFill/>
         </p:spPr>
-      </p:pic>
-      <p:sp>
-        <p:nvSpPr>
-          <p:cNvPr id="7" name="Прямоугольник 6"/>
-          <p:cNvSpPr/>
-          <p:nvPr/>
-        </p:nvSpPr>
-        <p:spPr>
-          <a:xfrm>
-            <a:off x="640077" y="1078992"/>
-            <a:ext cx="4287584" cy="369332"/>
-          </a:xfrm>
-          <a:prstGeom prst="rect">
-            <a:avLst/>
-          </a:prstGeom>
-        </p:spPr>
-        <p:txBody>
-          <a:bodyPr wrap="none">
+        <p:txBody>
+          <a:bodyPr wrap="square" rtlCol="0">
             <a:spAutoFit/>
           </a:bodyPr>
           <a:lstStyle/>
           <a:p>
             <a:r>
-              <a:rPr lang="en-US" b="0" dirty="0" smtClean="0">
+              <a:rPr lang="ru-RU" sz="2400" dirty="0" smtClean="0">
                 <a:solidFill>
-                  <a:schemeClr val="tx1"/>
+                  <a:srgbClr val="0070C0"/>
                 </a:solidFill>
-                <a:hlinkClick r:id="rId3"/>
               </a:rPr>
-              <a:t>https://kangax.github.io/compat-table/es5/</a:t>
-            </a:r>
-            <a:endParaRPr lang="ru-RU" b="0" dirty="0" smtClean="0">
+              <a:t>История - </a:t>
+            </a:r>
+            <a:r>
+              <a:rPr lang="en-US" sz="2400" dirty="0" smtClean="0">
+                <a:solidFill>
+                  <a:srgbClr val="0070C0"/>
+                </a:solidFill>
+              </a:rPr>
+              <a:t>https://ru.wikipedia.org/wiki/JavaScript</a:t>
+            </a:r>
+            <a:endParaRPr lang="ru-RU" sz="2400" dirty="0" smtClean="0">
               <a:solidFill>
-                <a:schemeClr val="tx1"/>
+                <a:srgbClr val="0070C0"/>
               </a:solidFill>
             </a:endParaRPr>
           </a:p>
-        </p:txBody>
-      </p:sp>
-      <p:sp>
-        <p:nvSpPr>
-          <p:cNvPr id="8" name="Прямоугольник 7"/>
-          <p:cNvSpPr/>
-          <p:nvPr/>
-        </p:nvSpPr>
-        <p:spPr>
-          <a:xfrm>
-            <a:off x="640077" y="3083672"/>
-            <a:ext cx="4287584" cy="369332"/>
-          </a:xfrm>
-          <a:prstGeom prst="rect">
-            <a:avLst/>
-          </a:prstGeom>
-        </p:spPr>
-        <p:txBody>
-          <a:bodyPr wrap="none">
-            <a:spAutoFit/>
-          </a:bodyPr>
-          <a:lstStyle/>
-          <a:p>
-            <a:r>
-              <a:rPr lang="en-US" b="0" dirty="0" smtClean="0">
-                <a:solidFill>
-                  <a:schemeClr val="tx1"/>
-                </a:solidFill>
-                <a:hlinkClick r:id="rId4"/>
-              </a:rPr>
-              <a:t>https://kangax.github.io/compat-table/es6/</a:t>
-            </a:r>
-            <a:endParaRPr lang="ru-RU" b="0" dirty="0" smtClean="0">
+          <a:p>
+            <a:pPr marL="742950" lvl="1" indent="-285750">
+              <a:buFont typeface="Arial" panose="020B0604020202020204" pitchFamily="34" charset="0"/>
+              <a:buChar char="•"/>
+            </a:pPr>
+            <a:r>
+              <a:rPr lang="en-US" dirty="0" smtClean="0"/>
+              <a:t>JavaScript </a:t>
+            </a:r>
+            <a:r>
+              <a:rPr lang="ru-RU" dirty="0" smtClean="0"/>
+              <a:t>берет начало в компании </a:t>
+            </a:r>
+            <a:r>
+              <a:rPr lang="en-US" dirty="0" smtClean="0"/>
+              <a:t>Netscape</a:t>
+            </a:r>
+            <a:r>
+              <a:rPr lang="ru-RU" dirty="0" smtClean="0"/>
+              <a:t> </a:t>
+            </a:r>
+            <a:endParaRPr lang="ru-RU" dirty="0"/>
+          </a:p>
+          <a:p>
+            <a:pPr marL="742950" lvl="1" indent="-285750">
+              <a:buFont typeface="Arial" panose="020B0604020202020204" pitchFamily="34" charset="0"/>
+              <a:buChar char="•"/>
+            </a:pPr>
+            <a:r>
+              <a:rPr lang="ru-RU" dirty="0" smtClean="0"/>
+              <a:t>В 1995 году </a:t>
+            </a:r>
+            <a:r>
+              <a:rPr lang="ru-RU" dirty="0" err="1" smtClean="0"/>
+              <a:t>Netscape</a:t>
+            </a:r>
+            <a:r>
+              <a:rPr lang="ru-RU" dirty="0" smtClean="0"/>
+              <a:t> переименовали свой язык для </a:t>
+            </a:r>
+            <a:r>
+              <a:rPr lang="ru-RU" dirty="0"/>
+              <a:t>браузера </a:t>
+            </a:r>
+            <a:r>
+              <a:rPr lang="en-US" dirty="0"/>
+              <a:t>Netscape Navigator </a:t>
+            </a:r>
+            <a:r>
+              <a:rPr lang="ru-RU" dirty="0" smtClean="0"/>
+              <a:t>в </a:t>
+            </a:r>
+            <a:r>
+              <a:rPr lang="ru-RU" dirty="0" err="1" smtClean="0"/>
+              <a:t>JavaScript</a:t>
+            </a:r>
+            <a:r>
+              <a:rPr lang="ru-RU" dirty="0" smtClean="0"/>
+              <a:t>, получив соответствующую лицензию у </a:t>
+            </a:r>
+            <a:r>
+              <a:rPr lang="ru-RU" dirty="0" err="1" smtClean="0"/>
+              <a:t>Sun</a:t>
+            </a:r>
+            <a:r>
+              <a:rPr lang="ru-RU" dirty="0" smtClean="0"/>
+              <a:t>. </a:t>
+            </a:r>
+          </a:p>
+          <a:p>
+            <a:pPr marL="742950" lvl="1" indent="-285750">
+              <a:buFont typeface="Arial" panose="020B0604020202020204" pitchFamily="34" charset="0"/>
+              <a:buChar char="•"/>
+            </a:pPr>
+            <a:r>
+              <a:rPr lang="ru-RU" dirty="0" smtClean="0"/>
+              <a:t>В 1996 году компания </a:t>
+            </a:r>
+            <a:r>
+              <a:rPr lang="ru-RU" dirty="0" err="1" smtClean="0"/>
+              <a:t>Microsoft</a:t>
+            </a:r>
+            <a:r>
+              <a:rPr lang="ru-RU" dirty="0" smtClean="0"/>
+              <a:t> выпустила аналог языка </a:t>
+            </a:r>
+            <a:r>
+              <a:rPr lang="ru-RU" dirty="0" err="1" smtClean="0"/>
+              <a:t>JavaScript</a:t>
+            </a:r>
+            <a:r>
+              <a:rPr lang="ru-RU" dirty="0" smtClean="0"/>
+              <a:t>, названный </a:t>
+            </a:r>
+            <a:r>
+              <a:rPr lang="ru-RU" dirty="0" err="1" smtClean="0"/>
+              <a:t>JScript</a:t>
+            </a:r>
+            <a:r>
+              <a:rPr lang="ru-RU" dirty="0" smtClean="0"/>
+              <a:t>. Первым браузером, поддерживающим эту реализацию, был </a:t>
+            </a:r>
+            <a:r>
+              <a:rPr lang="ru-RU" dirty="0" err="1" smtClean="0"/>
+              <a:t>Internet</a:t>
+            </a:r>
+            <a:r>
+              <a:rPr lang="ru-RU" dirty="0" smtClean="0"/>
+              <a:t> </a:t>
+            </a:r>
+            <a:r>
+              <a:rPr lang="ru-RU" dirty="0" err="1" smtClean="0"/>
+              <a:t>Explorer</a:t>
+            </a:r>
+            <a:r>
+              <a:rPr lang="ru-RU" dirty="0" smtClean="0"/>
+              <a:t> 3.0.</a:t>
+            </a:r>
+          </a:p>
+          <a:p>
+            <a:pPr marL="742950" lvl="1" indent="-285750">
+              <a:buFont typeface="Arial" panose="020B0604020202020204" pitchFamily="34" charset="0"/>
+              <a:buChar char="•"/>
+            </a:pPr>
+            <a:r>
+              <a:rPr lang="ru-RU" dirty="0" smtClean="0"/>
+              <a:t>По инициативе компании </a:t>
+            </a:r>
+            <a:r>
+              <a:rPr lang="ru-RU" dirty="0" err="1" smtClean="0"/>
+              <a:t>Netscape</a:t>
+            </a:r>
+            <a:r>
+              <a:rPr lang="ru-RU" dirty="0" smtClean="0"/>
+              <a:t> была проведена стандартизация языка ассоциацией ECMA. Стандартизированная версия имеет название </a:t>
+            </a:r>
+            <a:r>
+              <a:rPr lang="ru-RU" dirty="0" err="1" smtClean="0"/>
+              <a:t>ECMAScript</a:t>
+            </a:r>
+            <a:endParaRPr lang="ru-RU" dirty="0" smtClean="0"/>
+          </a:p>
+          <a:p>
+            <a:endParaRPr lang="ru-RU" sz="800" dirty="0" smtClean="0">
               <a:solidFill>
-                <a:schemeClr val="tx1"/>
+                <a:srgbClr val="0070C0"/>
               </a:solidFill>
             </a:endParaRPr>
           </a:p>
-        </p:txBody>
-      </p:sp>
-      <p:pic>
-        <p:nvPicPr>
-          <p:cNvPr id="10" name="Рисунок 9"/>
-          <p:cNvPicPr>
-            <a:picLocks noChangeAspect="1"/>
-          </p:cNvPicPr>
-          <p:nvPr/>
-        </p:nvPicPr>
-        <p:blipFill>
-          <a:blip r:embed="rId5"/>
-          <a:stretch>
-            <a:fillRect/>
-          </a:stretch>
-        </p:blipFill>
-        <p:spPr>
-          <a:xfrm>
-            <a:off x="640077" y="3534397"/>
-            <a:ext cx="10945371" cy="2256804"/>
-          </a:xfrm>
-          <a:prstGeom prst="rect">
-            <a:avLst/>
-          </a:prstGeom>
-        </p:spPr>
-      </p:pic>
+          <a:p>
+            <a:r>
+              <a:rPr lang="ru-RU" sz="2400" dirty="0" smtClean="0">
+                <a:solidFill>
+                  <a:srgbClr val="0070C0"/>
+                </a:solidFill>
+              </a:rPr>
+              <a:t>Чем </a:t>
+            </a:r>
+            <a:r>
+              <a:rPr lang="ru-RU" sz="2400" dirty="0" smtClean="0">
+                <a:solidFill>
+                  <a:srgbClr val="0070C0"/>
+                </a:solidFill>
+              </a:rPr>
+              <a:t>был </a:t>
+            </a:r>
+            <a:r>
+              <a:rPr lang="en-US" sz="2400" dirty="0" smtClean="0">
+                <a:solidFill>
+                  <a:srgbClr val="0070C0"/>
+                </a:solidFill>
+              </a:rPr>
+              <a:t>JavaScript</a:t>
+            </a:r>
+            <a:endParaRPr lang="ru-RU" sz="2400" dirty="0">
+              <a:solidFill>
+                <a:srgbClr val="0070C0"/>
+              </a:solidFill>
+            </a:endParaRPr>
+          </a:p>
+          <a:p>
+            <a:pPr marL="742950" lvl="1" indent="-285750">
+              <a:buFont typeface="Arial" panose="020B0604020202020204" pitchFamily="34" charset="0"/>
+              <a:buChar char="•"/>
+            </a:pPr>
+            <a:r>
+              <a:rPr lang="ru-RU" dirty="0" smtClean="0"/>
+              <a:t>Среда исполнения – веб-браузеры. Изначальная ниша </a:t>
+            </a:r>
+            <a:r>
+              <a:rPr lang="en-US" dirty="0" smtClean="0"/>
+              <a:t>JavaScript - </a:t>
+            </a:r>
+            <a:r>
+              <a:rPr lang="ru-RU" dirty="0" smtClean="0"/>
+              <a:t>реализация </a:t>
+            </a:r>
+            <a:r>
+              <a:rPr lang="ru-RU" dirty="0"/>
+              <a:t>активного содержимого для </a:t>
+            </a:r>
+            <a:r>
+              <a:rPr lang="en-US" dirty="0"/>
+              <a:t>web-</a:t>
+            </a:r>
+            <a:r>
+              <a:rPr lang="ru-RU" dirty="0" smtClean="0"/>
+              <a:t>страниц. </a:t>
+            </a:r>
+          </a:p>
+          <a:p>
+            <a:pPr marL="742950" lvl="1" indent="-285750">
+              <a:buFont typeface="Arial" panose="020B0604020202020204" pitchFamily="34" charset="0"/>
+              <a:buChar char="•"/>
+            </a:pPr>
+            <a:r>
+              <a:rPr lang="ru-RU" dirty="0" smtClean="0"/>
+              <a:t>Функциональный язык </a:t>
+            </a:r>
+            <a:r>
+              <a:rPr lang="ru-RU" b="1" dirty="0" smtClean="0"/>
+              <a:t>с простым синтаксисом</a:t>
+            </a:r>
+            <a:r>
+              <a:rPr lang="ru-RU" dirty="0" smtClean="0"/>
+              <a:t>. Полное отсутствие типизации.</a:t>
+            </a:r>
+          </a:p>
+          <a:p>
+            <a:pPr marL="742950" lvl="1" indent="-285750">
+              <a:buFont typeface="Arial" panose="020B0604020202020204" pitchFamily="34" charset="0"/>
+              <a:buChar char="•"/>
+            </a:pPr>
+            <a:r>
+              <a:rPr lang="ru-RU" dirty="0" smtClean="0"/>
+              <a:t>Почти полное отсутствие каких-то библиотек</a:t>
+            </a:r>
+            <a:r>
+              <a:rPr lang="en-US" dirty="0" smtClean="0"/>
+              <a:t>….</a:t>
+            </a:r>
+            <a:r>
+              <a:rPr lang="ru-RU" dirty="0" smtClean="0"/>
+              <a:t> Отсутствие средств разработки и отладки</a:t>
+            </a:r>
+            <a:r>
+              <a:rPr lang="ru-RU" dirty="0" smtClean="0"/>
+              <a:t>.</a:t>
+            </a:r>
+          </a:p>
+          <a:p>
+            <a:pPr marL="742950" lvl="1" indent="-285750">
+              <a:buFont typeface="Arial" panose="020B0604020202020204" pitchFamily="34" charset="0"/>
+              <a:buChar char="•"/>
+            </a:pPr>
+            <a:r>
+              <a:rPr lang="ru-RU" dirty="0"/>
+              <a:t>Одним словом </a:t>
+            </a:r>
+            <a:r>
+              <a:rPr lang="ru-RU" b="1" dirty="0"/>
+              <a:t>полная </a:t>
+            </a:r>
+            <a:r>
+              <a:rPr lang="ru-RU" b="1" dirty="0" err="1"/>
+              <a:t>негоднота</a:t>
+            </a:r>
+            <a:r>
+              <a:rPr lang="ru-RU" dirty="0"/>
+              <a:t>…</a:t>
+            </a:r>
+            <a:endParaRPr lang="ru-RU" dirty="0" smtClean="0"/>
+          </a:p>
+          <a:p>
+            <a:pPr marL="0" lvl="1"/>
+            <a:endParaRPr lang="ru-RU" sz="2400" dirty="0" smtClean="0"/>
+          </a:p>
+          <a:p>
+            <a:pPr marL="0" lvl="1"/>
+            <a:r>
+              <a:rPr lang="ru-RU" dirty="0" smtClean="0"/>
+              <a:t>Прошло </a:t>
+            </a:r>
+            <a:r>
+              <a:rPr lang="en-US" dirty="0"/>
+              <a:t>~</a:t>
+            </a:r>
+            <a:r>
+              <a:rPr lang="ru-RU" dirty="0"/>
+              <a:t>10 лет, прежде чем </a:t>
+            </a:r>
+            <a:r>
+              <a:rPr lang="ru-RU" b="1" dirty="0"/>
+              <a:t>клиенты стали мощными</a:t>
+            </a:r>
+            <a:r>
+              <a:rPr lang="ru-RU" dirty="0"/>
+              <a:t>, </a:t>
+            </a:r>
+            <a:r>
+              <a:rPr lang="ru-RU" dirty="0" smtClean="0"/>
+              <a:t>в </a:t>
+            </a:r>
+            <a:r>
+              <a:rPr lang="ru-RU" dirty="0"/>
+              <a:t>2006 году появилась библиотека </a:t>
+            </a:r>
+            <a:r>
+              <a:rPr lang="en-US" dirty="0"/>
+              <a:t>jQuery</a:t>
+            </a:r>
+            <a:r>
+              <a:rPr lang="ru-RU" dirty="0"/>
+              <a:t>, далее пошел лавинообразный рост </a:t>
+            </a:r>
+            <a:r>
+              <a:rPr lang="en-US" dirty="0"/>
+              <a:t>JavaScript </a:t>
+            </a:r>
+            <a:r>
+              <a:rPr lang="ru-RU" dirty="0"/>
+              <a:t>библиотек и популярности </a:t>
+            </a:r>
+            <a:r>
+              <a:rPr lang="en-US" dirty="0"/>
+              <a:t>JavaScript</a:t>
+            </a:r>
+            <a:endParaRPr lang="ru-RU" sz="2400" dirty="0"/>
+          </a:p>
+          <a:p>
+            <a:pPr marL="0" lvl="1"/>
+            <a:endParaRPr lang="ru-RU" dirty="0">
+              <a:solidFill>
+                <a:srgbClr val="0070C0"/>
+              </a:solidFill>
+            </a:endParaRPr>
+          </a:p>
+        </p:txBody>
+      </p:sp>
     </p:spTree>
     <p:extLst>
       <p:ext uri="{BB962C8B-B14F-4D97-AF65-F5344CB8AC3E}">
-        <p14:creationId xmlns:p14="http://schemas.microsoft.com/office/powerpoint/2010/main" val="2712017805"/>
+        <p14:creationId xmlns:p14="http://schemas.microsoft.com/office/powerpoint/2010/main" val="2562833394"/>
       </p:ext>
     </p:extLst>
   </p:cSld>

--- a/graphql-spring-node.pptx
+++ b/graphql-spring-node.pptx
@@ -14,13 +14,18 @@
     <p:sldId id="266" r:id="rId8"/>
     <p:sldId id="258" r:id="rId9"/>
     <p:sldId id="264" r:id="rId10"/>
-    <p:sldId id="270" r:id="rId11"/>
-    <p:sldId id="259" r:id="rId12"/>
-    <p:sldId id="260" r:id="rId13"/>
-    <p:sldId id="262" r:id="rId14"/>
-    <p:sldId id="261" r:id="rId15"/>
-    <p:sldId id="271" r:id="rId16"/>
-    <p:sldId id="268" r:id="rId17"/>
+    <p:sldId id="277" r:id="rId11"/>
+    <p:sldId id="274" r:id="rId12"/>
+    <p:sldId id="276" r:id="rId13"/>
+    <p:sldId id="275" r:id="rId14"/>
+    <p:sldId id="273" r:id="rId15"/>
+    <p:sldId id="270" r:id="rId16"/>
+    <p:sldId id="259" r:id="rId17"/>
+    <p:sldId id="260" r:id="rId18"/>
+    <p:sldId id="262" r:id="rId19"/>
+    <p:sldId id="261" r:id="rId20"/>
+    <p:sldId id="271" r:id="rId21"/>
+    <p:sldId id="268" r:id="rId22"/>
   </p:sldIdLst>
   <p:sldSz cx="12192000" cy="6858000"/>
   <p:notesSz cx="6858000" cy="9144000"/>
@@ -3230,6 +3235,931 @@
         </p:nvSpPr>
         <p:spPr>
           <a:xfrm>
+            <a:off x="640080" y="365124"/>
+            <a:ext cx="10713720" cy="713867"/>
+          </a:xfrm>
+        </p:spPr>
+        <p:txBody>
+          <a:bodyPr>
+            <a:normAutofit/>
+          </a:bodyPr>
+          <a:lstStyle/>
+          <a:p>
+            <a:r>
+              <a:rPr lang="en-US" u="sng" dirty="0" err="1" smtClean="0"/>
+              <a:t>GraphQL</a:t>
+            </a:r>
+            <a:endParaRPr lang="ru-RU" u="sng" dirty="0"/>
+          </a:p>
+        </p:txBody>
+      </p:sp>
+      <p:pic>
+        <p:nvPicPr>
+          <p:cNvPr id="3" name="Рисунок 2"/>
+          <p:cNvPicPr>
+            <a:picLocks noChangeAspect="1"/>
+          </p:cNvPicPr>
+          <p:nvPr/>
+        </p:nvPicPr>
+        <p:blipFill>
+          <a:blip r:embed="rId2"/>
+          <a:stretch>
+            <a:fillRect/>
+          </a:stretch>
+        </p:blipFill>
+        <p:spPr>
+          <a:xfrm>
+            <a:off x="640080" y="1078991"/>
+            <a:ext cx="10713720" cy="5385817"/>
+          </a:xfrm>
+          <a:prstGeom prst="rect">
+            <a:avLst/>
+          </a:prstGeom>
+        </p:spPr>
+      </p:pic>
+    </p:spTree>
+    <p:extLst>
+      <p:ext uri="{BB962C8B-B14F-4D97-AF65-F5344CB8AC3E}">
+        <p14:creationId xmlns:p14="http://schemas.microsoft.com/office/powerpoint/2010/main" val="2242592808"/>
+      </p:ext>
+    </p:extLst>
+  </p:cSld>
+  <p:clrMapOvr>
+    <a:masterClrMapping/>
+  </p:clrMapOvr>
+</p:sld>
+</file>
+
+<file path=ppt/slides/slide11.xml><?xml version="1.0" encoding="utf-8"?>
+<p:sld xmlns:a="http://schemas.openxmlformats.org/drawingml/2006/main" xmlns:r="http://schemas.openxmlformats.org/officeDocument/2006/relationships" xmlns:p="http://schemas.openxmlformats.org/presentationml/2006/main">
+  <p:cSld>
+    <p:spTree>
+      <p:nvGrpSpPr>
+        <p:cNvPr id="1" name=""/>
+        <p:cNvGrpSpPr/>
+        <p:nvPr/>
+      </p:nvGrpSpPr>
+      <p:grpSpPr>
+        <a:xfrm>
+          <a:off x="0" y="0"/>
+          <a:ext cx="0" cy="0"/>
+          <a:chOff x="0" y="0"/>
+          <a:chExt cx="0" cy="0"/>
+        </a:xfrm>
+      </p:grpSpPr>
+      <p:sp>
+        <p:nvSpPr>
+          <p:cNvPr id="2" name="Заголовок 1"/>
+          <p:cNvSpPr>
+            <a:spLocks noGrp="1"/>
+          </p:cNvSpPr>
+          <p:nvPr>
+            <p:ph type="title"/>
+          </p:nvPr>
+        </p:nvSpPr>
+        <p:spPr>
+          <a:xfrm>
+            <a:off x="640080" y="365125"/>
+            <a:ext cx="10713720" cy="713867"/>
+          </a:xfrm>
+        </p:spPr>
+        <p:txBody>
+          <a:bodyPr>
+            <a:normAutofit/>
+          </a:bodyPr>
+          <a:lstStyle/>
+          <a:p>
+            <a:r>
+              <a:rPr lang="en-US" u="sng" dirty="0" err="1" smtClean="0"/>
+              <a:t>GraphQL</a:t>
+            </a:r>
+            <a:r>
+              <a:rPr lang="en-US" u="sng" dirty="0" smtClean="0"/>
+              <a:t> Shema Language </a:t>
+            </a:r>
+            <a:endParaRPr lang="ru-RU" u="sng" dirty="0"/>
+          </a:p>
+        </p:txBody>
+      </p:sp>
+      <p:pic>
+        <p:nvPicPr>
+          <p:cNvPr id="2058" name="Picture 10" descr="ÐÐ°ÑÑÐ¸Ð½ÐºÐ¸ Ð¿Ð¾ Ð·Ð°Ð¿ÑÐ¾ÑÑ graphql schema"/>
+          <p:cNvPicPr>
+            <a:picLocks noChangeAspect="1" noChangeArrowheads="1"/>
+          </p:cNvPicPr>
+          <p:nvPr/>
+        </p:nvPicPr>
+        <p:blipFill>
+          <a:blip r:embed="rId2">
+            <a:extLst>
+              <a:ext uri="{28A0092B-C50C-407E-A947-70E740481C1C}">
+                <a14:useLocalDpi xmlns:a14="http://schemas.microsoft.com/office/drawing/2010/main" val="0"/>
+              </a:ext>
+            </a:extLst>
+          </a:blip>
+          <a:srcRect/>
+          <a:stretch>
+            <a:fillRect/>
+          </a:stretch>
+        </p:blipFill>
+        <p:spPr bwMode="auto">
+          <a:xfrm>
+            <a:off x="640080" y="1078992"/>
+            <a:ext cx="10713720" cy="5391256"/>
+          </a:xfrm>
+          <a:prstGeom prst="rect">
+            <a:avLst/>
+          </a:prstGeom>
+          <a:noFill/>
+          <a:extLst>
+            <a:ext uri="{909E8E84-426E-40DD-AFC4-6F175D3DCCD1}">
+              <a14:hiddenFill xmlns:a14="http://schemas.microsoft.com/office/drawing/2010/main">
+                <a:solidFill>
+                  <a:srgbClr val="FFFFFF"/>
+                </a:solidFill>
+              </a14:hiddenFill>
+            </a:ext>
+          </a:extLst>
+        </p:spPr>
+      </p:pic>
+    </p:spTree>
+    <p:extLst>
+      <p:ext uri="{BB962C8B-B14F-4D97-AF65-F5344CB8AC3E}">
+        <p14:creationId xmlns:p14="http://schemas.microsoft.com/office/powerpoint/2010/main" val="1829499519"/>
+      </p:ext>
+    </p:extLst>
+  </p:cSld>
+  <p:clrMapOvr>
+    <a:masterClrMapping/>
+  </p:clrMapOvr>
+</p:sld>
+</file>
+
+<file path=ppt/slides/slide12.xml><?xml version="1.0" encoding="utf-8"?>
+<p:sld xmlns:a="http://schemas.openxmlformats.org/drawingml/2006/main" xmlns:r="http://schemas.openxmlformats.org/officeDocument/2006/relationships" xmlns:p="http://schemas.openxmlformats.org/presentationml/2006/main">
+  <p:cSld>
+    <p:spTree>
+      <p:nvGrpSpPr>
+        <p:cNvPr id="1" name=""/>
+        <p:cNvGrpSpPr/>
+        <p:nvPr/>
+      </p:nvGrpSpPr>
+      <p:grpSpPr>
+        <a:xfrm>
+          <a:off x="0" y="0"/>
+          <a:ext cx="0" cy="0"/>
+          <a:chOff x="0" y="0"/>
+          <a:chExt cx="0" cy="0"/>
+        </a:xfrm>
+      </p:grpSpPr>
+      <p:sp>
+        <p:nvSpPr>
+          <p:cNvPr id="2" name="Заголовок 1"/>
+          <p:cNvSpPr>
+            <a:spLocks noGrp="1"/>
+          </p:cNvSpPr>
+          <p:nvPr>
+            <p:ph type="title"/>
+          </p:nvPr>
+        </p:nvSpPr>
+        <p:spPr>
+          <a:xfrm>
+            <a:off x="640080" y="365125"/>
+            <a:ext cx="10713720" cy="713867"/>
+          </a:xfrm>
+        </p:spPr>
+        <p:txBody>
+          <a:bodyPr>
+            <a:normAutofit/>
+          </a:bodyPr>
+          <a:lstStyle/>
+          <a:p>
+            <a:r>
+              <a:rPr lang="en-US" u="sng" dirty="0" err="1" smtClean="0"/>
+              <a:t>GraphQL</a:t>
+            </a:r>
+            <a:r>
+              <a:rPr lang="en-US" u="sng" dirty="0" smtClean="0"/>
+              <a:t> vs REST</a:t>
+            </a:r>
+            <a:endParaRPr lang="ru-RU" u="sng" dirty="0"/>
+          </a:p>
+        </p:txBody>
+      </p:sp>
+      <p:pic>
+        <p:nvPicPr>
+          <p:cNvPr id="2052" name="Picture 4" descr="ÐÐ¾Ñ+Ð¾Ð¶ÐµÐµ Ð¸Ð·Ð¾Ð±ÑÐ°Ð¶ÐµÐ½Ð¸Ðµ"/>
+          <p:cNvPicPr>
+            <a:picLocks noChangeAspect="1" noChangeArrowheads="1"/>
+          </p:cNvPicPr>
+          <p:nvPr/>
+        </p:nvPicPr>
+        <p:blipFill>
+          <a:blip r:embed="rId2">
+            <a:extLst>
+              <a:ext uri="{28A0092B-C50C-407E-A947-70E740481C1C}">
+                <a14:useLocalDpi xmlns:a14="http://schemas.microsoft.com/office/drawing/2010/main" val="0"/>
+              </a:ext>
+            </a:extLst>
+          </a:blip>
+          <a:srcRect/>
+          <a:stretch>
+            <a:fillRect/>
+          </a:stretch>
+        </p:blipFill>
+        <p:spPr bwMode="auto">
+          <a:xfrm>
+            <a:off x="640080" y="1465073"/>
+            <a:ext cx="4978851" cy="3157727"/>
+          </a:xfrm>
+          <a:prstGeom prst="rect">
+            <a:avLst/>
+          </a:prstGeom>
+          <a:noFill/>
+          <a:extLst>
+            <a:ext uri="{909E8E84-426E-40DD-AFC4-6F175D3DCCD1}">
+              <a14:hiddenFill xmlns:a14="http://schemas.microsoft.com/office/drawing/2010/main">
+                <a:solidFill>
+                  <a:srgbClr val="FFFFFF"/>
+                </a:solidFill>
+              </a14:hiddenFill>
+            </a:ext>
+          </a:extLst>
+        </p:spPr>
+      </p:pic>
+      <p:pic>
+        <p:nvPicPr>
+          <p:cNvPr id="2054" name="Picture 6" descr="REST Server"/>
+          <p:cNvPicPr>
+            <a:picLocks noChangeAspect="1" noChangeArrowheads="1"/>
+          </p:cNvPicPr>
+          <p:nvPr/>
+        </p:nvPicPr>
+        <p:blipFill>
+          <a:blip r:embed="rId3">
+            <a:extLst>
+              <a:ext uri="{28A0092B-C50C-407E-A947-70E740481C1C}">
+                <a14:useLocalDpi xmlns:a14="http://schemas.microsoft.com/office/drawing/2010/main" val="0"/>
+              </a:ext>
+            </a:extLst>
+          </a:blip>
+          <a:srcRect/>
+          <a:stretch>
+            <a:fillRect/>
+          </a:stretch>
+        </p:blipFill>
+        <p:spPr bwMode="auto">
+          <a:xfrm>
+            <a:off x="6117159" y="1078992"/>
+            <a:ext cx="5335905" cy="2357500"/>
+          </a:xfrm>
+          <a:prstGeom prst="rect">
+            <a:avLst/>
+          </a:prstGeom>
+          <a:noFill/>
+          <a:extLst>
+            <a:ext uri="{909E8E84-426E-40DD-AFC4-6F175D3DCCD1}">
+              <a14:hiddenFill xmlns:a14="http://schemas.microsoft.com/office/drawing/2010/main">
+                <a:solidFill>
+                  <a:srgbClr val="FFFFFF"/>
+                </a:solidFill>
+              </a14:hiddenFill>
+            </a:ext>
+          </a:extLst>
+        </p:spPr>
+      </p:pic>
+      <p:pic>
+        <p:nvPicPr>
+          <p:cNvPr id="2056" name="Picture 8" descr="GraphQL Server"/>
+          <p:cNvPicPr>
+            <a:picLocks noChangeAspect="1" noChangeArrowheads="1"/>
+          </p:cNvPicPr>
+          <p:nvPr/>
+        </p:nvPicPr>
+        <p:blipFill>
+          <a:blip r:embed="rId4">
+            <a:extLst>
+              <a:ext uri="{28A0092B-C50C-407E-A947-70E740481C1C}">
+                <a14:useLocalDpi xmlns:a14="http://schemas.microsoft.com/office/drawing/2010/main" val="0"/>
+              </a:ext>
+            </a:extLst>
+          </a:blip>
+          <a:srcRect/>
+          <a:stretch>
+            <a:fillRect/>
+          </a:stretch>
+        </p:blipFill>
+        <p:spPr bwMode="auto">
+          <a:xfrm>
+            <a:off x="6117159" y="3809621"/>
+            <a:ext cx="5335905" cy="2357500"/>
+          </a:xfrm>
+          <a:prstGeom prst="rect">
+            <a:avLst/>
+          </a:prstGeom>
+          <a:noFill/>
+          <a:extLst>
+            <a:ext uri="{909E8E84-426E-40DD-AFC4-6F175D3DCCD1}">
+              <a14:hiddenFill xmlns:a14="http://schemas.microsoft.com/office/drawing/2010/main">
+                <a:solidFill>
+                  <a:srgbClr val="FFFFFF"/>
+                </a:solidFill>
+              </a14:hiddenFill>
+            </a:ext>
+          </a:extLst>
+        </p:spPr>
+      </p:pic>
+    </p:spTree>
+    <p:extLst>
+      <p:ext uri="{BB962C8B-B14F-4D97-AF65-F5344CB8AC3E}">
+        <p14:creationId xmlns:p14="http://schemas.microsoft.com/office/powerpoint/2010/main" val="2350111981"/>
+      </p:ext>
+    </p:extLst>
+  </p:cSld>
+  <p:clrMapOvr>
+    <a:masterClrMapping/>
+  </p:clrMapOvr>
+</p:sld>
+</file>
+
+<file path=ppt/slides/slide13.xml><?xml version="1.0" encoding="utf-8"?>
+<p:sld xmlns:a="http://schemas.openxmlformats.org/drawingml/2006/main" xmlns:r="http://schemas.openxmlformats.org/officeDocument/2006/relationships" xmlns:p="http://schemas.openxmlformats.org/presentationml/2006/main">
+  <p:cSld>
+    <p:spTree>
+      <p:nvGrpSpPr>
+        <p:cNvPr id="1" name=""/>
+        <p:cNvGrpSpPr/>
+        <p:nvPr/>
+      </p:nvGrpSpPr>
+      <p:grpSpPr>
+        <a:xfrm>
+          <a:off x="0" y="0"/>
+          <a:ext cx="0" cy="0"/>
+          <a:chOff x="0" y="0"/>
+          <a:chExt cx="0" cy="0"/>
+        </a:xfrm>
+      </p:grpSpPr>
+      <p:sp>
+        <p:nvSpPr>
+          <p:cNvPr id="2" name="Заголовок 1"/>
+          <p:cNvSpPr>
+            <a:spLocks noGrp="1"/>
+          </p:cNvSpPr>
+          <p:nvPr>
+            <p:ph type="title"/>
+          </p:nvPr>
+        </p:nvSpPr>
+        <p:spPr>
+          <a:xfrm>
+            <a:off x="640080" y="365125"/>
+            <a:ext cx="10713720" cy="713867"/>
+          </a:xfrm>
+        </p:spPr>
+        <p:txBody>
+          <a:bodyPr>
+            <a:normAutofit/>
+          </a:bodyPr>
+          <a:lstStyle/>
+          <a:p>
+            <a:r>
+              <a:rPr lang="en-US" u="sng" dirty="0" err="1" smtClean="0"/>
+              <a:t>GraphQL</a:t>
+            </a:r>
+            <a:r>
+              <a:rPr lang="en-US" u="sng" dirty="0" smtClean="0"/>
+              <a:t> as Gateway</a:t>
+            </a:r>
+            <a:endParaRPr lang="ru-RU" u="sng" dirty="0"/>
+          </a:p>
+        </p:txBody>
+      </p:sp>
+      <p:pic>
+        <p:nvPicPr>
+          <p:cNvPr id="3074" name="Picture 2" descr="ÐÐ°ÑÑÐ¸Ð½ÐºÐ¸ Ð¿Ð¾ Ð·Ð°Ð¿ÑÐ¾ÑÑ graphql as gateway"/>
+          <p:cNvPicPr>
+            <a:picLocks noChangeAspect="1" noChangeArrowheads="1"/>
+          </p:cNvPicPr>
+          <p:nvPr/>
+        </p:nvPicPr>
+        <p:blipFill>
+          <a:blip r:embed="rId2">
+            <a:extLst>
+              <a:ext uri="{28A0092B-C50C-407E-A947-70E740481C1C}">
+                <a14:useLocalDpi xmlns:a14="http://schemas.microsoft.com/office/drawing/2010/main" val="0"/>
+              </a:ext>
+            </a:extLst>
+          </a:blip>
+          <a:srcRect/>
+          <a:stretch>
+            <a:fillRect/>
+          </a:stretch>
+        </p:blipFill>
+        <p:spPr bwMode="auto">
+          <a:xfrm>
+            <a:off x="640080" y="1290320"/>
+            <a:ext cx="10713720" cy="5262245"/>
+          </a:xfrm>
+          <a:prstGeom prst="rect">
+            <a:avLst/>
+          </a:prstGeom>
+          <a:noFill/>
+          <a:extLst>
+            <a:ext uri="{909E8E84-426E-40DD-AFC4-6F175D3DCCD1}">
+              <a14:hiddenFill xmlns:a14="http://schemas.microsoft.com/office/drawing/2010/main">
+                <a:solidFill>
+                  <a:srgbClr val="FFFFFF"/>
+                </a:solidFill>
+              </a14:hiddenFill>
+            </a:ext>
+          </a:extLst>
+        </p:spPr>
+      </p:pic>
+    </p:spTree>
+    <p:extLst>
+      <p:ext uri="{BB962C8B-B14F-4D97-AF65-F5344CB8AC3E}">
+        <p14:creationId xmlns:p14="http://schemas.microsoft.com/office/powerpoint/2010/main" val="4123618122"/>
+      </p:ext>
+    </p:extLst>
+  </p:cSld>
+  <p:clrMapOvr>
+    <a:masterClrMapping/>
+  </p:clrMapOvr>
+</p:sld>
+</file>
+
+<file path=ppt/slides/slide14.xml><?xml version="1.0" encoding="utf-8"?>
+<p:sld xmlns:a="http://schemas.openxmlformats.org/drawingml/2006/main" xmlns:r="http://schemas.openxmlformats.org/officeDocument/2006/relationships" xmlns:p="http://schemas.openxmlformats.org/presentationml/2006/main">
+  <p:cSld>
+    <p:spTree>
+      <p:nvGrpSpPr>
+        <p:cNvPr id="1" name=""/>
+        <p:cNvGrpSpPr/>
+        <p:nvPr/>
+      </p:nvGrpSpPr>
+      <p:grpSpPr>
+        <a:xfrm>
+          <a:off x="0" y="0"/>
+          <a:ext cx="0" cy="0"/>
+          <a:chOff x="0" y="0"/>
+          <a:chExt cx="0" cy="0"/>
+        </a:xfrm>
+      </p:grpSpPr>
+      <p:sp>
+        <p:nvSpPr>
+          <p:cNvPr id="2" name="Заголовок 1"/>
+          <p:cNvSpPr>
+            <a:spLocks noGrp="1"/>
+          </p:cNvSpPr>
+          <p:nvPr>
+            <p:ph type="title"/>
+          </p:nvPr>
+        </p:nvSpPr>
+        <p:spPr>
+          <a:xfrm>
+            <a:off x="640080" y="365125"/>
+            <a:ext cx="10713720" cy="713867"/>
+          </a:xfrm>
+        </p:spPr>
+        <p:txBody>
+          <a:bodyPr>
+            <a:normAutofit/>
+          </a:bodyPr>
+          <a:lstStyle/>
+          <a:p>
+            <a:r>
+              <a:rPr lang="en-US" u="sng" dirty="0" smtClean="0"/>
+              <a:t>JavaScript </a:t>
+            </a:r>
+            <a:r>
+              <a:rPr lang="ru-RU" u="sng" dirty="0" smtClean="0"/>
+              <a:t>в прошлом</a:t>
+            </a:r>
+            <a:r>
+              <a:rPr lang="en-US" u="sng" dirty="0" smtClean="0"/>
+              <a:t>:</a:t>
+            </a:r>
+            <a:r>
+              <a:rPr lang="ru-RU" u="sng" dirty="0" smtClean="0"/>
+              <a:t> Гадкий утенок.</a:t>
+            </a:r>
+            <a:endParaRPr lang="ru-RU" u="sng" dirty="0"/>
+          </a:p>
+        </p:txBody>
+      </p:sp>
+      <p:sp>
+        <p:nvSpPr>
+          <p:cNvPr id="3" name="TextBox 2"/>
+          <p:cNvSpPr txBox="1"/>
+          <p:nvPr/>
+        </p:nvSpPr>
+        <p:spPr>
+          <a:xfrm>
+            <a:off x="640080" y="1078992"/>
+            <a:ext cx="10945368" cy="5478423"/>
+          </a:xfrm>
+          <a:prstGeom prst="rect">
+            <a:avLst/>
+          </a:prstGeom>
+          <a:noFill/>
+        </p:spPr>
+        <p:txBody>
+          <a:bodyPr wrap="square" rtlCol="0">
+            <a:spAutoFit/>
+          </a:bodyPr>
+          <a:lstStyle/>
+          <a:p>
+            <a:r>
+              <a:rPr lang="ru-RU" sz="2400" dirty="0" smtClean="0">
+                <a:solidFill>
+                  <a:srgbClr val="0070C0"/>
+                </a:solidFill>
+              </a:rPr>
+              <a:t>История - </a:t>
+            </a:r>
+            <a:r>
+              <a:rPr lang="en-US" sz="2400" dirty="0" smtClean="0">
+                <a:solidFill>
+                  <a:srgbClr val="0070C0"/>
+                </a:solidFill>
+              </a:rPr>
+              <a:t>https://ru.wikipedia.org/wiki/JavaScript</a:t>
+            </a:r>
+            <a:endParaRPr lang="ru-RU" sz="2400" dirty="0" smtClean="0">
+              <a:solidFill>
+                <a:srgbClr val="0070C0"/>
+              </a:solidFill>
+            </a:endParaRPr>
+          </a:p>
+          <a:p>
+            <a:pPr marL="742950" lvl="1" indent="-285750">
+              <a:buFont typeface="Arial" panose="020B0604020202020204" pitchFamily="34" charset="0"/>
+              <a:buChar char="•"/>
+            </a:pPr>
+            <a:r>
+              <a:rPr lang="en-US" dirty="0" smtClean="0"/>
+              <a:t>JavaScript </a:t>
+            </a:r>
+            <a:r>
+              <a:rPr lang="ru-RU" dirty="0" smtClean="0"/>
+              <a:t>берет начало в компании </a:t>
+            </a:r>
+            <a:r>
+              <a:rPr lang="en-US" dirty="0" smtClean="0"/>
+              <a:t>Netscape</a:t>
+            </a:r>
+            <a:r>
+              <a:rPr lang="ru-RU" dirty="0" smtClean="0"/>
+              <a:t> </a:t>
+            </a:r>
+            <a:endParaRPr lang="ru-RU" dirty="0"/>
+          </a:p>
+          <a:p>
+            <a:pPr marL="742950" lvl="1" indent="-285750">
+              <a:buFont typeface="Arial" panose="020B0604020202020204" pitchFamily="34" charset="0"/>
+              <a:buChar char="•"/>
+            </a:pPr>
+            <a:r>
+              <a:rPr lang="ru-RU" dirty="0" smtClean="0"/>
+              <a:t>В 1995 году </a:t>
+            </a:r>
+            <a:r>
+              <a:rPr lang="ru-RU" dirty="0" err="1" smtClean="0"/>
+              <a:t>Netscape</a:t>
+            </a:r>
+            <a:r>
+              <a:rPr lang="ru-RU" dirty="0" smtClean="0"/>
+              <a:t> переименовали свой язык для </a:t>
+            </a:r>
+            <a:r>
+              <a:rPr lang="ru-RU" dirty="0"/>
+              <a:t>браузера </a:t>
+            </a:r>
+            <a:r>
+              <a:rPr lang="en-US" dirty="0"/>
+              <a:t>Netscape Navigator </a:t>
+            </a:r>
+            <a:r>
+              <a:rPr lang="ru-RU" dirty="0" smtClean="0"/>
+              <a:t>в </a:t>
+            </a:r>
+            <a:r>
+              <a:rPr lang="ru-RU" dirty="0" err="1" smtClean="0"/>
+              <a:t>JavaScript</a:t>
+            </a:r>
+            <a:r>
+              <a:rPr lang="ru-RU" dirty="0" smtClean="0"/>
+              <a:t>, получив соответствующую лицензию у </a:t>
+            </a:r>
+            <a:r>
+              <a:rPr lang="ru-RU" dirty="0" err="1" smtClean="0"/>
+              <a:t>Sun</a:t>
+            </a:r>
+            <a:r>
+              <a:rPr lang="ru-RU" dirty="0" smtClean="0"/>
+              <a:t>. </a:t>
+            </a:r>
+          </a:p>
+          <a:p>
+            <a:pPr marL="742950" lvl="1" indent="-285750">
+              <a:buFont typeface="Arial" panose="020B0604020202020204" pitchFamily="34" charset="0"/>
+              <a:buChar char="•"/>
+            </a:pPr>
+            <a:r>
+              <a:rPr lang="ru-RU" dirty="0" smtClean="0"/>
+              <a:t>В 1996 году компания </a:t>
+            </a:r>
+            <a:r>
+              <a:rPr lang="ru-RU" dirty="0" err="1" smtClean="0"/>
+              <a:t>Microsoft</a:t>
+            </a:r>
+            <a:r>
+              <a:rPr lang="ru-RU" dirty="0" smtClean="0"/>
+              <a:t> выпустила аналог языка </a:t>
+            </a:r>
+            <a:r>
+              <a:rPr lang="ru-RU" dirty="0" err="1" smtClean="0"/>
+              <a:t>JavaScript</a:t>
+            </a:r>
+            <a:r>
+              <a:rPr lang="ru-RU" dirty="0" smtClean="0"/>
+              <a:t>, названный </a:t>
+            </a:r>
+            <a:r>
+              <a:rPr lang="ru-RU" dirty="0" err="1" smtClean="0"/>
+              <a:t>JScript</a:t>
+            </a:r>
+            <a:r>
+              <a:rPr lang="ru-RU" dirty="0" smtClean="0"/>
+              <a:t>. Первым браузером, поддерживающим эту реализацию, был </a:t>
+            </a:r>
+            <a:r>
+              <a:rPr lang="ru-RU" dirty="0" err="1" smtClean="0"/>
+              <a:t>Internet</a:t>
+            </a:r>
+            <a:r>
+              <a:rPr lang="ru-RU" dirty="0" smtClean="0"/>
+              <a:t> </a:t>
+            </a:r>
+            <a:r>
+              <a:rPr lang="ru-RU" dirty="0" err="1" smtClean="0"/>
+              <a:t>Explorer</a:t>
+            </a:r>
+            <a:r>
+              <a:rPr lang="ru-RU" dirty="0" smtClean="0"/>
+              <a:t> 3.0.</a:t>
+            </a:r>
+          </a:p>
+          <a:p>
+            <a:pPr marL="742950" lvl="1" indent="-285750">
+              <a:buFont typeface="Arial" panose="020B0604020202020204" pitchFamily="34" charset="0"/>
+              <a:buChar char="•"/>
+            </a:pPr>
+            <a:r>
+              <a:rPr lang="ru-RU" dirty="0" smtClean="0"/>
+              <a:t>По инициативе компании </a:t>
+            </a:r>
+            <a:r>
+              <a:rPr lang="ru-RU" dirty="0" err="1" smtClean="0"/>
+              <a:t>Netscape</a:t>
+            </a:r>
+            <a:r>
+              <a:rPr lang="ru-RU" dirty="0" smtClean="0"/>
+              <a:t> была проведена стандартизация языка ассоциацией ECMA. Стандартизированная версия имеет название </a:t>
+            </a:r>
+            <a:r>
+              <a:rPr lang="ru-RU" dirty="0" err="1" smtClean="0"/>
+              <a:t>ECMAScript</a:t>
+            </a:r>
+            <a:endParaRPr lang="ru-RU" dirty="0" smtClean="0"/>
+          </a:p>
+          <a:p>
+            <a:endParaRPr lang="ru-RU" sz="800" dirty="0" smtClean="0">
+              <a:solidFill>
+                <a:srgbClr val="0070C0"/>
+              </a:solidFill>
+            </a:endParaRPr>
+          </a:p>
+          <a:p>
+            <a:r>
+              <a:rPr lang="ru-RU" sz="2400" dirty="0" smtClean="0">
+                <a:solidFill>
+                  <a:srgbClr val="0070C0"/>
+                </a:solidFill>
+              </a:rPr>
+              <a:t>Чем был </a:t>
+            </a:r>
+            <a:r>
+              <a:rPr lang="en-US" sz="2400" dirty="0" smtClean="0">
+                <a:solidFill>
+                  <a:srgbClr val="0070C0"/>
+                </a:solidFill>
+              </a:rPr>
+              <a:t>JavaScript</a:t>
+            </a:r>
+            <a:endParaRPr lang="ru-RU" sz="2400" dirty="0">
+              <a:solidFill>
+                <a:srgbClr val="0070C0"/>
+              </a:solidFill>
+            </a:endParaRPr>
+          </a:p>
+          <a:p>
+            <a:pPr marL="742950" lvl="1" indent="-285750">
+              <a:buFont typeface="Arial" panose="020B0604020202020204" pitchFamily="34" charset="0"/>
+              <a:buChar char="•"/>
+            </a:pPr>
+            <a:r>
+              <a:rPr lang="ru-RU" dirty="0" smtClean="0"/>
+              <a:t>Среда исполнения – веб-браузеры. Изначальная ниша </a:t>
+            </a:r>
+            <a:r>
+              <a:rPr lang="en-US" dirty="0" smtClean="0"/>
+              <a:t>JavaScript - </a:t>
+            </a:r>
+            <a:r>
+              <a:rPr lang="ru-RU" dirty="0" smtClean="0"/>
+              <a:t>реализация </a:t>
+            </a:r>
+            <a:r>
+              <a:rPr lang="ru-RU" dirty="0"/>
+              <a:t>активного содержимого для </a:t>
+            </a:r>
+            <a:r>
+              <a:rPr lang="en-US" dirty="0"/>
+              <a:t>web-</a:t>
+            </a:r>
+            <a:r>
+              <a:rPr lang="ru-RU" dirty="0" smtClean="0"/>
+              <a:t>страниц. </a:t>
+            </a:r>
+          </a:p>
+          <a:p>
+            <a:pPr marL="742950" lvl="1" indent="-285750">
+              <a:buFont typeface="Arial" panose="020B0604020202020204" pitchFamily="34" charset="0"/>
+              <a:buChar char="•"/>
+            </a:pPr>
+            <a:r>
+              <a:rPr lang="ru-RU" dirty="0" smtClean="0"/>
+              <a:t>Функциональный язык </a:t>
+            </a:r>
+            <a:r>
+              <a:rPr lang="ru-RU" b="1" dirty="0" smtClean="0"/>
+              <a:t>с простым синтаксисом</a:t>
+            </a:r>
+            <a:r>
+              <a:rPr lang="ru-RU" dirty="0" smtClean="0"/>
+              <a:t>. Полное отсутствие типизации.</a:t>
+            </a:r>
+          </a:p>
+          <a:p>
+            <a:pPr marL="742950" lvl="1" indent="-285750">
+              <a:buFont typeface="Arial" panose="020B0604020202020204" pitchFamily="34" charset="0"/>
+              <a:buChar char="•"/>
+            </a:pPr>
+            <a:r>
+              <a:rPr lang="ru-RU" dirty="0" smtClean="0"/>
+              <a:t>Почти полное отсутствие каких-то библиотек</a:t>
+            </a:r>
+            <a:r>
+              <a:rPr lang="en-US" dirty="0" smtClean="0"/>
+              <a:t>….</a:t>
+            </a:r>
+            <a:r>
+              <a:rPr lang="ru-RU" dirty="0" smtClean="0"/>
+              <a:t> Отсутствие средств разработки и отладки.</a:t>
+            </a:r>
+          </a:p>
+          <a:p>
+            <a:pPr marL="742950" lvl="1" indent="-285750">
+              <a:buFont typeface="Arial" panose="020B0604020202020204" pitchFamily="34" charset="0"/>
+              <a:buChar char="•"/>
+            </a:pPr>
+            <a:r>
+              <a:rPr lang="ru-RU" dirty="0"/>
+              <a:t>Одним словом </a:t>
+            </a:r>
+            <a:r>
+              <a:rPr lang="ru-RU" b="1" dirty="0"/>
+              <a:t>полная </a:t>
+            </a:r>
+            <a:r>
+              <a:rPr lang="ru-RU" b="1" dirty="0" err="1"/>
+              <a:t>негоднота</a:t>
+            </a:r>
+            <a:r>
+              <a:rPr lang="ru-RU" dirty="0"/>
+              <a:t>…</a:t>
+            </a:r>
+            <a:endParaRPr lang="ru-RU" dirty="0" smtClean="0"/>
+          </a:p>
+          <a:p>
+            <a:pPr marL="0" lvl="1"/>
+            <a:endParaRPr lang="ru-RU" sz="2400" dirty="0" smtClean="0"/>
+          </a:p>
+          <a:p>
+            <a:pPr marL="0" lvl="1"/>
+            <a:r>
+              <a:rPr lang="ru-RU" dirty="0" smtClean="0"/>
+              <a:t>Прошло </a:t>
+            </a:r>
+            <a:r>
+              <a:rPr lang="en-US" dirty="0"/>
+              <a:t>~</a:t>
+            </a:r>
+            <a:r>
+              <a:rPr lang="ru-RU" dirty="0"/>
+              <a:t>10 лет, прежде чем </a:t>
+            </a:r>
+            <a:r>
+              <a:rPr lang="ru-RU" b="1" dirty="0"/>
+              <a:t>клиенты стали мощными</a:t>
+            </a:r>
+            <a:r>
+              <a:rPr lang="ru-RU" dirty="0"/>
+              <a:t>, </a:t>
+            </a:r>
+            <a:r>
+              <a:rPr lang="ru-RU" dirty="0" smtClean="0"/>
+              <a:t>в </a:t>
+            </a:r>
+            <a:r>
+              <a:rPr lang="ru-RU" dirty="0"/>
+              <a:t>2006 году появилась библиотека </a:t>
+            </a:r>
+            <a:r>
+              <a:rPr lang="en-US" dirty="0"/>
+              <a:t>jQuery</a:t>
+            </a:r>
+            <a:r>
+              <a:rPr lang="ru-RU" dirty="0"/>
+              <a:t>, далее пошел лавинообразный рост </a:t>
+            </a:r>
+            <a:r>
+              <a:rPr lang="en-US" dirty="0"/>
+              <a:t>JavaScript </a:t>
+            </a:r>
+            <a:r>
+              <a:rPr lang="ru-RU" dirty="0"/>
+              <a:t>библиотек и популярности </a:t>
+            </a:r>
+            <a:r>
+              <a:rPr lang="en-US" dirty="0"/>
+              <a:t>JavaScript</a:t>
+            </a:r>
+            <a:endParaRPr lang="ru-RU" sz="2400" dirty="0"/>
+          </a:p>
+          <a:p>
+            <a:pPr marL="0" lvl="1"/>
+            <a:endParaRPr lang="ru-RU" dirty="0">
+              <a:solidFill>
+                <a:srgbClr val="0070C0"/>
+              </a:solidFill>
+            </a:endParaRPr>
+          </a:p>
+        </p:txBody>
+      </p:sp>
+    </p:spTree>
+    <p:extLst>
+      <p:ext uri="{BB962C8B-B14F-4D97-AF65-F5344CB8AC3E}">
+        <p14:creationId xmlns:p14="http://schemas.microsoft.com/office/powerpoint/2010/main" val="2696528498"/>
+      </p:ext>
+    </p:extLst>
+  </p:cSld>
+  <p:clrMapOvr>
+    <a:masterClrMapping/>
+  </p:clrMapOvr>
+</p:sld>
+</file>
+
+<file path=ppt/slides/slide15.xml><?xml version="1.0" encoding="utf-8"?>
+<p:sld xmlns:a="http://schemas.openxmlformats.org/drawingml/2006/main" xmlns:r="http://schemas.openxmlformats.org/officeDocument/2006/relationships" xmlns:p="http://schemas.openxmlformats.org/presentationml/2006/main">
+  <p:cSld>
+    <p:spTree>
+      <p:nvGrpSpPr>
+        <p:cNvPr id="1" name=""/>
+        <p:cNvGrpSpPr/>
+        <p:nvPr/>
+      </p:nvGrpSpPr>
+      <p:grpSpPr>
+        <a:xfrm>
+          <a:off x="0" y="0"/>
+          <a:ext cx="0" cy="0"/>
+          <a:chOff x="0" y="0"/>
+          <a:chExt cx="0" cy="0"/>
+        </a:xfrm>
+      </p:grpSpPr>
+      <p:sp>
+        <p:nvSpPr>
+          <p:cNvPr id="2" name="Заголовок 1"/>
+          <p:cNvSpPr>
+            <a:spLocks noGrp="1"/>
+          </p:cNvSpPr>
+          <p:nvPr>
+            <p:ph type="title"/>
+          </p:nvPr>
+        </p:nvSpPr>
+        <p:spPr>
+          <a:xfrm>
             <a:off x="640078" y="365125"/>
             <a:ext cx="10945370" cy="713867"/>
           </a:xfrm>
@@ -3319,7 +4249,7 @@
 </p:sld>
 </file>
 
-<file path=ppt/slides/slide11.xml><?xml version="1.0" encoding="utf-8"?>
+<file path=ppt/slides/slide16.xml><?xml version="1.0" encoding="utf-8"?>
 <p:sld xmlns:a="http://schemas.openxmlformats.org/drawingml/2006/main" xmlns:r="http://schemas.openxmlformats.org/officeDocument/2006/relationships" xmlns:p="http://schemas.openxmlformats.org/presentationml/2006/main">
   <p:cSld>
     <p:spTree>
@@ -4090,7 +5020,7 @@
 </p:sld>
 </file>
 
-<file path=ppt/slides/slide12.xml><?xml version="1.0" encoding="utf-8"?>
+<file path=ppt/slides/slide17.xml><?xml version="1.0" encoding="utf-8"?>
 <p:sld xmlns:a="http://schemas.openxmlformats.org/drawingml/2006/main" xmlns:r="http://schemas.openxmlformats.org/officeDocument/2006/relationships" xmlns:p="http://schemas.openxmlformats.org/presentationml/2006/main">
   <p:cSld>
     <p:spTree>
@@ -4276,7 +5206,7 @@
 </p:sld>
 </file>
 
-<file path=ppt/slides/slide13.xml><?xml version="1.0" encoding="utf-8"?>
+<file path=ppt/slides/slide18.xml><?xml version="1.0" encoding="utf-8"?>
 <p:sld xmlns:a="http://schemas.openxmlformats.org/drawingml/2006/main" xmlns:r="http://schemas.openxmlformats.org/officeDocument/2006/relationships" xmlns:p="http://schemas.openxmlformats.org/presentationml/2006/main">
   <p:cSld>
     <p:spTree>
@@ -4384,7 +5314,7 @@
 </p:sld>
 </file>
 
-<file path=ppt/slides/slide14.xml><?xml version="1.0" encoding="utf-8"?>
+<file path=ppt/slides/slide19.xml><?xml version="1.0" encoding="utf-8"?>
 <p:sld xmlns:a="http://schemas.openxmlformats.org/drawingml/2006/main" xmlns:r="http://schemas.openxmlformats.org/officeDocument/2006/relationships" xmlns:p="http://schemas.openxmlformats.org/presentationml/2006/main">
   <p:cSld>
     <p:spTree>
@@ -4598,7 +5528,15 @@
                             <a:schemeClr val="tx1"/>
                           </a:solidFill>
                         </a:rPr>
-                        <a:t>go       </a:t>
+                        <a:t>go       -&gt; c -&gt; </a:t>
+                      </a:r>
+                      <a:r>
+                        <a:rPr lang="en-US" b="0" baseline="0" dirty="0" err="1" smtClean="0">
+                          <a:solidFill>
+                            <a:schemeClr val="tx1"/>
+                          </a:solidFill>
+                        </a:rPr>
+                        <a:t>asm</a:t>
                       </a:r>
                       <a:r>
                         <a:rPr lang="en-US" b="0" baseline="0" dirty="0" smtClean="0">
@@ -4606,31 +5544,7 @@
                             <a:schemeClr val="tx1"/>
                           </a:solidFill>
                         </a:rPr>
-                        <a:t>-&gt; c -&gt; </a:t>
-                      </a:r>
-                      <a:r>
-                        <a:rPr lang="en-US" b="0" baseline="0" dirty="0" err="1" smtClean="0">
-                          <a:solidFill>
-                            <a:schemeClr val="tx1"/>
-                          </a:solidFill>
-                        </a:rPr>
-                        <a:t>asm</a:t>
-                      </a:r>
-                      <a:r>
-                        <a:rPr lang="en-US" b="0" baseline="0" dirty="0" smtClean="0">
-                          <a:solidFill>
-                            <a:schemeClr val="tx1"/>
-                          </a:solidFill>
-                        </a:rPr>
-                        <a:t>    -&gt; </a:t>
-                      </a:r>
-                      <a:r>
-                        <a:rPr lang="en-US" b="0" baseline="0" dirty="0" smtClean="0">
-                          <a:solidFill>
-                            <a:schemeClr val="tx1"/>
-                          </a:solidFill>
-                        </a:rPr>
-                        <a:t>bytecode</a:t>
+                        <a:t>    -&gt; bytecode</a:t>
                       </a:r>
                     </a:p>
                     <a:p>
@@ -4646,11 +5560,6 @@
                         </a:rPr>
                         <a:t>LLVM -&gt;                     -&gt; bytecode   </a:t>
                       </a:r>
-                      <a:endParaRPr lang="en-US" b="0" baseline="0" dirty="0" smtClean="0">
-                        <a:solidFill>
-                          <a:schemeClr val="tx1"/>
-                        </a:solidFill>
-                      </a:endParaRPr>
                     </a:p>
                     <a:p>
                       <a:pPr marL="285750" indent="-285750">
@@ -4756,15 +5665,7 @@
                             <a:schemeClr val="tx1"/>
                           </a:solidFill>
                         </a:rPr>
-                        <a:t> </a:t>
-                      </a:r>
-                      <a:r>
-                        <a:rPr lang="en-US" b="0" baseline="0" dirty="0" smtClean="0">
-                          <a:solidFill>
-                            <a:schemeClr val="tx1"/>
-                          </a:solidFill>
-                        </a:rPr>
-                        <a:t>Runtime</a:t>
+                        <a:t> Runtime</a:t>
                       </a:r>
                     </a:p>
                     <a:p>
@@ -4816,15 +5717,7 @@
                             <a:schemeClr val="tx1"/>
                           </a:solidFill>
                         </a:rPr>
-                        <a:t>Java </a:t>
-                      </a:r>
-                      <a:r>
-                        <a:rPr lang="en-US" b="0" baseline="0" dirty="0" smtClean="0">
-                          <a:solidFill>
-                            <a:schemeClr val="tx1"/>
-                          </a:solidFill>
-                        </a:rPr>
-                        <a:t>- &gt; JVM </a:t>
+                        <a:t>Java - &gt; JVM </a:t>
                       </a:r>
                     </a:p>
                     <a:p>
@@ -5073,15 +5966,7 @@
                             <a:schemeClr val="tx1"/>
                           </a:solidFill>
                         </a:rPr>
-                        <a:t>C++ -&gt; </a:t>
-                      </a:r>
-                      <a:r>
-                        <a:rPr lang="en-US" b="0" dirty="0" smtClean="0">
-                          <a:solidFill>
-                            <a:schemeClr val="tx1"/>
-                          </a:solidFill>
-                        </a:rPr>
-                        <a:t>C</a:t>
+                        <a:t>C++ -&gt; C</a:t>
                       </a:r>
                       <a:endParaRPr lang="ru-RU" b="0" dirty="0" smtClean="0">
                         <a:solidFill>
@@ -5113,15 +5998,7 @@
                             <a:schemeClr val="tx1"/>
                           </a:solidFill>
                         </a:rPr>
-                        <a:t>GWT</a:t>
-                      </a:r>
-                      <a:r>
-                        <a:rPr lang="en-US" b="0" dirty="0" smtClean="0">
-                          <a:solidFill>
-                            <a:schemeClr val="tx1"/>
-                          </a:solidFill>
-                        </a:rPr>
-                        <a:t>: Java -&gt; JavaScript</a:t>
+                        <a:t>GWT: Java -&gt; JavaScript</a:t>
                       </a:r>
                     </a:p>
                     <a:p>
@@ -5423,7 +6300,410 @@
 </p:sld>
 </file>
 
-<file path=ppt/slides/slide15.xml><?xml version="1.0" encoding="utf-8"?>
+<file path=ppt/slides/slide2.xml><?xml version="1.0" encoding="utf-8"?>
+<p:sld xmlns:a="http://schemas.openxmlformats.org/drawingml/2006/main" xmlns:r="http://schemas.openxmlformats.org/officeDocument/2006/relationships" xmlns:p="http://schemas.openxmlformats.org/presentationml/2006/main">
+  <p:cSld>
+    <p:spTree>
+      <p:nvGrpSpPr>
+        <p:cNvPr id="1" name=""/>
+        <p:cNvGrpSpPr/>
+        <p:nvPr/>
+      </p:nvGrpSpPr>
+      <p:grpSpPr>
+        <a:xfrm>
+          <a:off x="0" y="0"/>
+          <a:ext cx="0" cy="0"/>
+          <a:chOff x="0" y="0"/>
+          <a:chExt cx="0" cy="0"/>
+        </a:xfrm>
+      </p:grpSpPr>
+      <p:sp>
+        <p:nvSpPr>
+          <p:cNvPr id="2" name="Заголовок 1"/>
+          <p:cNvSpPr>
+            <a:spLocks noGrp="1"/>
+          </p:cNvSpPr>
+          <p:nvPr>
+            <p:ph type="title"/>
+          </p:nvPr>
+        </p:nvSpPr>
+        <p:spPr>
+          <a:xfrm>
+            <a:off x="838200" y="365125"/>
+            <a:ext cx="10515600" cy="713867"/>
+          </a:xfrm>
+        </p:spPr>
+        <p:txBody>
+          <a:bodyPr/>
+          <a:lstStyle/>
+          <a:p>
+            <a:r>
+              <a:rPr lang="ru-RU" u="sng" dirty="0" smtClean="0"/>
+              <a:t>О чем буду </a:t>
+            </a:r>
+            <a:r>
+              <a:rPr lang="ru-RU" u="sng" dirty="0" smtClean="0"/>
+              <a:t>рассказывать (</a:t>
+            </a:r>
+            <a:r>
+              <a:rPr lang="en-US" u="sng" dirty="0" smtClean="0"/>
+              <a:t>#</a:t>
+            </a:r>
+            <a:r>
+              <a:rPr lang="ru-RU" u="sng" dirty="0" smtClean="0"/>
+              <a:t>1</a:t>
+            </a:r>
+            <a:r>
+              <a:rPr lang="ru-RU" u="sng" dirty="0" smtClean="0"/>
+              <a:t>)</a:t>
+            </a:r>
+            <a:endParaRPr lang="ru-RU" u="sng" dirty="0"/>
+          </a:p>
+        </p:txBody>
+      </p:sp>
+      <p:sp>
+        <p:nvSpPr>
+          <p:cNvPr id="3" name="TextBox 2"/>
+          <p:cNvSpPr txBox="1"/>
+          <p:nvPr/>
+        </p:nvSpPr>
+        <p:spPr>
+          <a:xfrm>
+            <a:off x="640080" y="1207008"/>
+            <a:ext cx="10945368" cy="5170646"/>
+          </a:xfrm>
+          <a:prstGeom prst="rect">
+            <a:avLst/>
+          </a:prstGeom>
+          <a:noFill/>
+        </p:spPr>
+        <p:txBody>
+          <a:bodyPr wrap="square" rtlCol="0">
+            <a:spAutoFit/>
+          </a:bodyPr>
+          <a:lstStyle/>
+          <a:p>
+            <a:pPr marL="342900" indent="-342900">
+              <a:buFont typeface="+mj-lt"/>
+              <a:buAutoNum type="arabicPeriod"/>
+            </a:pPr>
+            <a:r>
+              <a:rPr lang="ru-RU" sz="2000" b="1" dirty="0" smtClean="0"/>
+              <a:t>Что нужно для эффективной разработки приложений</a:t>
+            </a:r>
+            <a:r>
+              <a:rPr lang="en-US" sz="2000" b="1" dirty="0" smtClean="0"/>
+              <a:t>: </a:t>
+            </a:r>
+          </a:p>
+          <a:p>
+            <a:pPr marL="800100" lvl="1" indent="-342900">
+              <a:buFont typeface="Arial" panose="020B0604020202020204" pitchFamily="34" charset="0"/>
+              <a:buChar char="•"/>
+            </a:pPr>
+            <a:r>
+              <a:rPr lang="ru-RU" dirty="0" smtClean="0"/>
+              <a:t>Среда разработки</a:t>
+            </a:r>
+            <a:r>
+              <a:rPr lang="en-US" dirty="0" smtClean="0"/>
+              <a:t>: IntelliJ IDEA</a:t>
+            </a:r>
+            <a:r>
+              <a:rPr lang="ru-RU" dirty="0" smtClean="0"/>
+              <a:t> (остальные можно забыть </a:t>
+            </a:r>
+            <a:r>
+              <a:rPr lang="en-US" dirty="0" smtClean="0">
+                <a:sym typeface="Wingdings" panose="05000000000000000000" pitchFamily="2" charset="2"/>
+              </a:rPr>
+              <a:t></a:t>
+            </a:r>
+            <a:r>
+              <a:rPr lang="ru-RU" dirty="0" smtClean="0"/>
+              <a:t>)</a:t>
+            </a:r>
+            <a:endParaRPr lang="en-US" dirty="0" smtClean="0"/>
+          </a:p>
+          <a:p>
+            <a:pPr marL="800100" lvl="1" indent="-342900">
+              <a:buFont typeface="Arial" panose="020B0604020202020204" pitchFamily="34" charset="0"/>
+              <a:buChar char="•"/>
+            </a:pPr>
+            <a:r>
+              <a:rPr lang="ru-RU" dirty="0" smtClean="0"/>
+              <a:t>Язык программирования</a:t>
+            </a:r>
+            <a:r>
+              <a:rPr lang="en-US" dirty="0" smtClean="0"/>
+              <a:t>: Java, JavaScript, Go, PHP, C#, </a:t>
+            </a:r>
+            <a:r>
+              <a:rPr lang="ru-RU" dirty="0" smtClean="0"/>
+              <a:t>… или производные языки</a:t>
+            </a:r>
+          </a:p>
+          <a:p>
+            <a:pPr marL="800100" lvl="1" indent="-342900">
+              <a:buFont typeface="Arial" panose="020B0604020202020204" pitchFamily="34" charset="0"/>
+              <a:buChar char="•"/>
+            </a:pPr>
+            <a:r>
+              <a:rPr lang="en-US" dirty="0" smtClean="0"/>
+              <a:t>Runtime: JVM, </a:t>
+            </a:r>
+            <a:r>
+              <a:rPr lang="en-US" dirty="0" err="1" smtClean="0"/>
+              <a:t>NodeJS</a:t>
+            </a:r>
+            <a:r>
+              <a:rPr lang="en-US" dirty="0" smtClean="0"/>
+              <a:t>, PHP, </a:t>
+            </a:r>
+            <a:r>
+              <a:rPr lang="en-US" dirty="0" err="1" smtClean="0"/>
+              <a:t>.Net</a:t>
+            </a:r>
+            <a:r>
+              <a:rPr lang="en-US" dirty="0" smtClean="0"/>
+              <a:t> Runtime, …</a:t>
+            </a:r>
+          </a:p>
+          <a:p>
+            <a:pPr marL="800100" lvl="1" indent="-342900">
+              <a:buFont typeface="Arial" panose="020B0604020202020204" pitchFamily="34" charset="0"/>
+              <a:buChar char="•"/>
+            </a:pPr>
+            <a:r>
+              <a:rPr lang="ru-RU" dirty="0" smtClean="0"/>
+              <a:t>Модульная архитектура, библиотеки для разных технологий</a:t>
+            </a:r>
+            <a:r>
+              <a:rPr lang="en-US" dirty="0" smtClean="0"/>
+              <a:t> (frameworks)</a:t>
+            </a:r>
+          </a:p>
+          <a:p>
+            <a:pPr marL="800100" lvl="1" indent="-342900">
+              <a:buFont typeface="Arial" panose="020B0604020202020204" pitchFamily="34" charset="0"/>
+              <a:buChar char="•"/>
+            </a:pPr>
+            <a:r>
+              <a:rPr lang="ru-RU" dirty="0" smtClean="0"/>
+              <a:t>Менеджеры пакетов и средства сборки приложений</a:t>
+            </a:r>
+          </a:p>
+          <a:p>
+            <a:pPr marL="800100" lvl="1" indent="-342900">
+              <a:buFont typeface="Arial" panose="020B0604020202020204" pitchFamily="34" charset="0"/>
+              <a:buChar char="•"/>
+            </a:pPr>
+            <a:r>
+              <a:rPr lang="ru-RU" dirty="0" smtClean="0"/>
+              <a:t>Средства тестирования</a:t>
+            </a:r>
+            <a:endParaRPr lang="en-US" dirty="0" smtClean="0"/>
+          </a:p>
+          <a:p>
+            <a:pPr marL="800100" lvl="1" indent="-342900">
+              <a:buFont typeface="Arial" panose="020B0604020202020204" pitchFamily="34" charset="0"/>
+              <a:buChar char="•"/>
+            </a:pPr>
+            <a:r>
+              <a:rPr lang="ru-RU" dirty="0" smtClean="0"/>
+              <a:t>Сервера</a:t>
+            </a:r>
+            <a:r>
+              <a:rPr lang="en-US" dirty="0" smtClean="0"/>
+              <a:t>: MySQL\PostgreSQL\Mongo, Apache\Nginx, </a:t>
+            </a:r>
+            <a:r>
+              <a:rPr lang="en-US" dirty="0" err="1" smtClean="0"/>
+              <a:t>Memcached</a:t>
+            </a:r>
+            <a:r>
+              <a:rPr lang="en-US" dirty="0" smtClean="0"/>
+              <a:t>\</a:t>
+            </a:r>
+            <a:r>
+              <a:rPr lang="en-US" dirty="0" err="1" smtClean="0"/>
+              <a:t>Redis</a:t>
+            </a:r>
+            <a:endParaRPr lang="en-US" dirty="0" smtClean="0"/>
+          </a:p>
+          <a:p>
+            <a:pPr marL="342900" indent="-342900">
+              <a:buFont typeface="+mj-lt"/>
+              <a:buAutoNum type="arabicPeriod"/>
+            </a:pPr>
+            <a:endParaRPr lang="ru-RU" b="1" dirty="0" smtClean="0"/>
+          </a:p>
+          <a:p>
+            <a:pPr marL="342900" indent="-342900">
+              <a:buFont typeface="+mj-lt"/>
+              <a:buAutoNum type="arabicPeriod"/>
+            </a:pPr>
+            <a:r>
+              <a:rPr lang="en-US" sz="2000" b="1" dirty="0" err="1" smtClean="0"/>
+              <a:t>GraphQL</a:t>
+            </a:r>
+            <a:r>
+              <a:rPr lang="ru-RU" sz="2000" b="1" dirty="0" smtClean="0"/>
+              <a:t> -</a:t>
+            </a:r>
+            <a:r>
+              <a:rPr lang="en-US" sz="2000" dirty="0"/>
+              <a:t> is an open-source data query and manipulation language for </a:t>
+            </a:r>
+            <a:r>
+              <a:rPr lang="en-US" sz="2000" dirty="0" smtClean="0"/>
+              <a:t>APIs</a:t>
+            </a:r>
+            <a:endParaRPr lang="ru-RU" sz="2000" dirty="0" smtClean="0"/>
+          </a:p>
+          <a:p>
+            <a:pPr marL="742950" lvl="1" indent="-285750">
+              <a:buFont typeface="Arial" panose="020B0604020202020204" pitchFamily="34" charset="0"/>
+              <a:buChar char="•"/>
+            </a:pPr>
+            <a:r>
+              <a:rPr lang="ru-RU" dirty="0" smtClean="0"/>
+              <a:t>Что такое этот </a:t>
+            </a:r>
+            <a:r>
+              <a:rPr lang="en-US" dirty="0" err="1" smtClean="0"/>
+              <a:t>GraphQL</a:t>
+            </a:r>
+            <a:endParaRPr lang="ru-RU" dirty="0" smtClean="0"/>
+          </a:p>
+          <a:p>
+            <a:pPr marL="742950" lvl="1" indent="-285750">
+              <a:buFont typeface="Arial" panose="020B0604020202020204" pitchFamily="34" charset="0"/>
+              <a:buChar char="•"/>
+            </a:pPr>
+            <a:r>
+              <a:rPr lang="ru-RU" dirty="0" smtClean="0"/>
+              <a:t>Основные возможности</a:t>
+            </a:r>
+            <a:endParaRPr lang="ru-RU" dirty="0"/>
+          </a:p>
+          <a:p>
+            <a:pPr marL="1200150" lvl="2" indent="-285750">
+              <a:buFont typeface="Arial" panose="020B0604020202020204" pitchFamily="34" charset="0"/>
+              <a:buChar char="•"/>
+            </a:pPr>
+            <a:r>
+              <a:rPr lang="en-US" dirty="0" err="1"/>
+              <a:t>GraphQL</a:t>
+            </a:r>
+            <a:r>
+              <a:rPr lang="en-US" dirty="0"/>
+              <a:t> </a:t>
+            </a:r>
+            <a:r>
+              <a:rPr lang="en-US" dirty="0" err="1"/>
+              <a:t>shema</a:t>
+            </a:r>
+            <a:r>
+              <a:rPr lang="en-US" dirty="0"/>
+              <a:t> DSL</a:t>
+            </a:r>
+            <a:endParaRPr lang="ru-RU" dirty="0"/>
+          </a:p>
+          <a:p>
+            <a:pPr marL="1200150" lvl="2" indent="-285750">
+              <a:buFont typeface="Arial" panose="020B0604020202020204" pitchFamily="34" charset="0"/>
+              <a:buChar char="•"/>
+            </a:pPr>
+            <a:r>
+              <a:rPr lang="en-US" dirty="0"/>
+              <a:t>Query \ </a:t>
+            </a:r>
+            <a:r>
+              <a:rPr lang="en-US" dirty="0" smtClean="0"/>
+              <a:t>Mutation</a:t>
+            </a:r>
+            <a:endParaRPr lang="ru-RU" dirty="0" smtClean="0"/>
+          </a:p>
+          <a:p>
+            <a:pPr marL="1200150" lvl="2" indent="-285750">
+              <a:buFont typeface="Arial" panose="020B0604020202020204" pitchFamily="34" charset="0"/>
+              <a:buChar char="•"/>
+            </a:pPr>
+            <a:r>
+              <a:rPr lang="en-US" dirty="0" smtClean="0"/>
+              <a:t>Subscription</a:t>
+            </a:r>
+            <a:endParaRPr lang="ru-RU" dirty="0" smtClean="0"/>
+          </a:p>
+          <a:p>
+            <a:pPr marL="742950" lvl="1" indent="-285750">
+              <a:buFont typeface="Arial" panose="020B0604020202020204" pitchFamily="34" charset="0"/>
+              <a:buChar char="•"/>
+            </a:pPr>
+            <a:r>
+              <a:rPr lang="ru-RU" dirty="0"/>
+              <a:t>Дополнительные </a:t>
+            </a:r>
+            <a:r>
+              <a:rPr lang="ru-RU" dirty="0" smtClean="0"/>
+              <a:t>возможности и нюансы</a:t>
+            </a:r>
+          </a:p>
+          <a:p>
+            <a:pPr marL="742950" lvl="1" indent="-285750">
+              <a:buFont typeface="Arial" panose="020B0604020202020204" pitchFamily="34" charset="0"/>
+              <a:buChar char="•"/>
+            </a:pPr>
+            <a:endParaRPr lang="ru-RU" dirty="0" smtClean="0"/>
+          </a:p>
+          <a:p>
+            <a:pPr marL="342900" indent="-342900">
+              <a:buFont typeface="+mj-lt"/>
+              <a:buAutoNum type="arabicPeriod"/>
+            </a:pPr>
+            <a:r>
+              <a:rPr lang="ru-RU" sz="2000" b="1" dirty="0" smtClean="0"/>
+              <a:t>Реализация </a:t>
+            </a:r>
+            <a:r>
+              <a:rPr lang="en-US" sz="2000" b="1" dirty="0" err="1" smtClean="0"/>
+              <a:t>GraphQL</a:t>
+            </a:r>
+            <a:r>
+              <a:rPr lang="en-US" sz="2000" b="1" dirty="0" smtClean="0"/>
+              <a:t> </a:t>
+            </a:r>
+            <a:r>
+              <a:rPr lang="ru-RU" sz="2000" b="1" dirty="0" smtClean="0"/>
+              <a:t>сервера на </a:t>
+            </a:r>
+            <a:r>
+              <a:rPr lang="en-US" sz="2000" b="1" dirty="0" smtClean="0"/>
+              <a:t>Java + </a:t>
+            </a:r>
+            <a:r>
+              <a:rPr lang="en-US" sz="2000" b="1" dirty="0" err="1" smtClean="0"/>
+              <a:t>SpringBoot</a:t>
+            </a:r>
+            <a:endParaRPr lang="ru-RU" dirty="0"/>
+          </a:p>
+        </p:txBody>
+      </p:sp>
+    </p:spTree>
+    <p:extLst>
+      <p:ext uri="{BB962C8B-B14F-4D97-AF65-F5344CB8AC3E}">
+        <p14:creationId xmlns:p14="http://schemas.microsoft.com/office/powerpoint/2010/main" val="11484610"/>
+      </p:ext>
+    </p:extLst>
+  </p:cSld>
+  <p:clrMapOvr>
+    <a:masterClrMapping/>
+  </p:clrMapOvr>
+</p:sld>
+</file>
+
+<file path=ppt/slides/slide20.xml><?xml version="1.0" encoding="utf-8"?>
 <p:sld xmlns:a="http://schemas.openxmlformats.org/drawingml/2006/main" xmlns:r="http://schemas.openxmlformats.org/officeDocument/2006/relationships" xmlns:p="http://schemas.openxmlformats.org/presentationml/2006/main">
   <p:cSld>
     <p:spTree>
@@ -5509,7 +6789,7 @@
 </p:sld>
 </file>
 
-<file path=ppt/slides/slide16.xml><?xml version="1.0" encoding="utf-8"?>
+<file path=ppt/slides/slide21.xml><?xml version="1.0" encoding="utf-8"?>
 <p:sld xmlns:a="http://schemas.openxmlformats.org/drawingml/2006/main" xmlns:r="http://schemas.openxmlformats.org/officeDocument/2006/relationships" xmlns:p="http://schemas.openxmlformats.org/presentationml/2006/main">
   <p:cSld>
     <p:spTree>
@@ -5772,393 +7052,6 @@
 </p:sld>
 </file>
 
-<file path=ppt/slides/slide2.xml><?xml version="1.0" encoding="utf-8"?>
-<p:sld xmlns:a="http://schemas.openxmlformats.org/drawingml/2006/main" xmlns:r="http://schemas.openxmlformats.org/officeDocument/2006/relationships" xmlns:p="http://schemas.openxmlformats.org/presentationml/2006/main">
-  <p:cSld>
-    <p:spTree>
-      <p:nvGrpSpPr>
-        <p:cNvPr id="1" name=""/>
-        <p:cNvGrpSpPr/>
-        <p:nvPr/>
-      </p:nvGrpSpPr>
-      <p:grpSpPr>
-        <a:xfrm>
-          <a:off x="0" y="0"/>
-          <a:ext cx="0" cy="0"/>
-          <a:chOff x="0" y="0"/>
-          <a:chExt cx="0" cy="0"/>
-        </a:xfrm>
-      </p:grpSpPr>
-      <p:sp>
-        <p:nvSpPr>
-          <p:cNvPr id="2" name="Заголовок 1"/>
-          <p:cNvSpPr>
-            <a:spLocks noGrp="1"/>
-          </p:cNvSpPr>
-          <p:nvPr>
-            <p:ph type="title"/>
-          </p:nvPr>
-        </p:nvSpPr>
-        <p:spPr>
-          <a:xfrm>
-            <a:off x="838200" y="365125"/>
-            <a:ext cx="10515600" cy="713867"/>
-          </a:xfrm>
-        </p:spPr>
-        <p:txBody>
-          <a:bodyPr/>
-          <a:lstStyle/>
-          <a:p>
-            <a:r>
-              <a:rPr lang="ru-RU" u="sng" dirty="0" smtClean="0"/>
-              <a:t>О чем буду рассказывать   (часть 1)</a:t>
-            </a:r>
-            <a:endParaRPr lang="ru-RU" u="sng" dirty="0"/>
-          </a:p>
-        </p:txBody>
-      </p:sp>
-      <p:sp>
-        <p:nvSpPr>
-          <p:cNvPr id="3" name="TextBox 2"/>
-          <p:cNvSpPr txBox="1"/>
-          <p:nvPr/>
-        </p:nvSpPr>
-        <p:spPr>
-          <a:xfrm>
-            <a:off x="640080" y="1207008"/>
-            <a:ext cx="10945368" cy="5170646"/>
-          </a:xfrm>
-          <a:prstGeom prst="rect">
-            <a:avLst/>
-          </a:prstGeom>
-          <a:noFill/>
-        </p:spPr>
-        <p:txBody>
-          <a:bodyPr wrap="square" rtlCol="0">
-            <a:spAutoFit/>
-          </a:bodyPr>
-          <a:lstStyle/>
-          <a:p>
-            <a:pPr marL="342900" indent="-342900">
-              <a:buFont typeface="+mj-lt"/>
-              <a:buAutoNum type="arabicPeriod"/>
-            </a:pPr>
-            <a:r>
-              <a:rPr lang="ru-RU" sz="2000" b="1" dirty="0" smtClean="0"/>
-              <a:t>Что нужно для эффективной разработки приложений</a:t>
-            </a:r>
-            <a:r>
-              <a:rPr lang="en-US" sz="2000" b="1" dirty="0" smtClean="0"/>
-              <a:t>: </a:t>
-            </a:r>
-          </a:p>
-          <a:p>
-            <a:pPr marL="800100" lvl="1" indent="-342900">
-              <a:buFont typeface="Arial" panose="020B0604020202020204" pitchFamily="34" charset="0"/>
-              <a:buChar char="•"/>
-            </a:pPr>
-            <a:r>
-              <a:rPr lang="ru-RU" dirty="0" smtClean="0"/>
-              <a:t>Среда разработки</a:t>
-            </a:r>
-            <a:r>
-              <a:rPr lang="en-US" dirty="0" smtClean="0"/>
-              <a:t>: IntelliJ IDEA</a:t>
-            </a:r>
-            <a:r>
-              <a:rPr lang="ru-RU" dirty="0" smtClean="0"/>
-              <a:t> (остальные можно забыть </a:t>
-            </a:r>
-            <a:r>
-              <a:rPr lang="en-US" dirty="0" smtClean="0">
-                <a:sym typeface="Wingdings" panose="05000000000000000000" pitchFamily="2" charset="2"/>
-              </a:rPr>
-              <a:t></a:t>
-            </a:r>
-            <a:r>
-              <a:rPr lang="ru-RU" dirty="0" smtClean="0"/>
-              <a:t>)</a:t>
-            </a:r>
-            <a:endParaRPr lang="en-US" dirty="0" smtClean="0"/>
-          </a:p>
-          <a:p>
-            <a:pPr marL="800100" lvl="1" indent="-342900">
-              <a:buFont typeface="Arial" panose="020B0604020202020204" pitchFamily="34" charset="0"/>
-              <a:buChar char="•"/>
-            </a:pPr>
-            <a:r>
-              <a:rPr lang="ru-RU" dirty="0" smtClean="0"/>
-              <a:t>Язык программирования</a:t>
-            </a:r>
-            <a:r>
-              <a:rPr lang="en-US" dirty="0" smtClean="0"/>
-              <a:t>: Java, JavaScript, Go, PHP, C#, </a:t>
-            </a:r>
-            <a:r>
-              <a:rPr lang="ru-RU" dirty="0" smtClean="0"/>
-              <a:t>… или производные языки</a:t>
-            </a:r>
-          </a:p>
-          <a:p>
-            <a:pPr marL="800100" lvl="1" indent="-342900">
-              <a:buFont typeface="Arial" panose="020B0604020202020204" pitchFamily="34" charset="0"/>
-              <a:buChar char="•"/>
-            </a:pPr>
-            <a:r>
-              <a:rPr lang="en-US" dirty="0" smtClean="0"/>
-              <a:t>Runtime: JVM, </a:t>
-            </a:r>
-            <a:r>
-              <a:rPr lang="en-US" dirty="0" err="1" smtClean="0"/>
-              <a:t>NodeJS</a:t>
-            </a:r>
-            <a:r>
-              <a:rPr lang="en-US" dirty="0" smtClean="0"/>
-              <a:t>, PHP, </a:t>
-            </a:r>
-            <a:r>
-              <a:rPr lang="en-US" dirty="0" err="1" smtClean="0"/>
-              <a:t>.Net</a:t>
-            </a:r>
-            <a:r>
-              <a:rPr lang="en-US" dirty="0" smtClean="0"/>
-              <a:t> Runtime, …</a:t>
-            </a:r>
-          </a:p>
-          <a:p>
-            <a:pPr marL="800100" lvl="1" indent="-342900">
-              <a:buFont typeface="Arial" panose="020B0604020202020204" pitchFamily="34" charset="0"/>
-              <a:buChar char="•"/>
-            </a:pPr>
-            <a:r>
-              <a:rPr lang="ru-RU" dirty="0" smtClean="0"/>
-              <a:t>Модульная архитектура, библиотеки для разных технологий</a:t>
-            </a:r>
-            <a:r>
-              <a:rPr lang="en-US" dirty="0" smtClean="0"/>
-              <a:t> (frameworks)</a:t>
-            </a:r>
-          </a:p>
-          <a:p>
-            <a:pPr marL="800100" lvl="1" indent="-342900">
-              <a:buFont typeface="Arial" panose="020B0604020202020204" pitchFamily="34" charset="0"/>
-              <a:buChar char="•"/>
-            </a:pPr>
-            <a:r>
-              <a:rPr lang="ru-RU" dirty="0" smtClean="0"/>
-              <a:t>Менеджеры пакетов и средства сборки приложений</a:t>
-            </a:r>
-          </a:p>
-          <a:p>
-            <a:pPr marL="800100" lvl="1" indent="-342900">
-              <a:buFont typeface="Arial" panose="020B0604020202020204" pitchFamily="34" charset="0"/>
-              <a:buChar char="•"/>
-            </a:pPr>
-            <a:r>
-              <a:rPr lang="ru-RU" dirty="0" smtClean="0"/>
-              <a:t>Средства тестирования</a:t>
-            </a:r>
-            <a:endParaRPr lang="en-US" dirty="0" smtClean="0"/>
-          </a:p>
-          <a:p>
-            <a:pPr marL="800100" lvl="1" indent="-342900">
-              <a:buFont typeface="Arial" panose="020B0604020202020204" pitchFamily="34" charset="0"/>
-              <a:buChar char="•"/>
-            </a:pPr>
-            <a:r>
-              <a:rPr lang="ru-RU" dirty="0" smtClean="0"/>
-              <a:t>Сервера</a:t>
-            </a:r>
-            <a:r>
-              <a:rPr lang="en-US" dirty="0" smtClean="0"/>
-              <a:t>: MySQL\PostgreSQL\Mongo, Apache\Nginx, </a:t>
-            </a:r>
-            <a:r>
-              <a:rPr lang="en-US" dirty="0" err="1" smtClean="0"/>
-              <a:t>Memcached</a:t>
-            </a:r>
-            <a:r>
-              <a:rPr lang="en-US" dirty="0" smtClean="0"/>
-              <a:t>\</a:t>
-            </a:r>
-            <a:r>
-              <a:rPr lang="en-US" dirty="0" err="1" smtClean="0"/>
-              <a:t>Redis</a:t>
-            </a:r>
-            <a:endParaRPr lang="en-US" dirty="0" smtClean="0"/>
-          </a:p>
-          <a:p>
-            <a:pPr marL="342900" indent="-342900">
-              <a:buFont typeface="+mj-lt"/>
-              <a:buAutoNum type="arabicPeriod"/>
-            </a:pPr>
-            <a:endParaRPr lang="ru-RU" b="1" dirty="0" smtClean="0"/>
-          </a:p>
-          <a:p>
-            <a:pPr marL="342900" indent="-342900">
-              <a:buFont typeface="+mj-lt"/>
-              <a:buAutoNum type="arabicPeriod"/>
-            </a:pPr>
-            <a:r>
-              <a:rPr lang="en-US" sz="2000" b="1" dirty="0" err="1" smtClean="0"/>
-              <a:t>GraphQL</a:t>
-            </a:r>
-            <a:r>
-              <a:rPr lang="ru-RU" sz="2000" b="1" dirty="0" smtClean="0"/>
-              <a:t> -</a:t>
-            </a:r>
-            <a:r>
-              <a:rPr lang="en-US" sz="2000" dirty="0"/>
-              <a:t> is an open-source data query and manipulation language for </a:t>
-            </a:r>
-            <a:r>
-              <a:rPr lang="en-US" sz="2000" dirty="0" smtClean="0"/>
-              <a:t>APIs</a:t>
-            </a:r>
-            <a:endParaRPr lang="ru-RU" sz="2000" dirty="0" smtClean="0"/>
-          </a:p>
-          <a:p>
-            <a:pPr marL="742950" lvl="1" indent="-285750">
-              <a:buFont typeface="Arial" panose="020B0604020202020204" pitchFamily="34" charset="0"/>
-              <a:buChar char="•"/>
-            </a:pPr>
-            <a:r>
-              <a:rPr lang="ru-RU" dirty="0" smtClean="0"/>
-              <a:t>Что такое этот </a:t>
-            </a:r>
-            <a:r>
-              <a:rPr lang="en-US" dirty="0" err="1" smtClean="0"/>
-              <a:t>GraphQL</a:t>
-            </a:r>
-            <a:endParaRPr lang="ru-RU" dirty="0" smtClean="0"/>
-          </a:p>
-          <a:p>
-            <a:pPr marL="742950" lvl="1" indent="-285750">
-              <a:buFont typeface="Arial" panose="020B0604020202020204" pitchFamily="34" charset="0"/>
-              <a:buChar char="•"/>
-            </a:pPr>
-            <a:r>
-              <a:rPr lang="ru-RU" dirty="0" smtClean="0"/>
-              <a:t>Основные возможности</a:t>
-            </a:r>
-            <a:endParaRPr lang="ru-RU" dirty="0"/>
-          </a:p>
-          <a:p>
-            <a:pPr marL="1200150" lvl="2" indent="-285750">
-              <a:buFont typeface="Arial" panose="020B0604020202020204" pitchFamily="34" charset="0"/>
-              <a:buChar char="•"/>
-            </a:pPr>
-            <a:r>
-              <a:rPr lang="en-US" dirty="0" err="1"/>
-              <a:t>GraphQL</a:t>
-            </a:r>
-            <a:r>
-              <a:rPr lang="en-US" dirty="0"/>
-              <a:t> </a:t>
-            </a:r>
-            <a:r>
-              <a:rPr lang="en-US" dirty="0" err="1"/>
-              <a:t>shema</a:t>
-            </a:r>
-            <a:r>
-              <a:rPr lang="en-US" dirty="0"/>
-              <a:t> DSL</a:t>
-            </a:r>
-            <a:endParaRPr lang="ru-RU" dirty="0"/>
-          </a:p>
-          <a:p>
-            <a:pPr marL="1200150" lvl="2" indent="-285750">
-              <a:buFont typeface="Arial" panose="020B0604020202020204" pitchFamily="34" charset="0"/>
-              <a:buChar char="•"/>
-            </a:pPr>
-            <a:r>
-              <a:rPr lang="en-US" dirty="0"/>
-              <a:t>Query \ </a:t>
-            </a:r>
-            <a:r>
-              <a:rPr lang="en-US" dirty="0" smtClean="0"/>
-              <a:t>Mutation</a:t>
-            </a:r>
-            <a:endParaRPr lang="ru-RU" dirty="0" smtClean="0"/>
-          </a:p>
-          <a:p>
-            <a:pPr marL="1200150" lvl="2" indent="-285750">
-              <a:buFont typeface="Arial" panose="020B0604020202020204" pitchFamily="34" charset="0"/>
-              <a:buChar char="•"/>
-            </a:pPr>
-            <a:r>
-              <a:rPr lang="en-US" dirty="0" smtClean="0"/>
-              <a:t>Subscription</a:t>
-            </a:r>
-            <a:endParaRPr lang="ru-RU" dirty="0" smtClean="0"/>
-          </a:p>
-          <a:p>
-            <a:pPr marL="742950" lvl="1" indent="-285750">
-              <a:buFont typeface="Arial" panose="020B0604020202020204" pitchFamily="34" charset="0"/>
-              <a:buChar char="•"/>
-            </a:pPr>
-            <a:r>
-              <a:rPr lang="ru-RU" dirty="0"/>
-              <a:t>Дополнительные </a:t>
-            </a:r>
-            <a:r>
-              <a:rPr lang="ru-RU" dirty="0" smtClean="0"/>
-              <a:t>возможности и нюансы</a:t>
-            </a:r>
-          </a:p>
-          <a:p>
-            <a:pPr marL="742950" lvl="1" indent="-285750">
-              <a:buFont typeface="Arial" panose="020B0604020202020204" pitchFamily="34" charset="0"/>
-              <a:buChar char="•"/>
-            </a:pPr>
-            <a:endParaRPr lang="ru-RU" dirty="0" smtClean="0"/>
-          </a:p>
-          <a:p>
-            <a:pPr marL="342900" indent="-342900">
-              <a:buFont typeface="+mj-lt"/>
-              <a:buAutoNum type="arabicPeriod"/>
-            </a:pPr>
-            <a:r>
-              <a:rPr lang="ru-RU" sz="2000" b="1" dirty="0" smtClean="0"/>
-              <a:t>Реализация </a:t>
-            </a:r>
-            <a:r>
-              <a:rPr lang="en-US" sz="2000" b="1" dirty="0" err="1" smtClean="0"/>
-              <a:t>GraphQL</a:t>
-            </a:r>
-            <a:r>
-              <a:rPr lang="en-US" sz="2000" b="1" dirty="0" smtClean="0"/>
-              <a:t> </a:t>
-            </a:r>
-            <a:r>
-              <a:rPr lang="ru-RU" sz="2000" b="1" dirty="0" smtClean="0"/>
-              <a:t>сервера на </a:t>
-            </a:r>
-            <a:r>
-              <a:rPr lang="en-US" sz="2000" b="1" dirty="0" smtClean="0"/>
-              <a:t>Java + </a:t>
-            </a:r>
-            <a:r>
-              <a:rPr lang="en-US" sz="2000" b="1" dirty="0" err="1" smtClean="0"/>
-              <a:t>SpringBoot</a:t>
-            </a:r>
-            <a:endParaRPr lang="ru-RU" dirty="0"/>
-          </a:p>
-        </p:txBody>
-      </p:sp>
-    </p:spTree>
-    <p:extLst>
-      <p:ext uri="{BB962C8B-B14F-4D97-AF65-F5344CB8AC3E}">
-        <p14:creationId xmlns:p14="http://schemas.microsoft.com/office/powerpoint/2010/main" val="11484610"/>
-      </p:ext>
-    </p:extLst>
-  </p:cSld>
-  <p:clrMapOvr>
-    <a:masterClrMapping/>
-  </p:clrMapOvr>
-</p:sld>
-</file>
-
 <file path=ppt/slides/slide3.xml><?xml version="1.0" encoding="utf-8"?>
 <p:sld xmlns:a="http://schemas.openxmlformats.org/drawingml/2006/main" xmlns:r="http://schemas.openxmlformats.org/officeDocument/2006/relationships" xmlns:p="http://schemas.openxmlformats.org/presentationml/2006/main">
   <p:cSld>
@@ -6198,11 +7091,15 @@
           <a:p>
             <a:r>
               <a:rPr lang="ru-RU" u="sng" dirty="0" smtClean="0"/>
-              <a:t>О чем буду рассказывать   (часть </a:t>
+              <a:t>О чем буду </a:t>
+            </a:r>
+            <a:r>
+              <a:rPr lang="ru-RU" u="sng" dirty="0" smtClean="0"/>
+              <a:t>рассказывать (</a:t>
             </a:r>
             <a:r>
               <a:rPr lang="en-US" u="sng" dirty="0" smtClean="0"/>
-              <a:t>2</a:t>
+              <a:t>#2</a:t>
             </a:r>
             <a:r>
               <a:rPr lang="ru-RU" u="sng" dirty="0" smtClean="0"/>
@@ -6250,7 +7147,6 @@
               <a:rPr lang="en-US" sz="2000" b="1" dirty="0" smtClean="0"/>
               <a:t>: </a:t>
             </a:r>
-            <a:endParaRPr lang="en-US" sz="2000" b="1" dirty="0" smtClean="0"/>
           </a:p>
           <a:p>
             <a:pPr marL="800100" lvl="1" indent="-342900">
@@ -6297,11 +7193,7 @@
             </a:r>
             <a:r>
               <a:rPr lang="en-US" dirty="0" smtClean="0"/>
-              <a:t> </a:t>
-            </a:r>
-            <a:r>
-              <a:rPr lang="en-US" dirty="0" smtClean="0"/>
-              <a:t>ECMAScript (ES</a:t>
+              <a:t> ECMAScript (ES</a:t>
             </a:r>
             <a:r>
               <a:rPr lang="ru-RU" dirty="0" smtClean="0"/>
@@ -6756,7 +7648,7 @@
         <p:spPr>
           <a:xfrm>
             <a:off x="640080" y="1160017"/>
-            <a:ext cx="10945368" cy="1477328"/>
+            <a:ext cx="10945368" cy="1200329"/>
           </a:xfrm>
           <a:prstGeom prst="rect">
             <a:avLst/>
@@ -6779,7 +7671,15 @@
             </a:r>
             <a:r>
               <a:rPr lang="ru-RU" dirty="0" smtClean="0"/>
-              <a:t>почти под любые задачи уже есть технологии и реализующие из библиотеки написанные кем то другим, надо только выбрать \ изучить \ использовать</a:t>
+              <a:t>почти под любые задачи уже есть технологии и реализующие </a:t>
+            </a:r>
+            <a:r>
+              <a:rPr lang="ru-RU" dirty="0" smtClean="0"/>
+              <a:t>их </a:t>
+            </a:r>
+            <a:r>
+              <a:rPr lang="ru-RU" dirty="0" smtClean="0"/>
+              <a:t>библиотеки написанные кем то другим, надо только выбрать \ изучить \ использовать</a:t>
             </a:r>
             <a:r>
               <a:rPr lang="ru-RU" b="1" dirty="0" smtClean="0"/>
@@ -6805,14 +7705,40 @@
             </a:r>
             <a:r>
               <a:rPr lang="ru-RU" dirty="0" smtClean="0"/>
-              <a:t>мода (тренды), рекомендации лучших собаководов…</a:t>
-            </a:r>
-          </a:p>
-          <a:p>
-            <a:pPr marL="285750" indent="-285750">
-              <a:buFont typeface="Arial" panose="020B0604020202020204" pitchFamily="34" charset="0"/>
-              <a:buChar char="•"/>
-            </a:pPr>
+              <a:t>соответствие решаемой </a:t>
+            </a:r>
+            <a:r>
+              <a:rPr lang="ru-RU" dirty="0" smtClean="0"/>
+              <a:t>задаче (</a:t>
+            </a:r>
+            <a:r>
+              <a:rPr lang="en-US" dirty="0"/>
+              <a:t>best practices</a:t>
+            </a:r>
+            <a:r>
+              <a:rPr lang="ru-RU" dirty="0" smtClean="0"/>
+              <a:t>), </a:t>
+            </a:r>
+            <a:r>
+              <a:rPr lang="ru-RU" dirty="0" smtClean="0"/>
+              <a:t>зрелость технологии, мода </a:t>
+            </a:r>
+            <a:r>
+              <a:rPr lang="ru-RU" dirty="0" smtClean="0"/>
+              <a:t>(тренды), рекомендации лучших </a:t>
+            </a:r>
+            <a:r>
+              <a:rPr lang="ru-RU" dirty="0" smtClean="0"/>
+              <a:t>собаководов</a:t>
+            </a:r>
+            <a:r>
+              <a:rPr lang="en-US" dirty="0" smtClean="0"/>
+              <a:t>, </a:t>
+            </a:r>
+            <a:r>
+              <a:rPr lang="ru-RU" dirty="0" smtClean="0"/>
+              <a:t>…</a:t>
+            </a:r>
             <a:endParaRPr lang="ru-RU" dirty="0"/>
           </a:p>
         </p:txBody>
@@ -6879,7 +7805,7 @@
         </p:blipFill>
         <p:spPr bwMode="auto">
           <a:xfrm>
-            <a:off x="938198" y="2528596"/>
+            <a:off x="938198" y="2601748"/>
             <a:ext cx="4621354" cy="3697083"/>
           </a:xfrm>
           <a:prstGeom prst="rect">
@@ -6899,43 +7825,26 @@
       </p:pic>
       <p:pic>
         <p:nvPicPr>
-          <p:cNvPr id="3078" name="Picture 6" descr="ÐÐ°ÑÑÐ¸Ð½ÐºÐ¸ Ð¿Ð¾ Ð·Ð°Ð¿ÑÐ¾ÑÑ javascript technology"/>
+          <p:cNvPr id="4" name="Рисунок 3"/>
           <p:cNvPicPr>
-            <a:picLocks noChangeAspect="1" noChangeArrowheads="1"/>
+            <a:picLocks noChangeAspect="1"/>
           </p:cNvPicPr>
           <p:nvPr/>
         </p:nvPicPr>
         <p:blipFill>
-          <a:blip r:embed="rId3">
-            <a:extLst>
-              <a:ext uri="{28A0092B-C50C-407E-A947-70E740481C1C}">
-                <a14:useLocalDpi xmlns:a14="http://schemas.microsoft.com/office/drawing/2010/main" val="0"/>
-              </a:ext>
-            </a:extLst>
-          </a:blip>
-          <a:srcRect/>
+          <a:blip r:embed="rId3"/>
           <a:stretch>
             <a:fillRect/>
           </a:stretch>
         </p:blipFill>
-        <p:spPr bwMode="auto">
+        <p:spPr>
           <a:xfrm>
-            <a:off x="6067983" y="2340864"/>
-            <a:ext cx="5517466" cy="3924740"/>
+            <a:off x="5811573" y="2582481"/>
+            <a:ext cx="5773875" cy="3554038"/>
           </a:xfrm>
           <a:prstGeom prst="rect">
             <a:avLst/>
           </a:prstGeom>
-          <a:noFill/>
-          <a:extLst>
-            <a:ext uri="{909E8E84-426E-40DD-AFC4-6F175D3DCCD1}">
-              <a14:hiddenFill xmlns:a14="http://schemas.microsoft.com/office/drawing/2010/main">
-                <a:solidFill>
-                  <a:srgbClr val="FFFFFF"/>
-                </a:solidFill>
-              </a14:hiddenFill>
-            </a:ext>
-          </a:extLst>
         </p:spPr>
       </p:pic>
     </p:spTree>
@@ -8140,28 +9049,8 @@
           <a:lstStyle/>
           <a:p>
             <a:r>
-              <a:rPr lang="en-US" u="sng" dirty="0" smtClean="0"/>
-              <a:t>JavaScript </a:t>
-            </a:r>
-            <a:r>
-              <a:rPr lang="ru-RU" u="sng" dirty="0" smtClean="0"/>
-              <a:t>в </a:t>
-            </a:r>
-            <a:r>
-              <a:rPr lang="ru-RU" u="sng" dirty="0" smtClean="0"/>
-              <a:t>прошлом</a:t>
-            </a:r>
-            <a:r>
-              <a:rPr lang="en-US" u="sng" dirty="0" smtClean="0"/>
-              <a:t>:</a:t>
-            </a:r>
-            <a:r>
-              <a:rPr lang="ru-RU" u="sng" dirty="0" smtClean="0"/>
-              <a:t> </a:t>
-            </a:r>
-            <a:r>
-              <a:rPr lang="ru-RU" u="sng" dirty="0" smtClean="0"/>
-              <a:t>Гадкий утенок.</a:t>
+              <a:rPr lang="en-US" u="sng" dirty="0" err="1" smtClean="0"/>
+              <a:t>GraphQL</a:t>
             </a:r>
             <a:endParaRPr lang="ru-RU" u="sng" dirty="0"/>
           </a:p>
@@ -8169,14 +9058,14 @@
       </p:sp>
       <p:sp>
         <p:nvSpPr>
-          <p:cNvPr id="3" name="TextBox 2"/>
+          <p:cNvPr id="4" name="TextBox 3"/>
           <p:cNvSpPr txBox="1"/>
           <p:nvPr/>
         </p:nvSpPr>
         <p:spPr>
           <a:xfrm>
             <a:off x="640080" y="1078992"/>
-            <a:ext cx="10945368" cy="5478423"/>
+            <a:ext cx="10945368" cy="1200329"/>
           </a:xfrm>
           <a:prstGeom prst="rect">
             <a:avLst/>
@@ -8189,362 +9078,232 @@
           </a:bodyPr>
           <a:lstStyle/>
           <a:p>
-            <a:r>
-              <a:rPr lang="ru-RU" sz="2400" dirty="0" smtClean="0">
-                <a:solidFill>
-                  <a:srgbClr val="0070C0"/>
-                </a:solidFill>
-              </a:rPr>
-              <a:t>История - </a:t>
-            </a:r>
-            <a:r>
-              <a:rPr lang="en-US" sz="2400" dirty="0" smtClean="0">
-                <a:solidFill>
-                  <a:srgbClr val="0070C0"/>
-                </a:solidFill>
-              </a:rPr>
-              <a:t>https://ru.wikipedia.org/wiki/JavaScript</a:t>
-            </a:r>
-            <a:endParaRPr lang="ru-RU" sz="2400" dirty="0" smtClean="0">
+            <a:pPr marL="0" lvl="1"/>
+            <a:r>
+              <a:rPr lang="ru-RU" dirty="0" err="1"/>
+              <a:t>GraphQL</a:t>
+            </a:r>
+            <a:r>
+              <a:rPr lang="ru-RU" dirty="0"/>
+              <a:t> это </a:t>
+            </a:r>
+            <a:r>
+              <a:rPr lang="ru-RU" dirty="0" smtClean="0"/>
+              <a:t>язык запросов, </a:t>
+            </a:r>
+            <a:r>
+              <a:rPr lang="ru-RU" dirty="0"/>
+              <a:t>который описывает как запрашивать </a:t>
+            </a:r>
+            <a:r>
+              <a:rPr lang="ru-RU" dirty="0" smtClean="0"/>
+              <a:t>данные</a:t>
+            </a:r>
+            <a:r>
+              <a:rPr lang="en-US" dirty="0" smtClean="0"/>
+              <a:t>:</a:t>
+            </a:r>
+          </a:p>
+          <a:p>
+            <a:pPr marL="285750" indent="-285750">
+              <a:buFont typeface="Arial" panose="020B0604020202020204" pitchFamily="34" charset="0"/>
+              <a:buChar char="•"/>
+            </a:pPr>
+            <a:r>
+              <a:rPr lang="ru-RU" dirty="0"/>
+              <a:t>Позволяет клиенту точно указать, какие данные ему </a:t>
+            </a:r>
+            <a:r>
+              <a:rPr lang="ru-RU" dirty="0" smtClean="0"/>
+              <a:t>нужны</a:t>
+            </a:r>
+            <a:endParaRPr lang="ru-RU" dirty="0"/>
+          </a:p>
+          <a:p>
+            <a:pPr marL="285750" indent="-285750">
+              <a:buFont typeface="Arial" panose="020B0604020202020204" pitchFamily="34" charset="0"/>
+              <a:buChar char="•"/>
+            </a:pPr>
+            <a:r>
+              <a:rPr lang="ru-RU" dirty="0"/>
+              <a:t>Облегчает агрегацию данных из нескольких </a:t>
+            </a:r>
+            <a:r>
+              <a:rPr lang="ru-RU" dirty="0" smtClean="0"/>
+              <a:t>источников</a:t>
+            </a:r>
+            <a:endParaRPr lang="ru-RU" dirty="0"/>
+          </a:p>
+          <a:p>
+            <a:pPr marL="285750" indent="-285750">
+              <a:buFont typeface="Arial" panose="020B0604020202020204" pitchFamily="34" charset="0"/>
+              <a:buChar char="•"/>
+            </a:pPr>
+            <a:r>
+              <a:rPr lang="ru-RU" dirty="0"/>
+              <a:t>Использует систему типов для описания </a:t>
+            </a:r>
+            <a:r>
+              <a:rPr lang="ru-RU" dirty="0" smtClean="0"/>
+              <a:t>данных</a:t>
+            </a:r>
+            <a:endParaRPr lang="ru-RU" dirty="0">
               <a:solidFill>
                 <a:srgbClr val="0070C0"/>
               </a:solidFill>
             </a:endParaRPr>
           </a:p>
-          <a:p>
-            <a:pPr marL="742950" lvl="1" indent="-285750">
+        </p:txBody>
+      </p:sp>
+      <p:pic>
+        <p:nvPicPr>
+          <p:cNvPr id="1026" name="Picture 2" descr="ÐÐ°ÑÑÐ¸Ð½ÐºÐ¸ Ð¿Ð¾ Ð·Ð°Ð¿ÑÐ¾ÑÑ graphql"/>
+          <p:cNvPicPr>
+            <a:picLocks noChangeAspect="1" noChangeArrowheads="1"/>
+          </p:cNvPicPr>
+          <p:nvPr/>
+        </p:nvPicPr>
+        <p:blipFill>
+          <a:blip r:embed="rId2" cstate="print">
+            <a:extLst>
+              <a:ext uri="{28A0092B-C50C-407E-A947-70E740481C1C}">
+                <a14:useLocalDpi xmlns:a14="http://schemas.microsoft.com/office/drawing/2010/main" val="0"/>
+              </a:ext>
+            </a:extLst>
+          </a:blip>
+          <a:srcRect/>
+          <a:stretch>
+            <a:fillRect/>
+          </a:stretch>
+        </p:blipFill>
+        <p:spPr bwMode="auto">
+          <a:xfrm>
+            <a:off x="7714796" y="1005873"/>
+            <a:ext cx="3870652" cy="1354728"/>
+          </a:xfrm>
+          <a:prstGeom prst="rect">
+            <a:avLst/>
+          </a:prstGeom>
+          <a:noFill/>
+          <a:extLst>
+            <a:ext uri="{909E8E84-426E-40DD-AFC4-6F175D3DCCD1}">
+              <a14:hiddenFill xmlns:a14="http://schemas.microsoft.com/office/drawing/2010/main">
+                <a:solidFill>
+                  <a:srgbClr val="FFFFFF"/>
+                </a:solidFill>
+              </a14:hiddenFill>
+            </a:ext>
+          </a:extLst>
+        </p:spPr>
+      </p:pic>
+      <p:pic>
+        <p:nvPicPr>
+          <p:cNvPr id="1032" name="Picture 8" descr="ÐÐ°ÑÑÐ¸Ð½ÐºÐ¸ Ð¿Ð¾ Ð·Ð°Ð¿ÑÐ¾ÑÑ graphql schema"/>
+          <p:cNvPicPr>
+            <a:picLocks noChangeAspect="1" noChangeArrowheads="1"/>
+          </p:cNvPicPr>
+          <p:nvPr/>
+        </p:nvPicPr>
+        <p:blipFill>
+          <a:blip r:embed="rId3">
+            <a:extLst>
+              <a:ext uri="{28A0092B-C50C-407E-A947-70E740481C1C}">
+                <a14:useLocalDpi xmlns:a14="http://schemas.microsoft.com/office/drawing/2010/main" val="0"/>
+              </a:ext>
+            </a:extLst>
+          </a:blip>
+          <a:srcRect/>
+          <a:stretch>
+            <a:fillRect/>
+          </a:stretch>
+        </p:blipFill>
+        <p:spPr bwMode="auto">
+          <a:xfrm>
+            <a:off x="353696" y="2360601"/>
+            <a:ext cx="7126308" cy="4063059"/>
+          </a:xfrm>
+          <a:prstGeom prst="rect">
+            <a:avLst/>
+          </a:prstGeom>
+          <a:noFill/>
+          <a:extLst>
+            <a:ext uri="{909E8E84-426E-40DD-AFC4-6F175D3DCCD1}">
+              <a14:hiddenFill xmlns:a14="http://schemas.microsoft.com/office/drawing/2010/main">
+                <a:solidFill>
+                  <a:srgbClr val="FFFFFF"/>
+                </a:solidFill>
+              </a14:hiddenFill>
+            </a:ext>
+          </a:extLst>
+        </p:spPr>
+      </p:pic>
+      <p:sp>
+        <p:nvSpPr>
+          <p:cNvPr id="7" name="TextBox 6"/>
+          <p:cNvSpPr txBox="1"/>
+          <p:nvPr/>
+        </p:nvSpPr>
+        <p:spPr>
+          <a:xfrm>
+            <a:off x="7815380" y="2926080"/>
+            <a:ext cx="3770068" cy="1200329"/>
+          </a:xfrm>
+          <a:prstGeom prst="rect">
+            <a:avLst/>
+          </a:prstGeom>
+          <a:noFill/>
+        </p:spPr>
+        <p:txBody>
+          <a:bodyPr wrap="square" rtlCol="0">
+            <a:spAutoFit/>
+          </a:bodyPr>
+          <a:lstStyle/>
+          <a:p>
+            <a:r>
+              <a:rPr lang="ru-RU" b="1" dirty="0" smtClean="0"/>
+              <a:t>Типы запросов</a:t>
+            </a:r>
+            <a:r>
+              <a:rPr lang="en-US" b="1" dirty="0" smtClean="0"/>
+              <a:t>:</a:t>
+            </a:r>
+          </a:p>
+          <a:p>
+            <a:pPr marL="285750" indent="-285750">
               <a:buFont typeface="Arial" panose="020B0604020202020204" pitchFamily="34" charset="0"/>
               <a:buChar char="•"/>
             </a:pPr>
             <a:r>
               <a:rPr lang="en-US" dirty="0" smtClean="0"/>
-              <a:t>JavaScript </a:t>
-            </a:r>
-            <a:r>
-              <a:rPr lang="ru-RU" dirty="0" smtClean="0"/>
-              <a:t>берет начало в компании </a:t>
-            </a:r>
-            <a:r>
-              <a:rPr lang="en-US" dirty="0" smtClean="0"/>
-              <a:t>Netscape</a:t>
-            </a:r>
-            <a:r>
-              <a:rPr lang="ru-RU" dirty="0" smtClean="0"/>
-              <a:t> </a:t>
-            </a:r>
-            <a:endParaRPr lang="ru-RU" dirty="0"/>
-          </a:p>
-          <a:p>
-            <a:pPr marL="742950" lvl="1" indent="-285750">
+              <a:t>Query</a:t>
+            </a:r>
+          </a:p>
+          <a:p>
+            <a:pPr marL="285750" indent="-285750">
               <a:buFont typeface="Arial" panose="020B0604020202020204" pitchFamily="34" charset="0"/>
               <a:buChar char="•"/>
             </a:pPr>
             <a:r>
-              <a:rPr lang="ru-RU" dirty="0" smtClean="0"/>
-              <a:t>В 1995 году </a:t>
-            </a:r>
-            <a:r>
-              <a:rPr lang="ru-RU" dirty="0" err="1" smtClean="0"/>
-              <a:t>Netscape</a:t>
-            </a:r>
-            <a:r>
-              <a:rPr lang="ru-RU" dirty="0" smtClean="0"/>
-              <a:t> переименовали свой язык для </a:t>
-            </a:r>
-            <a:r>
-              <a:rPr lang="ru-RU" dirty="0"/>
-              <a:t>браузера </a:t>
-            </a:r>
-            <a:r>
-              <a:rPr lang="en-US" dirty="0"/>
-              <a:t>Netscape Navigator </a:t>
-            </a:r>
-            <a:r>
-              <a:rPr lang="ru-RU" dirty="0" smtClean="0"/>
-              <a:t>в </a:t>
-            </a:r>
-            <a:r>
-              <a:rPr lang="ru-RU" dirty="0" err="1" smtClean="0"/>
-              <a:t>JavaScript</a:t>
-            </a:r>
-            <a:r>
-              <a:rPr lang="ru-RU" dirty="0" smtClean="0"/>
-              <a:t>, получив соответствующую лицензию у </a:t>
-            </a:r>
-            <a:r>
-              <a:rPr lang="ru-RU" dirty="0" err="1" smtClean="0"/>
-              <a:t>Sun</a:t>
-            </a:r>
-            <a:r>
-              <a:rPr lang="ru-RU" dirty="0" smtClean="0"/>
-              <a:t>. </a:t>
-            </a:r>
-          </a:p>
-          <a:p>
-            <a:pPr marL="742950" lvl="1" indent="-285750">
+              <a:rPr lang="en-US" dirty="0" smtClean="0"/>
+              <a:t>Mutation</a:t>
+            </a:r>
+          </a:p>
+          <a:p>
+            <a:pPr marL="285750" indent="-285750">
               <a:buFont typeface="Arial" panose="020B0604020202020204" pitchFamily="34" charset="0"/>
               <a:buChar char="•"/>
             </a:pPr>
             <a:r>
-              <a:rPr lang="ru-RU" dirty="0" smtClean="0"/>
-              <a:t>В 1996 году компания </a:t>
-            </a:r>
-            <a:r>
-              <a:rPr lang="ru-RU" dirty="0" err="1" smtClean="0"/>
-              <a:t>Microsoft</a:t>
-            </a:r>
-            <a:r>
-              <a:rPr lang="ru-RU" dirty="0" smtClean="0"/>
-              <a:t> выпустила аналог языка </a:t>
-            </a:r>
-            <a:r>
-              <a:rPr lang="ru-RU" dirty="0" err="1" smtClean="0"/>
-              <a:t>JavaScript</a:t>
-            </a:r>
-            <a:r>
-              <a:rPr lang="ru-RU" dirty="0" smtClean="0"/>
-              <a:t>, названный </a:t>
-            </a:r>
-            <a:r>
-              <a:rPr lang="ru-RU" dirty="0" err="1" smtClean="0"/>
-              <a:t>JScript</a:t>
-            </a:r>
-            <a:r>
-              <a:rPr lang="ru-RU" dirty="0" smtClean="0"/>
-              <a:t>. Первым браузером, поддерживающим эту реализацию, был </a:t>
-            </a:r>
-            <a:r>
-              <a:rPr lang="ru-RU" dirty="0" err="1" smtClean="0"/>
-              <a:t>Internet</a:t>
-            </a:r>
-            <a:r>
-              <a:rPr lang="ru-RU" dirty="0" smtClean="0"/>
-              <a:t> </a:t>
-            </a:r>
-            <a:r>
-              <a:rPr lang="ru-RU" dirty="0" err="1" smtClean="0"/>
-              <a:t>Explorer</a:t>
-            </a:r>
-            <a:r>
-              <a:rPr lang="ru-RU" dirty="0" smtClean="0"/>
-              <a:t> 3.0.</a:t>
-            </a:r>
-          </a:p>
-          <a:p>
-            <a:pPr marL="742950" lvl="1" indent="-285750">
-              <a:buFont typeface="Arial" panose="020B0604020202020204" pitchFamily="34" charset="0"/>
-              <a:buChar char="•"/>
-            </a:pPr>
-            <a:r>
-              <a:rPr lang="ru-RU" dirty="0" smtClean="0"/>
-              <a:t>По инициативе компании </a:t>
-            </a:r>
-            <a:r>
-              <a:rPr lang="ru-RU" dirty="0" err="1" smtClean="0"/>
-              <a:t>Netscape</a:t>
-            </a:r>
-            <a:r>
-              <a:rPr lang="ru-RU" dirty="0" smtClean="0"/>
-              <a:t> была проведена стандартизация языка ассоциацией ECMA. Стандартизированная версия имеет название </a:t>
-            </a:r>
-            <a:r>
-              <a:rPr lang="ru-RU" dirty="0" err="1" smtClean="0"/>
-              <a:t>ECMAScript</a:t>
-            </a:r>
-            <a:endParaRPr lang="ru-RU" dirty="0" smtClean="0"/>
-          </a:p>
-          <a:p>
-            <a:endParaRPr lang="ru-RU" sz="800" dirty="0" smtClean="0">
-              <a:solidFill>
-                <a:srgbClr val="0070C0"/>
-              </a:solidFill>
-            </a:endParaRPr>
-          </a:p>
-          <a:p>
-            <a:r>
-              <a:rPr lang="ru-RU" sz="2400" dirty="0" smtClean="0">
+              <a:rPr lang="en-US" dirty="0" smtClean="0">
                 <a:solidFill>
-                  <a:srgbClr val="0070C0"/>
+                  <a:srgbClr val="00B050"/>
                 </a:solidFill>
               </a:rPr>
-              <a:t>Чем </a:t>
-            </a:r>
-            <a:r>
-              <a:rPr lang="ru-RU" sz="2400" dirty="0" smtClean="0">
-                <a:solidFill>
-                  <a:srgbClr val="0070C0"/>
-                </a:solidFill>
-              </a:rPr>
-              <a:t>был </a:t>
-            </a:r>
-            <a:r>
-              <a:rPr lang="en-US" sz="2400" dirty="0" smtClean="0">
-                <a:solidFill>
-                  <a:srgbClr val="0070C0"/>
-                </a:solidFill>
-              </a:rPr>
-              <a:t>JavaScript</a:t>
-            </a:r>
-            <a:endParaRPr lang="ru-RU" sz="2400" dirty="0">
-              <a:solidFill>
-                <a:srgbClr val="0070C0"/>
-              </a:solidFill>
-            </a:endParaRPr>
-          </a:p>
-          <a:p>
-            <a:pPr marL="742950" lvl="1" indent="-285750">
-              <a:buFont typeface="Arial" panose="020B0604020202020204" pitchFamily="34" charset="0"/>
-              <a:buChar char="•"/>
-            </a:pPr>
-            <a:r>
-              <a:rPr lang="ru-RU" dirty="0" smtClean="0"/>
-              <a:t>Среда исполнения – веб-браузеры. Изначальная ниша </a:t>
-            </a:r>
-            <a:r>
-              <a:rPr lang="en-US" dirty="0" smtClean="0"/>
-              <a:t>JavaScript - </a:t>
-            </a:r>
-            <a:r>
-              <a:rPr lang="ru-RU" dirty="0" smtClean="0"/>
-              <a:t>реализация </a:t>
-            </a:r>
-            <a:r>
-              <a:rPr lang="ru-RU" dirty="0"/>
-              <a:t>активного содержимого для </a:t>
-            </a:r>
-            <a:r>
-              <a:rPr lang="en-US" dirty="0"/>
-              <a:t>web-</a:t>
-            </a:r>
-            <a:r>
-              <a:rPr lang="ru-RU" dirty="0" smtClean="0"/>
-              <a:t>страниц. </a:t>
-            </a:r>
-          </a:p>
-          <a:p>
-            <a:pPr marL="742950" lvl="1" indent="-285750">
-              <a:buFont typeface="Arial" panose="020B0604020202020204" pitchFamily="34" charset="0"/>
-              <a:buChar char="•"/>
-            </a:pPr>
-            <a:r>
-              <a:rPr lang="ru-RU" dirty="0" smtClean="0"/>
-              <a:t>Функциональный язык </a:t>
-            </a:r>
-            <a:r>
-              <a:rPr lang="ru-RU" b="1" dirty="0" smtClean="0"/>
-              <a:t>с простым синтаксисом</a:t>
-            </a:r>
-            <a:r>
-              <a:rPr lang="ru-RU" dirty="0" smtClean="0"/>
-              <a:t>. Полное отсутствие типизации.</a:t>
-            </a:r>
-          </a:p>
-          <a:p>
-            <a:pPr marL="742950" lvl="1" indent="-285750">
-              <a:buFont typeface="Arial" panose="020B0604020202020204" pitchFamily="34" charset="0"/>
-              <a:buChar char="•"/>
-            </a:pPr>
-            <a:r>
-              <a:rPr lang="ru-RU" dirty="0" smtClean="0"/>
-              <a:t>Почти полное отсутствие каких-то библиотек</a:t>
-            </a:r>
-            <a:r>
-              <a:rPr lang="en-US" dirty="0" smtClean="0"/>
-              <a:t>….</a:t>
-            </a:r>
-            <a:r>
-              <a:rPr lang="ru-RU" dirty="0" smtClean="0"/>
-              <a:t> Отсутствие средств разработки и отладки</a:t>
-            </a:r>
-            <a:r>
-              <a:rPr lang="ru-RU" dirty="0" smtClean="0"/>
-              <a:t>.</a:t>
-            </a:r>
-          </a:p>
-          <a:p>
-            <a:pPr marL="742950" lvl="1" indent="-285750">
-              <a:buFont typeface="Arial" panose="020B0604020202020204" pitchFamily="34" charset="0"/>
-              <a:buChar char="•"/>
-            </a:pPr>
-            <a:r>
-              <a:rPr lang="ru-RU" dirty="0"/>
-              <a:t>Одним словом </a:t>
-            </a:r>
-            <a:r>
-              <a:rPr lang="ru-RU" b="1" dirty="0"/>
-              <a:t>полная </a:t>
-            </a:r>
-            <a:r>
-              <a:rPr lang="ru-RU" b="1" dirty="0" err="1"/>
-              <a:t>негоднота</a:t>
-            </a:r>
-            <a:r>
-              <a:rPr lang="ru-RU" dirty="0"/>
-              <a:t>…</a:t>
-            </a:r>
-            <a:endParaRPr lang="ru-RU" dirty="0" smtClean="0"/>
-          </a:p>
-          <a:p>
-            <a:pPr marL="0" lvl="1"/>
-            <a:endParaRPr lang="ru-RU" sz="2400" dirty="0" smtClean="0"/>
-          </a:p>
-          <a:p>
-            <a:pPr marL="0" lvl="1"/>
-            <a:r>
-              <a:rPr lang="ru-RU" dirty="0" smtClean="0"/>
-              <a:t>Прошло </a:t>
-            </a:r>
-            <a:r>
-              <a:rPr lang="en-US" dirty="0"/>
-              <a:t>~</a:t>
-            </a:r>
-            <a:r>
-              <a:rPr lang="ru-RU" dirty="0"/>
-              <a:t>10 лет, прежде чем </a:t>
-            </a:r>
-            <a:r>
-              <a:rPr lang="ru-RU" b="1" dirty="0"/>
-              <a:t>клиенты стали мощными</a:t>
-            </a:r>
-            <a:r>
-              <a:rPr lang="ru-RU" dirty="0"/>
-              <a:t>, </a:t>
-            </a:r>
-            <a:r>
-              <a:rPr lang="ru-RU" dirty="0" smtClean="0"/>
-              <a:t>в </a:t>
-            </a:r>
-            <a:r>
-              <a:rPr lang="ru-RU" dirty="0"/>
-              <a:t>2006 году появилась библиотека </a:t>
-            </a:r>
-            <a:r>
-              <a:rPr lang="en-US" dirty="0"/>
-              <a:t>jQuery</a:t>
-            </a:r>
-            <a:r>
-              <a:rPr lang="ru-RU" dirty="0"/>
-              <a:t>, далее пошел лавинообразный рост </a:t>
-            </a:r>
-            <a:r>
-              <a:rPr lang="en-US" dirty="0"/>
-              <a:t>JavaScript </a:t>
-            </a:r>
-            <a:r>
-              <a:rPr lang="ru-RU" dirty="0"/>
-              <a:t>библиотек и популярности </a:t>
-            </a:r>
-            <a:r>
-              <a:rPr lang="en-US" dirty="0"/>
-              <a:t>JavaScript</a:t>
-            </a:r>
-            <a:endParaRPr lang="ru-RU" sz="2400" dirty="0"/>
-          </a:p>
-          <a:p>
-            <a:pPr marL="0" lvl="1"/>
+              <a:t>Subscription</a:t>
+            </a:r>
             <a:endParaRPr lang="ru-RU" dirty="0">
               <a:solidFill>
-                <a:srgbClr val="0070C0"/>
+                <a:srgbClr val="00B050"/>
               </a:solidFill>
             </a:endParaRPr>
           </a:p>

--- a/graphql-spring-node.pptx
+++ b/graphql-spring-node.pptx
@@ -14,18 +14,27 @@
     <p:sldId id="266" r:id="rId8"/>
     <p:sldId id="258" r:id="rId9"/>
     <p:sldId id="264" r:id="rId10"/>
-    <p:sldId id="277" r:id="rId11"/>
-    <p:sldId id="274" r:id="rId12"/>
-    <p:sldId id="276" r:id="rId13"/>
-    <p:sldId id="275" r:id="rId14"/>
-    <p:sldId id="273" r:id="rId15"/>
-    <p:sldId id="270" r:id="rId16"/>
-    <p:sldId id="259" r:id="rId17"/>
-    <p:sldId id="260" r:id="rId18"/>
-    <p:sldId id="262" r:id="rId19"/>
-    <p:sldId id="261" r:id="rId20"/>
-    <p:sldId id="271" r:id="rId21"/>
-    <p:sldId id="268" r:id="rId22"/>
+    <p:sldId id="276" r:id="rId11"/>
+    <p:sldId id="286" r:id="rId12"/>
+    <p:sldId id="278" r:id="rId13"/>
+    <p:sldId id="283" r:id="rId14"/>
+    <p:sldId id="277" r:id="rId15"/>
+    <p:sldId id="275" r:id="rId16"/>
+    <p:sldId id="274" r:id="rId17"/>
+    <p:sldId id="281" r:id="rId18"/>
+    <p:sldId id="284" r:id="rId19"/>
+    <p:sldId id="285" r:id="rId20"/>
+    <p:sldId id="279" r:id="rId21"/>
+    <p:sldId id="273" r:id="rId22"/>
+    <p:sldId id="270" r:id="rId23"/>
+    <p:sldId id="259" r:id="rId24"/>
+    <p:sldId id="260" r:id="rId25"/>
+    <p:sldId id="262" r:id="rId26"/>
+    <p:sldId id="261" r:id="rId27"/>
+    <p:sldId id="271" r:id="rId28"/>
+    <p:sldId id="280" r:id="rId29"/>
+    <p:sldId id="282" r:id="rId30"/>
+    <p:sldId id="268" r:id="rId31"/>
   </p:sldIdLst>
   <p:sldSz cx="12192000" cy="6858000"/>
   <p:notesSz cx="6858000" cy="9144000"/>
@@ -263,7 +272,7 @@
           <a:p>
             <a:fld id="{30AEA17C-015C-4CF1-9764-B7DB070202A1}" type="datetimeFigureOut">
               <a:rPr lang="ru-RU" smtClean="0"/>
-              <a:t>20.12.2018</a:t>
+              <a:t>21.12.2018</a:t>
             </a:fld>
             <a:endParaRPr lang="ru-RU"/>
           </a:p>
@@ -433,7 +442,7 @@
           <a:p>
             <a:fld id="{30AEA17C-015C-4CF1-9764-B7DB070202A1}" type="datetimeFigureOut">
               <a:rPr lang="ru-RU" smtClean="0"/>
-              <a:t>20.12.2018</a:t>
+              <a:t>21.12.2018</a:t>
             </a:fld>
             <a:endParaRPr lang="ru-RU"/>
           </a:p>
@@ -613,7 +622,7 @@
           <a:p>
             <a:fld id="{30AEA17C-015C-4CF1-9764-B7DB070202A1}" type="datetimeFigureOut">
               <a:rPr lang="ru-RU" smtClean="0"/>
-              <a:t>20.12.2018</a:t>
+              <a:t>21.12.2018</a:t>
             </a:fld>
             <a:endParaRPr lang="ru-RU"/>
           </a:p>
@@ -783,7 +792,7 @@
           <a:p>
             <a:fld id="{30AEA17C-015C-4CF1-9764-B7DB070202A1}" type="datetimeFigureOut">
               <a:rPr lang="ru-RU" smtClean="0"/>
-              <a:t>20.12.2018</a:t>
+              <a:t>21.12.2018</a:t>
             </a:fld>
             <a:endParaRPr lang="ru-RU"/>
           </a:p>
@@ -1029,7 +1038,7 @@
           <a:p>
             <a:fld id="{30AEA17C-015C-4CF1-9764-B7DB070202A1}" type="datetimeFigureOut">
               <a:rPr lang="ru-RU" smtClean="0"/>
-              <a:t>20.12.2018</a:t>
+              <a:t>21.12.2018</a:t>
             </a:fld>
             <a:endParaRPr lang="ru-RU"/>
           </a:p>
@@ -1261,7 +1270,7 @@
           <a:p>
             <a:fld id="{30AEA17C-015C-4CF1-9764-B7DB070202A1}" type="datetimeFigureOut">
               <a:rPr lang="ru-RU" smtClean="0"/>
-              <a:t>20.12.2018</a:t>
+              <a:t>21.12.2018</a:t>
             </a:fld>
             <a:endParaRPr lang="ru-RU"/>
           </a:p>
@@ -1628,7 +1637,7 @@
           <a:p>
             <a:fld id="{30AEA17C-015C-4CF1-9764-B7DB070202A1}" type="datetimeFigureOut">
               <a:rPr lang="ru-RU" smtClean="0"/>
-              <a:t>20.12.2018</a:t>
+              <a:t>21.12.2018</a:t>
             </a:fld>
             <a:endParaRPr lang="ru-RU"/>
           </a:p>
@@ -1746,7 +1755,7 @@
           <a:p>
             <a:fld id="{30AEA17C-015C-4CF1-9764-B7DB070202A1}" type="datetimeFigureOut">
               <a:rPr lang="ru-RU" smtClean="0"/>
-              <a:t>20.12.2018</a:t>
+              <a:t>21.12.2018</a:t>
             </a:fld>
             <a:endParaRPr lang="ru-RU"/>
           </a:p>
@@ -1841,7 +1850,7 @@
           <a:p>
             <a:fld id="{30AEA17C-015C-4CF1-9764-B7DB070202A1}" type="datetimeFigureOut">
               <a:rPr lang="ru-RU" smtClean="0"/>
-              <a:t>20.12.2018</a:t>
+              <a:t>21.12.2018</a:t>
             </a:fld>
             <a:endParaRPr lang="ru-RU"/>
           </a:p>
@@ -2118,7 +2127,7 @@
           <a:p>
             <a:fld id="{30AEA17C-015C-4CF1-9764-B7DB070202A1}" type="datetimeFigureOut">
               <a:rPr lang="ru-RU" smtClean="0"/>
-              <a:t>20.12.2018</a:t>
+              <a:t>21.12.2018</a:t>
             </a:fld>
             <a:endParaRPr lang="ru-RU"/>
           </a:p>
@@ -2371,7 +2380,7 @@
           <a:p>
             <a:fld id="{30AEA17C-015C-4CF1-9764-B7DB070202A1}" type="datetimeFigureOut">
               <a:rPr lang="ru-RU" smtClean="0"/>
-              <a:t>20.12.2018</a:t>
+              <a:t>21.12.2018</a:t>
             </a:fld>
             <a:endParaRPr lang="ru-RU"/>
           </a:p>
@@ -2584,7 +2593,7 @@
           <a:p>
             <a:fld id="{30AEA17C-015C-4CF1-9764-B7DB070202A1}" type="datetimeFigureOut">
               <a:rPr lang="ru-RU" smtClean="0"/>
-              <a:t>20.12.2018</a:t>
+              <a:t>21.12.2018</a:t>
             </a:fld>
             <a:endParaRPr lang="ru-RU"/>
           </a:p>
@@ -3235,6 +3244,724 @@
         </p:nvSpPr>
         <p:spPr>
           <a:xfrm>
+            <a:off x="640080" y="365125"/>
+            <a:ext cx="10713720" cy="713867"/>
+          </a:xfrm>
+        </p:spPr>
+        <p:txBody>
+          <a:bodyPr>
+            <a:normAutofit/>
+          </a:bodyPr>
+          <a:lstStyle/>
+          <a:p>
+            <a:r>
+              <a:rPr lang="en-US" u="sng" dirty="0" err="1" smtClean="0"/>
+              <a:t>GraphQL</a:t>
+            </a:r>
+            <a:r>
+              <a:rPr lang="en-US" u="sng" dirty="0" smtClean="0"/>
+              <a:t> vs REST</a:t>
+            </a:r>
+            <a:r>
+              <a:rPr lang="ru-RU" dirty="0" smtClean="0"/>
+              <a:t> – </a:t>
+            </a:r>
+            <a:r>
+              <a:rPr lang="en-US" dirty="0" smtClean="0">
+                <a:solidFill>
+                  <a:srgbClr val="00B050"/>
+                </a:solidFill>
+              </a:rPr>
+              <a:t>REST</a:t>
+            </a:r>
+            <a:endParaRPr lang="ru-RU" dirty="0">
+              <a:solidFill>
+                <a:srgbClr val="00B050"/>
+              </a:solidFill>
+            </a:endParaRPr>
+          </a:p>
+        </p:txBody>
+      </p:sp>
+      <p:pic>
+        <p:nvPicPr>
+          <p:cNvPr id="2054" name="Picture 6" descr="REST Server"/>
+          <p:cNvPicPr>
+            <a:picLocks noChangeAspect="1" noChangeArrowheads="1"/>
+          </p:cNvPicPr>
+          <p:nvPr/>
+        </p:nvPicPr>
+        <p:blipFill>
+          <a:blip r:embed="rId2">
+            <a:extLst>
+              <a:ext uri="{28A0092B-C50C-407E-A947-70E740481C1C}">
+                <a14:useLocalDpi xmlns:a14="http://schemas.microsoft.com/office/drawing/2010/main" val="0"/>
+              </a:ext>
+            </a:extLst>
+          </a:blip>
+          <a:srcRect/>
+          <a:stretch>
+            <a:fillRect/>
+          </a:stretch>
+        </p:blipFill>
+        <p:spPr bwMode="auto">
+          <a:xfrm>
+            <a:off x="639117" y="1565126"/>
+            <a:ext cx="10813947" cy="4777799"/>
+          </a:xfrm>
+          <a:prstGeom prst="rect">
+            <a:avLst/>
+          </a:prstGeom>
+          <a:noFill/>
+          <a:extLst>
+            <a:ext uri="{909E8E84-426E-40DD-AFC4-6F175D3DCCD1}">
+              <a14:hiddenFill xmlns:a14="http://schemas.microsoft.com/office/drawing/2010/main">
+                <a:solidFill>
+                  <a:srgbClr val="FFFFFF"/>
+                </a:solidFill>
+              </a14:hiddenFill>
+            </a:ext>
+          </a:extLst>
+        </p:spPr>
+      </p:pic>
+    </p:spTree>
+    <p:extLst>
+      <p:ext uri="{BB962C8B-B14F-4D97-AF65-F5344CB8AC3E}">
+        <p14:creationId xmlns:p14="http://schemas.microsoft.com/office/powerpoint/2010/main" val="2350111981"/>
+      </p:ext>
+    </p:extLst>
+  </p:cSld>
+  <p:clrMapOvr>
+    <a:masterClrMapping/>
+  </p:clrMapOvr>
+</p:sld>
+</file>
+
+<file path=ppt/slides/slide11.xml><?xml version="1.0" encoding="utf-8"?>
+<p:sld xmlns:a="http://schemas.openxmlformats.org/drawingml/2006/main" xmlns:r="http://schemas.openxmlformats.org/officeDocument/2006/relationships" xmlns:p="http://schemas.openxmlformats.org/presentationml/2006/main">
+  <p:cSld>
+    <p:spTree>
+      <p:nvGrpSpPr>
+        <p:cNvPr id="1" name=""/>
+        <p:cNvGrpSpPr/>
+        <p:nvPr/>
+      </p:nvGrpSpPr>
+      <p:grpSpPr>
+        <a:xfrm>
+          <a:off x="0" y="0"/>
+          <a:ext cx="0" cy="0"/>
+          <a:chOff x="0" y="0"/>
+          <a:chExt cx="0" cy="0"/>
+        </a:xfrm>
+      </p:grpSpPr>
+      <p:sp>
+        <p:nvSpPr>
+          <p:cNvPr id="2" name="Заголовок 1"/>
+          <p:cNvSpPr>
+            <a:spLocks noGrp="1"/>
+          </p:cNvSpPr>
+          <p:nvPr>
+            <p:ph type="title"/>
+          </p:nvPr>
+        </p:nvSpPr>
+        <p:spPr>
+          <a:xfrm>
+            <a:off x="640080" y="365125"/>
+            <a:ext cx="10713720" cy="713867"/>
+          </a:xfrm>
+        </p:spPr>
+        <p:txBody>
+          <a:bodyPr>
+            <a:normAutofit/>
+          </a:bodyPr>
+          <a:lstStyle/>
+          <a:p>
+            <a:r>
+              <a:rPr lang="en-US" u="sng" dirty="0" err="1" smtClean="0"/>
+              <a:t>GraphQL</a:t>
+            </a:r>
+            <a:r>
+              <a:rPr lang="en-US" u="sng" dirty="0" smtClean="0"/>
+              <a:t> vs REST</a:t>
+            </a:r>
+            <a:r>
+              <a:rPr lang="ru-RU" dirty="0" smtClean="0"/>
+              <a:t> – </a:t>
+            </a:r>
+            <a:r>
+              <a:rPr lang="en-US" dirty="0" err="1" smtClean="0">
+                <a:solidFill>
+                  <a:srgbClr val="00B050"/>
+                </a:solidFill>
+              </a:rPr>
+              <a:t>GraphQL</a:t>
+            </a:r>
+            <a:endParaRPr lang="ru-RU" dirty="0">
+              <a:solidFill>
+                <a:srgbClr val="00B050"/>
+              </a:solidFill>
+            </a:endParaRPr>
+          </a:p>
+        </p:txBody>
+      </p:sp>
+      <p:pic>
+        <p:nvPicPr>
+          <p:cNvPr id="2056" name="Picture 8" descr="GraphQL Server"/>
+          <p:cNvPicPr>
+            <a:picLocks noChangeAspect="1" noChangeArrowheads="1"/>
+          </p:cNvPicPr>
+          <p:nvPr/>
+        </p:nvPicPr>
+        <p:blipFill>
+          <a:blip r:embed="rId2">
+            <a:extLst>
+              <a:ext uri="{28A0092B-C50C-407E-A947-70E740481C1C}">
+                <a14:useLocalDpi xmlns:a14="http://schemas.microsoft.com/office/drawing/2010/main" val="0"/>
+              </a:ext>
+            </a:extLst>
+          </a:blip>
+          <a:srcRect/>
+          <a:stretch>
+            <a:fillRect/>
+          </a:stretch>
+        </p:blipFill>
+        <p:spPr bwMode="auto">
+          <a:xfrm>
+            <a:off x="640080" y="1446835"/>
+            <a:ext cx="10812985" cy="4720286"/>
+          </a:xfrm>
+          <a:prstGeom prst="rect">
+            <a:avLst/>
+          </a:prstGeom>
+          <a:noFill/>
+          <a:extLst>
+            <a:ext uri="{909E8E84-426E-40DD-AFC4-6F175D3DCCD1}">
+              <a14:hiddenFill xmlns:a14="http://schemas.microsoft.com/office/drawing/2010/main">
+                <a:solidFill>
+                  <a:srgbClr val="FFFFFF"/>
+                </a:solidFill>
+              </a14:hiddenFill>
+            </a:ext>
+          </a:extLst>
+        </p:spPr>
+      </p:pic>
+    </p:spTree>
+    <p:extLst>
+      <p:ext uri="{BB962C8B-B14F-4D97-AF65-F5344CB8AC3E}">
+        <p14:creationId xmlns:p14="http://schemas.microsoft.com/office/powerpoint/2010/main" val="3023484334"/>
+      </p:ext>
+    </p:extLst>
+  </p:cSld>
+  <p:clrMapOvr>
+    <a:masterClrMapping/>
+  </p:clrMapOvr>
+</p:sld>
+</file>
+
+<file path=ppt/slides/slide12.xml><?xml version="1.0" encoding="utf-8"?>
+<p:sld xmlns:a="http://schemas.openxmlformats.org/drawingml/2006/main" xmlns:r="http://schemas.openxmlformats.org/officeDocument/2006/relationships" xmlns:p="http://schemas.openxmlformats.org/presentationml/2006/main">
+  <p:cSld>
+    <p:spTree>
+      <p:nvGrpSpPr>
+        <p:cNvPr id="1" name=""/>
+        <p:cNvGrpSpPr/>
+        <p:nvPr/>
+      </p:nvGrpSpPr>
+      <p:grpSpPr>
+        <a:xfrm>
+          <a:off x="0" y="0"/>
+          <a:ext cx="0" cy="0"/>
+          <a:chOff x="0" y="0"/>
+          <a:chExt cx="0" cy="0"/>
+        </a:xfrm>
+      </p:grpSpPr>
+      <p:sp>
+        <p:nvSpPr>
+          <p:cNvPr id="2" name="Заголовок 1"/>
+          <p:cNvSpPr>
+            <a:spLocks noGrp="1"/>
+          </p:cNvSpPr>
+          <p:nvPr>
+            <p:ph type="title"/>
+          </p:nvPr>
+        </p:nvSpPr>
+        <p:spPr>
+          <a:xfrm>
+            <a:off x="640080" y="365125"/>
+            <a:ext cx="10713720" cy="713867"/>
+          </a:xfrm>
+        </p:spPr>
+        <p:txBody>
+          <a:bodyPr>
+            <a:normAutofit/>
+          </a:bodyPr>
+          <a:lstStyle/>
+          <a:p>
+            <a:r>
+              <a:rPr lang="en-US" u="sng" dirty="0" err="1" smtClean="0"/>
+              <a:t>GraphQL</a:t>
+            </a:r>
+            <a:endParaRPr lang="ru-RU" u="sng" dirty="0"/>
+          </a:p>
+        </p:txBody>
+      </p:sp>
+      <p:sp>
+        <p:nvSpPr>
+          <p:cNvPr id="4" name="TextBox 3"/>
+          <p:cNvSpPr txBox="1"/>
+          <p:nvPr/>
+        </p:nvSpPr>
+        <p:spPr>
+          <a:xfrm>
+            <a:off x="640080" y="1078992"/>
+            <a:ext cx="10945368" cy="1200329"/>
+          </a:xfrm>
+          <a:prstGeom prst="rect">
+            <a:avLst/>
+          </a:prstGeom>
+          <a:noFill/>
+        </p:spPr>
+        <p:txBody>
+          <a:bodyPr wrap="square" rtlCol="0">
+            <a:spAutoFit/>
+          </a:bodyPr>
+          <a:lstStyle/>
+          <a:p>
+            <a:pPr marL="0" lvl="1"/>
+            <a:r>
+              <a:rPr lang="ru-RU" dirty="0" err="1"/>
+              <a:t>GraphQL</a:t>
+            </a:r>
+            <a:r>
+              <a:rPr lang="ru-RU" dirty="0"/>
+              <a:t> это </a:t>
+            </a:r>
+            <a:r>
+              <a:rPr lang="ru-RU" dirty="0" smtClean="0"/>
+              <a:t>язык запросов, </a:t>
+            </a:r>
+            <a:r>
+              <a:rPr lang="ru-RU" dirty="0"/>
+              <a:t>который описывает как запрашивать </a:t>
+            </a:r>
+            <a:r>
+              <a:rPr lang="ru-RU" dirty="0" smtClean="0"/>
+              <a:t>данные</a:t>
+            </a:r>
+            <a:r>
+              <a:rPr lang="en-US" dirty="0" smtClean="0"/>
+              <a:t>:</a:t>
+            </a:r>
+          </a:p>
+          <a:p>
+            <a:pPr marL="285750" indent="-285750">
+              <a:buFont typeface="Arial" panose="020B0604020202020204" pitchFamily="34" charset="0"/>
+              <a:buChar char="•"/>
+            </a:pPr>
+            <a:r>
+              <a:rPr lang="ru-RU" dirty="0"/>
+              <a:t>Позволяет клиенту точно указать, какие данные ему </a:t>
+            </a:r>
+            <a:r>
+              <a:rPr lang="ru-RU" dirty="0" smtClean="0"/>
+              <a:t>нужны</a:t>
+            </a:r>
+            <a:endParaRPr lang="ru-RU" dirty="0"/>
+          </a:p>
+          <a:p>
+            <a:pPr marL="285750" indent="-285750">
+              <a:buFont typeface="Arial" panose="020B0604020202020204" pitchFamily="34" charset="0"/>
+              <a:buChar char="•"/>
+            </a:pPr>
+            <a:r>
+              <a:rPr lang="ru-RU" dirty="0"/>
+              <a:t>Облегчает агрегацию данных из нескольких </a:t>
+            </a:r>
+            <a:r>
+              <a:rPr lang="ru-RU" dirty="0" smtClean="0"/>
+              <a:t>источников</a:t>
+            </a:r>
+            <a:endParaRPr lang="ru-RU" dirty="0"/>
+          </a:p>
+          <a:p>
+            <a:pPr marL="285750" indent="-285750">
+              <a:buFont typeface="Arial" panose="020B0604020202020204" pitchFamily="34" charset="0"/>
+              <a:buChar char="•"/>
+            </a:pPr>
+            <a:r>
+              <a:rPr lang="ru-RU" dirty="0"/>
+              <a:t>Использует систему типов для описания </a:t>
+            </a:r>
+            <a:r>
+              <a:rPr lang="ru-RU" dirty="0" smtClean="0"/>
+              <a:t>данных</a:t>
+            </a:r>
+            <a:endParaRPr lang="ru-RU" dirty="0">
+              <a:solidFill>
+                <a:srgbClr val="0070C0"/>
+              </a:solidFill>
+            </a:endParaRPr>
+          </a:p>
+        </p:txBody>
+      </p:sp>
+      <p:pic>
+        <p:nvPicPr>
+          <p:cNvPr id="1026" name="Picture 2" descr="ÐÐ°ÑÑÐ¸Ð½ÐºÐ¸ Ð¿Ð¾ Ð·Ð°Ð¿ÑÐ¾ÑÑ graphql"/>
+          <p:cNvPicPr>
+            <a:picLocks noChangeAspect="1" noChangeArrowheads="1"/>
+          </p:cNvPicPr>
+          <p:nvPr/>
+        </p:nvPicPr>
+        <p:blipFill>
+          <a:blip r:embed="rId2" cstate="print">
+            <a:extLst>
+              <a:ext uri="{28A0092B-C50C-407E-A947-70E740481C1C}">
+                <a14:useLocalDpi xmlns:a14="http://schemas.microsoft.com/office/drawing/2010/main" val="0"/>
+              </a:ext>
+            </a:extLst>
+          </a:blip>
+          <a:srcRect/>
+          <a:stretch>
+            <a:fillRect/>
+          </a:stretch>
+        </p:blipFill>
+        <p:spPr bwMode="auto">
+          <a:xfrm>
+            <a:off x="8454766" y="365125"/>
+            <a:ext cx="3130682" cy="1095739"/>
+          </a:xfrm>
+          <a:prstGeom prst="rect">
+            <a:avLst/>
+          </a:prstGeom>
+          <a:noFill/>
+          <a:extLst>
+            <a:ext uri="{909E8E84-426E-40DD-AFC4-6F175D3DCCD1}">
+              <a14:hiddenFill xmlns:a14="http://schemas.microsoft.com/office/drawing/2010/main">
+                <a:solidFill>
+                  <a:srgbClr val="FFFFFF"/>
+                </a:solidFill>
+              </a14:hiddenFill>
+            </a:ext>
+          </a:extLst>
+        </p:spPr>
+      </p:pic>
+      <p:pic>
+        <p:nvPicPr>
+          <p:cNvPr id="1032" name="Picture 8" descr="ÐÐ°ÑÑÐ¸Ð½ÐºÐ¸ Ð¿Ð¾ Ð·Ð°Ð¿ÑÐ¾ÑÑ graphql schema"/>
+          <p:cNvPicPr>
+            <a:picLocks noChangeAspect="1" noChangeArrowheads="1"/>
+          </p:cNvPicPr>
+          <p:nvPr/>
+        </p:nvPicPr>
+        <p:blipFill>
+          <a:blip r:embed="rId3">
+            <a:extLst>
+              <a:ext uri="{28A0092B-C50C-407E-A947-70E740481C1C}">
+                <a14:useLocalDpi xmlns:a14="http://schemas.microsoft.com/office/drawing/2010/main" val="0"/>
+              </a:ext>
+            </a:extLst>
+          </a:blip>
+          <a:srcRect/>
+          <a:stretch>
+            <a:fillRect/>
+          </a:stretch>
+        </p:blipFill>
+        <p:spPr bwMode="auto">
+          <a:xfrm>
+            <a:off x="353696" y="2360601"/>
+            <a:ext cx="8825028" cy="4063059"/>
+          </a:xfrm>
+          <a:prstGeom prst="rect">
+            <a:avLst/>
+          </a:prstGeom>
+          <a:noFill/>
+          <a:extLst>
+            <a:ext uri="{909E8E84-426E-40DD-AFC4-6F175D3DCCD1}">
+              <a14:hiddenFill xmlns:a14="http://schemas.microsoft.com/office/drawing/2010/main">
+                <a:solidFill>
+                  <a:srgbClr val="FFFFFF"/>
+                </a:solidFill>
+              </a14:hiddenFill>
+            </a:ext>
+          </a:extLst>
+        </p:spPr>
+      </p:pic>
+      <p:sp>
+        <p:nvSpPr>
+          <p:cNvPr id="7" name="TextBox 6"/>
+          <p:cNvSpPr txBox="1"/>
+          <p:nvPr/>
+        </p:nvSpPr>
+        <p:spPr>
+          <a:xfrm>
+            <a:off x="9458175" y="2433720"/>
+            <a:ext cx="2127273" cy="1200329"/>
+          </a:xfrm>
+          <a:prstGeom prst="rect">
+            <a:avLst/>
+          </a:prstGeom>
+          <a:noFill/>
+        </p:spPr>
+        <p:txBody>
+          <a:bodyPr wrap="square" rtlCol="0">
+            <a:spAutoFit/>
+          </a:bodyPr>
+          <a:lstStyle/>
+          <a:p>
+            <a:r>
+              <a:rPr lang="ru-RU" b="1" dirty="0" smtClean="0"/>
+              <a:t>Типы запросов</a:t>
+            </a:r>
+            <a:r>
+              <a:rPr lang="en-US" b="1" dirty="0" smtClean="0"/>
+              <a:t>:</a:t>
+            </a:r>
+          </a:p>
+          <a:p>
+            <a:pPr marL="285750" indent="-285750">
+              <a:buFont typeface="Arial" panose="020B0604020202020204" pitchFamily="34" charset="0"/>
+              <a:buChar char="•"/>
+            </a:pPr>
+            <a:r>
+              <a:rPr lang="en-US" dirty="0" smtClean="0"/>
+              <a:t>Query</a:t>
+            </a:r>
+          </a:p>
+          <a:p>
+            <a:pPr marL="285750" indent="-285750">
+              <a:buFont typeface="Arial" panose="020B0604020202020204" pitchFamily="34" charset="0"/>
+              <a:buChar char="•"/>
+            </a:pPr>
+            <a:r>
+              <a:rPr lang="en-US" dirty="0" smtClean="0"/>
+              <a:t>Mutation</a:t>
+            </a:r>
+          </a:p>
+          <a:p>
+            <a:pPr marL="285750" indent="-285750">
+              <a:buFont typeface="Arial" panose="020B0604020202020204" pitchFamily="34" charset="0"/>
+              <a:buChar char="•"/>
+            </a:pPr>
+            <a:r>
+              <a:rPr lang="en-US" dirty="0" smtClean="0">
+                <a:solidFill>
+                  <a:srgbClr val="00B050"/>
+                </a:solidFill>
+              </a:rPr>
+              <a:t>Subscription</a:t>
+            </a:r>
+            <a:endParaRPr lang="ru-RU" dirty="0">
+              <a:solidFill>
+                <a:srgbClr val="00B050"/>
+              </a:solidFill>
+            </a:endParaRPr>
+          </a:p>
+        </p:txBody>
+      </p:sp>
+    </p:spTree>
+    <p:extLst>
+      <p:ext uri="{BB962C8B-B14F-4D97-AF65-F5344CB8AC3E}">
+        <p14:creationId xmlns:p14="http://schemas.microsoft.com/office/powerpoint/2010/main" val="3896048351"/>
+      </p:ext>
+    </p:extLst>
+  </p:cSld>
+  <p:clrMapOvr>
+    <a:masterClrMapping/>
+  </p:clrMapOvr>
+</p:sld>
+</file>
+
+<file path=ppt/slides/slide13.xml><?xml version="1.0" encoding="utf-8"?>
+<p:sld xmlns:a="http://schemas.openxmlformats.org/drawingml/2006/main" xmlns:r="http://schemas.openxmlformats.org/officeDocument/2006/relationships" xmlns:p="http://schemas.openxmlformats.org/presentationml/2006/main">
+  <p:cSld>
+    <p:spTree>
+      <p:nvGrpSpPr>
+        <p:cNvPr id="1" name=""/>
+        <p:cNvGrpSpPr/>
+        <p:nvPr/>
+      </p:nvGrpSpPr>
+      <p:grpSpPr>
+        <a:xfrm>
+          <a:off x="0" y="0"/>
+          <a:ext cx="0" cy="0"/>
+          <a:chOff x="0" y="0"/>
+          <a:chExt cx="0" cy="0"/>
+        </a:xfrm>
+      </p:grpSpPr>
+      <p:sp>
+        <p:nvSpPr>
+          <p:cNvPr id="2" name="Заголовок 1"/>
+          <p:cNvSpPr>
+            <a:spLocks noGrp="1"/>
+          </p:cNvSpPr>
+          <p:nvPr>
+            <p:ph type="title"/>
+          </p:nvPr>
+        </p:nvSpPr>
+        <p:spPr>
+          <a:xfrm>
+            <a:off x="640080" y="365125"/>
+            <a:ext cx="10713720" cy="713867"/>
+          </a:xfrm>
+        </p:spPr>
+        <p:txBody>
+          <a:bodyPr>
+            <a:normAutofit/>
+          </a:bodyPr>
+          <a:lstStyle/>
+          <a:p>
+            <a:r>
+              <a:rPr lang="en-US" u="sng" dirty="0" err="1" smtClean="0"/>
+              <a:t>GraphQL</a:t>
+            </a:r>
+            <a:r>
+              <a:rPr lang="en-US" u="sng" dirty="0" smtClean="0"/>
+              <a:t> vs REST</a:t>
+            </a:r>
+            <a:r>
+              <a:rPr lang="ru-RU" dirty="0" smtClean="0"/>
+              <a:t> - </a:t>
+            </a:r>
+            <a:r>
+              <a:rPr lang="ru-RU" dirty="0" smtClean="0">
+                <a:solidFill>
+                  <a:srgbClr val="00B050"/>
+                </a:solidFill>
+              </a:rPr>
+              <a:t>Композиция вызовов</a:t>
+            </a:r>
+            <a:endParaRPr lang="ru-RU" dirty="0">
+              <a:solidFill>
+                <a:srgbClr val="00B050"/>
+              </a:solidFill>
+            </a:endParaRPr>
+          </a:p>
+        </p:txBody>
+      </p:sp>
+      <p:pic>
+        <p:nvPicPr>
+          <p:cNvPr id="3076" name="Picture 4" descr="ÐÐ¾Ñ+Ð¾Ð¶ÐµÐµ Ð¸Ð·Ð¾Ð±ÑÐ°Ð¶ÐµÐ½Ð¸Ðµ"/>
+          <p:cNvPicPr>
+            <a:picLocks noChangeAspect="1" noChangeArrowheads="1"/>
+          </p:cNvPicPr>
+          <p:nvPr/>
+        </p:nvPicPr>
+        <p:blipFill>
+          <a:blip r:embed="rId2" cstate="print">
+            <a:extLst>
+              <a:ext uri="{28A0092B-C50C-407E-A947-70E740481C1C}">
+                <a14:useLocalDpi xmlns:a14="http://schemas.microsoft.com/office/drawing/2010/main" val="0"/>
+              </a:ext>
+            </a:extLst>
+          </a:blip>
+          <a:srcRect/>
+          <a:stretch>
+            <a:fillRect/>
+          </a:stretch>
+        </p:blipFill>
+        <p:spPr bwMode="auto">
+          <a:xfrm>
+            <a:off x="640081" y="1643605"/>
+            <a:ext cx="5054664" cy="4641448"/>
+          </a:xfrm>
+          <a:prstGeom prst="rect">
+            <a:avLst/>
+          </a:prstGeom>
+          <a:noFill/>
+          <a:extLst>
+            <a:ext uri="{909E8E84-426E-40DD-AFC4-6F175D3DCCD1}">
+              <a14:hiddenFill xmlns:a14="http://schemas.microsoft.com/office/drawing/2010/main">
+                <a:solidFill>
+                  <a:srgbClr val="FFFFFF"/>
+                </a:solidFill>
+              </a14:hiddenFill>
+            </a:ext>
+          </a:extLst>
+        </p:spPr>
+      </p:pic>
+      <p:pic>
+        <p:nvPicPr>
+          <p:cNvPr id="3078" name="Picture 6" descr="https://cdn-images-1.medium.com/max/1125/1*9xVwRy6KPILYa5iLoQZnOA.png"/>
+          <p:cNvPicPr>
+            <a:picLocks noChangeAspect="1" noChangeArrowheads="1"/>
+          </p:cNvPicPr>
+          <p:nvPr/>
+        </p:nvPicPr>
+        <p:blipFill>
+          <a:blip r:embed="rId3">
+            <a:extLst>
+              <a:ext uri="{28A0092B-C50C-407E-A947-70E740481C1C}">
+                <a14:useLocalDpi xmlns:a14="http://schemas.microsoft.com/office/drawing/2010/main" val="0"/>
+              </a:ext>
+            </a:extLst>
+          </a:blip>
+          <a:srcRect/>
+          <a:stretch>
+            <a:fillRect/>
+          </a:stretch>
+        </p:blipFill>
+        <p:spPr bwMode="auto">
+          <a:xfrm>
+            <a:off x="6256068" y="1643605"/>
+            <a:ext cx="5097732" cy="3229337"/>
+          </a:xfrm>
+          <a:prstGeom prst="rect">
+            <a:avLst/>
+          </a:prstGeom>
+          <a:noFill/>
+          <a:extLst>
+            <a:ext uri="{909E8E84-426E-40DD-AFC4-6F175D3DCCD1}">
+              <a14:hiddenFill xmlns:a14="http://schemas.microsoft.com/office/drawing/2010/main">
+                <a:solidFill>
+                  <a:srgbClr val="FFFFFF"/>
+                </a:solidFill>
+              </a14:hiddenFill>
+            </a:ext>
+          </a:extLst>
+        </p:spPr>
+      </p:pic>
+    </p:spTree>
+    <p:extLst>
+      <p:ext uri="{BB962C8B-B14F-4D97-AF65-F5344CB8AC3E}">
+        <p14:creationId xmlns:p14="http://schemas.microsoft.com/office/powerpoint/2010/main" val="1698641851"/>
+      </p:ext>
+    </p:extLst>
+  </p:cSld>
+  <p:clrMapOvr>
+    <a:masterClrMapping/>
+  </p:clrMapOvr>
+</p:sld>
+</file>
+
+<file path=ppt/slides/slide14.xml><?xml version="1.0" encoding="utf-8"?>
+<p:sld xmlns:a="http://schemas.openxmlformats.org/drawingml/2006/main" xmlns:r="http://schemas.openxmlformats.org/officeDocument/2006/relationships" xmlns:p="http://schemas.openxmlformats.org/presentationml/2006/main">
+  <p:cSld>
+    <p:spTree>
+      <p:nvGrpSpPr>
+        <p:cNvPr id="1" name=""/>
+        <p:cNvGrpSpPr/>
+        <p:nvPr/>
+      </p:nvGrpSpPr>
+      <p:grpSpPr>
+        <a:xfrm>
+          <a:off x="0" y="0"/>
+          <a:ext cx="0" cy="0"/>
+          <a:chOff x="0" y="0"/>
+          <a:chExt cx="0" cy="0"/>
+        </a:xfrm>
+      </p:grpSpPr>
+      <p:sp>
+        <p:nvSpPr>
+          <p:cNvPr id="2" name="Заголовок 1"/>
+          <p:cNvSpPr>
+            <a:spLocks noGrp="1"/>
+          </p:cNvSpPr>
+          <p:nvPr>
+            <p:ph type="title"/>
+          </p:nvPr>
+        </p:nvSpPr>
+        <p:spPr>
+          <a:xfrm>
             <a:off x="640080" y="365124"/>
             <a:ext cx="10713720" cy="713867"/>
           </a:xfrm>
@@ -3248,6 +3975,18 @@
             <a:r>
               <a:rPr lang="en-US" u="sng" dirty="0" err="1" smtClean="0"/>
               <a:t>GraphQL</a:t>
+            </a:r>
+            <a:r>
+              <a:rPr lang="ru-RU" dirty="0" smtClean="0"/>
+              <a:t> – </a:t>
+            </a:r>
+            <a:r>
+              <a:rPr lang="ru-RU" dirty="0">
+                <a:solidFill>
+                  <a:srgbClr val="00B050"/>
+                </a:solidFill>
+              </a:rPr>
+              <a:t>Композиция вызовов</a:t>
             </a:r>
             <a:endParaRPr lang="ru-RU" u="sng" dirty="0"/>
           </a:p>
@@ -3290,7 +4029,112 @@
 </p:sld>
 </file>
 
-<file path=ppt/slides/slide11.xml><?xml version="1.0" encoding="utf-8"?>
+<file path=ppt/slides/slide15.xml><?xml version="1.0" encoding="utf-8"?>
+<p:sld xmlns:a="http://schemas.openxmlformats.org/drawingml/2006/main" xmlns:r="http://schemas.openxmlformats.org/officeDocument/2006/relationships" xmlns:p="http://schemas.openxmlformats.org/presentationml/2006/main">
+  <p:cSld>
+    <p:spTree>
+      <p:nvGrpSpPr>
+        <p:cNvPr id="1" name=""/>
+        <p:cNvGrpSpPr/>
+        <p:nvPr/>
+      </p:nvGrpSpPr>
+      <p:grpSpPr>
+        <a:xfrm>
+          <a:off x="0" y="0"/>
+          <a:ext cx="0" cy="0"/>
+          <a:chOff x="0" y="0"/>
+          <a:chExt cx="0" cy="0"/>
+        </a:xfrm>
+      </p:grpSpPr>
+      <p:sp>
+        <p:nvSpPr>
+          <p:cNvPr id="2" name="Заголовок 1"/>
+          <p:cNvSpPr>
+            <a:spLocks noGrp="1"/>
+          </p:cNvSpPr>
+          <p:nvPr>
+            <p:ph type="title"/>
+          </p:nvPr>
+        </p:nvSpPr>
+        <p:spPr>
+          <a:xfrm>
+            <a:off x="640080" y="365125"/>
+            <a:ext cx="10713720" cy="713867"/>
+          </a:xfrm>
+        </p:spPr>
+        <p:txBody>
+          <a:bodyPr>
+            <a:normAutofit/>
+          </a:bodyPr>
+          <a:lstStyle/>
+          <a:p>
+            <a:r>
+              <a:rPr lang="en-US" u="sng" dirty="0" err="1" smtClean="0"/>
+              <a:t>GraphQL</a:t>
+            </a:r>
+            <a:r>
+              <a:rPr lang="en-US" u="sng" dirty="0" smtClean="0"/>
+              <a:t> as Gateway</a:t>
+            </a:r>
+            <a:endParaRPr lang="ru-RU" u="sng" dirty="0"/>
+          </a:p>
+        </p:txBody>
+      </p:sp>
+      <p:pic>
+        <p:nvPicPr>
+          <p:cNvPr id="7170" name="Picture 2" descr="ÐÐ°ÑÑÐ¸Ð½ÐºÐ¸ Ð¿Ð¾ Ð·Ð°Ð¿ÑÐ¾ÑÑ graphql resolve"/>
+          <p:cNvPicPr>
+            <a:picLocks noChangeAspect="1" noChangeArrowheads="1"/>
+          </p:cNvPicPr>
+          <p:nvPr/>
+        </p:nvPicPr>
+        <p:blipFill>
+          <a:blip r:embed="rId2">
+            <a:extLst>
+              <a:ext uri="{28A0092B-C50C-407E-A947-70E740481C1C}">
+                <a14:useLocalDpi xmlns:a14="http://schemas.microsoft.com/office/drawing/2010/main" val="0"/>
+              </a:ext>
+            </a:extLst>
+          </a:blip>
+          <a:srcRect/>
+          <a:stretch>
+            <a:fillRect/>
+          </a:stretch>
+        </p:blipFill>
+        <p:spPr bwMode="auto">
+          <a:xfrm>
+            <a:off x="640080" y="1293953"/>
+            <a:ext cx="10713720" cy="5231867"/>
+          </a:xfrm>
+          <a:prstGeom prst="rect">
+            <a:avLst/>
+          </a:prstGeom>
+          <a:noFill/>
+          <a:extLst>
+            <a:ext uri="{909E8E84-426E-40DD-AFC4-6F175D3DCCD1}">
+              <a14:hiddenFill xmlns:a14="http://schemas.microsoft.com/office/drawing/2010/main">
+                <a:solidFill>
+                  <a:srgbClr val="FFFFFF"/>
+                </a:solidFill>
+              </a14:hiddenFill>
+            </a:ext>
+          </a:extLst>
+        </p:spPr>
+      </p:pic>
+    </p:spTree>
+    <p:extLst>
+      <p:ext uri="{BB962C8B-B14F-4D97-AF65-F5344CB8AC3E}">
+        <p14:creationId xmlns:p14="http://schemas.microsoft.com/office/powerpoint/2010/main" val="4123618122"/>
+      </p:ext>
+    </p:extLst>
+  </p:cSld>
+  <p:clrMapOvr>
+    <a:masterClrMapping/>
+  </p:clrMapOvr>
+</p:sld>
+</file>
+
+<file path=ppt/slides/slide16.xml><?xml version="1.0" encoding="utf-8"?>
 <p:sld xmlns:a="http://schemas.openxmlformats.org/drawingml/2006/main" xmlns:r="http://schemas.openxmlformats.org/officeDocument/2006/relationships" xmlns:p="http://schemas.openxmlformats.org/presentationml/2006/main">
   <p:cSld>
     <p:spTree>
@@ -3395,7 +4239,125 @@
 </p:sld>
 </file>
 
-<file path=ppt/slides/slide12.xml><?xml version="1.0" encoding="utf-8"?>
+<file path=ppt/slides/slide17.xml><?xml version="1.0" encoding="utf-8"?>
+<p:sld xmlns:a="http://schemas.openxmlformats.org/drawingml/2006/main" xmlns:r="http://schemas.openxmlformats.org/officeDocument/2006/relationships" xmlns:p="http://schemas.openxmlformats.org/presentationml/2006/main">
+  <p:cSld>
+    <p:spTree>
+      <p:nvGrpSpPr>
+        <p:cNvPr id="1" name=""/>
+        <p:cNvGrpSpPr/>
+        <p:nvPr/>
+      </p:nvGrpSpPr>
+      <p:grpSpPr>
+        <a:xfrm>
+          <a:off x="0" y="0"/>
+          <a:ext cx="0" cy="0"/>
+          <a:chOff x="0" y="0"/>
+          <a:chExt cx="0" cy="0"/>
+        </a:xfrm>
+      </p:grpSpPr>
+      <p:sp>
+        <p:nvSpPr>
+          <p:cNvPr id="2" name="Заголовок 1"/>
+          <p:cNvSpPr>
+            <a:spLocks noGrp="1"/>
+          </p:cNvSpPr>
+          <p:nvPr>
+            <p:ph type="title"/>
+          </p:nvPr>
+        </p:nvSpPr>
+        <p:spPr>
+          <a:xfrm>
+            <a:off x="640080" y="365124"/>
+            <a:ext cx="10713720" cy="713867"/>
+          </a:xfrm>
+        </p:spPr>
+        <p:txBody>
+          <a:bodyPr>
+            <a:normAutofit/>
+          </a:bodyPr>
+          <a:lstStyle/>
+          <a:p>
+            <a:r>
+              <a:rPr lang="en-US" u="sng" dirty="0" err="1" smtClean="0"/>
+              <a:t>GraphQL</a:t>
+            </a:r>
+            <a:r>
+              <a:rPr lang="ru-RU" dirty="0"/>
+              <a:t> </a:t>
+            </a:r>
+            <a:r>
+              <a:rPr lang="ru-RU" dirty="0" smtClean="0"/>
+              <a:t>– </a:t>
+            </a:r>
+            <a:r>
+              <a:rPr lang="ru-RU" dirty="0" err="1" smtClean="0"/>
+              <a:t>Запрашивем</a:t>
+            </a:r>
+            <a:r>
+              <a:rPr lang="ru-RU" dirty="0" smtClean="0"/>
+              <a:t> только то, что надо</a:t>
+            </a:r>
+            <a:endParaRPr lang="ru-RU" u="sng" dirty="0"/>
+          </a:p>
+        </p:txBody>
+      </p:sp>
+      <p:pic>
+        <p:nvPicPr>
+          <p:cNvPr id="1026" name="Picture 2" descr="ÐÐ¾Ñ+Ð¾Ð¶ÐµÐµ Ð¸Ð·Ð¾Ð±ÑÐ°Ð¶ÐµÐ½Ð¸Ðµ"/>
+          <p:cNvPicPr>
+            <a:picLocks noChangeAspect="1" noChangeArrowheads="1"/>
+          </p:cNvPicPr>
+          <p:nvPr/>
+        </p:nvPicPr>
+        <p:blipFill>
+          <a:blip r:embed="rId2">
+            <a:extLst>
+              <a:ext uri="{28A0092B-C50C-407E-A947-70E740481C1C}">
+                <a14:useLocalDpi xmlns:a14="http://schemas.microsoft.com/office/drawing/2010/main" val="0"/>
+              </a:ext>
+            </a:extLst>
+          </a:blip>
+          <a:srcRect/>
+          <a:stretch>
+            <a:fillRect/>
+          </a:stretch>
+        </p:blipFill>
+        <p:spPr bwMode="auto">
+          <a:xfrm>
+            <a:off x="640080" y="1078990"/>
+            <a:ext cx="9162288" cy="5253377"/>
+          </a:xfrm>
+          <a:prstGeom prst="rect">
+            <a:avLst/>
+          </a:prstGeom>
+          <a:noFill/>
+          <a:extLst>
+            <a:ext uri="{909E8E84-426E-40DD-AFC4-6F175D3DCCD1}">
+              <a14:hiddenFill xmlns:a14="http://schemas.microsoft.com/office/drawing/2010/main">
+                <a:solidFill>
+                  <a:srgbClr val="FFFFFF"/>
+                </a:solidFill>
+              </a14:hiddenFill>
+            </a:ext>
+          </a:extLst>
+        </p:spPr>
+      </p:pic>
+    </p:spTree>
+    <p:extLst>
+      <p:ext uri="{BB962C8B-B14F-4D97-AF65-F5344CB8AC3E}">
+        <p14:creationId xmlns:p14="http://schemas.microsoft.com/office/powerpoint/2010/main" val="3315488747"/>
+      </p:ext>
+    </p:extLst>
+  </p:cSld>
+  <p:clrMapOvr>
+    <a:masterClrMapping/>
+  </p:clrMapOvr>
+</p:sld>
+</file>
+
+<file path=ppt/slides/slide18.xml><?xml version="1.0" encoding="utf-8"?>
 <p:sld xmlns:a="http://schemas.openxmlformats.org/drawingml/2006/main" xmlns:r="http://schemas.openxmlformats.org/officeDocument/2006/relationships" xmlns:p="http://schemas.openxmlformats.org/presentationml/2006/main">
   <p:cSld>
     <p:spTree>
@@ -3438,25 +4400,20 @@
               <a:rPr lang="en-US" u="sng" dirty="0" err="1" smtClean="0"/>
               <a:t>GraphQL</a:t>
             </a:r>
-            <a:r>
-              <a:rPr lang="en-US" u="sng" dirty="0" smtClean="0"/>
-              <a:t> vs REST</a:t>
-            </a:r>
             <a:endParaRPr lang="ru-RU" u="sng" dirty="0"/>
           </a:p>
         </p:txBody>
       </p:sp>
       <p:pic>
         <p:nvPicPr>
-          <p:cNvPr id="2052" name="Picture 4" descr="ÐÐ¾Ñ-Ð¾Ð¶ÐµÐµ Ð¸Ð·Ð¾Ð±ÑÐ°Ð¶ÐµÐ½Ð¸Ðµ"/>
+          <p:cNvPr id="1026" name="Picture 2" descr="ÐÐ°ÑÑÐ¸Ð½ÐºÐ¸ Ð¿Ð¾ Ð·Ð°Ð¿ÑÐ¾ÑÑ graphql"/>
           <p:cNvPicPr>
             <a:picLocks noChangeAspect="1" noChangeArrowheads="1"/>
           </p:cNvPicPr>
           <p:nvPr/>
         </p:nvPicPr>
         <p:blipFill>
-          <a:blip r:embed="rId2">
+          <a:blip r:embed="rId2" cstate="print">
             <a:extLst>
               <a:ext uri="{28A0092B-C50C-407E-A947-70E740481C1C}">
                 <a14:useLocalDpi xmlns:a14="http://schemas.microsoft.com/office/drawing/2010/main" val="0"/>
@@ -3470,8 +4427,8 @@
         </p:blipFill>
         <p:spPr bwMode="auto">
           <a:xfrm>
-            <a:off x="640080" y="1465073"/>
-            <a:ext cx="4978851" cy="3157727"/>
+            <a:off x="8454766" y="365125"/>
+            <a:ext cx="3130682" cy="1095739"/>
           </a:xfrm>
           <a:prstGeom prst="rect">
             <a:avLst/>
@@ -3490,7 +4447,7 @@
       </p:pic>
       <p:pic>
         <p:nvPicPr>
-          <p:cNvPr id="2054" name="Picture 6" descr="REST Server"/>
+          <p:cNvPr id="5122" name="Picture 2" descr="ÐÐ°ÑÑÐ¸Ð½ÐºÐ¸ Ð¿Ð¾ Ð·Ð°Ð¿ÑÐ¾ÑÑ graphql cycles"/>
           <p:cNvPicPr>
             <a:picLocks noChangeAspect="1" noChangeArrowheads="1"/>
           </p:cNvPicPr>
@@ -3511,49 +4468,8 @@
         </p:blipFill>
         <p:spPr bwMode="auto">
           <a:xfrm>
-            <a:off x="6117159" y="1078992"/>
-            <a:ext cx="5335905" cy="2357500"/>
-          </a:xfrm>
-          <a:prstGeom prst="rect">
-            <a:avLst/>
-          </a:prstGeom>
-          <a:noFill/>
-          <a:extLst>
-            <a:ext uri="{909E8E84-426E-40DD-AFC4-6F175D3DCCD1}">
-              <a14:hiddenFill xmlns:a14="http://schemas.microsoft.com/office/drawing/2010/main">
-                <a:solidFill>
-                  <a:srgbClr val="FFFFFF"/>
-                </a:solidFill>
-              </a14:hiddenFill>
-            </a:ext>
-          </a:extLst>
-        </p:spPr>
-      </p:pic>
-      <p:pic>
-        <p:nvPicPr>
-          <p:cNvPr id="2056" name="Picture 8" descr="GraphQL Server"/>
-          <p:cNvPicPr>
-            <a:picLocks noChangeAspect="1" noChangeArrowheads="1"/>
-          </p:cNvPicPr>
-          <p:nvPr/>
-        </p:nvPicPr>
-        <p:blipFill>
-          <a:blip r:embed="rId4">
-            <a:extLst>
-              <a:ext uri="{28A0092B-C50C-407E-A947-70E740481C1C}">
-                <a14:useLocalDpi xmlns:a14="http://schemas.microsoft.com/office/drawing/2010/main" val="0"/>
-              </a:ext>
-            </a:extLst>
-          </a:blip>
-          <a:srcRect/>
-          <a:stretch>
-            <a:fillRect/>
-          </a:stretch>
-        </p:blipFill>
-        <p:spPr bwMode="auto">
-          <a:xfrm>
-            <a:off x="6117159" y="3809621"/>
-            <a:ext cx="5335905" cy="2357500"/>
+            <a:off x="640079" y="1460863"/>
+            <a:ext cx="9973905" cy="5086251"/>
           </a:xfrm>
           <a:prstGeom prst="rect">
             <a:avLst/>
@@ -3573,7 +4489,7 @@
     </p:spTree>
     <p:extLst>
       <p:ext uri="{BB962C8B-B14F-4D97-AF65-F5344CB8AC3E}">
-        <p14:creationId xmlns:p14="http://schemas.microsoft.com/office/powerpoint/2010/main" val="2350111981"/>
+        <p14:creationId xmlns:p14="http://schemas.microsoft.com/office/powerpoint/2010/main" val="1424404817"/>
       </p:ext>
     </p:extLst>
   </p:cSld>
@@ -3583,7 +4499,7 @@
 </p:sld>
 </file>
 
-<file path=ppt/slides/slide13.xml><?xml version="1.0" encoding="utf-8"?>
+<file path=ppt/slides/slide19.xml><?xml version="1.0" encoding="utf-8"?>
 <p:sld xmlns:a="http://schemas.openxmlformats.org/drawingml/2006/main" xmlns:r="http://schemas.openxmlformats.org/officeDocument/2006/relationships" xmlns:p="http://schemas.openxmlformats.org/presentationml/2006/main">
   <p:cSld>
     <p:spTree>
@@ -3627,8 +4543,12 @@
               <a:t>GraphQL</a:t>
             </a:r>
             <a:r>
+              <a:rPr lang="en-US" u="sng" dirty="0"/>
+              <a:t> </a:t>
+            </a:r>
+            <a:r>
               <a:rPr lang="en-US" u="sng" dirty="0" smtClean="0"/>
-              <a:t> as Gateway</a:t>
+              <a:t>Resolve Cycle</a:t>
             </a:r>
             <a:endParaRPr lang="ru-RU" u="sng" dirty="0"/>
           </a:p>
@@ -3636,7 +4556,7 @@
       </p:sp>
       <p:pic>
         <p:nvPicPr>
-          <p:cNvPr id="3074" name="Picture 2" descr="ÐÐ°ÑÑÐ¸Ð½ÐºÐ¸ Ð¿Ð¾ Ð·Ð°Ð¿ÑÐ¾ÑÑ graphql as gateway"/>
+          <p:cNvPr id="6146" name="Picture 2" descr="ÐÐ°ÑÑÐ¸Ð½ÐºÐ¸ Ð¿Ð¾ Ð·Ð°Ð¿ÑÐ¾ÑÑ graphql resolve"/>
           <p:cNvPicPr>
             <a:picLocks noChangeAspect="1" noChangeArrowheads="1"/>
           </p:cNvPicPr>
@@ -3657,8 +4577,8 @@
         </p:blipFill>
         <p:spPr bwMode="auto">
           <a:xfrm>
-            <a:off x="640080" y="1290320"/>
-            <a:ext cx="10713720" cy="5262245"/>
+            <a:off x="640080" y="1282559"/>
+            <a:ext cx="10713720" cy="5200651"/>
           </a:xfrm>
           <a:prstGeom prst="rect">
             <a:avLst/>
@@ -3678,7 +4598,7 @@
     </p:spTree>
     <p:extLst>
       <p:ext uri="{BB962C8B-B14F-4D97-AF65-F5344CB8AC3E}">
-        <p14:creationId xmlns:p14="http://schemas.microsoft.com/office/powerpoint/2010/main" val="4123618122"/>
+        <p14:creationId xmlns:p14="http://schemas.microsoft.com/office/powerpoint/2010/main" val="2864528916"/>
       </p:ext>
     </p:extLst>
   </p:cSld>
@@ -3688,7 +4608,402 @@
 </p:sld>
 </file>
 
-<file path=ppt/slides/slide14.xml><?xml version="1.0" encoding="utf-8"?>
+<file path=ppt/slides/slide2.xml><?xml version="1.0" encoding="utf-8"?>
+<p:sld xmlns:a="http://schemas.openxmlformats.org/drawingml/2006/main" xmlns:r="http://schemas.openxmlformats.org/officeDocument/2006/relationships" xmlns:p="http://schemas.openxmlformats.org/presentationml/2006/main">
+  <p:cSld>
+    <p:spTree>
+      <p:nvGrpSpPr>
+        <p:cNvPr id="1" name=""/>
+        <p:cNvGrpSpPr/>
+        <p:nvPr/>
+      </p:nvGrpSpPr>
+      <p:grpSpPr>
+        <a:xfrm>
+          <a:off x="0" y="0"/>
+          <a:ext cx="0" cy="0"/>
+          <a:chOff x="0" y="0"/>
+          <a:chExt cx="0" cy="0"/>
+        </a:xfrm>
+      </p:grpSpPr>
+      <p:sp>
+        <p:nvSpPr>
+          <p:cNvPr id="2" name="Заголовок 1"/>
+          <p:cNvSpPr>
+            <a:spLocks noGrp="1"/>
+          </p:cNvSpPr>
+          <p:nvPr>
+            <p:ph type="title"/>
+          </p:nvPr>
+        </p:nvSpPr>
+        <p:spPr>
+          <a:xfrm>
+            <a:off x="838200" y="365125"/>
+            <a:ext cx="10515600" cy="713867"/>
+          </a:xfrm>
+        </p:spPr>
+        <p:txBody>
+          <a:bodyPr/>
+          <a:lstStyle/>
+          <a:p>
+            <a:r>
+              <a:rPr lang="ru-RU" u="sng" dirty="0" smtClean="0"/>
+              <a:t>О чем буду рассказывать (</a:t>
+            </a:r>
+            <a:r>
+              <a:rPr lang="en-US" u="sng" dirty="0" smtClean="0"/>
+              <a:t>#</a:t>
+            </a:r>
+            <a:r>
+              <a:rPr lang="ru-RU" u="sng" dirty="0" smtClean="0"/>
+              <a:t>1)</a:t>
+            </a:r>
+            <a:endParaRPr lang="ru-RU" u="sng" dirty="0"/>
+          </a:p>
+        </p:txBody>
+      </p:sp>
+      <p:sp>
+        <p:nvSpPr>
+          <p:cNvPr id="3" name="TextBox 2"/>
+          <p:cNvSpPr txBox="1"/>
+          <p:nvPr/>
+        </p:nvSpPr>
+        <p:spPr>
+          <a:xfrm>
+            <a:off x="640080" y="1207008"/>
+            <a:ext cx="10945368" cy="5170646"/>
+          </a:xfrm>
+          <a:prstGeom prst="rect">
+            <a:avLst/>
+          </a:prstGeom>
+          <a:noFill/>
+        </p:spPr>
+        <p:txBody>
+          <a:bodyPr wrap="square" rtlCol="0">
+            <a:spAutoFit/>
+          </a:bodyPr>
+          <a:lstStyle/>
+          <a:p>
+            <a:pPr marL="342900" indent="-342900">
+              <a:buFont typeface="+mj-lt"/>
+              <a:buAutoNum type="arabicPeriod"/>
+            </a:pPr>
+            <a:r>
+              <a:rPr lang="ru-RU" sz="2000" b="1" dirty="0" smtClean="0"/>
+              <a:t>Что нужно для эффективной разработки приложений</a:t>
+            </a:r>
+            <a:r>
+              <a:rPr lang="en-US" sz="2000" b="1" dirty="0" smtClean="0"/>
+              <a:t>: </a:t>
+            </a:r>
+          </a:p>
+          <a:p>
+            <a:pPr marL="800100" lvl="1" indent="-342900">
+              <a:buFont typeface="Arial" panose="020B0604020202020204" pitchFamily="34" charset="0"/>
+              <a:buChar char="•"/>
+            </a:pPr>
+            <a:r>
+              <a:rPr lang="ru-RU" dirty="0" smtClean="0"/>
+              <a:t>Среда разработки</a:t>
+            </a:r>
+            <a:r>
+              <a:rPr lang="en-US" dirty="0" smtClean="0"/>
+              <a:t>: IntelliJ IDEA</a:t>
+            </a:r>
+            <a:r>
+              <a:rPr lang="ru-RU" dirty="0" smtClean="0"/>
+              <a:t> (остальные можно забыть </a:t>
+            </a:r>
+            <a:r>
+              <a:rPr lang="en-US" dirty="0" smtClean="0">
+                <a:sym typeface="Wingdings" panose="05000000000000000000" pitchFamily="2" charset="2"/>
+              </a:rPr>
+              <a:t></a:t>
+            </a:r>
+            <a:r>
+              <a:rPr lang="ru-RU" dirty="0" smtClean="0"/>
+              <a:t>)</a:t>
+            </a:r>
+            <a:endParaRPr lang="en-US" dirty="0" smtClean="0"/>
+          </a:p>
+          <a:p>
+            <a:pPr marL="800100" lvl="1" indent="-342900">
+              <a:buFont typeface="Arial" panose="020B0604020202020204" pitchFamily="34" charset="0"/>
+              <a:buChar char="•"/>
+            </a:pPr>
+            <a:r>
+              <a:rPr lang="ru-RU" dirty="0" smtClean="0"/>
+              <a:t>Язык программирования</a:t>
+            </a:r>
+            <a:r>
+              <a:rPr lang="en-US" dirty="0" smtClean="0"/>
+              <a:t>: Java, JavaScript, Go, PHP, C#, </a:t>
+            </a:r>
+            <a:r>
+              <a:rPr lang="ru-RU" dirty="0" smtClean="0"/>
+              <a:t>… или производные языки</a:t>
+            </a:r>
+          </a:p>
+          <a:p>
+            <a:pPr marL="800100" lvl="1" indent="-342900">
+              <a:buFont typeface="Arial" panose="020B0604020202020204" pitchFamily="34" charset="0"/>
+              <a:buChar char="•"/>
+            </a:pPr>
+            <a:r>
+              <a:rPr lang="en-US" dirty="0" smtClean="0"/>
+              <a:t>Runtime: JVM, </a:t>
+            </a:r>
+            <a:r>
+              <a:rPr lang="en-US" dirty="0" err="1" smtClean="0"/>
+              <a:t>NodeJS</a:t>
+            </a:r>
+            <a:r>
+              <a:rPr lang="en-US" dirty="0" smtClean="0"/>
+              <a:t>, PHP, </a:t>
+            </a:r>
+            <a:r>
+              <a:rPr lang="en-US" dirty="0" err="1" smtClean="0"/>
+              <a:t>.Net</a:t>
+            </a:r>
+            <a:r>
+              <a:rPr lang="en-US" dirty="0" smtClean="0"/>
+              <a:t> Runtime, …</a:t>
+            </a:r>
+          </a:p>
+          <a:p>
+            <a:pPr marL="800100" lvl="1" indent="-342900">
+              <a:buFont typeface="Arial" panose="020B0604020202020204" pitchFamily="34" charset="0"/>
+              <a:buChar char="•"/>
+            </a:pPr>
+            <a:r>
+              <a:rPr lang="ru-RU" dirty="0" smtClean="0"/>
+              <a:t>Модульная архитектура, библиотеки для разных технологий</a:t>
+            </a:r>
+            <a:r>
+              <a:rPr lang="en-US" dirty="0" smtClean="0"/>
+              <a:t> (frameworks)</a:t>
+            </a:r>
+          </a:p>
+          <a:p>
+            <a:pPr marL="800100" lvl="1" indent="-342900">
+              <a:buFont typeface="Arial" panose="020B0604020202020204" pitchFamily="34" charset="0"/>
+              <a:buChar char="•"/>
+            </a:pPr>
+            <a:r>
+              <a:rPr lang="ru-RU" dirty="0" smtClean="0"/>
+              <a:t>Менеджеры пакетов и средства сборки приложений</a:t>
+            </a:r>
+          </a:p>
+          <a:p>
+            <a:pPr marL="800100" lvl="1" indent="-342900">
+              <a:buFont typeface="Arial" panose="020B0604020202020204" pitchFamily="34" charset="0"/>
+              <a:buChar char="•"/>
+            </a:pPr>
+            <a:r>
+              <a:rPr lang="ru-RU" dirty="0" smtClean="0"/>
+              <a:t>Средства тестирования</a:t>
+            </a:r>
+            <a:endParaRPr lang="en-US" dirty="0" smtClean="0"/>
+          </a:p>
+          <a:p>
+            <a:pPr marL="800100" lvl="1" indent="-342900">
+              <a:buFont typeface="Arial" panose="020B0604020202020204" pitchFamily="34" charset="0"/>
+              <a:buChar char="•"/>
+            </a:pPr>
+            <a:r>
+              <a:rPr lang="ru-RU" dirty="0" smtClean="0"/>
+              <a:t>Сервера</a:t>
+            </a:r>
+            <a:r>
+              <a:rPr lang="en-US" dirty="0" smtClean="0"/>
+              <a:t>: MySQL\PostgreSQL\Mongo, Apache\Nginx, </a:t>
+            </a:r>
+            <a:r>
+              <a:rPr lang="en-US" dirty="0" err="1" smtClean="0"/>
+              <a:t>Memcached</a:t>
+            </a:r>
+            <a:r>
+              <a:rPr lang="en-US" dirty="0" smtClean="0"/>
+              <a:t>\</a:t>
+            </a:r>
+            <a:r>
+              <a:rPr lang="en-US" dirty="0" err="1" smtClean="0"/>
+              <a:t>Redis</a:t>
+            </a:r>
+            <a:endParaRPr lang="en-US" dirty="0" smtClean="0"/>
+          </a:p>
+          <a:p>
+            <a:pPr marL="342900" indent="-342900">
+              <a:buFont typeface="+mj-lt"/>
+              <a:buAutoNum type="arabicPeriod"/>
+            </a:pPr>
+            <a:endParaRPr lang="ru-RU" b="1" dirty="0" smtClean="0"/>
+          </a:p>
+          <a:p>
+            <a:pPr marL="342900" indent="-342900">
+              <a:buFont typeface="+mj-lt"/>
+              <a:buAutoNum type="arabicPeriod"/>
+            </a:pPr>
+            <a:r>
+              <a:rPr lang="en-US" sz="2000" b="1" dirty="0" err="1" smtClean="0"/>
+              <a:t>GraphQL</a:t>
+            </a:r>
+            <a:r>
+              <a:rPr lang="ru-RU" sz="2000" b="1" dirty="0" smtClean="0"/>
+              <a:t> -</a:t>
+            </a:r>
+            <a:r>
+              <a:rPr lang="en-US" sz="2000" dirty="0"/>
+              <a:t> is an open-source data query and manipulation language for </a:t>
+            </a:r>
+            <a:r>
+              <a:rPr lang="en-US" sz="2000" dirty="0" smtClean="0"/>
+              <a:t>APIs</a:t>
+            </a:r>
+            <a:endParaRPr lang="ru-RU" sz="2000" dirty="0" smtClean="0"/>
+          </a:p>
+          <a:p>
+            <a:pPr marL="742950" lvl="1" indent="-285750">
+              <a:buFont typeface="Arial" panose="020B0604020202020204" pitchFamily="34" charset="0"/>
+              <a:buChar char="•"/>
+            </a:pPr>
+            <a:r>
+              <a:rPr lang="ru-RU" dirty="0" smtClean="0"/>
+              <a:t>Что такое этот </a:t>
+            </a:r>
+            <a:r>
+              <a:rPr lang="en-US" dirty="0" err="1" smtClean="0"/>
+              <a:t>GraphQL</a:t>
+            </a:r>
+            <a:endParaRPr lang="ru-RU" dirty="0" smtClean="0"/>
+          </a:p>
+          <a:p>
+            <a:pPr marL="742950" lvl="1" indent="-285750">
+              <a:buFont typeface="Arial" panose="020B0604020202020204" pitchFamily="34" charset="0"/>
+              <a:buChar char="•"/>
+            </a:pPr>
+            <a:r>
+              <a:rPr lang="ru-RU" dirty="0" smtClean="0"/>
+              <a:t>Основные возможности</a:t>
+            </a:r>
+            <a:endParaRPr lang="ru-RU" dirty="0"/>
+          </a:p>
+          <a:p>
+            <a:pPr marL="1200150" lvl="2" indent="-285750">
+              <a:buFont typeface="Arial" panose="020B0604020202020204" pitchFamily="34" charset="0"/>
+              <a:buChar char="•"/>
+            </a:pPr>
+            <a:r>
+              <a:rPr lang="en-US" dirty="0" err="1"/>
+              <a:t>GraphQL</a:t>
+            </a:r>
+            <a:r>
+              <a:rPr lang="en-US" dirty="0"/>
+              <a:t> </a:t>
+            </a:r>
+            <a:r>
+              <a:rPr lang="en-US" dirty="0" err="1"/>
+              <a:t>shema</a:t>
+            </a:r>
+            <a:r>
+              <a:rPr lang="en-US" dirty="0"/>
+              <a:t> DSL</a:t>
+            </a:r>
+            <a:endParaRPr lang="ru-RU" dirty="0"/>
+          </a:p>
+          <a:p>
+            <a:pPr marL="1200150" lvl="2" indent="-285750">
+              <a:buFont typeface="Arial" panose="020B0604020202020204" pitchFamily="34" charset="0"/>
+              <a:buChar char="•"/>
+            </a:pPr>
+            <a:r>
+              <a:rPr lang="en-US" dirty="0"/>
+              <a:t>Query \ </a:t>
+            </a:r>
+            <a:r>
+              <a:rPr lang="en-US" dirty="0" smtClean="0"/>
+              <a:t>Mutation</a:t>
+            </a:r>
+            <a:endParaRPr lang="ru-RU" dirty="0" smtClean="0"/>
+          </a:p>
+          <a:p>
+            <a:pPr marL="1200150" lvl="2" indent="-285750">
+              <a:buFont typeface="Arial" panose="020B0604020202020204" pitchFamily="34" charset="0"/>
+              <a:buChar char="•"/>
+            </a:pPr>
+            <a:r>
+              <a:rPr lang="en-US" dirty="0" smtClean="0"/>
+              <a:t>Subscription</a:t>
+            </a:r>
+            <a:endParaRPr lang="ru-RU" dirty="0" smtClean="0"/>
+          </a:p>
+          <a:p>
+            <a:pPr marL="742950" lvl="1" indent="-285750">
+              <a:buFont typeface="Arial" panose="020B0604020202020204" pitchFamily="34" charset="0"/>
+              <a:buChar char="•"/>
+            </a:pPr>
+            <a:r>
+              <a:rPr lang="ru-RU" dirty="0"/>
+              <a:t>Дополнительные </a:t>
+            </a:r>
+            <a:r>
+              <a:rPr lang="ru-RU" dirty="0" smtClean="0"/>
+              <a:t>возможности и нюансы</a:t>
+            </a:r>
+          </a:p>
+          <a:p>
+            <a:pPr marL="742950" lvl="1" indent="-285750">
+              <a:buFont typeface="Arial" panose="020B0604020202020204" pitchFamily="34" charset="0"/>
+              <a:buChar char="•"/>
+            </a:pPr>
+            <a:endParaRPr lang="ru-RU" dirty="0" smtClean="0"/>
+          </a:p>
+          <a:p>
+            <a:pPr marL="342900" indent="-342900">
+              <a:buFont typeface="+mj-lt"/>
+              <a:buAutoNum type="arabicPeriod"/>
+            </a:pPr>
+            <a:r>
+              <a:rPr lang="ru-RU" sz="2000" b="1" dirty="0" smtClean="0"/>
+              <a:t>Реализация </a:t>
+            </a:r>
+            <a:r>
+              <a:rPr lang="en-US" sz="2000" b="1" dirty="0" err="1" smtClean="0"/>
+              <a:t>GraphQL</a:t>
+            </a:r>
+            <a:r>
+              <a:rPr lang="en-US" sz="2000" b="1" dirty="0" smtClean="0"/>
+              <a:t> </a:t>
+            </a:r>
+            <a:r>
+              <a:rPr lang="ru-RU" sz="2000" b="1" dirty="0" smtClean="0"/>
+              <a:t>сервера на </a:t>
+            </a:r>
+            <a:r>
+              <a:rPr lang="en-US" sz="2000" b="1" dirty="0" smtClean="0"/>
+              <a:t>Java + </a:t>
+            </a:r>
+            <a:r>
+              <a:rPr lang="en-US" sz="2000" b="1" dirty="0" err="1" smtClean="0"/>
+              <a:t>SpringBoot</a:t>
+            </a:r>
+            <a:endParaRPr lang="ru-RU" dirty="0"/>
+          </a:p>
+        </p:txBody>
+      </p:sp>
+    </p:spTree>
+    <p:extLst>
+      <p:ext uri="{BB962C8B-B14F-4D97-AF65-F5344CB8AC3E}">
+        <p14:creationId xmlns:p14="http://schemas.microsoft.com/office/powerpoint/2010/main" val="11484610"/>
+      </p:ext>
+    </p:extLst>
+  </p:cSld>
+  <p:clrMapOvr>
+    <a:masterClrMapping/>
+  </p:clrMapOvr>
+</p:sld>
+</file>
+
+<file path=ppt/slides/slide20.xml><?xml version="1.0" encoding="utf-8"?>
 <p:sld xmlns:a="http://schemas.openxmlformats.org/drawingml/2006/main" xmlns:r="http://schemas.openxmlformats.org/officeDocument/2006/relationships" xmlns:p="http://schemas.openxmlformats.org/presentationml/2006/main">
   <p:cSld>
     <p:spTree>
@@ -3728,6 +5043,82 @@
           <a:lstStyle/>
           <a:p>
             <a:r>
+              <a:rPr lang="ru-RU" u="sng" dirty="0" smtClean="0"/>
+              <a:t>Демонстрация </a:t>
+            </a:r>
+            <a:r>
+              <a:rPr lang="en-US" u="sng" dirty="0" err="1" smtClean="0"/>
+              <a:t>GraphQL</a:t>
+            </a:r>
+            <a:r>
+              <a:rPr lang="en-US" u="sng" dirty="0" smtClean="0"/>
+              <a:t> </a:t>
+            </a:r>
+            <a:r>
+              <a:rPr lang="ru-RU" u="sng" dirty="0" smtClean="0"/>
+              <a:t>на </a:t>
+            </a:r>
+            <a:r>
+              <a:rPr lang="en-US" u="sng" dirty="0" smtClean="0"/>
+              <a:t>Spring </a:t>
+            </a:r>
+            <a:endParaRPr lang="ru-RU" u="sng" dirty="0"/>
+          </a:p>
+        </p:txBody>
+      </p:sp>
+    </p:spTree>
+    <p:extLst>
+      <p:ext uri="{BB962C8B-B14F-4D97-AF65-F5344CB8AC3E}">
+        <p14:creationId xmlns:p14="http://schemas.microsoft.com/office/powerpoint/2010/main" val="706372080"/>
+      </p:ext>
+    </p:extLst>
+  </p:cSld>
+  <p:clrMapOvr>
+    <a:masterClrMapping/>
+  </p:clrMapOvr>
+</p:sld>
+</file>
+
+<file path=ppt/slides/slide21.xml><?xml version="1.0" encoding="utf-8"?>
+<p:sld xmlns:a="http://schemas.openxmlformats.org/drawingml/2006/main" xmlns:r="http://schemas.openxmlformats.org/officeDocument/2006/relationships" xmlns:p="http://schemas.openxmlformats.org/presentationml/2006/main">
+  <p:cSld>
+    <p:spTree>
+      <p:nvGrpSpPr>
+        <p:cNvPr id="1" name=""/>
+        <p:cNvGrpSpPr/>
+        <p:nvPr/>
+      </p:nvGrpSpPr>
+      <p:grpSpPr>
+        <a:xfrm>
+          <a:off x="0" y="0"/>
+          <a:ext cx="0" cy="0"/>
+          <a:chOff x="0" y="0"/>
+          <a:chExt cx="0" cy="0"/>
+        </a:xfrm>
+      </p:grpSpPr>
+      <p:sp>
+        <p:nvSpPr>
+          <p:cNvPr id="2" name="Заголовок 1"/>
+          <p:cNvSpPr>
+            <a:spLocks noGrp="1"/>
+          </p:cNvSpPr>
+          <p:nvPr>
+            <p:ph type="title"/>
+          </p:nvPr>
+        </p:nvSpPr>
+        <p:spPr>
+          <a:xfrm>
+            <a:off x="640080" y="365125"/>
+            <a:ext cx="10713720" cy="713867"/>
+          </a:xfrm>
+        </p:spPr>
+        <p:txBody>
+          <a:bodyPr>
+            <a:normAutofit/>
+          </a:bodyPr>
+          <a:lstStyle/>
+          <a:p>
+            <a:r>
               <a:rPr lang="en-US" u="sng" dirty="0" smtClean="0"/>
               <a:t>JavaScript </a:t>
             </a:r>
@@ -3736,14 +5127,14 @@
               <a:t>в прошлом</a:t>
             </a:r>
             <a:r>
-              <a:rPr lang="en-US" u="sng" dirty="0" smtClean="0"/>
+              <a:rPr lang="en-US" dirty="0" smtClean="0"/>
               <a:t>:</a:t>
             </a:r>
             <a:r>
-              <a:rPr lang="ru-RU" u="sng" dirty="0" smtClean="0"/>
-              <a:t> Гадкий утенок.</a:t>
-            </a:r>
-            <a:endParaRPr lang="ru-RU" u="sng" dirty="0"/>
+              <a:rPr lang="ru-RU" dirty="0" smtClean="0"/>
+              <a:t> Гадкий утенок</a:t>
+            </a:r>
+            <a:endParaRPr lang="ru-RU" dirty="0"/>
           </a:p>
         </p:txBody>
       </p:sp>
@@ -4131,7 +5522,7 @@
 </p:sld>
 </file>
 
-<file path=ppt/slides/slide15.xml><?xml version="1.0" encoding="utf-8"?>
+<file path=ppt/slides/slide22.xml><?xml version="1.0" encoding="utf-8"?>
 <p:sld xmlns:a="http://schemas.openxmlformats.org/drawingml/2006/main" xmlns:r="http://schemas.openxmlformats.org/officeDocument/2006/relationships" xmlns:p="http://schemas.openxmlformats.org/presentationml/2006/main">
   <p:cSld>
     <p:spTree>
@@ -4177,14 +5568,14 @@
               <a:t>сегодня</a:t>
             </a:r>
             <a:r>
-              <a:rPr lang="en-US" u="sng" dirty="0" smtClean="0"/>
+              <a:rPr lang="en-US" dirty="0" smtClean="0"/>
               <a:t>:</a:t>
             </a:r>
             <a:r>
-              <a:rPr lang="ru-RU" u="sng" dirty="0" smtClean="0"/>
-              <a:t> Белый лебедь.</a:t>
-            </a:r>
-            <a:endParaRPr lang="ru-RU" u="sng" dirty="0"/>
+              <a:rPr lang="ru-RU" dirty="0" smtClean="0"/>
+              <a:t> Белый лебедь</a:t>
+            </a:r>
+            <a:endParaRPr lang="ru-RU" dirty="0"/>
           </a:p>
         </p:txBody>
       </p:sp>
@@ -4249,7 +5640,7 @@
 </p:sld>
 </file>
 
-<file path=ppt/slides/slide16.xml><?xml version="1.0" encoding="utf-8"?>
+<file path=ppt/slides/slide23.xml><?xml version="1.0" encoding="utf-8"?>
 <p:sld xmlns:a="http://schemas.openxmlformats.org/drawingml/2006/main" xmlns:r="http://schemas.openxmlformats.org/officeDocument/2006/relationships" xmlns:p="http://schemas.openxmlformats.org/presentationml/2006/main">
   <p:cSld>
     <p:spTree>
@@ -4331,7 +5722,7 @@
           <p:nvPr>
             <p:extLst>
               <p:ext uri="{D42A27DB-BD31-4B8C-83A1-F6EECF244321}">
-                <p14:modId xmlns:p14="http://schemas.microsoft.com/office/powerpoint/2010/main" val="101050326"/>
+                <p14:modId xmlns:p14="http://schemas.microsoft.com/office/powerpoint/2010/main" val="584822632"/>
               </p:ext>
             </p:extLst>
           </p:nvPr>
@@ -4828,7 +6219,55 @@
                             <a:schemeClr val="tx1"/>
                           </a:solidFill>
                         </a:rPr>
-                        <a:t>Внутри </a:t>
+                        <a:t>Встраивание</a:t>
+                      </a:r>
+                      <a:r>
+                        <a:rPr lang="en-US" b="0" dirty="0" smtClean="0">
+                          <a:solidFill>
+                            <a:schemeClr val="tx1"/>
+                          </a:solidFill>
+                        </a:rPr>
+                        <a:t> </a:t>
+                      </a:r>
+                      <a:r>
+                        <a:rPr lang="ru-RU" b="0" dirty="0" smtClean="0">
+                          <a:solidFill>
+                            <a:schemeClr val="tx1"/>
+                          </a:solidFill>
+                        </a:rPr>
+                        <a:t>в</a:t>
+                      </a:r>
+                      <a:r>
+                        <a:rPr lang="ru-RU" b="0" baseline="0" dirty="0" smtClean="0">
+                          <a:solidFill>
+                            <a:schemeClr val="tx1"/>
+                          </a:solidFill>
+                        </a:rPr>
+                        <a:t> </a:t>
+                      </a:r>
+                      <a:r>
+                        <a:rPr lang="en-US" b="0" baseline="0" dirty="0" smtClean="0">
+                          <a:solidFill>
+                            <a:schemeClr val="tx1"/>
+                          </a:solidFill>
+                        </a:rPr>
+                        <a:t>DB</a:t>
+                      </a:r>
+                      <a:r>
+                        <a:rPr lang="en-US" b="0" dirty="0" smtClean="0">
+                          <a:solidFill>
+                            <a:schemeClr val="tx1"/>
+                          </a:solidFill>
+                        </a:rPr>
+                        <a:t>:</a:t>
+                      </a:r>
+                      <a:r>
+                        <a:rPr lang="ru-RU" b="0" baseline="0" dirty="0" smtClean="0">
+                          <a:solidFill>
+                            <a:schemeClr val="tx1"/>
+                          </a:solidFill>
+                        </a:rPr>
+                        <a:t> </a:t>
                       </a:r>
                       <a:r>
                         <a:rPr lang="en-US" b="0" dirty="0" err="1" smtClean="0">
@@ -5020,7 +6459,7 @@
 </p:sld>
 </file>
 
-<file path=ppt/slides/slide17.xml><?xml version="1.0" encoding="utf-8"?>
+<file path=ppt/slides/slide24.xml><?xml version="1.0" encoding="utf-8"?>
 <p:sld xmlns:a="http://schemas.openxmlformats.org/drawingml/2006/main" xmlns:r="http://schemas.openxmlformats.org/officeDocument/2006/relationships" xmlns:p="http://schemas.openxmlformats.org/presentationml/2006/main">
   <p:cSld>
     <p:spTree>
@@ -5206,7 +6645,7 @@
 </p:sld>
 </file>
 
-<file path=ppt/slides/slide18.xml><?xml version="1.0" encoding="utf-8"?>
+<file path=ppt/slides/slide25.xml><?xml version="1.0" encoding="utf-8"?>
 <p:sld xmlns:a="http://schemas.openxmlformats.org/drawingml/2006/main" xmlns:r="http://schemas.openxmlformats.org/officeDocument/2006/relationships" xmlns:p="http://schemas.openxmlformats.org/presentationml/2006/main">
   <p:cSld>
     <p:spTree>
@@ -5314,7 +6753,7 @@
 </p:sld>
 </file>
 
-<file path=ppt/slides/slide19.xml><?xml version="1.0" encoding="utf-8"?>
+<file path=ppt/slides/slide26.xml><?xml version="1.0" encoding="utf-8"?>
 <p:sld xmlns:a="http://schemas.openxmlformats.org/drawingml/2006/main" xmlns:r="http://schemas.openxmlformats.org/officeDocument/2006/relationships" xmlns:p="http://schemas.openxmlformats.org/presentationml/2006/main">
   <p:cSld>
     <p:spTree>
@@ -6300,410 +7739,7 @@
 </p:sld>
 </file>
 
-<file path=ppt/slides/slide2.xml><?xml version="1.0" encoding="utf-8"?>
-<p:sld xmlns:a="http://schemas.openxmlformats.org/drawingml/2006/main" xmlns:r="http://schemas.openxmlformats.org/officeDocument/2006/relationships" xmlns:p="http://schemas.openxmlformats.org/presentationml/2006/main">
-  <p:cSld>
-    <p:spTree>
-      <p:nvGrpSpPr>
-        <p:cNvPr id="1" name=""/>
-        <p:cNvGrpSpPr/>
-        <p:nvPr/>
-      </p:nvGrpSpPr>
-      <p:grpSpPr>
-        <a:xfrm>
-          <a:off x="0" y="0"/>
-          <a:ext cx="0" cy="0"/>
-          <a:chOff x="0" y="0"/>
-          <a:chExt cx="0" cy="0"/>
-        </a:xfrm>
-      </p:grpSpPr>
-      <p:sp>
-        <p:nvSpPr>
-          <p:cNvPr id="2" name="Заголовок 1"/>
-          <p:cNvSpPr>
-            <a:spLocks noGrp="1"/>
-          </p:cNvSpPr>
-          <p:nvPr>
-            <p:ph type="title"/>
-          </p:nvPr>
-        </p:nvSpPr>
-        <p:spPr>
-          <a:xfrm>
-            <a:off x="838200" y="365125"/>
-            <a:ext cx="10515600" cy="713867"/>
-          </a:xfrm>
-        </p:spPr>
-        <p:txBody>
-          <a:bodyPr/>
-          <a:lstStyle/>
-          <a:p>
-            <a:r>
-              <a:rPr lang="ru-RU" u="sng" dirty="0" smtClean="0"/>
-              <a:t>О чем буду </a:t>
-            </a:r>
-            <a:r>
-              <a:rPr lang="ru-RU" u="sng" dirty="0" smtClean="0"/>
-              <a:t>рассказывать (</a:t>
-            </a:r>
-            <a:r>
-              <a:rPr lang="en-US" u="sng" dirty="0" smtClean="0"/>
-              <a:t>#</a:t>
-            </a:r>
-            <a:r>
-              <a:rPr lang="ru-RU" u="sng" dirty="0" smtClean="0"/>
-              <a:t>1</a:t>
-            </a:r>
-            <a:r>
-              <a:rPr lang="ru-RU" u="sng" dirty="0" smtClean="0"/>
-              <a:t>)</a:t>
-            </a:r>
-            <a:endParaRPr lang="ru-RU" u="sng" dirty="0"/>
-          </a:p>
-        </p:txBody>
-      </p:sp>
-      <p:sp>
-        <p:nvSpPr>
-          <p:cNvPr id="3" name="TextBox 2"/>
-          <p:cNvSpPr txBox="1"/>
-          <p:nvPr/>
-        </p:nvSpPr>
-        <p:spPr>
-          <a:xfrm>
-            <a:off x="640080" y="1207008"/>
-            <a:ext cx="10945368" cy="5170646"/>
-          </a:xfrm>
-          <a:prstGeom prst="rect">
-            <a:avLst/>
-          </a:prstGeom>
-          <a:noFill/>
-        </p:spPr>
-        <p:txBody>
-          <a:bodyPr wrap="square" rtlCol="0">
-            <a:spAutoFit/>
-          </a:bodyPr>
-          <a:lstStyle/>
-          <a:p>
-            <a:pPr marL="342900" indent="-342900">
-              <a:buFont typeface="+mj-lt"/>
-              <a:buAutoNum type="arabicPeriod"/>
-            </a:pPr>
-            <a:r>
-              <a:rPr lang="ru-RU" sz="2000" b="1" dirty="0" smtClean="0"/>
-              <a:t>Что нужно для эффективной разработки приложений</a:t>
-            </a:r>
-            <a:r>
-              <a:rPr lang="en-US" sz="2000" b="1" dirty="0" smtClean="0"/>
-              <a:t>: </a:t>
-            </a:r>
-          </a:p>
-          <a:p>
-            <a:pPr marL="800100" lvl="1" indent="-342900">
-              <a:buFont typeface="Arial" panose="020B0604020202020204" pitchFamily="34" charset="0"/>
-              <a:buChar char="•"/>
-            </a:pPr>
-            <a:r>
-              <a:rPr lang="ru-RU" dirty="0" smtClean="0"/>
-              <a:t>Среда разработки</a:t>
-            </a:r>
-            <a:r>
-              <a:rPr lang="en-US" dirty="0" smtClean="0"/>
-              <a:t>: IntelliJ IDEA</a:t>
-            </a:r>
-            <a:r>
-              <a:rPr lang="ru-RU" dirty="0" smtClean="0"/>
-              <a:t> (остальные можно забыть </a:t>
-            </a:r>
-            <a:r>
-              <a:rPr lang="en-US" dirty="0" smtClean="0">
-                <a:sym typeface="Wingdings" panose="05000000000000000000" pitchFamily="2" charset="2"/>
-              </a:rPr>
-              <a:t></a:t>
-            </a:r>
-            <a:r>
-              <a:rPr lang="ru-RU" dirty="0" smtClean="0"/>
-              <a:t>)</a:t>
-            </a:r>
-            <a:endParaRPr lang="en-US" dirty="0" smtClean="0"/>
-          </a:p>
-          <a:p>
-            <a:pPr marL="800100" lvl="1" indent="-342900">
-              <a:buFont typeface="Arial" panose="020B0604020202020204" pitchFamily="34" charset="0"/>
-              <a:buChar char="•"/>
-            </a:pPr>
-            <a:r>
-              <a:rPr lang="ru-RU" dirty="0" smtClean="0"/>
-              <a:t>Язык программирования</a:t>
-            </a:r>
-            <a:r>
-              <a:rPr lang="en-US" dirty="0" smtClean="0"/>
-              <a:t>: Java, JavaScript, Go, PHP, C#, </a:t>
-            </a:r>
-            <a:r>
-              <a:rPr lang="ru-RU" dirty="0" smtClean="0"/>
-              <a:t>… или производные языки</a:t>
-            </a:r>
-          </a:p>
-          <a:p>
-            <a:pPr marL="800100" lvl="1" indent="-342900">
-              <a:buFont typeface="Arial" panose="020B0604020202020204" pitchFamily="34" charset="0"/>
-              <a:buChar char="•"/>
-            </a:pPr>
-            <a:r>
-              <a:rPr lang="en-US" dirty="0" smtClean="0"/>
-              <a:t>Runtime: JVM, </a:t>
-            </a:r>
-            <a:r>
-              <a:rPr lang="en-US" dirty="0" err="1" smtClean="0"/>
-              <a:t>NodeJS</a:t>
-            </a:r>
-            <a:r>
-              <a:rPr lang="en-US" dirty="0" smtClean="0"/>
-              <a:t>, PHP, </a:t>
-            </a:r>
-            <a:r>
-              <a:rPr lang="en-US" dirty="0" err="1" smtClean="0"/>
-              <a:t>.Net</a:t>
-            </a:r>
-            <a:r>
-              <a:rPr lang="en-US" dirty="0" smtClean="0"/>
-              <a:t> Runtime, …</a:t>
-            </a:r>
-          </a:p>
-          <a:p>
-            <a:pPr marL="800100" lvl="1" indent="-342900">
-              <a:buFont typeface="Arial" panose="020B0604020202020204" pitchFamily="34" charset="0"/>
-              <a:buChar char="•"/>
-            </a:pPr>
-            <a:r>
-              <a:rPr lang="ru-RU" dirty="0" smtClean="0"/>
-              <a:t>Модульная архитектура, библиотеки для разных технологий</a:t>
-            </a:r>
-            <a:r>
-              <a:rPr lang="en-US" dirty="0" smtClean="0"/>
-              <a:t> (frameworks)</a:t>
-            </a:r>
-          </a:p>
-          <a:p>
-            <a:pPr marL="800100" lvl="1" indent="-342900">
-              <a:buFont typeface="Arial" panose="020B0604020202020204" pitchFamily="34" charset="0"/>
-              <a:buChar char="•"/>
-            </a:pPr>
-            <a:r>
-              <a:rPr lang="ru-RU" dirty="0" smtClean="0"/>
-              <a:t>Менеджеры пакетов и средства сборки приложений</a:t>
-            </a:r>
-          </a:p>
-          <a:p>
-            <a:pPr marL="800100" lvl="1" indent="-342900">
-              <a:buFont typeface="Arial" panose="020B0604020202020204" pitchFamily="34" charset="0"/>
-              <a:buChar char="•"/>
-            </a:pPr>
-            <a:r>
-              <a:rPr lang="ru-RU" dirty="0" smtClean="0"/>
-              <a:t>Средства тестирования</a:t>
-            </a:r>
-            <a:endParaRPr lang="en-US" dirty="0" smtClean="0"/>
-          </a:p>
-          <a:p>
-            <a:pPr marL="800100" lvl="1" indent="-342900">
-              <a:buFont typeface="Arial" panose="020B0604020202020204" pitchFamily="34" charset="0"/>
-              <a:buChar char="•"/>
-            </a:pPr>
-            <a:r>
-              <a:rPr lang="ru-RU" dirty="0" smtClean="0"/>
-              <a:t>Сервера</a:t>
-            </a:r>
-            <a:r>
-              <a:rPr lang="en-US" dirty="0" smtClean="0"/>
-              <a:t>: MySQL\PostgreSQL\Mongo, Apache\Nginx, </a:t>
-            </a:r>
-            <a:r>
-              <a:rPr lang="en-US" dirty="0" err="1" smtClean="0"/>
-              <a:t>Memcached</a:t>
-            </a:r>
-            <a:r>
-              <a:rPr lang="en-US" dirty="0" smtClean="0"/>
-              <a:t>\</a:t>
-            </a:r>
-            <a:r>
-              <a:rPr lang="en-US" dirty="0" err="1" smtClean="0"/>
-              <a:t>Redis</a:t>
-            </a:r>
-            <a:endParaRPr lang="en-US" dirty="0" smtClean="0"/>
-          </a:p>
-          <a:p>
-            <a:pPr marL="342900" indent="-342900">
-              <a:buFont typeface="+mj-lt"/>
-              <a:buAutoNum type="arabicPeriod"/>
-            </a:pPr>
-            <a:endParaRPr lang="ru-RU" b="1" dirty="0" smtClean="0"/>
-          </a:p>
-          <a:p>
-            <a:pPr marL="342900" indent="-342900">
-              <a:buFont typeface="+mj-lt"/>
-              <a:buAutoNum type="arabicPeriod"/>
-            </a:pPr>
-            <a:r>
-              <a:rPr lang="en-US" sz="2000" b="1" dirty="0" err="1" smtClean="0"/>
-              <a:t>GraphQL</a:t>
-            </a:r>
-            <a:r>
-              <a:rPr lang="ru-RU" sz="2000" b="1" dirty="0" smtClean="0"/>
-              <a:t> -</a:t>
-            </a:r>
-            <a:r>
-              <a:rPr lang="en-US" sz="2000" dirty="0"/>
-              <a:t> is an open-source data query and manipulation language for </a:t>
-            </a:r>
-            <a:r>
-              <a:rPr lang="en-US" sz="2000" dirty="0" smtClean="0"/>
-              <a:t>APIs</a:t>
-            </a:r>
-            <a:endParaRPr lang="ru-RU" sz="2000" dirty="0" smtClean="0"/>
-          </a:p>
-          <a:p>
-            <a:pPr marL="742950" lvl="1" indent="-285750">
-              <a:buFont typeface="Arial" panose="020B0604020202020204" pitchFamily="34" charset="0"/>
-              <a:buChar char="•"/>
-            </a:pPr>
-            <a:r>
-              <a:rPr lang="ru-RU" dirty="0" smtClean="0"/>
-              <a:t>Что такое этот </a:t>
-            </a:r>
-            <a:r>
-              <a:rPr lang="en-US" dirty="0" err="1" smtClean="0"/>
-              <a:t>GraphQL</a:t>
-            </a:r>
-            <a:endParaRPr lang="ru-RU" dirty="0" smtClean="0"/>
-          </a:p>
-          <a:p>
-            <a:pPr marL="742950" lvl="1" indent="-285750">
-              <a:buFont typeface="Arial" panose="020B0604020202020204" pitchFamily="34" charset="0"/>
-              <a:buChar char="•"/>
-            </a:pPr>
-            <a:r>
-              <a:rPr lang="ru-RU" dirty="0" smtClean="0"/>
-              <a:t>Основные возможности</a:t>
-            </a:r>
-            <a:endParaRPr lang="ru-RU" dirty="0"/>
-          </a:p>
-          <a:p>
-            <a:pPr marL="1200150" lvl="2" indent="-285750">
-              <a:buFont typeface="Arial" panose="020B0604020202020204" pitchFamily="34" charset="0"/>
-              <a:buChar char="•"/>
-            </a:pPr>
-            <a:r>
-              <a:rPr lang="en-US" dirty="0" err="1"/>
-              <a:t>GraphQL</a:t>
-            </a:r>
-            <a:r>
-              <a:rPr lang="en-US" dirty="0"/>
-              <a:t> </a:t>
-            </a:r>
-            <a:r>
-              <a:rPr lang="en-US" dirty="0" err="1"/>
-              <a:t>shema</a:t>
-            </a:r>
-            <a:r>
-              <a:rPr lang="en-US" dirty="0"/>
-              <a:t> DSL</a:t>
-            </a:r>
-            <a:endParaRPr lang="ru-RU" dirty="0"/>
-          </a:p>
-          <a:p>
-            <a:pPr marL="1200150" lvl="2" indent="-285750">
-              <a:buFont typeface="Arial" panose="020B0604020202020204" pitchFamily="34" charset="0"/>
-              <a:buChar char="•"/>
-            </a:pPr>
-            <a:r>
-              <a:rPr lang="en-US" dirty="0"/>
-              <a:t>Query \ </a:t>
-            </a:r>
-            <a:r>
-              <a:rPr lang="en-US" dirty="0" smtClean="0"/>
-              <a:t>Mutation</a:t>
-            </a:r>
-            <a:endParaRPr lang="ru-RU" dirty="0" smtClean="0"/>
-          </a:p>
-          <a:p>
-            <a:pPr marL="1200150" lvl="2" indent="-285750">
-              <a:buFont typeface="Arial" panose="020B0604020202020204" pitchFamily="34" charset="0"/>
-              <a:buChar char="•"/>
-            </a:pPr>
-            <a:r>
-              <a:rPr lang="en-US" dirty="0" smtClean="0"/>
-              <a:t>Subscription</a:t>
-            </a:r>
-            <a:endParaRPr lang="ru-RU" dirty="0" smtClean="0"/>
-          </a:p>
-          <a:p>
-            <a:pPr marL="742950" lvl="1" indent="-285750">
-              <a:buFont typeface="Arial" panose="020B0604020202020204" pitchFamily="34" charset="0"/>
-              <a:buChar char="•"/>
-            </a:pPr>
-            <a:r>
-              <a:rPr lang="ru-RU" dirty="0"/>
-              <a:t>Дополнительные </a:t>
-            </a:r>
-            <a:r>
-              <a:rPr lang="ru-RU" dirty="0" smtClean="0"/>
-              <a:t>возможности и нюансы</a:t>
-            </a:r>
-          </a:p>
-          <a:p>
-            <a:pPr marL="742950" lvl="1" indent="-285750">
-              <a:buFont typeface="Arial" panose="020B0604020202020204" pitchFamily="34" charset="0"/>
-              <a:buChar char="•"/>
-            </a:pPr>
-            <a:endParaRPr lang="ru-RU" dirty="0" smtClean="0"/>
-          </a:p>
-          <a:p>
-            <a:pPr marL="342900" indent="-342900">
-              <a:buFont typeface="+mj-lt"/>
-              <a:buAutoNum type="arabicPeriod"/>
-            </a:pPr>
-            <a:r>
-              <a:rPr lang="ru-RU" sz="2000" b="1" dirty="0" smtClean="0"/>
-              <a:t>Реализация </a:t>
-            </a:r>
-            <a:r>
-              <a:rPr lang="en-US" sz="2000" b="1" dirty="0" err="1" smtClean="0"/>
-              <a:t>GraphQL</a:t>
-            </a:r>
-            <a:r>
-              <a:rPr lang="en-US" sz="2000" b="1" dirty="0" smtClean="0"/>
-              <a:t> </a:t>
-            </a:r>
-            <a:r>
-              <a:rPr lang="ru-RU" sz="2000" b="1" dirty="0" smtClean="0"/>
-              <a:t>сервера на </a:t>
-            </a:r>
-            <a:r>
-              <a:rPr lang="en-US" sz="2000" b="1" dirty="0" smtClean="0"/>
-              <a:t>Java + </a:t>
-            </a:r>
-            <a:r>
-              <a:rPr lang="en-US" sz="2000" b="1" dirty="0" err="1" smtClean="0"/>
-              <a:t>SpringBoot</a:t>
-            </a:r>
-            <a:endParaRPr lang="ru-RU" dirty="0"/>
-          </a:p>
-        </p:txBody>
-      </p:sp>
-    </p:spTree>
-    <p:extLst>
-      <p:ext uri="{BB962C8B-B14F-4D97-AF65-F5344CB8AC3E}">
-        <p14:creationId xmlns:p14="http://schemas.microsoft.com/office/powerpoint/2010/main" val="11484610"/>
-      </p:ext>
-    </p:extLst>
-  </p:cSld>
-  <p:clrMapOvr>
-    <a:masterClrMapping/>
-  </p:clrMapOvr>
-</p:sld>
-</file>
-
-<file path=ppt/slides/slide20.xml><?xml version="1.0" encoding="utf-8"?>
+<file path=ppt/slides/slide27.xml><?xml version="1.0" encoding="utf-8"?>
 <p:sld xmlns:a="http://schemas.openxmlformats.org/drawingml/2006/main" xmlns:r="http://schemas.openxmlformats.org/officeDocument/2006/relationships" xmlns:p="http://schemas.openxmlformats.org/presentationml/2006/main">
   <p:cSld>
     <p:spTree>
@@ -6789,7 +7825,663 @@
 </p:sld>
 </file>
 
-<file path=ppt/slides/slide21.xml><?xml version="1.0" encoding="utf-8"?>
+<file path=ppt/slides/slide28.xml><?xml version="1.0" encoding="utf-8"?>
+<p:sld xmlns:a="http://schemas.openxmlformats.org/drawingml/2006/main" xmlns:r="http://schemas.openxmlformats.org/officeDocument/2006/relationships" xmlns:p="http://schemas.openxmlformats.org/presentationml/2006/main">
+  <p:cSld>
+    <p:spTree>
+      <p:nvGrpSpPr>
+        <p:cNvPr id="1" name=""/>
+        <p:cNvGrpSpPr/>
+        <p:nvPr/>
+      </p:nvGrpSpPr>
+      <p:grpSpPr>
+        <a:xfrm>
+          <a:off x="0" y="0"/>
+          <a:ext cx="0" cy="0"/>
+          <a:chOff x="0" y="0"/>
+          <a:chExt cx="0" cy="0"/>
+        </a:xfrm>
+      </p:grpSpPr>
+      <p:sp>
+        <p:nvSpPr>
+          <p:cNvPr id="2" name="Заголовок 1"/>
+          <p:cNvSpPr>
+            <a:spLocks noGrp="1"/>
+          </p:cNvSpPr>
+          <p:nvPr>
+            <p:ph type="title"/>
+          </p:nvPr>
+        </p:nvSpPr>
+        <p:spPr>
+          <a:xfrm>
+            <a:off x="640080" y="365125"/>
+            <a:ext cx="10713720" cy="713867"/>
+          </a:xfrm>
+        </p:spPr>
+        <p:txBody>
+          <a:bodyPr>
+            <a:normAutofit/>
+          </a:bodyPr>
+          <a:lstStyle/>
+          <a:p>
+            <a:r>
+              <a:rPr lang="en-US" u="sng" dirty="0" err="1" smtClean="0"/>
+              <a:t>GraphQL</a:t>
+            </a:r>
+            <a:r>
+              <a:rPr lang="en-US" u="sng" dirty="0" smtClean="0"/>
+              <a:t> Apollo</a:t>
+            </a:r>
+            <a:r>
+              <a:rPr lang="ru-RU" u="sng" dirty="0" smtClean="0"/>
+              <a:t> </a:t>
+            </a:r>
+            <a:r>
+              <a:rPr lang="en-US" u="sng" dirty="0" smtClean="0"/>
+              <a:t>Stack</a:t>
+            </a:r>
+            <a:endParaRPr lang="ru-RU" u="sng" dirty="0"/>
+          </a:p>
+        </p:txBody>
+      </p:sp>
+      <p:pic>
+        <p:nvPicPr>
+          <p:cNvPr id="2052" name="Picture 4" descr="ÐÐ°ÑÑÐ¸Ð½ÐºÐ¸ Ð¿Ð¾ Ð·Ð°Ð¿ÑÐ¾ÑÑ graphql resolve cycle"/>
+          <p:cNvPicPr>
+            <a:picLocks noChangeAspect="1" noChangeArrowheads="1"/>
+          </p:cNvPicPr>
+          <p:nvPr/>
+        </p:nvPicPr>
+        <p:blipFill>
+          <a:blip r:embed="rId2" cstate="print">
+            <a:extLst>
+              <a:ext uri="{28A0092B-C50C-407E-A947-70E740481C1C}">
+                <a14:useLocalDpi xmlns:a14="http://schemas.microsoft.com/office/drawing/2010/main" val="0"/>
+              </a:ext>
+            </a:extLst>
+          </a:blip>
+          <a:srcRect/>
+          <a:stretch>
+            <a:fillRect/>
+          </a:stretch>
+        </p:blipFill>
+        <p:spPr bwMode="auto">
+          <a:xfrm>
+            <a:off x="6366982" y="1177376"/>
+            <a:ext cx="5253073" cy="4314812"/>
+          </a:xfrm>
+          <a:prstGeom prst="rect">
+            <a:avLst/>
+          </a:prstGeom>
+          <a:noFill/>
+          <a:extLst>
+            <a:ext uri="{909E8E84-426E-40DD-AFC4-6F175D3DCCD1}">
+              <a14:hiddenFill xmlns:a14="http://schemas.microsoft.com/office/drawing/2010/main">
+                <a:solidFill>
+                  <a:srgbClr val="FFFFFF"/>
+                </a:solidFill>
+              </a14:hiddenFill>
+            </a:ext>
+          </a:extLst>
+        </p:spPr>
+      </p:pic>
+      <p:pic>
+        <p:nvPicPr>
+          <p:cNvPr id="2054" name="Picture 6" descr="ÐÐ°ÑÑÐ¸Ð½ÐºÐ¸ Ð¿Ð¾ Ð·Ð°Ð¿ÑÐ¾ÑÑ graphql apollo client server engine"/>
+          <p:cNvPicPr>
+            <a:picLocks noChangeAspect="1" noChangeArrowheads="1"/>
+          </p:cNvPicPr>
+          <p:nvPr/>
+        </p:nvPicPr>
+        <p:blipFill>
+          <a:blip r:embed="rId3">
+            <a:extLst>
+              <a:ext uri="{28A0092B-C50C-407E-A947-70E740481C1C}">
+                <a14:useLocalDpi xmlns:a14="http://schemas.microsoft.com/office/drawing/2010/main" val="0"/>
+              </a:ext>
+            </a:extLst>
+          </a:blip>
+          <a:srcRect/>
+          <a:stretch>
+            <a:fillRect/>
+          </a:stretch>
+        </p:blipFill>
+        <p:spPr bwMode="auto">
+          <a:xfrm>
+            <a:off x="640080" y="1078992"/>
+            <a:ext cx="5437427" cy="4928268"/>
+          </a:xfrm>
+          <a:prstGeom prst="rect">
+            <a:avLst/>
+          </a:prstGeom>
+          <a:noFill/>
+          <a:extLst>
+            <a:ext uri="{909E8E84-426E-40DD-AFC4-6F175D3DCCD1}">
+              <a14:hiddenFill xmlns:a14="http://schemas.microsoft.com/office/drawing/2010/main">
+                <a:solidFill>
+                  <a:srgbClr val="FFFFFF"/>
+                </a:solidFill>
+              </a14:hiddenFill>
+            </a:ext>
+          </a:extLst>
+        </p:spPr>
+      </p:pic>
+    </p:spTree>
+    <p:extLst>
+      <p:ext uri="{BB962C8B-B14F-4D97-AF65-F5344CB8AC3E}">
+        <p14:creationId xmlns:p14="http://schemas.microsoft.com/office/powerpoint/2010/main" val="2969891098"/>
+      </p:ext>
+    </p:extLst>
+  </p:cSld>
+  <p:clrMapOvr>
+    <a:masterClrMapping/>
+  </p:clrMapOvr>
+</p:sld>
+</file>
+
+<file path=ppt/slides/slide29.xml><?xml version="1.0" encoding="utf-8"?>
+<p:sld xmlns:a="http://schemas.openxmlformats.org/drawingml/2006/main" xmlns:r="http://schemas.openxmlformats.org/officeDocument/2006/relationships" xmlns:p="http://schemas.openxmlformats.org/presentationml/2006/main">
+  <p:cSld>
+    <p:spTree>
+      <p:nvGrpSpPr>
+        <p:cNvPr id="1" name=""/>
+        <p:cNvGrpSpPr/>
+        <p:nvPr/>
+      </p:nvGrpSpPr>
+      <p:grpSpPr>
+        <a:xfrm>
+          <a:off x="0" y="0"/>
+          <a:ext cx="0" cy="0"/>
+          <a:chOff x="0" y="0"/>
+          <a:chExt cx="0" cy="0"/>
+        </a:xfrm>
+      </p:grpSpPr>
+      <p:sp>
+        <p:nvSpPr>
+          <p:cNvPr id="2" name="Заголовок 1"/>
+          <p:cNvSpPr>
+            <a:spLocks noGrp="1"/>
+          </p:cNvSpPr>
+          <p:nvPr>
+            <p:ph type="title"/>
+          </p:nvPr>
+        </p:nvSpPr>
+        <p:spPr>
+          <a:xfrm>
+            <a:off x="640080" y="365125"/>
+            <a:ext cx="10713720" cy="713867"/>
+          </a:xfrm>
+        </p:spPr>
+        <p:txBody>
+          <a:bodyPr>
+            <a:normAutofit/>
+          </a:bodyPr>
+          <a:lstStyle/>
+          <a:p>
+            <a:r>
+              <a:rPr lang="ru-RU" u="sng" dirty="0" smtClean="0"/>
+              <a:t>Демонстрация </a:t>
+            </a:r>
+            <a:r>
+              <a:rPr lang="en-US" u="sng" dirty="0" err="1" smtClean="0"/>
+              <a:t>GraphQL</a:t>
+            </a:r>
+            <a:r>
+              <a:rPr lang="en-US" u="sng" dirty="0" smtClean="0"/>
+              <a:t> </a:t>
+            </a:r>
+            <a:r>
+              <a:rPr lang="ru-RU" u="sng" dirty="0" smtClean="0"/>
+              <a:t>на </a:t>
+            </a:r>
+            <a:r>
+              <a:rPr lang="en-US" u="sng" dirty="0" err="1" smtClean="0"/>
+              <a:t>NodeJS</a:t>
+            </a:r>
+            <a:endParaRPr lang="ru-RU" u="sng" dirty="0"/>
+          </a:p>
+        </p:txBody>
+      </p:sp>
+    </p:spTree>
+    <p:extLst>
+      <p:ext uri="{BB962C8B-B14F-4D97-AF65-F5344CB8AC3E}">
+        <p14:creationId xmlns:p14="http://schemas.microsoft.com/office/powerpoint/2010/main" val="2381495670"/>
+      </p:ext>
+    </p:extLst>
+  </p:cSld>
+  <p:clrMapOvr>
+    <a:masterClrMapping/>
+  </p:clrMapOvr>
+</p:sld>
+</file>
+
+<file path=ppt/slides/slide3.xml><?xml version="1.0" encoding="utf-8"?>
+<p:sld xmlns:a="http://schemas.openxmlformats.org/drawingml/2006/main" xmlns:r="http://schemas.openxmlformats.org/officeDocument/2006/relationships" xmlns:p="http://schemas.openxmlformats.org/presentationml/2006/main">
+  <p:cSld>
+    <p:spTree>
+      <p:nvGrpSpPr>
+        <p:cNvPr id="1" name=""/>
+        <p:cNvGrpSpPr/>
+        <p:nvPr/>
+      </p:nvGrpSpPr>
+      <p:grpSpPr>
+        <a:xfrm>
+          <a:off x="0" y="0"/>
+          <a:ext cx="0" cy="0"/>
+          <a:chOff x="0" y="0"/>
+          <a:chExt cx="0" cy="0"/>
+        </a:xfrm>
+      </p:grpSpPr>
+      <p:sp>
+        <p:nvSpPr>
+          <p:cNvPr id="2" name="Заголовок 1"/>
+          <p:cNvSpPr>
+            <a:spLocks noGrp="1"/>
+          </p:cNvSpPr>
+          <p:nvPr>
+            <p:ph type="title"/>
+          </p:nvPr>
+        </p:nvSpPr>
+        <p:spPr>
+          <a:xfrm>
+            <a:off x="838200" y="365125"/>
+            <a:ext cx="10515600" cy="713867"/>
+          </a:xfrm>
+        </p:spPr>
+        <p:txBody>
+          <a:bodyPr/>
+          <a:lstStyle/>
+          <a:p>
+            <a:r>
+              <a:rPr lang="ru-RU" u="sng" dirty="0" smtClean="0"/>
+              <a:t>О чем буду рассказывать (</a:t>
+            </a:r>
+            <a:r>
+              <a:rPr lang="en-US" u="sng" dirty="0" smtClean="0"/>
+              <a:t>#2</a:t>
+            </a:r>
+            <a:r>
+              <a:rPr lang="ru-RU" u="sng" dirty="0" smtClean="0"/>
+              <a:t>)</a:t>
+            </a:r>
+            <a:endParaRPr lang="ru-RU" u="sng" dirty="0"/>
+          </a:p>
+        </p:txBody>
+      </p:sp>
+      <p:sp>
+        <p:nvSpPr>
+          <p:cNvPr id="3" name="TextBox 2"/>
+          <p:cNvSpPr txBox="1"/>
+          <p:nvPr/>
+        </p:nvSpPr>
+        <p:spPr>
+          <a:xfrm>
+            <a:off x="640080" y="1207008"/>
+            <a:ext cx="10945368" cy="4370427"/>
+          </a:xfrm>
+          <a:prstGeom prst="rect">
+            <a:avLst/>
+          </a:prstGeom>
+          <a:noFill/>
+        </p:spPr>
+        <p:txBody>
+          <a:bodyPr wrap="square" rtlCol="0">
+            <a:spAutoFit/>
+          </a:bodyPr>
+          <a:lstStyle/>
+          <a:p>
+            <a:pPr marL="342900" indent="-342900">
+              <a:buFont typeface="+mj-lt"/>
+              <a:buAutoNum type="arabicPeriod"/>
+            </a:pPr>
+            <a:r>
+              <a:rPr lang="en-US" sz="2000" b="1" dirty="0" smtClean="0"/>
+              <a:t>JavaScript </a:t>
+            </a:r>
+            <a:r>
+              <a:rPr lang="ru-RU" sz="2000" b="1" dirty="0" smtClean="0"/>
+              <a:t>в 2018 году</a:t>
+            </a:r>
+            <a:r>
+              <a:rPr lang="en-US" sz="2000" b="1" dirty="0" smtClean="0"/>
+              <a:t>: </a:t>
+            </a:r>
+          </a:p>
+          <a:p>
+            <a:pPr marL="800100" lvl="1" indent="-342900">
+              <a:buFont typeface="Arial" panose="020B0604020202020204" pitchFamily="34" charset="0"/>
+              <a:buChar char="•"/>
+            </a:pPr>
+            <a:r>
+              <a:rPr lang="ru-RU" dirty="0" smtClean="0"/>
+              <a:t>История </a:t>
+            </a:r>
+            <a:r>
+              <a:rPr lang="en-US" dirty="0" smtClean="0"/>
+              <a:t>JavaScript </a:t>
+            </a:r>
+            <a:r>
+              <a:rPr lang="ru-RU" dirty="0" smtClean="0"/>
+              <a:t>или почему я его не любил</a:t>
+            </a:r>
+            <a:r>
+              <a:rPr lang="en-US" dirty="0" smtClean="0"/>
+              <a:t> (… </a:t>
+            </a:r>
+            <a:r>
+              <a:rPr lang="ru-RU" dirty="0" smtClean="0"/>
+              <a:t>потому, что у меня ружья не было…</a:t>
+            </a:r>
+            <a:r>
+              <a:rPr lang="en-US" dirty="0" smtClean="0"/>
+              <a:t>)</a:t>
+            </a:r>
+          </a:p>
+          <a:p>
+            <a:pPr marL="800100" lvl="1" indent="-342900">
+              <a:buFont typeface="Arial" panose="020B0604020202020204" pitchFamily="34" charset="0"/>
+              <a:buChar char="•"/>
+            </a:pPr>
+            <a:r>
+              <a:rPr lang="en-US" dirty="0" smtClean="0"/>
+              <a:t>JavaScript </a:t>
+            </a:r>
+            <a:r>
+              <a:rPr lang="ru-RU" dirty="0" smtClean="0"/>
+              <a:t>стандарты</a:t>
+            </a:r>
+            <a:r>
+              <a:rPr lang="en-US" dirty="0" smtClean="0"/>
+              <a:t> ECMAScript (ES</a:t>
+            </a:r>
+            <a:r>
+              <a:rPr lang="ru-RU" dirty="0" smtClean="0"/>
+              <a:t>5\6\7</a:t>
+            </a:r>
+            <a:r>
+              <a:rPr lang="en-US" dirty="0" smtClean="0"/>
+              <a:t>)</a:t>
+            </a:r>
+          </a:p>
+          <a:p>
+            <a:pPr marL="800100" lvl="1" indent="-342900">
+              <a:buFont typeface="Arial" panose="020B0604020202020204" pitchFamily="34" charset="0"/>
+              <a:buChar char="•"/>
+            </a:pPr>
+            <a:r>
+              <a:rPr lang="ru-RU" dirty="0" smtClean="0"/>
+              <a:t>Новые языки на базе </a:t>
+            </a:r>
+            <a:r>
+              <a:rPr lang="en-US" dirty="0" smtClean="0"/>
+              <a:t>JavaScript: </a:t>
+            </a:r>
+            <a:r>
+              <a:rPr lang="en-US" dirty="0" err="1" smtClean="0"/>
+              <a:t>TypeScript</a:t>
+            </a:r>
+            <a:r>
+              <a:rPr lang="en-US" dirty="0" smtClean="0"/>
+              <a:t>, </a:t>
+            </a:r>
+            <a:r>
+              <a:rPr lang="en-US" dirty="0" err="1" smtClean="0"/>
+              <a:t>CoffeeScript</a:t>
+            </a:r>
+            <a:r>
+              <a:rPr lang="en-US" dirty="0" smtClean="0"/>
+              <a:t>, Dart, …</a:t>
+            </a:r>
+          </a:p>
+          <a:p>
+            <a:pPr marL="800100" lvl="1" indent="-342900">
+              <a:buFont typeface="Arial" panose="020B0604020202020204" pitchFamily="34" charset="0"/>
+              <a:buChar char="•"/>
+            </a:pPr>
+            <a:r>
+              <a:rPr lang="ru-RU" dirty="0" smtClean="0"/>
+              <a:t>Наконец то в </a:t>
+            </a:r>
+            <a:r>
+              <a:rPr lang="en-US" dirty="0" smtClean="0"/>
+              <a:t>JavaScript </a:t>
+            </a:r>
+            <a:r>
+              <a:rPr lang="ru-RU" dirty="0" smtClean="0"/>
+              <a:t>есть статическая типизация с </a:t>
+            </a:r>
+            <a:r>
+              <a:rPr lang="en-US" dirty="0" err="1" smtClean="0"/>
+              <a:t>TypeScript</a:t>
+            </a:r>
+            <a:endParaRPr lang="en-US" dirty="0" smtClean="0"/>
+          </a:p>
+          <a:p>
+            <a:pPr marL="800100" lvl="1" indent="-342900">
+              <a:buFont typeface="Arial" panose="020B0604020202020204" pitchFamily="34" charset="0"/>
+              <a:buChar char="•"/>
+            </a:pPr>
+            <a:r>
+              <a:rPr lang="ru-RU" dirty="0" smtClean="0"/>
+              <a:t>Инструментарий</a:t>
+            </a:r>
+            <a:r>
+              <a:rPr lang="en-US" dirty="0" smtClean="0"/>
+              <a:t>:</a:t>
+            </a:r>
+            <a:r>
+              <a:rPr lang="ru-RU" dirty="0" smtClean="0"/>
+              <a:t>  </a:t>
+            </a:r>
+            <a:r>
+              <a:rPr lang="en-US" dirty="0" err="1" smtClean="0"/>
+              <a:t>transpillers</a:t>
+            </a:r>
+            <a:r>
+              <a:rPr lang="ru-RU" dirty="0" smtClean="0"/>
+              <a:t>, системы сборки, </a:t>
+            </a:r>
+            <a:r>
+              <a:rPr lang="en-US" dirty="0" smtClean="0"/>
+              <a:t>linters</a:t>
+            </a:r>
+            <a:r>
+              <a:rPr lang="ru-RU" dirty="0" smtClean="0"/>
+              <a:t> </a:t>
+            </a:r>
+            <a:r>
+              <a:rPr lang="en-US" dirty="0" smtClean="0"/>
+              <a:t>  </a:t>
+            </a:r>
+            <a:endParaRPr lang="en-US" dirty="0"/>
+          </a:p>
+          <a:p>
+            <a:pPr marL="800100" lvl="1" indent="-342900">
+              <a:buFont typeface="Arial" panose="020B0604020202020204" pitchFamily="34" charset="0"/>
+              <a:buChar char="•"/>
+            </a:pPr>
+            <a:endParaRPr lang="ru-RU" b="1" dirty="0" smtClean="0"/>
+          </a:p>
+          <a:p>
+            <a:pPr marL="342900" indent="-342900">
+              <a:buFont typeface="+mj-lt"/>
+              <a:buAutoNum type="arabicPeriod"/>
+            </a:pPr>
+            <a:r>
+              <a:rPr lang="en-US" sz="2000" b="1" dirty="0" err="1" smtClean="0"/>
+              <a:t>NodeJS</a:t>
+            </a:r>
+            <a:r>
+              <a:rPr lang="en-US" sz="2000" b="1" dirty="0" smtClean="0"/>
+              <a:t> </a:t>
+            </a:r>
+            <a:r>
+              <a:rPr lang="ru-RU" sz="2000" b="1" dirty="0" smtClean="0"/>
+              <a:t>сервер</a:t>
+            </a:r>
+            <a:endParaRPr lang="ru-RU" dirty="0" smtClean="0"/>
+          </a:p>
+          <a:p>
+            <a:pPr marL="742950" lvl="1" indent="-285750">
+              <a:buFont typeface="Arial" panose="020B0604020202020204" pitchFamily="34" charset="0"/>
+              <a:buChar char="•"/>
+            </a:pPr>
+            <a:endParaRPr lang="ru-RU" dirty="0" smtClean="0"/>
+          </a:p>
+          <a:p>
+            <a:pPr marL="342900" indent="-342900">
+              <a:buFont typeface="+mj-lt"/>
+              <a:buAutoNum type="arabicPeriod"/>
+            </a:pPr>
+            <a:r>
+              <a:rPr lang="ru-RU" sz="2000" b="1" dirty="0" smtClean="0"/>
+              <a:t>Реализация </a:t>
+            </a:r>
+            <a:r>
+              <a:rPr lang="en-US" sz="2000" b="1" dirty="0" err="1" smtClean="0"/>
+              <a:t>GraphQL</a:t>
+            </a:r>
+            <a:r>
+              <a:rPr lang="en-US" sz="2000" b="1" dirty="0" smtClean="0"/>
+              <a:t> </a:t>
+            </a:r>
+            <a:r>
+              <a:rPr lang="ru-RU" sz="2000" b="1" dirty="0" smtClean="0"/>
+              <a:t>сервера на </a:t>
+            </a:r>
+            <a:r>
+              <a:rPr lang="en-US" sz="2000" b="1" dirty="0" err="1" smtClean="0"/>
+              <a:t>NodeJS</a:t>
+            </a:r>
+            <a:endParaRPr lang="ru-RU" sz="2000" b="1" dirty="0" smtClean="0"/>
+          </a:p>
+          <a:p>
+            <a:pPr marL="800100" lvl="1" indent="-342900">
+              <a:buFont typeface="Arial" panose="020B0604020202020204" pitchFamily="34" charset="0"/>
+              <a:buChar char="•"/>
+            </a:pPr>
+            <a:r>
+              <a:rPr lang="en-US" dirty="0" err="1" smtClean="0"/>
+              <a:t>NodeJS</a:t>
+            </a:r>
+            <a:r>
+              <a:rPr lang="en-US" dirty="0" smtClean="0"/>
+              <a:t> + </a:t>
+            </a:r>
+            <a:r>
+              <a:rPr lang="en-US" dirty="0" err="1" smtClean="0"/>
+              <a:t>ApolloServer</a:t>
+            </a:r>
+            <a:r>
+              <a:rPr lang="ru-RU" dirty="0" smtClean="0"/>
+              <a:t> </a:t>
+            </a:r>
+            <a:r>
+              <a:rPr lang="ru-RU" dirty="0"/>
+              <a:t>+ </a:t>
+            </a:r>
+            <a:r>
+              <a:rPr lang="en-US" dirty="0" smtClean="0"/>
+              <a:t>Express + DB ORM (</a:t>
+            </a:r>
+            <a:r>
+              <a:rPr lang="ru-RU" dirty="0"/>
+              <a:t>S</a:t>
+            </a:r>
+            <a:r>
+              <a:rPr lang="en-US" dirty="0"/>
+              <a:t>e</a:t>
+            </a:r>
+            <a:r>
+              <a:rPr lang="ru-RU" dirty="0" err="1"/>
+              <a:t>qu</a:t>
+            </a:r>
+            <a:r>
+              <a:rPr lang="en-US" dirty="0"/>
+              <a:t>e</a:t>
+            </a:r>
+            <a:r>
+              <a:rPr lang="ru-RU" dirty="0" err="1"/>
+              <a:t>lize</a:t>
+            </a:r>
+            <a:r>
+              <a:rPr lang="en-US" dirty="0" smtClean="0"/>
+              <a:t>)</a:t>
+            </a:r>
+            <a:r>
+              <a:rPr lang="ru-RU" dirty="0" smtClean="0"/>
+              <a:t> </a:t>
+            </a:r>
+            <a:r>
+              <a:rPr lang="ru-RU" dirty="0"/>
+              <a:t>+ </a:t>
+            </a:r>
+            <a:r>
+              <a:rPr lang="en-US" dirty="0" err="1"/>
+              <a:t>jwt</a:t>
+            </a:r>
+            <a:r>
+              <a:rPr lang="ru-RU" dirty="0"/>
+              <a:t> + </a:t>
+            </a:r>
+            <a:r>
+              <a:rPr lang="en-US" dirty="0" err="1" smtClean="0"/>
+              <a:t>DataLoader</a:t>
+            </a:r>
+            <a:endParaRPr lang="ru-RU" dirty="0" smtClean="0"/>
+          </a:p>
+          <a:p>
+            <a:pPr marL="800100" lvl="1" indent="-342900">
+              <a:buFont typeface="Arial" panose="020B0604020202020204" pitchFamily="34" charset="0"/>
+              <a:buChar char="•"/>
+            </a:pPr>
+            <a:endParaRPr lang="ru-RU" dirty="0"/>
+          </a:p>
+          <a:p>
+            <a:pPr marL="342900" indent="-342900">
+              <a:buFont typeface="+mj-lt"/>
+              <a:buAutoNum type="arabicPeriod"/>
+            </a:pPr>
+            <a:r>
+              <a:rPr lang="ru-RU" b="1" dirty="0" smtClean="0"/>
+              <a:t>Бонус</a:t>
+            </a:r>
+            <a:r>
+              <a:rPr lang="en-US" b="1" dirty="0" smtClean="0"/>
+              <a:t>: Oracle </a:t>
+            </a:r>
+            <a:r>
+              <a:rPr lang="en-US" b="1" dirty="0" err="1" smtClean="0"/>
+              <a:t>GlaalVM</a:t>
+            </a:r>
+            <a:endParaRPr lang="ru-RU" b="1" dirty="0"/>
+          </a:p>
+          <a:p>
+            <a:endParaRPr lang="en-US" dirty="0" smtClean="0"/>
+          </a:p>
+          <a:p>
+            <a:pPr marL="800100" lvl="1" indent="-342900">
+              <a:buFont typeface="Arial" panose="020B0604020202020204" pitchFamily="34" charset="0"/>
+              <a:buChar char="•"/>
+            </a:pPr>
+            <a:endParaRPr lang="ru-RU" dirty="0"/>
+          </a:p>
+        </p:txBody>
+      </p:sp>
+    </p:spTree>
+    <p:extLst>
+      <p:ext uri="{BB962C8B-B14F-4D97-AF65-F5344CB8AC3E}">
+        <p14:creationId xmlns:p14="http://schemas.microsoft.com/office/powerpoint/2010/main" val="1883819094"/>
+      </p:ext>
+    </p:extLst>
+  </p:cSld>
+  <p:clrMapOvr>
+    <a:masterClrMapping/>
+  </p:clrMapOvr>
+</p:sld>
+</file>
+
+<file path=ppt/slides/slide30.xml><?xml version="1.0" encoding="utf-8"?>
 <p:sld xmlns:a="http://schemas.openxmlformats.org/drawingml/2006/main" xmlns:r="http://schemas.openxmlformats.org/officeDocument/2006/relationships" xmlns:p="http://schemas.openxmlformats.org/presentationml/2006/main">
   <p:cSld>
     <p:spTree>
@@ -7052,436 +8744,6 @@
 </p:sld>
 </file>
 
-<file path=ppt/slides/slide3.xml><?xml version="1.0" encoding="utf-8"?>
-<p:sld xmlns:a="http://schemas.openxmlformats.org/drawingml/2006/main" xmlns:r="http://schemas.openxmlformats.org/officeDocument/2006/relationships" xmlns:p="http://schemas.openxmlformats.org/presentationml/2006/main">
-  <p:cSld>
-    <p:spTree>
-      <p:nvGrpSpPr>
-        <p:cNvPr id="1" name=""/>
-        <p:cNvGrpSpPr/>
-        <p:nvPr/>
-      </p:nvGrpSpPr>
-      <p:grpSpPr>
-        <a:xfrm>
-          <a:off x="0" y="0"/>
-          <a:ext cx="0" cy="0"/>
-          <a:chOff x="0" y="0"/>
-          <a:chExt cx="0" cy="0"/>
-        </a:xfrm>
-      </p:grpSpPr>
-      <p:sp>
-        <p:nvSpPr>
-          <p:cNvPr id="2" name="Заголовок 1"/>
-          <p:cNvSpPr>
-            <a:spLocks noGrp="1"/>
-          </p:cNvSpPr>
-          <p:nvPr>
-            <p:ph type="title"/>
-          </p:nvPr>
-        </p:nvSpPr>
-        <p:spPr>
-          <a:xfrm>
-            <a:off x="838200" y="365125"/>
-            <a:ext cx="10515600" cy="713867"/>
-          </a:xfrm>
-        </p:spPr>
-        <p:txBody>
-          <a:bodyPr/>
-          <a:lstStyle/>
-          <a:p>
-            <a:r>
-              <a:rPr lang="ru-RU" u="sng" dirty="0" smtClean="0"/>
-              <a:t>О чем буду </a:t>
-            </a:r>
-            <a:r>
-              <a:rPr lang="ru-RU" u="sng" dirty="0" smtClean="0"/>
-              <a:t>рассказывать (</a:t>
-            </a:r>
-            <a:r>
-              <a:rPr lang="en-US" u="sng" dirty="0" smtClean="0"/>
-              <a:t>#2</a:t>
-            </a:r>
-            <a:r>
-              <a:rPr lang="ru-RU" u="sng" dirty="0" smtClean="0"/>
-              <a:t>)</a:t>
-            </a:r>
-            <a:endParaRPr lang="ru-RU" u="sng" dirty="0"/>
-          </a:p>
-        </p:txBody>
-      </p:sp>
-      <p:sp>
-        <p:nvSpPr>
-          <p:cNvPr id="3" name="TextBox 2"/>
-          <p:cNvSpPr txBox="1"/>
-          <p:nvPr/>
-        </p:nvSpPr>
-        <p:spPr>
-          <a:xfrm>
-            <a:off x="640080" y="1207008"/>
-            <a:ext cx="10945368" cy="4370427"/>
-          </a:xfrm>
-          <a:prstGeom prst="rect">
-            <a:avLst/>
-          </a:prstGeom>
-          <a:noFill/>
-        </p:spPr>
-        <p:txBody>
-          <a:bodyPr wrap="square" rtlCol="0">
-            <a:spAutoFit/>
-          </a:bodyPr>
-          <a:lstStyle/>
-          <a:p>
-            <a:pPr marL="342900" indent="-342900">
-              <a:buFont typeface="+mj-lt"/>
-              <a:buAutoNum type="arabicPeriod"/>
-            </a:pPr>
-            <a:r>
-              <a:rPr lang="en-US" sz="2000" b="1" dirty="0" smtClean="0"/>
-              <a:t>JavaScript </a:t>
-            </a:r>
-            <a:r>
-              <a:rPr lang="ru-RU" sz="2000" b="1" dirty="0" smtClean="0"/>
-              <a:t>в 2018 году</a:t>
-            </a:r>
-            <a:r>
-              <a:rPr lang="en-US" sz="2000" b="1" dirty="0" smtClean="0"/>
-              <a:t>: </a:t>
-            </a:r>
-          </a:p>
-          <a:p>
-            <a:pPr marL="800100" lvl="1" indent="-342900">
-              <a:buFont typeface="Arial" panose="020B0604020202020204" pitchFamily="34" charset="0"/>
-              <a:buChar char="•"/>
-            </a:pPr>
-            <a:r>
-              <a:rPr lang="ru-RU" dirty="0" smtClean="0"/>
-              <a:t>История </a:t>
-            </a:r>
-            <a:r>
-              <a:rPr lang="en-US" dirty="0" smtClean="0"/>
-              <a:t>JavaScript </a:t>
-            </a:r>
-            <a:r>
-              <a:rPr lang="ru-RU" dirty="0" smtClean="0"/>
-              <a:t>или почему я его не любил</a:t>
-            </a:r>
-            <a:r>
-              <a:rPr lang="en-US" dirty="0" smtClean="0"/>
-              <a:t> (… </a:t>
-            </a:r>
-            <a:r>
-              <a:rPr lang="ru-RU" dirty="0" smtClean="0"/>
-              <a:t>потому, что у меня ружья не было…</a:t>
-            </a:r>
-            <a:r>
-              <a:rPr lang="en-US" dirty="0" smtClean="0"/>
-              <a:t>)</a:t>
-            </a:r>
-          </a:p>
-          <a:p>
-            <a:pPr marL="800100" lvl="1" indent="-342900">
-              <a:buFont typeface="Arial" panose="020B0604020202020204" pitchFamily="34" charset="0"/>
-              <a:buChar char="•"/>
-            </a:pPr>
-            <a:r>
-              <a:rPr lang="en-US" dirty="0" smtClean="0"/>
-              <a:t>JavaScript </a:t>
-            </a:r>
-            <a:r>
-              <a:rPr lang="ru-RU" dirty="0" smtClean="0"/>
-              <a:t>стандарты</a:t>
-            </a:r>
-            <a:r>
-              <a:rPr lang="en-US" dirty="0" smtClean="0"/>
-              <a:t> ECMAScript (ES</a:t>
-            </a:r>
-            <a:r>
-              <a:rPr lang="ru-RU" dirty="0" smtClean="0"/>
-              <a:t>5\6\7</a:t>
-            </a:r>
-            <a:r>
-              <a:rPr lang="en-US" dirty="0" smtClean="0"/>
-              <a:t>)</a:t>
-            </a:r>
-          </a:p>
-          <a:p>
-            <a:pPr marL="800100" lvl="1" indent="-342900">
-              <a:buFont typeface="Arial" panose="020B0604020202020204" pitchFamily="34" charset="0"/>
-              <a:buChar char="•"/>
-            </a:pPr>
-            <a:r>
-              <a:rPr lang="ru-RU" dirty="0" smtClean="0"/>
-              <a:t>Новые языки на базе </a:t>
-            </a:r>
-            <a:r>
-              <a:rPr lang="en-US" dirty="0" smtClean="0"/>
-              <a:t>JavaScript: </a:t>
-            </a:r>
-            <a:r>
-              <a:rPr lang="en-US" dirty="0" err="1" smtClean="0"/>
-              <a:t>TypeScript</a:t>
-            </a:r>
-            <a:r>
-              <a:rPr lang="en-US" dirty="0" smtClean="0"/>
-              <a:t>, </a:t>
-            </a:r>
-            <a:r>
-              <a:rPr lang="en-US" dirty="0" err="1" smtClean="0"/>
-              <a:t>CoffeeScript</a:t>
-            </a:r>
-            <a:r>
-              <a:rPr lang="en-US" dirty="0" smtClean="0"/>
-              <a:t>, Dart, …</a:t>
-            </a:r>
-          </a:p>
-          <a:p>
-            <a:pPr marL="800100" lvl="1" indent="-342900">
-              <a:buFont typeface="Arial" panose="020B0604020202020204" pitchFamily="34" charset="0"/>
-              <a:buChar char="•"/>
-            </a:pPr>
-            <a:r>
-              <a:rPr lang="ru-RU" dirty="0" smtClean="0"/>
-              <a:t>Наконец то в </a:t>
-            </a:r>
-            <a:r>
-              <a:rPr lang="en-US" dirty="0" smtClean="0"/>
-              <a:t>JavaScript </a:t>
-            </a:r>
-            <a:r>
-              <a:rPr lang="ru-RU" dirty="0" smtClean="0"/>
-              <a:t>есть статическая типизация с </a:t>
-            </a:r>
-            <a:r>
-              <a:rPr lang="en-US" dirty="0" err="1" smtClean="0"/>
-              <a:t>TypeScript</a:t>
-            </a:r>
-            <a:endParaRPr lang="en-US" dirty="0" smtClean="0"/>
-          </a:p>
-          <a:p>
-            <a:pPr marL="800100" lvl="1" indent="-342900">
-              <a:buFont typeface="Arial" panose="020B0604020202020204" pitchFamily="34" charset="0"/>
-              <a:buChar char="•"/>
-            </a:pPr>
-            <a:r>
-              <a:rPr lang="ru-RU" dirty="0" smtClean="0"/>
-              <a:t>Инструментарий</a:t>
-            </a:r>
-            <a:r>
-              <a:rPr lang="en-US" dirty="0" smtClean="0"/>
-              <a:t>:</a:t>
-            </a:r>
-            <a:r>
-              <a:rPr lang="ru-RU" dirty="0" smtClean="0"/>
-              <a:t>  </a:t>
-            </a:r>
-            <a:r>
-              <a:rPr lang="en-US" dirty="0" err="1" smtClean="0"/>
-              <a:t>transpillers</a:t>
-            </a:r>
-            <a:r>
-              <a:rPr lang="ru-RU" dirty="0" smtClean="0"/>
-              <a:t>, системы сборки, </a:t>
-            </a:r>
-            <a:r>
-              <a:rPr lang="en-US" dirty="0" smtClean="0"/>
-              <a:t>linters</a:t>
-            </a:r>
-            <a:r>
-              <a:rPr lang="ru-RU" dirty="0" smtClean="0"/>
-              <a:t> </a:t>
-            </a:r>
-            <a:r>
-              <a:rPr lang="en-US" dirty="0" smtClean="0"/>
-              <a:t>  </a:t>
-            </a:r>
-            <a:endParaRPr lang="en-US" dirty="0"/>
-          </a:p>
-          <a:p>
-            <a:pPr marL="800100" lvl="1" indent="-342900">
-              <a:buFont typeface="Arial" panose="020B0604020202020204" pitchFamily="34" charset="0"/>
-              <a:buChar char="•"/>
-            </a:pPr>
-            <a:endParaRPr lang="ru-RU" b="1" dirty="0" smtClean="0"/>
-          </a:p>
-          <a:p>
-            <a:pPr marL="342900" indent="-342900">
-              <a:buFont typeface="+mj-lt"/>
-              <a:buAutoNum type="arabicPeriod"/>
-            </a:pPr>
-            <a:r>
-              <a:rPr lang="en-US" sz="2000" b="1" dirty="0" err="1" smtClean="0"/>
-              <a:t>NodeJS</a:t>
-            </a:r>
-            <a:r>
-              <a:rPr lang="en-US" sz="2000" b="1" dirty="0" smtClean="0"/>
-              <a:t> </a:t>
-            </a:r>
-            <a:r>
-              <a:rPr lang="ru-RU" sz="2000" b="1" dirty="0" smtClean="0"/>
-              <a:t>сервер</a:t>
-            </a:r>
-            <a:endParaRPr lang="ru-RU" dirty="0" smtClean="0"/>
-          </a:p>
-          <a:p>
-            <a:pPr marL="742950" lvl="1" indent="-285750">
-              <a:buFont typeface="Arial" panose="020B0604020202020204" pitchFamily="34" charset="0"/>
-              <a:buChar char="•"/>
-            </a:pPr>
-            <a:endParaRPr lang="ru-RU" dirty="0" smtClean="0"/>
-          </a:p>
-          <a:p>
-            <a:pPr marL="342900" indent="-342900">
-              <a:buFont typeface="+mj-lt"/>
-              <a:buAutoNum type="arabicPeriod"/>
-            </a:pPr>
-            <a:r>
-              <a:rPr lang="ru-RU" sz="2000" b="1" dirty="0" smtClean="0"/>
-              <a:t>Реализация </a:t>
-            </a:r>
-            <a:r>
-              <a:rPr lang="en-US" sz="2000" b="1" dirty="0" err="1" smtClean="0"/>
-              <a:t>GraphQL</a:t>
-            </a:r>
-            <a:r>
-              <a:rPr lang="en-US" sz="2000" b="1" dirty="0" smtClean="0"/>
-              <a:t> </a:t>
-            </a:r>
-            <a:r>
-              <a:rPr lang="ru-RU" sz="2000" b="1" dirty="0" smtClean="0"/>
-              <a:t>сервера на </a:t>
-            </a:r>
-            <a:r>
-              <a:rPr lang="en-US" sz="2000" b="1" dirty="0" err="1" smtClean="0"/>
-              <a:t>NodeJS</a:t>
-            </a:r>
-            <a:endParaRPr lang="ru-RU" sz="2000" b="1" dirty="0" smtClean="0"/>
-          </a:p>
-          <a:p>
-            <a:pPr marL="800100" lvl="1" indent="-342900">
-              <a:buFont typeface="Arial" panose="020B0604020202020204" pitchFamily="34" charset="0"/>
-              <a:buChar char="•"/>
-            </a:pPr>
-            <a:r>
-              <a:rPr lang="en-US" dirty="0" err="1" smtClean="0"/>
-              <a:t>NodeJS</a:t>
-            </a:r>
-            <a:r>
-              <a:rPr lang="en-US" dirty="0" smtClean="0"/>
-              <a:t> + </a:t>
-            </a:r>
-            <a:r>
-              <a:rPr lang="en-US" dirty="0" err="1" smtClean="0"/>
-              <a:t>ApolloServer</a:t>
-            </a:r>
-            <a:r>
-              <a:rPr lang="ru-RU" dirty="0" smtClean="0"/>
-              <a:t> </a:t>
-            </a:r>
-            <a:r>
-              <a:rPr lang="ru-RU" dirty="0"/>
-              <a:t>+ </a:t>
-            </a:r>
-            <a:r>
-              <a:rPr lang="en-US" dirty="0" smtClean="0"/>
-              <a:t>Express + DB ORM (</a:t>
-            </a:r>
-            <a:r>
-              <a:rPr lang="ru-RU" dirty="0"/>
-              <a:t>S</a:t>
-            </a:r>
-            <a:r>
-              <a:rPr lang="en-US" dirty="0"/>
-              <a:t>e</a:t>
-            </a:r>
-            <a:r>
-              <a:rPr lang="ru-RU" dirty="0" err="1"/>
-              <a:t>qu</a:t>
-            </a:r>
-            <a:r>
-              <a:rPr lang="en-US" dirty="0"/>
-              <a:t>e</a:t>
-            </a:r>
-            <a:r>
-              <a:rPr lang="ru-RU" dirty="0" err="1"/>
-              <a:t>lize</a:t>
-            </a:r>
-            <a:r>
-              <a:rPr lang="en-US" dirty="0" smtClean="0"/>
-              <a:t>)</a:t>
-            </a:r>
-            <a:r>
-              <a:rPr lang="ru-RU" dirty="0" smtClean="0"/>
-              <a:t> </a:t>
-            </a:r>
-            <a:r>
-              <a:rPr lang="ru-RU" dirty="0"/>
-              <a:t>+ </a:t>
-            </a:r>
-            <a:r>
-              <a:rPr lang="en-US" dirty="0" err="1"/>
-              <a:t>jwt</a:t>
-            </a:r>
-            <a:r>
-              <a:rPr lang="ru-RU" dirty="0"/>
-              <a:t> + </a:t>
-            </a:r>
-            <a:r>
-              <a:rPr lang="en-US" dirty="0" err="1" smtClean="0"/>
-              <a:t>DataLoader</a:t>
-            </a:r>
-            <a:endParaRPr lang="ru-RU" dirty="0" smtClean="0"/>
-          </a:p>
-          <a:p>
-            <a:pPr marL="800100" lvl="1" indent="-342900">
-              <a:buFont typeface="Arial" panose="020B0604020202020204" pitchFamily="34" charset="0"/>
-              <a:buChar char="•"/>
-            </a:pPr>
-            <a:endParaRPr lang="ru-RU" dirty="0"/>
-          </a:p>
-          <a:p>
-            <a:pPr marL="342900" indent="-342900">
-              <a:buFont typeface="+mj-lt"/>
-              <a:buAutoNum type="arabicPeriod"/>
-            </a:pPr>
-            <a:r>
-              <a:rPr lang="ru-RU" b="1" dirty="0" smtClean="0"/>
-              <a:t>Бонус</a:t>
-            </a:r>
-            <a:r>
-              <a:rPr lang="en-US" b="1" dirty="0" smtClean="0"/>
-              <a:t>: Oracle </a:t>
-            </a:r>
-            <a:r>
-              <a:rPr lang="en-US" b="1" dirty="0" err="1" smtClean="0"/>
-              <a:t>GlaalVM</a:t>
-            </a:r>
-            <a:endParaRPr lang="ru-RU" b="1" dirty="0"/>
-          </a:p>
-          <a:p>
-            <a:endParaRPr lang="en-US" dirty="0" smtClean="0"/>
-          </a:p>
-          <a:p>
-            <a:pPr marL="800100" lvl="1" indent="-342900">
-              <a:buFont typeface="Arial" panose="020B0604020202020204" pitchFamily="34" charset="0"/>
-              <a:buChar char="•"/>
-            </a:pPr>
-            <a:endParaRPr lang="ru-RU" dirty="0"/>
-          </a:p>
-        </p:txBody>
-      </p:sp>
-    </p:spTree>
-    <p:extLst>
-      <p:ext uri="{BB962C8B-B14F-4D97-AF65-F5344CB8AC3E}">
-        <p14:creationId xmlns:p14="http://schemas.microsoft.com/office/powerpoint/2010/main" val="1883819094"/>
-      </p:ext>
-    </p:extLst>
-  </p:cSld>
-  <p:clrMapOvr>
-    <a:masterClrMapping/>
-  </p:clrMapOvr>
-</p:sld>
-</file>
-
 <file path=ppt/slides/slide4.xml><?xml version="1.0" encoding="utf-8"?>
 <p:sld xmlns:a="http://schemas.openxmlformats.org/drawingml/2006/main" xmlns:r="http://schemas.openxmlformats.org/officeDocument/2006/relationships" xmlns:p="http://schemas.openxmlformats.org/presentationml/2006/main">
   <p:cSld>
@@ -7671,15 +8933,7 @@
             </a:r>
             <a:r>
               <a:rPr lang="ru-RU" dirty="0" smtClean="0"/>
-              <a:t>почти под любые задачи уже есть технологии и реализующие </a:t>
-            </a:r>
-            <a:r>
-              <a:rPr lang="ru-RU" dirty="0" smtClean="0"/>
-              <a:t>их </a:t>
-            </a:r>
-            <a:r>
-              <a:rPr lang="ru-RU" dirty="0" smtClean="0"/>
-              <a:t>библиотеки написанные кем то другим, надо только выбрать \ изучить \ использовать</a:t>
+              <a:t>почти под любые задачи уже есть технологии и реализующие их библиотеки написанные кем то другим, надо только выбрать \ изучить \ использовать</a:t>
             </a:r>
             <a:r>
               <a:rPr lang="ru-RU" b="1" dirty="0" smtClean="0"/>
@@ -7705,11 +8959,7 @@
             </a:r>
             <a:r>
               <a:rPr lang="ru-RU" dirty="0" smtClean="0"/>
-              <a:t>соответствие решаемой </a:t>
-            </a:r>
-            <a:r>
-              <a:rPr lang="ru-RU" dirty="0" smtClean="0"/>
-              <a:t>задаче (</a:t>
+              <a:t>соответствие решаемой задаче (</a:t>
             </a:r>
             <a:r>
               <a:rPr lang="en-US" dirty="0"/>
@@ -7717,19 +8967,7 @@
             </a:r>
             <a:r>
               <a:rPr lang="ru-RU" dirty="0" smtClean="0"/>
-              <a:t>), </a:t>
-            </a:r>
-            <a:r>
-              <a:rPr lang="ru-RU" dirty="0" smtClean="0"/>
-              <a:t>зрелость технологии, мода </a:t>
-            </a:r>
-            <a:r>
-              <a:rPr lang="ru-RU" dirty="0" smtClean="0"/>
-              <a:t>(тренды), рекомендации лучших </a:t>
-            </a:r>
-            <a:r>
-              <a:rPr lang="ru-RU" dirty="0" smtClean="0"/>
-              <a:t>собаководов</a:t>
+              <a:t>), зрелость технологии, мода (тренды), рекомендации лучших собаководов</a:t>
             </a:r>
             <a:r>
               <a:rPr lang="en-US" dirty="0" smtClean="0"/>
@@ -9049,266 +10287,977 @@
           <a:lstStyle/>
           <a:p>
             <a:r>
-              <a:rPr lang="en-US" u="sng" dirty="0" err="1" smtClean="0"/>
-              <a:t>GraphQL</a:t>
+              <a:rPr lang="ru-RU" u="sng" dirty="0" smtClean="0"/>
+              <a:t>Что не так с </a:t>
+            </a:r>
+            <a:r>
+              <a:rPr lang="en-US" u="sng" dirty="0" smtClean="0"/>
+              <a:t>REST-API</a:t>
             </a:r>
             <a:endParaRPr lang="ru-RU" u="sng" dirty="0"/>
           </a:p>
         </p:txBody>
       </p:sp>
-      <p:sp>
-        <p:nvSpPr>
-          <p:cNvPr id="4" name="TextBox 3"/>
-          <p:cNvSpPr txBox="1"/>
-          <p:nvPr/>
-        </p:nvSpPr>
-        <p:spPr>
-          <a:xfrm>
-            <a:off x="640080" y="1078992"/>
-            <a:ext cx="10945368" cy="1200329"/>
-          </a:xfrm>
-          <a:prstGeom prst="rect">
-            <a:avLst/>
-          </a:prstGeom>
-          <a:noFill/>
-        </p:spPr>
-        <p:txBody>
-          <a:bodyPr wrap="square" rtlCol="0">
-            <a:spAutoFit/>
-          </a:bodyPr>
-          <a:lstStyle/>
-          <a:p>
-            <a:pPr marL="0" lvl="1"/>
-            <a:r>
-              <a:rPr lang="ru-RU" dirty="0" err="1"/>
-              <a:t>GraphQL</a:t>
-            </a:r>
-            <a:r>
-              <a:rPr lang="ru-RU" dirty="0"/>
-              <a:t> это </a:t>
-            </a:r>
-            <a:r>
-              <a:rPr lang="ru-RU" dirty="0" smtClean="0"/>
-              <a:t>язык запросов, </a:t>
-            </a:r>
-            <a:r>
-              <a:rPr lang="ru-RU" dirty="0"/>
-              <a:t>который описывает как запрашивать </a:t>
-            </a:r>
-            <a:r>
-              <a:rPr lang="ru-RU" dirty="0" smtClean="0"/>
-              <a:t>данные</a:t>
-            </a:r>
-            <a:r>
-              <a:rPr lang="en-US" dirty="0" smtClean="0"/>
-              <a:t>:</a:t>
-            </a:r>
-          </a:p>
-          <a:p>
-            <a:pPr marL="285750" indent="-285750">
-              <a:buFont typeface="Arial" panose="020B0604020202020204" pitchFamily="34" charset="0"/>
-              <a:buChar char="•"/>
-            </a:pPr>
-            <a:r>
-              <a:rPr lang="ru-RU" dirty="0"/>
-              <a:t>Позволяет клиенту точно указать, какие данные ему </a:t>
-            </a:r>
-            <a:r>
-              <a:rPr lang="ru-RU" dirty="0" smtClean="0"/>
-              <a:t>нужны</a:t>
-            </a:r>
-            <a:endParaRPr lang="ru-RU" dirty="0"/>
-          </a:p>
-          <a:p>
-            <a:pPr marL="285750" indent="-285750">
-              <a:buFont typeface="Arial" panose="020B0604020202020204" pitchFamily="34" charset="0"/>
-              <a:buChar char="•"/>
-            </a:pPr>
-            <a:r>
-              <a:rPr lang="ru-RU" dirty="0"/>
-              <a:t>Облегчает агрегацию данных из нескольких </a:t>
-            </a:r>
-            <a:r>
-              <a:rPr lang="ru-RU" dirty="0" smtClean="0"/>
-              <a:t>источников</a:t>
-            </a:r>
-            <a:endParaRPr lang="ru-RU" dirty="0"/>
-          </a:p>
-          <a:p>
-            <a:pPr marL="285750" indent="-285750">
-              <a:buFont typeface="Arial" panose="020B0604020202020204" pitchFamily="34" charset="0"/>
-              <a:buChar char="•"/>
-            </a:pPr>
-            <a:r>
-              <a:rPr lang="ru-RU" dirty="0"/>
-              <a:t>Использует систему типов для описания </a:t>
-            </a:r>
-            <a:r>
-              <a:rPr lang="ru-RU" dirty="0" smtClean="0"/>
-              <a:t>данных</a:t>
-            </a:r>
-            <a:endParaRPr lang="ru-RU" dirty="0">
-              <a:solidFill>
-                <a:srgbClr val="0070C0"/>
-              </a:solidFill>
-            </a:endParaRPr>
-          </a:p>
-        </p:txBody>
-      </p:sp>
-      <p:pic>
-        <p:nvPicPr>
-          <p:cNvPr id="1026" name="Picture 2" descr="ÐÐ°ÑÑÐ¸Ð½ÐºÐ¸ Ð¿Ð¾ Ð·Ð°Ð¿ÑÐ¾ÑÑ graphql"/>
-          <p:cNvPicPr>
-            <a:picLocks noChangeAspect="1" noChangeArrowheads="1"/>
-          </p:cNvPicPr>
-          <p:nvPr/>
-        </p:nvPicPr>
-        <p:blipFill>
-          <a:blip r:embed="rId2" cstate="print">
-            <a:extLst>
-              <a:ext uri="{28A0092B-C50C-407E-A947-70E740481C1C}">
-                <a14:useLocalDpi xmlns:a14="http://schemas.microsoft.com/office/drawing/2010/main" val="0"/>
-              </a:ext>
-            </a:extLst>
-          </a:blip>
-          <a:srcRect/>
-          <a:stretch>
-            <a:fillRect/>
-          </a:stretch>
-        </p:blipFill>
-        <p:spPr bwMode="auto">
-          <a:xfrm>
-            <a:off x="7714796" y="1005873"/>
-            <a:ext cx="3870652" cy="1354728"/>
-          </a:xfrm>
-          <a:prstGeom prst="rect">
-            <a:avLst/>
-          </a:prstGeom>
-          <a:noFill/>
-          <a:extLst>
-            <a:ext uri="{909E8E84-426E-40DD-AFC4-6F175D3DCCD1}">
-              <a14:hiddenFill xmlns:a14="http://schemas.microsoft.com/office/drawing/2010/main">
-                <a:solidFill>
-                  <a:srgbClr val="FFFFFF"/>
-                </a:solidFill>
-              </a14:hiddenFill>
-            </a:ext>
-          </a:extLst>
-        </p:spPr>
-      </p:pic>
-      <p:pic>
-        <p:nvPicPr>
-          <p:cNvPr id="1032" name="Picture 8" descr="ÐÐ°ÑÑÐ¸Ð½ÐºÐ¸ Ð¿Ð¾ Ð·Ð°Ð¿ÑÐ¾ÑÑ graphql schema"/>
-          <p:cNvPicPr>
-            <a:picLocks noChangeAspect="1" noChangeArrowheads="1"/>
-          </p:cNvPicPr>
-          <p:nvPr/>
-        </p:nvPicPr>
-        <p:blipFill>
-          <a:blip r:embed="rId3">
-            <a:extLst>
-              <a:ext uri="{28A0092B-C50C-407E-A947-70E740481C1C}">
-                <a14:useLocalDpi xmlns:a14="http://schemas.microsoft.com/office/drawing/2010/main" val="0"/>
-              </a:ext>
-            </a:extLst>
-          </a:blip>
-          <a:srcRect/>
-          <a:stretch>
-            <a:fillRect/>
-          </a:stretch>
-        </p:blipFill>
-        <p:spPr bwMode="auto">
-          <a:xfrm>
-            <a:off x="353696" y="2360601"/>
-            <a:ext cx="7126308" cy="4063059"/>
-          </a:xfrm>
-          <a:prstGeom prst="rect">
-            <a:avLst/>
-          </a:prstGeom>
-          <a:noFill/>
-          <a:extLst>
-            <a:ext uri="{909E8E84-426E-40DD-AFC4-6F175D3DCCD1}">
-              <a14:hiddenFill xmlns:a14="http://schemas.microsoft.com/office/drawing/2010/main">
-                <a:solidFill>
-                  <a:srgbClr val="FFFFFF"/>
-                </a:solidFill>
-              </a14:hiddenFill>
-            </a:ext>
-          </a:extLst>
-        </p:spPr>
-      </p:pic>
-      <p:sp>
-        <p:nvSpPr>
-          <p:cNvPr id="7" name="TextBox 6"/>
-          <p:cNvSpPr txBox="1"/>
-          <p:nvPr/>
-        </p:nvSpPr>
-        <p:spPr>
-          <a:xfrm>
-            <a:off x="7815380" y="2926080"/>
-            <a:ext cx="3770068" cy="1200329"/>
-          </a:xfrm>
-          <a:prstGeom prst="rect">
-            <a:avLst/>
-          </a:prstGeom>
-          <a:noFill/>
-        </p:spPr>
-        <p:txBody>
-          <a:bodyPr wrap="square" rtlCol="0">
-            <a:spAutoFit/>
-          </a:bodyPr>
-          <a:lstStyle/>
-          <a:p>
-            <a:r>
-              <a:rPr lang="ru-RU" b="1" dirty="0" smtClean="0"/>
-              <a:t>Типы запросов</a:t>
-            </a:r>
-            <a:r>
-              <a:rPr lang="en-US" b="1" dirty="0" smtClean="0"/>
-              <a:t>:</a:t>
-            </a:r>
-          </a:p>
-          <a:p>
-            <a:pPr marL="285750" indent="-285750">
-              <a:buFont typeface="Arial" panose="020B0604020202020204" pitchFamily="34" charset="0"/>
-              <a:buChar char="•"/>
-            </a:pPr>
-            <a:r>
-              <a:rPr lang="en-US" dirty="0" smtClean="0"/>
-              <a:t>Query</a:t>
-            </a:r>
-          </a:p>
-          <a:p>
-            <a:pPr marL="285750" indent="-285750">
-              <a:buFont typeface="Arial" panose="020B0604020202020204" pitchFamily="34" charset="0"/>
-              <a:buChar char="•"/>
-            </a:pPr>
-            <a:r>
-              <a:rPr lang="en-US" dirty="0" smtClean="0"/>
-              <a:t>Mutation</a:t>
-            </a:r>
-          </a:p>
-          <a:p>
-            <a:pPr marL="285750" indent="-285750">
-              <a:buFont typeface="Arial" panose="020B0604020202020204" pitchFamily="34" charset="0"/>
-              <a:buChar char="•"/>
-            </a:pPr>
-            <a:r>
-              <a:rPr lang="en-US" dirty="0" smtClean="0">
-                <a:solidFill>
-                  <a:srgbClr val="00B050"/>
-                </a:solidFill>
-              </a:rPr>
-              <a:t>Subscription</a:t>
-            </a:r>
-            <a:endParaRPr lang="ru-RU" dirty="0">
-              <a:solidFill>
-                <a:srgbClr val="00B050"/>
-              </a:solidFill>
-            </a:endParaRPr>
-          </a:p>
-        </p:txBody>
-      </p:sp>
+      <p:graphicFrame>
+        <p:nvGraphicFramePr>
+          <p:cNvPr id="8" name="Таблица 7"/>
+          <p:cNvGraphicFramePr>
+            <a:graphicFrameLocks noGrp="1"/>
+          </p:cNvGraphicFramePr>
+          <p:nvPr>
+            <p:extLst>
+              <p:ext uri="{D42A27DB-BD31-4B8C-83A1-F6EECF244321}">
+                <p14:modId xmlns:p14="http://schemas.microsoft.com/office/powerpoint/2010/main" val="2606431151"/>
+              </p:ext>
+            </p:extLst>
+          </p:nvPr>
+        </p:nvGraphicFramePr>
+        <p:xfrm>
+          <a:off x="640078" y="1261872"/>
+          <a:ext cx="10945370" cy="4754880"/>
+        </p:xfrm>
+        <a:graphic>
+          <a:graphicData uri="http://schemas.openxmlformats.org/drawingml/2006/table">
+            <a:tbl>
+              <a:tblPr firstRow="1" bandRow="1">
+                <a:tableStyleId>{5C22544A-7EE6-4342-B048-85BDC9FD1C3A}</a:tableStyleId>
+              </a:tblPr>
+              <a:tblGrid>
+                <a:gridCol w="5486402">
+                  <a:extLst>
+                    <a:ext uri="{9D8B030D-6E8A-4147-A177-3AD203B41FA5}">
+                      <a16:colId xmlns:a16="http://schemas.microsoft.com/office/drawing/2014/main" val="255323170"/>
+                    </a:ext>
+                  </a:extLst>
+                </a:gridCol>
+                <a:gridCol w="5458968">
+                  <a:extLst>
+                    <a:ext uri="{9D8B030D-6E8A-4147-A177-3AD203B41FA5}">
+                      <a16:colId xmlns:a16="http://schemas.microsoft.com/office/drawing/2014/main" val="2782776366"/>
+                    </a:ext>
+                  </a:extLst>
+                </a:gridCol>
+              </a:tblGrid>
+              <a:tr h="4489704">
+                <a:tc>
+                  <a:txBody>
+                    <a:bodyPr/>
+                    <a:lstStyle/>
+                    <a:p>
+                      <a:pPr marL="0" marR="0" lvl="0" indent="0" algn="l" defTabSz="914400" rtl="0" eaLnBrk="1" fontAlgn="auto" latinLnBrk="0" hangingPunct="1">
+                        <a:lnSpc>
+                          <a:spcPct val="100000"/>
+                        </a:lnSpc>
+                        <a:spcBef>
+                          <a:spcPts val="0"/>
+                        </a:spcBef>
+                        <a:spcAft>
+                          <a:spcPts val="0"/>
+                        </a:spcAft>
+                        <a:buClrTx/>
+                        <a:buSzTx/>
+                        <a:buFont typeface="Arial" panose="020B0604020202020204" pitchFamily="34" charset="0"/>
+                        <a:buNone/>
+                        <a:tabLst/>
+                        <a:defRPr/>
+                      </a:pPr>
+                      <a:r>
+                        <a:rPr lang="en-US" b="1" dirty="0" smtClean="0">
+                          <a:solidFill>
+                            <a:schemeClr val="tx1"/>
+                          </a:solidFill>
+                        </a:rPr>
+                        <a:t>https://ru.wikipedia.org/wiki/REST</a:t>
+                      </a:r>
+                      <a:r>
+                        <a:rPr lang="ru-RU" b="0" dirty="0" smtClean="0">
+                          <a:solidFill>
+                            <a:schemeClr val="tx1"/>
+                          </a:solidFill>
+                        </a:rPr>
+                        <a:t/>
+                      </a:r>
+                      <a:br>
+                        <a:rPr lang="ru-RU" b="0" dirty="0" smtClean="0">
+                          <a:solidFill>
+                            <a:schemeClr val="tx1"/>
+                          </a:solidFill>
+                        </a:rPr>
+                      </a:br>
+                      <a:endParaRPr lang="ru-RU" b="0" dirty="0" smtClean="0">
+                        <a:solidFill>
+                          <a:schemeClr val="tx1"/>
+                        </a:solidFill>
+                      </a:endParaRPr>
+                    </a:p>
+                    <a:p>
+                      <a:pPr marL="0" marR="0" lvl="0" indent="0" algn="l" defTabSz="914400" rtl="0" eaLnBrk="1" fontAlgn="auto" latinLnBrk="0" hangingPunct="1">
+                        <a:lnSpc>
+                          <a:spcPct val="100000"/>
+                        </a:lnSpc>
+                        <a:spcBef>
+                          <a:spcPts val="0"/>
+                        </a:spcBef>
+                        <a:spcAft>
+                          <a:spcPts val="0"/>
+                        </a:spcAft>
+                        <a:buClrTx/>
+                        <a:buSzTx/>
+                        <a:buFont typeface="Arial" panose="020B0604020202020204" pitchFamily="34" charset="0"/>
+                        <a:buNone/>
+                        <a:tabLst/>
+                        <a:defRPr/>
+                      </a:pPr>
+                      <a:r>
+                        <a:rPr lang="ru-RU" sz="1800" b="1" i="0" kern="1200" dirty="0" smtClean="0">
+                          <a:solidFill>
+                            <a:schemeClr val="tx1"/>
+                          </a:solidFill>
+                          <a:effectLst/>
+                          <a:latin typeface="+mn-lt"/>
+                          <a:ea typeface="+mn-ea"/>
+                          <a:cs typeface="+mn-cs"/>
+                        </a:rPr>
+                        <a:t>REST</a:t>
+                      </a:r>
+                      <a:r>
+                        <a:rPr lang="ru-RU" sz="1800" b="0" i="0" kern="1200" dirty="0" smtClean="0">
+                          <a:solidFill>
+                            <a:schemeClr val="tx1"/>
+                          </a:solidFill>
+                          <a:effectLst/>
+                          <a:latin typeface="+mn-lt"/>
+                          <a:ea typeface="+mn-ea"/>
+                          <a:cs typeface="+mn-cs"/>
+                        </a:rPr>
+                        <a:t> (</a:t>
+                      </a:r>
+                      <a:r>
+                        <a:rPr lang="ru-RU" sz="1800" b="1" i="1" kern="1200" dirty="0" err="1" smtClean="0">
+                          <a:solidFill>
+                            <a:schemeClr val="tx1"/>
+                          </a:solidFill>
+                          <a:effectLst/>
+                          <a:latin typeface="+mn-lt"/>
+                          <a:ea typeface="+mn-ea"/>
+                          <a:cs typeface="+mn-cs"/>
+                        </a:rPr>
+                        <a:t>Representational</a:t>
+                      </a:r>
+                      <a:r>
+                        <a:rPr lang="ru-RU" sz="1800" b="1" i="1" kern="1200" dirty="0" smtClean="0">
+                          <a:solidFill>
+                            <a:schemeClr val="tx1"/>
+                          </a:solidFill>
+                          <a:effectLst/>
+                          <a:latin typeface="+mn-lt"/>
+                          <a:ea typeface="+mn-ea"/>
+                          <a:cs typeface="+mn-cs"/>
+                        </a:rPr>
+                        <a:t> </a:t>
+                      </a:r>
+                      <a:r>
+                        <a:rPr lang="ru-RU" sz="1800" b="1" i="1" kern="1200" dirty="0" err="1" smtClean="0">
+                          <a:solidFill>
+                            <a:schemeClr val="tx1"/>
+                          </a:solidFill>
+                          <a:effectLst/>
+                          <a:latin typeface="+mn-lt"/>
+                          <a:ea typeface="+mn-ea"/>
+                          <a:cs typeface="+mn-cs"/>
+                        </a:rPr>
+                        <a:t>State</a:t>
+                      </a:r>
+                      <a:r>
+                        <a:rPr lang="ru-RU" sz="1800" b="1" i="1" kern="1200" dirty="0" smtClean="0">
+                          <a:solidFill>
+                            <a:schemeClr val="tx1"/>
+                          </a:solidFill>
+                          <a:effectLst/>
+                          <a:latin typeface="+mn-lt"/>
+                          <a:ea typeface="+mn-ea"/>
+                          <a:cs typeface="+mn-cs"/>
+                        </a:rPr>
+                        <a:t> </a:t>
+                      </a:r>
+                      <a:r>
+                        <a:rPr lang="ru-RU" sz="1800" b="1" i="1" kern="1200" dirty="0" err="1" smtClean="0">
+                          <a:solidFill>
+                            <a:schemeClr val="tx1"/>
+                          </a:solidFill>
+                          <a:effectLst/>
+                          <a:latin typeface="+mn-lt"/>
+                          <a:ea typeface="+mn-ea"/>
+                          <a:cs typeface="+mn-cs"/>
+                        </a:rPr>
+                        <a:t>Transfer</a:t>
+                      </a:r>
+                      <a:r>
+                        <a:rPr lang="ru-RU" sz="1800" b="0" i="0" kern="1200" dirty="0" smtClean="0">
+                          <a:solidFill>
+                            <a:schemeClr val="tx1"/>
+                          </a:solidFill>
+                          <a:effectLst/>
+                          <a:latin typeface="+mn-lt"/>
+                          <a:ea typeface="+mn-ea"/>
+                          <a:cs typeface="+mn-cs"/>
+                        </a:rPr>
+                        <a:t> — «передача состояния представления») — </a:t>
+                      </a:r>
+                      <a:r>
+                        <a:rPr lang="ru-RU" sz="1800" b="0" i="0" u="none" strike="noStrike" kern="1200" dirty="0" smtClean="0">
+                          <a:solidFill>
+                            <a:schemeClr val="tx1"/>
+                          </a:solidFill>
+                          <a:effectLst/>
+                          <a:latin typeface="+mn-lt"/>
+                          <a:ea typeface="+mn-ea"/>
+                          <a:cs typeface="+mn-cs"/>
+                        </a:rPr>
+                        <a:t>архитектурный стиль</a:t>
+                      </a:r>
+                      <a:r>
+                        <a:rPr lang="ru-RU" sz="1800" b="0" i="0" kern="1200" dirty="0" smtClean="0">
+                          <a:solidFill>
+                            <a:schemeClr val="tx1"/>
+                          </a:solidFill>
+                          <a:effectLst/>
+                          <a:latin typeface="+mn-lt"/>
+                          <a:ea typeface="+mn-ea"/>
+                          <a:cs typeface="+mn-cs"/>
+                        </a:rPr>
+                        <a:t> взаимодействия компонентов распределённого приложения в </a:t>
+                      </a:r>
+                      <a:r>
+                        <a:rPr lang="ru-RU" sz="1800" b="0" i="0" u="none" strike="noStrike" kern="1200" dirty="0" smtClean="0">
+                          <a:solidFill>
+                            <a:schemeClr val="tx1"/>
+                          </a:solidFill>
+                          <a:effectLst/>
+                          <a:latin typeface="+mn-lt"/>
+                          <a:ea typeface="+mn-ea"/>
+                          <a:cs typeface="+mn-cs"/>
+                        </a:rPr>
+                        <a:t>сети</a:t>
+                      </a:r>
+                      <a:r>
+                        <a:rPr lang="ru-RU" sz="1800" b="0" i="0" kern="1200" dirty="0" smtClean="0">
+                          <a:solidFill>
+                            <a:schemeClr val="tx1"/>
+                          </a:solidFill>
+                          <a:effectLst/>
+                          <a:latin typeface="+mn-lt"/>
+                          <a:ea typeface="+mn-ea"/>
+                          <a:cs typeface="+mn-cs"/>
+                        </a:rPr>
+                        <a:t>. </a:t>
+                      </a:r>
+                      <a:endParaRPr lang="ru-RU" b="0" dirty="0" smtClean="0">
+                        <a:solidFill>
+                          <a:schemeClr val="tx1"/>
+                        </a:solidFill>
+                      </a:endParaRPr>
+                    </a:p>
+                    <a:p>
+                      <a:pPr marL="0" marR="0" lvl="0" indent="0" algn="l" defTabSz="914400" rtl="0" eaLnBrk="1" fontAlgn="auto" latinLnBrk="0" hangingPunct="1">
+                        <a:lnSpc>
+                          <a:spcPct val="100000"/>
+                        </a:lnSpc>
+                        <a:spcBef>
+                          <a:spcPts val="0"/>
+                        </a:spcBef>
+                        <a:spcAft>
+                          <a:spcPts val="0"/>
+                        </a:spcAft>
+                        <a:buClrTx/>
+                        <a:buSzTx/>
+                        <a:buFont typeface="Arial" panose="020B0604020202020204" pitchFamily="34" charset="0"/>
+                        <a:buNone/>
+                        <a:tabLst/>
+                        <a:defRPr/>
+                      </a:pPr>
+                      <a:endParaRPr lang="ru-RU" b="1" dirty="0" smtClean="0">
+                        <a:solidFill>
+                          <a:srgbClr val="00B050"/>
+                        </a:solidFill>
+                      </a:endParaRPr>
+                    </a:p>
+                    <a:p>
+                      <a:pPr marL="0" marR="0" lvl="0" indent="0" algn="l" defTabSz="914400" rtl="0" eaLnBrk="1" fontAlgn="auto" latinLnBrk="0" hangingPunct="1">
+                        <a:lnSpc>
+                          <a:spcPct val="100000"/>
+                        </a:lnSpc>
+                        <a:spcBef>
+                          <a:spcPts val="0"/>
+                        </a:spcBef>
+                        <a:spcAft>
+                          <a:spcPts val="0"/>
+                        </a:spcAft>
+                        <a:buClrTx/>
+                        <a:buSzTx/>
+                        <a:buFont typeface="Arial" panose="020B0604020202020204" pitchFamily="34" charset="0"/>
+                        <a:buNone/>
+                        <a:tabLst/>
+                        <a:defRPr/>
+                      </a:pPr>
+                      <a:r>
+                        <a:rPr lang="ru-RU" b="1" dirty="0" smtClean="0">
+                          <a:solidFill>
+                            <a:srgbClr val="00B050"/>
+                          </a:solidFill>
+                        </a:rPr>
+                        <a:t>Плюсы</a:t>
+                      </a:r>
+                      <a:endParaRPr lang="ru-RU" b="1" dirty="0" smtClean="0">
+                        <a:solidFill>
+                          <a:srgbClr val="00B050"/>
+                        </a:solidFill>
+                      </a:endParaRPr>
+                    </a:p>
+                    <a:p>
+                      <a:pPr marL="285750" marR="0" lvl="0" indent="-285750" algn="l" defTabSz="914400" rtl="0" eaLnBrk="1" fontAlgn="auto" latinLnBrk="0" hangingPunct="1">
+                        <a:lnSpc>
+                          <a:spcPct val="100000"/>
+                        </a:lnSpc>
+                        <a:spcBef>
+                          <a:spcPts val="0"/>
+                        </a:spcBef>
+                        <a:spcAft>
+                          <a:spcPts val="0"/>
+                        </a:spcAft>
+                        <a:buClrTx/>
+                        <a:buSzTx/>
+                        <a:buFont typeface="Arial" panose="020B0604020202020204" pitchFamily="34" charset="0"/>
+                        <a:buChar char="•"/>
+                        <a:tabLst/>
+                        <a:defRPr/>
+                      </a:pPr>
+                      <a:r>
+                        <a:rPr lang="ru-RU" b="0" dirty="0" smtClean="0">
+                          <a:solidFill>
+                            <a:schemeClr val="tx1"/>
+                          </a:solidFill>
+                        </a:rPr>
+                        <a:t>Все</a:t>
+                      </a:r>
+                      <a:r>
+                        <a:rPr lang="ru-RU" b="0" baseline="0" dirty="0" smtClean="0">
+                          <a:solidFill>
+                            <a:schemeClr val="tx1"/>
+                          </a:solidFill>
+                        </a:rPr>
+                        <a:t> </a:t>
+                      </a:r>
+                      <a:r>
+                        <a:rPr lang="ru-RU" b="0" baseline="0" dirty="0" smtClean="0">
+                          <a:solidFill>
+                            <a:schemeClr val="tx1"/>
+                          </a:solidFill>
+                        </a:rPr>
+                        <a:t>знают как делать</a:t>
+                      </a:r>
+                    </a:p>
+                    <a:p>
+                      <a:pPr marL="285750" marR="0" lvl="0" indent="-285750" algn="l" defTabSz="914400" rtl="0" eaLnBrk="1" fontAlgn="auto" latinLnBrk="0" hangingPunct="1">
+                        <a:lnSpc>
+                          <a:spcPct val="100000"/>
+                        </a:lnSpc>
+                        <a:spcBef>
+                          <a:spcPts val="0"/>
+                        </a:spcBef>
+                        <a:spcAft>
+                          <a:spcPts val="0"/>
+                        </a:spcAft>
+                        <a:buClrTx/>
+                        <a:buSzTx/>
+                        <a:buFont typeface="Arial" panose="020B0604020202020204" pitchFamily="34" charset="0"/>
+                        <a:buChar char="•"/>
+                        <a:tabLst/>
+                        <a:defRPr/>
+                      </a:pPr>
+                      <a:r>
+                        <a:rPr lang="ru-RU" b="0" baseline="0" dirty="0" smtClean="0">
+                          <a:solidFill>
+                            <a:schemeClr val="tx1"/>
+                          </a:solidFill>
+                        </a:rPr>
+                        <a:t>Богатый инструментарий (управление</a:t>
+                      </a:r>
+                      <a:r>
+                        <a:rPr lang="en-US" b="0" baseline="0" dirty="0" smtClean="0">
+                          <a:solidFill>
+                            <a:schemeClr val="tx1"/>
+                          </a:solidFill>
+                        </a:rPr>
+                        <a:t> </a:t>
+                      </a:r>
+                      <a:r>
+                        <a:rPr lang="ru-RU" b="0" baseline="0" dirty="0" smtClean="0">
+                          <a:solidFill>
+                            <a:schemeClr val="tx1"/>
+                          </a:solidFill>
+                        </a:rPr>
+                        <a:t>сервисами, тестирование, </a:t>
+                      </a:r>
+                      <a:r>
+                        <a:rPr lang="ru-RU" b="0" baseline="0" dirty="0" err="1" smtClean="0">
+                          <a:solidFill>
+                            <a:schemeClr val="tx1"/>
+                          </a:solidFill>
+                        </a:rPr>
+                        <a:t>москирование</a:t>
+                      </a:r>
+                      <a:r>
+                        <a:rPr lang="ru-RU" b="0" baseline="0" dirty="0" smtClean="0">
+                          <a:solidFill>
+                            <a:schemeClr val="tx1"/>
+                          </a:solidFill>
+                        </a:rPr>
+                        <a:t>, фасады,…)</a:t>
+                      </a:r>
+                    </a:p>
+                    <a:p>
+                      <a:pPr marL="285750" marR="0" lvl="0" indent="-285750" algn="l" defTabSz="914400" rtl="0" eaLnBrk="1" fontAlgn="auto" latinLnBrk="0" hangingPunct="1">
+                        <a:lnSpc>
+                          <a:spcPct val="100000"/>
+                        </a:lnSpc>
+                        <a:spcBef>
+                          <a:spcPts val="0"/>
+                        </a:spcBef>
+                        <a:spcAft>
+                          <a:spcPts val="0"/>
+                        </a:spcAft>
+                        <a:buClrTx/>
+                        <a:buSzTx/>
+                        <a:buFont typeface="Arial" panose="020B0604020202020204" pitchFamily="34" charset="0"/>
+                        <a:buChar char="•"/>
+                        <a:tabLst/>
+                        <a:defRPr/>
+                      </a:pPr>
+                      <a:r>
+                        <a:rPr lang="ru-RU" b="0" baseline="0" dirty="0" smtClean="0">
+                          <a:solidFill>
+                            <a:schemeClr val="tx1"/>
+                          </a:solidFill>
+                        </a:rPr>
+                        <a:t>Отлично подходит для </a:t>
+                      </a:r>
+                      <a:r>
+                        <a:rPr lang="ru-RU" b="0" baseline="0" dirty="0" err="1" smtClean="0">
+                          <a:solidFill>
+                            <a:schemeClr val="tx1"/>
+                          </a:solidFill>
+                        </a:rPr>
+                        <a:t>микросервисной</a:t>
+                      </a:r>
+                      <a:r>
+                        <a:rPr lang="ru-RU" b="0" baseline="0" dirty="0" smtClean="0">
+                          <a:solidFill>
+                            <a:schemeClr val="tx1"/>
+                          </a:solidFill>
+                        </a:rPr>
+                        <a:t> архитектуры</a:t>
+                      </a:r>
+                    </a:p>
+                    <a:p>
+                      <a:pPr marL="285750" marR="0" lvl="0" indent="-285750" algn="l" defTabSz="914400" rtl="0" eaLnBrk="1" fontAlgn="auto" latinLnBrk="0" hangingPunct="1">
+                        <a:lnSpc>
+                          <a:spcPct val="100000"/>
+                        </a:lnSpc>
+                        <a:spcBef>
+                          <a:spcPts val="0"/>
+                        </a:spcBef>
+                        <a:spcAft>
+                          <a:spcPts val="0"/>
+                        </a:spcAft>
+                        <a:buClrTx/>
+                        <a:buSzTx/>
+                        <a:buFont typeface="Arial" panose="020B0604020202020204" pitchFamily="34" charset="0"/>
+                        <a:buChar char="•"/>
+                        <a:tabLst/>
+                        <a:defRPr/>
+                      </a:pPr>
+                      <a:r>
+                        <a:rPr lang="ru-RU" b="0" baseline="0" dirty="0" smtClean="0">
+                          <a:solidFill>
+                            <a:schemeClr val="tx1"/>
+                          </a:solidFill>
+                        </a:rPr>
+                        <a:t>Отлично расширяются через </a:t>
+                      </a:r>
+                      <a:r>
+                        <a:rPr lang="ru-RU" b="0" baseline="0" dirty="0" smtClean="0">
+                          <a:solidFill>
+                            <a:schemeClr val="tx1"/>
+                          </a:solidFill>
+                        </a:rPr>
+                        <a:t>фасад </a:t>
+                      </a:r>
+                      <a:r>
+                        <a:rPr lang="en-US" b="0" baseline="0" dirty="0" err="1" smtClean="0">
+                          <a:solidFill>
+                            <a:schemeClr val="tx1"/>
+                          </a:solidFill>
+                        </a:rPr>
+                        <a:t>ApiGateway</a:t>
+                      </a:r>
+                      <a:endParaRPr lang="en-US" b="0" baseline="0" dirty="0" smtClean="0">
+                        <a:solidFill>
+                          <a:schemeClr val="tx1"/>
+                        </a:solidFill>
+                      </a:endParaRPr>
+                    </a:p>
+                    <a:p>
+                      <a:pPr marL="285750" marR="0" lvl="0" indent="-285750" algn="l" defTabSz="914400" rtl="0" eaLnBrk="1" fontAlgn="auto" latinLnBrk="0" hangingPunct="1">
+                        <a:lnSpc>
+                          <a:spcPct val="100000"/>
+                        </a:lnSpc>
+                        <a:spcBef>
+                          <a:spcPts val="0"/>
+                        </a:spcBef>
+                        <a:spcAft>
+                          <a:spcPts val="0"/>
+                        </a:spcAft>
+                        <a:buClrTx/>
+                        <a:buSzTx/>
+                        <a:buFont typeface="Arial" panose="020B0604020202020204" pitchFamily="34" charset="0"/>
+                        <a:buChar char="•"/>
+                        <a:tabLst/>
+                        <a:defRPr/>
+                      </a:pPr>
+                      <a:r>
+                        <a:rPr lang="en-US" sz="1800" b="0" kern="1200" baseline="0" dirty="0" smtClean="0">
+                          <a:solidFill>
+                            <a:schemeClr val="tx1"/>
+                          </a:solidFill>
+                          <a:latin typeface="+mn-lt"/>
+                          <a:ea typeface="+mn-ea"/>
+                          <a:cs typeface="+mn-cs"/>
+                        </a:rPr>
+                        <a:t>HATEOAS (Hypermedia as the Engine of Application State)</a:t>
+                      </a:r>
+                      <a:r>
+                        <a:rPr lang="en-US" b="0" baseline="0" dirty="0" smtClean="0">
+                          <a:solidFill>
+                            <a:schemeClr val="tx1"/>
+                          </a:solidFill>
+                        </a:rPr>
+                        <a:t> </a:t>
+                      </a:r>
+                      <a:r>
+                        <a:rPr lang="en-US" b="0" dirty="0" smtClean="0">
+                          <a:solidFill>
+                            <a:schemeClr val="tx1"/>
+                          </a:solidFill>
+                        </a:rPr>
+                        <a:t/>
+                      </a:r>
+                      <a:br>
+                        <a:rPr lang="en-US" b="0" dirty="0" smtClean="0">
+                          <a:solidFill>
+                            <a:schemeClr val="tx1"/>
+                          </a:solidFill>
+                        </a:rPr>
+                      </a:br>
+                      <a:endParaRPr lang="ru-RU" sz="1800" b="0" kern="1200" dirty="0">
+                        <a:solidFill>
+                          <a:schemeClr val="tx1"/>
+                        </a:solidFill>
+                        <a:latin typeface="+mn-lt"/>
+                        <a:ea typeface="+mn-ea"/>
+                        <a:cs typeface="+mn-cs"/>
+                      </a:endParaRPr>
+                    </a:p>
+                  </a:txBody>
+                  <a:tcPr>
+                    <a:solidFill>
+                      <a:schemeClr val="bg1"/>
+                    </a:solidFill>
+                  </a:tcPr>
+                </a:tc>
+                <a:tc>
+                  <a:txBody>
+                    <a:bodyPr/>
+                    <a:lstStyle/>
+                    <a:p>
+                      <a:pPr marL="0" indent="0">
+                        <a:buFont typeface="Arial" panose="020B0604020202020204" pitchFamily="34" charset="0"/>
+                        <a:buNone/>
+                      </a:pPr>
+                      <a:r>
+                        <a:rPr lang="ru-RU" b="1" dirty="0" smtClean="0">
+                          <a:solidFill>
+                            <a:srgbClr val="FF0000"/>
+                          </a:solidFill>
+                        </a:rPr>
+                        <a:t>Минусы</a:t>
+                      </a:r>
+                      <a:endParaRPr lang="en-US" b="1" dirty="0" smtClean="0">
+                        <a:solidFill>
+                          <a:srgbClr val="FF0000"/>
+                        </a:solidFill>
+                      </a:endParaRPr>
+                    </a:p>
+                    <a:p>
+                      <a:pPr marL="342900" marR="0" lvl="0" indent="-342900" algn="l" defTabSz="914400" rtl="0" eaLnBrk="1" fontAlgn="auto" latinLnBrk="0" hangingPunct="1">
+                        <a:lnSpc>
+                          <a:spcPct val="100000"/>
+                        </a:lnSpc>
+                        <a:spcBef>
+                          <a:spcPts val="0"/>
+                        </a:spcBef>
+                        <a:spcAft>
+                          <a:spcPts val="0"/>
+                        </a:spcAft>
+                        <a:buClrTx/>
+                        <a:buSzTx/>
+                        <a:buFont typeface="Arial" panose="020B0604020202020204" pitchFamily="34" charset="0"/>
+                        <a:buChar char="•"/>
+                        <a:tabLst/>
+                        <a:defRPr/>
+                      </a:pPr>
+                      <a:r>
+                        <a:rPr lang="ru-RU" b="1" dirty="0" smtClean="0">
+                          <a:solidFill>
+                            <a:schemeClr val="tx1"/>
+                          </a:solidFill>
+                        </a:rPr>
+                        <a:t>Много </a:t>
+                      </a:r>
+                      <a:r>
+                        <a:rPr lang="en-US" b="1" dirty="0" smtClean="0">
+                          <a:solidFill>
+                            <a:schemeClr val="tx1"/>
+                          </a:solidFill>
+                        </a:rPr>
+                        <a:t>endpoint</a:t>
+                      </a:r>
+                      <a:r>
+                        <a:rPr lang="en-US" b="0" dirty="0" smtClean="0">
+                          <a:solidFill>
+                            <a:schemeClr val="tx1"/>
+                          </a:solidFill>
+                        </a:rPr>
+                        <a:t> - c</a:t>
+                      </a:r>
+                      <a:r>
+                        <a:rPr lang="ru-RU" b="0" dirty="0" smtClean="0">
+                          <a:solidFill>
+                            <a:schemeClr val="tx1"/>
+                          </a:solidFill>
+                        </a:rPr>
+                        <a:t>ложно для клиента, </a:t>
+                      </a:r>
+                      <a:r>
+                        <a:rPr lang="ru-RU" b="0" dirty="0" smtClean="0">
+                          <a:solidFill>
+                            <a:schemeClr val="tx1"/>
+                          </a:solidFill>
+                        </a:rPr>
+                        <a:t>особенно если много </a:t>
+                      </a:r>
+                      <a:r>
+                        <a:rPr lang="en-US" b="0" dirty="0" smtClean="0">
+                          <a:solidFill>
+                            <a:schemeClr val="tx1"/>
+                          </a:solidFill>
+                        </a:rPr>
+                        <a:t>endpoint</a:t>
+                      </a:r>
+                      <a:r>
+                        <a:rPr lang="ru-RU" b="0" dirty="0" smtClean="0">
+                          <a:solidFill>
+                            <a:schemeClr val="tx1"/>
+                          </a:solidFill>
+                        </a:rPr>
+                        <a:t> (</a:t>
+                      </a:r>
+                      <a:r>
+                        <a:rPr lang="en-US" b="0" baseline="0" dirty="0" err="1" smtClean="0">
+                          <a:solidFill>
+                            <a:schemeClr val="tx1"/>
+                          </a:solidFill>
+                        </a:rPr>
+                        <a:t>ApiGateway</a:t>
+                      </a:r>
+                      <a:r>
+                        <a:rPr lang="en-US" b="0" baseline="0" dirty="0" smtClean="0">
+                          <a:solidFill>
+                            <a:schemeClr val="tx1"/>
+                          </a:solidFill>
+                        </a:rPr>
+                        <a:t> </a:t>
+                      </a:r>
+                      <a:r>
+                        <a:rPr lang="ru-RU" b="0" baseline="0" dirty="0" smtClean="0">
+                          <a:solidFill>
+                            <a:schemeClr val="tx1"/>
+                          </a:solidFill>
+                        </a:rPr>
+                        <a:t>сглаживает проблему</a:t>
+                      </a:r>
+                      <a:r>
+                        <a:rPr lang="ru-RU" b="0" dirty="0" smtClean="0">
+                          <a:solidFill>
+                            <a:schemeClr val="tx1"/>
+                          </a:solidFill>
+                        </a:rPr>
+                        <a:t>)</a:t>
+                      </a:r>
+                      <a:endParaRPr lang="en-US" b="0" dirty="0" smtClean="0">
+                        <a:solidFill>
+                          <a:schemeClr val="tx1"/>
+                        </a:solidFill>
+                      </a:endParaRPr>
+                    </a:p>
+                    <a:p>
+                      <a:pPr marL="342900" marR="0" lvl="0" indent="-342900" algn="l" defTabSz="914400" rtl="0" eaLnBrk="1" fontAlgn="auto" latinLnBrk="0" hangingPunct="1">
+                        <a:lnSpc>
+                          <a:spcPct val="100000"/>
+                        </a:lnSpc>
+                        <a:spcBef>
+                          <a:spcPts val="0"/>
+                        </a:spcBef>
+                        <a:spcAft>
+                          <a:spcPts val="0"/>
+                        </a:spcAft>
+                        <a:buClrTx/>
+                        <a:buSzTx/>
+                        <a:buFont typeface="Arial" panose="020B0604020202020204" pitchFamily="34" charset="0"/>
+                        <a:buChar char="•"/>
+                        <a:tabLst/>
+                        <a:defRPr/>
+                      </a:pPr>
+                      <a:r>
+                        <a:rPr lang="ru-RU" b="1" dirty="0" smtClean="0">
+                          <a:solidFill>
+                            <a:schemeClr val="tx1"/>
+                          </a:solidFill>
+                        </a:rPr>
+                        <a:t>Нет</a:t>
+                      </a:r>
+                      <a:r>
+                        <a:rPr lang="ru-RU" b="1" baseline="0" dirty="0" smtClean="0">
+                          <a:solidFill>
+                            <a:schemeClr val="tx1"/>
+                          </a:solidFill>
+                        </a:rPr>
+                        <a:t> контракта между клиентом и сервером</a:t>
+                      </a:r>
+                      <a:r>
+                        <a:rPr lang="ru-RU" b="0" baseline="0" dirty="0" smtClean="0">
+                          <a:solidFill>
+                            <a:schemeClr val="tx1"/>
+                          </a:solidFill>
+                        </a:rPr>
+                        <a:t> – </a:t>
+                      </a:r>
+                      <a:r>
+                        <a:rPr lang="en-US" b="0" baseline="0" dirty="0" smtClean="0">
+                          <a:solidFill>
+                            <a:schemeClr val="tx1"/>
+                          </a:solidFill>
+                        </a:rPr>
+                        <a:t>Swagger </a:t>
+                      </a:r>
+                      <a:r>
+                        <a:rPr lang="ru-RU" b="0" baseline="0" dirty="0" smtClean="0">
+                          <a:solidFill>
+                            <a:schemeClr val="tx1"/>
+                          </a:solidFill>
+                        </a:rPr>
+                        <a:t>немного сглаживает ситуацию, но это</a:t>
+                      </a:r>
+                      <a:r>
+                        <a:rPr lang="en-US" b="0" baseline="0" dirty="0" smtClean="0">
+                          <a:solidFill>
+                            <a:schemeClr val="tx1"/>
+                          </a:solidFill>
+                        </a:rPr>
+                        <a:t> </a:t>
+                      </a:r>
+                      <a:r>
+                        <a:rPr lang="ru-RU" b="0" baseline="0" dirty="0" smtClean="0">
+                          <a:solidFill>
+                            <a:schemeClr val="tx1"/>
+                          </a:solidFill>
+                        </a:rPr>
+                        <a:t>больше документирование </a:t>
+                      </a:r>
+                      <a:r>
+                        <a:rPr lang="en-US" b="0" baseline="0" dirty="0" smtClean="0">
+                          <a:solidFill>
+                            <a:schemeClr val="tx1"/>
+                          </a:solidFill>
+                        </a:rPr>
+                        <a:t>REST-API</a:t>
+                      </a:r>
+                      <a:r>
+                        <a:rPr lang="ru-RU" b="0" baseline="0" dirty="0" smtClean="0">
+                          <a:solidFill>
+                            <a:schemeClr val="tx1"/>
+                          </a:solidFill>
+                        </a:rPr>
+                        <a:t>, а не контракт</a:t>
+                      </a:r>
+                    </a:p>
+                    <a:p>
+                      <a:pPr marL="342900" marR="0" lvl="0" indent="-342900" algn="l" defTabSz="914400" rtl="0" eaLnBrk="1" fontAlgn="auto" latinLnBrk="0" hangingPunct="1">
+                        <a:lnSpc>
+                          <a:spcPct val="100000"/>
+                        </a:lnSpc>
+                        <a:spcBef>
+                          <a:spcPts val="0"/>
+                        </a:spcBef>
+                        <a:spcAft>
+                          <a:spcPts val="0"/>
+                        </a:spcAft>
+                        <a:buClrTx/>
+                        <a:buSzTx/>
+                        <a:buFont typeface="Arial" panose="020B0604020202020204" pitchFamily="34" charset="0"/>
+                        <a:buChar char="•"/>
+                        <a:tabLst/>
+                        <a:defRPr/>
+                      </a:pPr>
+                      <a:r>
+                        <a:rPr lang="ru-RU" b="0" dirty="0" smtClean="0">
+                          <a:solidFill>
+                            <a:schemeClr val="tx1"/>
+                          </a:solidFill>
+                        </a:rPr>
+                        <a:t>Нет средств генерирования </a:t>
+                      </a:r>
+                      <a:r>
+                        <a:rPr lang="ru-RU" b="0" dirty="0" smtClean="0">
+                          <a:solidFill>
+                            <a:schemeClr val="tx1"/>
+                          </a:solidFill>
+                        </a:rPr>
+                        <a:t>клиента\сервера </a:t>
+                      </a:r>
+                      <a:r>
+                        <a:rPr lang="ru-RU" b="0" dirty="0" smtClean="0">
+                          <a:solidFill>
+                            <a:schemeClr val="tx1"/>
+                          </a:solidFill>
+                        </a:rPr>
+                        <a:t>по спецификации</a:t>
+                      </a:r>
+                      <a:r>
+                        <a:rPr lang="ru-RU" b="0" baseline="0" dirty="0" smtClean="0">
+                          <a:solidFill>
+                            <a:schemeClr val="tx1"/>
+                          </a:solidFill>
+                        </a:rPr>
+                        <a:t> </a:t>
+                      </a:r>
+                      <a:r>
+                        <a:rPr lang="en-US" b="0" baseline="0" dirty="0" smtClean="0">
+                          <a:solidFill>
+                            <a:schemeClr val="tx1"/>
+                          </a:solidFill>
+                        </a:rPr>
+                        <a:t>REST-API </a:t>
+                      </a:r>
+                      <a:r>
+                        <a:rPr lang="ru-RU" b="0" baseline="0" dirty="0" smtClean="0">
+                          <a:solidFill>
+                            <a:schemeClr val="tx1"/>
+                          </a:solidFill>
+                        </a:rPr>
+                        <a:t>сервисов – все приходится </a:t>
+                      </a:r>
+                      <a:r>
+                        <a:rPr lang="ru-RU" b="0" baseline="0" dirty="0" smtClean="0">
+                          <a:solidFill>
+                            <a:schemeClr val="tx1"/>
+                          </a:solidFill>
+                        </a:rPr>
+                        <a:t>«писать» вручную и переписывать при изменении форматов</a:t>
+                      </a:r>
+                      <a:endParaRPr lang="en-US" b="0" baseline="0" dirty="0" smtClean="0">
+                        <a:solidFill>
+                          <a:schemeClr val="tx1"/>
+                        </a:solidFill>
+                      </a:endParaRPr>
+                    </a:p>
+                    <a:p>
+                      <a:pPr marL="342900" marR="0" lvl="0" indent="-342900" algn="l" defTabSz="914400" rtl="0" eaLnBrk="1" fontAlgn="auto" latinLnBrk="0" hangingPunct="1">
+                        <a:lnSpc>
+                          <a:spcPct val="100000"/>
+                        </a:lnSpc>
+                        <a:spcBef>
+                          <a:spcPts val="0"/>
+                        </a:spcBef>
+                        <a:spcAft>
+                          <a:spcPts val="0"/>
+                        </a:spcAft>
+                        <a:buClrTx/>
+                        <a:buSzTx/>
+                        <a:buFont typeface="Arial" panose="020B0604020202020204" pitchFamily="34" charset="0"/>
+                        <a:buChar char="•"/>
+                        <a:tabLst/>
+                        <a:defRPr/>
+                      </a:pPr>
+                      <a:r>
+                        <a:rPr lang="ru-RU" sz="1800" b="0" kern="1200" baseline="0" dirty="0" smtClean="0">
+                          <a:solidFill>
+                            <a:schemeClr val="tx1"/>
+                          </a:solidFill>
+                          <a:latin typeface="+mn-lt"/>
+                          <a:ea typeface="+mn-ea"/>
+                          <a:cs typeface="+mn-cs"/>
+                        </a:rPr>
+                        <a:t>Много </a:t>
+                      </a:r>
+                      <a:r>
+                        <a:rPr lang="ru-RU" sz="1800" b="0" kern="1200" baseline="0" dirty="0" smtClean="0">
+                          <a:solidFill>
+                            <a:schemeClr val="tx1"/>
+                          </a:solidFill>
+                          <a:latin typeface="+mn-lt"/>
+                          <a:ea typeface="+mn-ea"/>
+                          <a:cs typeface="+mn-cs"/>
+                        </a:rPr>
+                        <a:t>запросов между клиентом и </a:t>
+                      </a:r>
+                      <a:r>
+                        <a:rPr lang="ru-RU" sz="1800" b="0" kern="1200" baseline="0" dirty="0" smtClean="0">
+                          <a:solidFill>
+                            <a:schemeClr val="tx1"/>
+                          </a:solidFill>
+                          <a:latin typeface="+mn-lt"/>
+                          <a:ea typeface="+mn-ea"/>
+                          <a:cs typeface="+mn-cs"/>
+                        </a:rPr>
+                        <a:t>сервисом</a:t>
+                      </a:r>
+                      <a:endParaRPr lang="ru-RU" sz="1800" b="0" kern="1200" baseline="0" dirty="0" smtClean="0">
+                        <a:solidFill>
+                          <a:schemeClr val="tx1"/>
+                        </a:solidFill>
+                        <a:latin typeface="+mn-lt"/>
+                        <a:ea typeface="+mn-ea"/>
+                        <a:cs typeface="+mn-cs"/>
+                      </a:endParaRPr>
+                    </a:p>
+                  </a:txBody>
+                  <a:tcPr>
+                    <a:solidFill>
+                      <a:schemeClr val="bg1"/>
+                    </a:solidFill>
+                  </a:tcPr>
+                </a:tc>
+                <a:extLst>
+                  <a:ext uri="{0D108BD9-81ED-4DB2-BD59-A6C34878D82A}">
+                    <a16:rowId xmlns:a16="http://schemas.microsoft.com/office/drawing/2014/main" val="731750577"/>
+                  </a:ext>
+                </a:extLst>
+              </a:tr>
+            </a:tbl>
+          </a:graphicData>
+        </a:graphic>
+      </p:graphicFrame>
     </p:spTree>
     <p:extLst>
       <p:ext uri="{BB962C8B-B14F-4D97-AF65-F5344CB8AC3E}">

--- a/graphql-spring-node.pptx
+++ b/graphql-spring-node.pptx
@@ -3212,6 +3212,13 @@
   <p:clrMapOvr>
     <a:masterClrMapping/>
   </p:clrMapOvr>
+  <p:timing>
+    <p:tnLst>
+      <p:par>
+        <p:cTn id="1" dur="indefinite" restart="never" nodeType="tmRoot"/>
+      </p:par>
+    </p:tnLst>
+  </p:timing>
 </p:sld>
 </file>
 
@@ -5000,6 +5007,13 @@
   <p:clrMapOvr>
     <a:masterClrMapping/>
   </p:clrMapOvr>
+  <p:timing>
+    <p:tnLst>
+      <p:par>
+        <p:cTn id="1" dur="indefinite" restart="never" nodeType="tmRoot"/>
+      </p:par>
+    </p:tnLst>
+  </p:timing>
 </p:sld>
 </file>
 
@@ -8478,6 +8492,13 @@
   <p:clrMapOvr>
     <a:masterClrMapping/>
   </p:clrMapOvr>
+  <p:timing>
+    <p:tnLst>
+      <p:par>
+        <p:cTn id="1" dur="indefinite" restart="never" nodeType="tmRoot"/>
+      </p:par>
+    </p:tnLst>
+  </p:timing>
 </p:sld>
 </file>
 
@@ -10307,7 +10328,7 @@
           <p:nvPr>
             <p:extLst>
               <p:ext uri="{D42A27DB-BD31-4B8C-83A1-F6EECF244321}">
-                <p14:modId xmlns:p14="http://schemas.microsoft.com/office/powerpoint/2010/main" val="2606431151"/>
+                <p14:modId xmlns:p14="http://schemas.microsoft.com/office/powerpoint/2010/main" val="3847510884"/>
               </p:ext>
             </p:extLst>
           </p:nvPr>
@@ -10608,11 +10629,6 @@
                         </a:rPr>
                         <a:t>Плюсы</a:t>
                       </a:r>
-                      <a:endParaRPr lang="ru-RU" b="1" dirty="0" smtClean="0">
-                        <a:solidFill>
-                          <a:srgbClr val="00B050"/>
-                        </a:solidFill>
-                      </a:endParaRPr>
                     </a:p>
                     <a:p>
                       <a:pPr marL="285750" marR="0" lvl="0" indent="-285750" algn="l" defTabSz="914400" rtl="0" eaLnBrk="1" fontAlgn="auto" latinLnBrk="0" hangingPunct="1">
@@ -10646,15 +10662,7 @@
                             <a:schemeClr val="tx1"/>
                           </a:solidFill>
                         </a:rPr>
-                        <a:t> </a:t>
-                      </a:r>
-                      <a:r>
-                        <a:rPr lang="ru-RU" b="0" baseline="0" dirty="0" smtClean="0">
-                          <a:solidFill>
-                            <a:schemeClr val="tx1"/>
-                          </a:solidFill>
-                        </a:rPr>
-                        <a:t>знают как делать</a:t>
+                        <a:t> знают как делать</a:t>
                       </a:r>
                     </a:p>
                     <a:p>
@@ -10783,15 +10791,7 @@
                             <a:schemeClr val="tx1"/>
                           </a:solidFill>
                         </a:rPr>
-                        <a:t>Отлично расширяются через </a:t>
-                      </a:r>
-                      <a:r>
-                        <a:rPr lang="ru-RU" b="0" baseline="0" dirty="0" smtClean="0">
-                          <a:solidFill>
-                            <a:schemeClr val="tx1"/>
-                          </a:solidFill>
-                        </a:rPr>
-                        <a:t>фасад </a:t>
+                        <a:t>Отлично расширяются через фасад </a:t>
                       </a:r>
                       <a:r>
                         <a:rPr lang="en-US" b="0" baseline="0" dirty="0" err="1" smtClean="0">
@@ -10946,15 +10946,7 @@
                             <a:schemeClr val="tx1"/>
                           </a:solidFill>
                         </a:rPr>
-                        <a:t>ложно для клиента, </a:t>
-                      </a:r>
-                      <a:r>
-                        <a:rPr lang="ru-RU" b="0" dirty="0" smtClean="0">
-                          <a:solidFill>
-                            <a:schemeClr val="tx1"/>
-                          </a:solidFill>
-                        </a:rPr>
-                        <a:t>особенно если много </a:t>
+                        <a:t>ложно для клиента, особенно если много </a:t>
                       </a:r>
                       <a:r>
                         <a:rPr lang="en-US" b="0" dirty="0" smtClean="0">
@@ -11125,23 +11117,7 @@
                             <a:schemeClr val="tx1"/>
                           </a:solidFill>
                         </a:rPr>
-                        <a:t>Нет средств генерирования </a:t>
-                      </a:r>
-                      <a:r>
-                        <a:rPr lang="ru-RU" b="0" dirty="0" smtClean="0">
-                          <a:solidFill>
-                            <a:schemeClr val="tx1"/>
-                          </a:solidFill>
-                        </a:rPr>
-                        <a:t>клиента\сервера </a:t>
-                      </a:r>
-                      <a:r>
-                        <a:rPr lang="ru-RU" b="0" dirty="0" smtClean="0">
-                          <a:solidFill>
-                            <a:schemeClr val="tx1"/>
-                          </a:solidFill>
-                        </a:rPr>
-                        <a:t>по спецификации</a:t>
+                        <a:t>Нет средств генерирования клиента\сервера по спецификации</a:t>
                       </a:r>
                       <a:r>
                         <a:rPr lang="ru-RU" b="0" baseline="0" dirty="0" smtClean="0">
@@ -11165,7 +11141,7 @@
                             <a:schemeClr val="tx1"/>
                           </a:solidFill>
                         </a:rPr>
-                        <a:t>сервисов – все приходится </a:t>
+                        <a:t>сервисов – все приходится «писать» вручную и переписывать при изменении </a:t>
                       </a:r>
                       <a:r>
                         <a:rPr lang="ru-RU" b="0" baseline="0" dirty="0" smtClean="0">
@@ -11173,7 +11149,7 @@
                             <a:schemeClr val="tx1"/>
                           </a:solidFill>
                         </a:rPr>
-                        <a:t>«писать» вручную и переписывать при изменении форматов</a:t>
+                        <a:t>форматов</a:t>
                       </a:r>
                       <a:endParaRPr lang="en-US" b="0" baseline="0" dirty="0" smtClean="0">
                         <a:solidFill>
@@ -11200,6 +11176,54 @@
                         <a:defRPr/>
                       </a:pPr>
                       <a:r>
+                        <a:rPr lang="ru-RU" b="0" baseline="0" dirty="0" smtClean="0">
+                          <a:solidFill>
+                            <a:schemeClr val="tx1"/>
+                          </a:solidFill>
+                        </a:rPr>
+                        <a:t>Изменения </a:t>
+                      </a:r>
+                      <a:r>
+                        <a:rPr lang="ru-RU" b="0" baseline="0" smtClean="0">
+                          <a:solidFill>
+                            <a:schemeClr val="tx1"/>
+                          </a:solidFill>
+                        </a:rPr>
+                        <a:t>в модели </a:t>
+                      </a:r>
+                      <a:r>
+                        <a:rPr lang="ru-RU" b="0" baseline="0" dirty="0" smtClean="0">
+                          <a:solidFill>
+                            <a:schemeClr val="tx1"/>
+                          </a:solidFill>
+                        </a:rPr>
+                        <a:t>данных на сервере чаще всего приводят к несовместимости на клиенте (добавление нового поля в сущности например)</a:t>
+                      </a:r>
+                      <a:endParaRPr lang="en-US" b="0" baseline="0" dirty="0" smtClean="0">
+                        <a:solidFill>
+                          <a:schemeClr val="tx1"/>
+                        </a:solidFill>
+                      </a:endParaRPr>
+                    </a:p>
+                    <a:p>
+                      <a:pPr marL="342900" marR="0" lvl="0" indent="-342900" algn="l" defTabSz="914400" rtl="0" eaLnBrk="1" fontAlgn="auto" latinLnBrk="0" hangingPunct="1">
+                        <a:lnSpc>
+                          <a:spcPct val="100000"/>
+                        </a:lnSpc>
+                        <a:spcBef>
+                          <a:spcPts val="0"/>
+                        </a:spcBef>
+                        <a:spcAft>
+                          <a:spcPts val="0"/>
+                        </a:spcAft>
+                        <a:buClrTx/>
+                        <a:buSzTx/>
+                        <a:buFont typeface="Arial" panose="020B0604020202020204" pitchFamily="34" charset="0"/>
+                        <a:buChar char="•"/>
+                        <a:tabLst/>
+                        <a:defRPr/>
+                      </a:pPr>
+                      <a:r>
                         <a:rPr lang="ru-RU" sz="1800" b="0" kern="1200" baseline="0" dirty="0" smtClean="0">
                           <a:solidFill>
                             <a:schemeClr val="tx1"/>
@@ -11208,38 +11232,8 @@
                           <a:ea typeface="+mn-ea"/>
                           <a:cs typeface="+mn-cs"/>
                         </a:rPr>
-                        <a:t>Много </a:t>
-                      </a:r>
-                      <a:r>
-                        <a:rPr lang="ru-RU" sz="1800" b="0" kern="1200" baseline="0" dirty="0" smtClean="0">
-                          <a:solidFill>
-                            <a:schemeClr val="tx1"/>
-                          </a:solidFill>
-                          <a:latin typeface="+mn-lt"/>
-                          <a:ea typeface="+mn-ea"/>
-                          <a:cs typeface="+mn-cs"/>
-                        </a:rPr>
-                        <a:t>запросов между клиентом и </a:t>
-                      </a:r>
-                      <a:r>
-                        <a:rPr lang="ru-RU" sz="1800" b="0" kern="1200" baseline="0" dirty="0" smtClean="0">
-                          <a:solidFill>
-                            <a:schemeClr val="tx1"/>
-                          </a:solidFill>
-                          <a:latin typeface="+mn-lt"/>
-                          <a:ea typeface="+mn-ea"/>
-                          <a:cs typeface="+mn-cs"/>
-                        </a:rPr>
-                        <a:t>сервисом</a:t>
-                      </a:r>
-                      <a:endParaRPr lang="ru-RU" sz="1800" b="0" kern="1200" baseline="0" dirty="0" smtClean="0">
-                        <a:solidFill>
-                          <a:schemeClr val="tx1"/>
-                        </a:solidFill>
-                        <a:latin typeface="+mn-lt"/>
-                        <a:ea typeface="+mn-ea"/>
-                        <a:cs typeface="+mn-cs"/>
-                      </a:endParaRPr>
+                        <a:t>Много запросов между клиентом и сервисом</a:t>
+                      </a:r>
                     </a:p>
                   </a:txBody>
                   <a:tcPr>
